--- a/SE2019春-G24-项目计划书.pptx
+++ b/SE2019春-G24-项目计划书.pptx
@@ -5,7 +5,7 @@
     <p:sldMasterId id="2147483648" r:id="rId1"/>
   </p:sldMasterIdLst>
   <p:notesMasterIdLst>
-    <p:notesMasterId r:id="rId24"/>
+    <p:notesMasterId r:id="rId26"/>
   </p:notesMasterIdLst>
   <p:sldIdLst>
     <p:sldId id="256" r:id="rId2"/>
@@ -16,20 +16,22 @@
     <p:sldId id="267" r:id="rId7"/>
     <p:sldId id="287" r:id="rId8"/>
     <p:sldId id="294" r:id="rId9"/>
-    <p:sldId id="295" r:id="rId10"/>
-    <p:sldId id="273" r:id="rId11"/>
-    <p:sldId id="268" r:id="rId12"/>
-    <p:sldId id="296" r:id="rId13"/>
-    <p:sldId id="274" r:id="rId14"/>
-    <p:sldId id="298" r:id="rId15"/>
+    <p:sldId id="302" r:id="rId10"/>
+    <p:sldId id="295" r:id="rId11"/>
+    <p:sldId id="273" r:id="rId12"/>
+    <p:sldId id="268" r:id="rId13"/>
+    <p:sldId id="296" r:id="rId14"/>
+    <p:sldId id="274" r:id="rId15"/>
     <p:sldId id="288" r:id="rId16"/>
-    <p:sldId id="289" r:id="rId17"/>
-    <p:sldId id="291" r:id="rId18"/>
-    <p:sldId id="292" r:id="rId19"/>
-    <p:sldId id="280" r:id="rId20"/>
-    <p:sldId id="275" r:id="rId21"/>
-    <p:sldId id="297" r:id="rId22"/>
-    <p:sldId id="286" r:id="rId23"/>
+    <p:sldId id="298" r:id="rId17"/>
+    <p:sldId id="289" r:id="rId18"/>
+    <p:sldId id="291" r:id="rId19"/>
+    <p:sldId id="292" r:id="rId20"/>
+    <p:sldId id="280" r:id="rId21"/>
+    <p:sldId id="275" r:id="rId22"/>
+    <p:sldId id="299" r:id="rId23"/>
+    <p:sldId id="297" r:id="rId24"/>
+    <p:sldId id="286" r:id="rId25"/>
   </p:sldIdLst>
   <p:sldSz cx="12192000" cy="6858000"/>
   <p:notesSz cx="6858000" cy="9144000"/>
@@ -288,7 +290,7 @@
             </a:pPr>
             <a:fld id="{D5656DBE-5289-450B-8A9E-500104CEAFC2}" type="datetimeFigureOut">
               <a:rPr lang="zh-CN" altLang="en-US"/>
-              <a:t>2019/3/23</a:t>
+              <a:t>2019/3/25</a:t>
             </a:fld>
             <a:endParaRPr lang="zh-CN" altLang="en-US"/>
           </a:p>
@@ -929,7 +931,7 @@
               <a:rPr lang="zh-CN" altLang="en-US">
                 <a:cs typeface="华文仿宋"/>
               </a:rPr>
-              <a:t>16</a:t>
+              <a:t>17</a:t>
             </a:fld>
             <a:endParaRPr lang="zh-CN" altLang="en-US">
               <a:cs typeface="华文仿宋"/>
@@ -1045,7 +1047,7 @@
               <a:rPr lang="zh-CN" altLang="en-US">
                 <a:cs typeface="华文仿宋"/>
               </a:rPr>
-              <a:t>17</a:t>
+              <a:t>18</a:t>
             </a:fld>
             <a:endParaRPr lang="zh-CN" altLang="en-US">
               <a:cs typeface="华文仿宋"/>
@@ -1161,7 +1163,7 @@
               <a:rPr lang="zh-CN" altLang="en-US">
                 <a:cs typeface="华文仿宋"/>
               </a:rPr>
-              <a:t>18</a:t>
+              <a:t>19</a:t>
             </a:fld>
             <a:endParaRPr lang="zh-CN" altLang="en-US">
               <a:cs typeface="华文仿宋"/>
@@ -1277,7 +1279,7 @@
               <a:rPr lang="zh-CN" altLang="en-US">
                 <a:cs typeface="华文仿宋"/>
               </a:rPr>
-              <a:t>19</a:t>
+              <a:t>20</a:t>
             </a:fld>
             <a:endParaRPr lang="zh-CN" altLang="en-US">
               <a:cs typeface="华文仿宋"/>
@@ -1388,7 +1390,7 @@
               <a:rPr lang="zh-CN" altLang="en-US">
                 <a:cs typeface="华文仿宋"/>
               </a:rPr>
-              <a:t>20</a:t>
+              <a:t>21</a:t>
             </a:fld>
             <a:endParaRPr lang="zh-CN" altLang="en-US">
               <a:cs typeface="华文仿宋"/>
@@ -1499,7 +1501,7 @@
               <a:rPr lang="zh-CN" altLang="en-US">
                 <a:cs typeface="华文仿宋"/>
               </a:rPr>
-              <a:t>22</a:t>
+              <a:t>24</a:t>
             </a:fld>
             <a:endParaRPr lang="zh-CN" altLang="en-US">
               <a:cs typeface="华文仿宋"/>
@@ -2218,7 +2220,7 @@
               <a:rPr lang="zh-CN" altLang="en-US">
                 <a:cs typeface="华文仿宋"/>
               </a:rPr>
-              <a:t>10</a:t>
+              <a:t>11</a:t>
             </a:fld>
             <a:endParaRPr lang="zh-CN" altLang="en-US">
               <a:cs typeface="华文仿宋"/>
@@ -2329,7 +2331,7 @@
               <a:rPr lang="zh-CN" altLang="en-US">
                 <a:cs typeface="华文仿宋"/>
               </a:rPr>
-              <a:t>11</a:t>
+              <a:t>12</a:t>
             </a:fld>
             <a:endParaRPr lang="zh-CN" altLang="en-US">
               <a:cs typeface="华文仿宋"/>
@@ -2440,7 +2442,7 @@
               <a:rPr lang="zh-CN" altLang="en-US">
                 <a:cs typeface="华文仿宋"/>
               </a:rPr>
-              <a:t>13</a:t>
+              <a:t>14</a:t>
             </a:fld>
             <a:endParaRPr lang="zh-CN" altLang="en-US">
               <a:cs typeface="华文仿宋"/>
@@ -3575,7 +3577,7 @@
             </a:pPr>
             <a:fld id="{E48AA675-0AF3-4EE8-911C-4E523F937E01}" type="datetimeFigureOut">
               <a:rPr lang="zh-CN" altLang="en-US"/>
-              <a:t>2019/3/23</a:t>
+              <a:t>2019/3/25</a:t>
             </a:fld>
             <a:endParaRPr lang="zh-CN" altLang="en-US"/>
           </a:p>
@@ -3788,7 +3790,7 @@
             </a:pPr>
             <a:fld id="{F2B4E557-C4A4-4428-B0F3-1CAEEBDDA59F}" type="datetimeFigureOut">
               <a:rPr lang="zh-CN" altLang="en-US"/>
-              <a:t>2019/3/23</a:t>
+              <a:t>2019/3/25</a:t>
             </a:fld>
             <a:endParaRPr lang="zh-CN" altLang="en-US"/>
           </a:p>
@@ -4191,7 +4193,7 @@
             </a:pPr>
             <a:fld id="{1F4A3CEC-2882-41BE-8FE9-DF33A834DEE2}" type="datetimeFigureOut">
               <a:rPr lang="zh-CN" altLang="en-US"/>
-              <a:t>2019/3/23</a:t>
+              <a:t>2019/3/25</a:t>
             </a:fld>
             <a:endParaRPr lang="zh-CN" altLang="en-US"/>
           </a:p>
@@ -4582,7 +4584,7 @@
             </a:pPr>
             <a:fld id="{4EB4955D-1CCB-418B-89FD-6CA80664BEAD}" type="datetimeFigureOut">
               <a:rPr lang="zh-CN" altLang="en-US"/>
-              <a:t>2019/3/23</a:t>
+              <a:t>2019/3/25</a:t>
             </a:fld>
             <a:endParaRPr lang="zh-CN" altLang="en-US"/>
           </a:p>
@@ -4752,7 +4754,7 @@
             </a:pPr>
             <a:fld id="{CB8F8F5E-EBBF-4BF7-B4E3-96A27D863028}" type="datetimeFigureOut">
               <a:rPr lang="zh-CN" altLang="en-US"/>
-              <a:t>2019/3/23</a:t>
+              <a:t>2019/3/25</a:t>
             </a:fld>
             <a:endParaRPr lang="zh-CN" altLang="en-US"/>
           </a:p>
@@ -4899,7 +4901,7 @@
             </a:pPr>
             <a:fld id="{A9A078D1-B409-45B4-B6EF-F36F132BECA7}" type="datetimeFigureOut">
               <a:rPr lang="zh-CN" altLang="en-US"/>
-              <a:t>2019/3/23</a:t>
+              <a:t>2019/3/25</a:t>
             </a:fld>
             <a:endParaRPr lang="zh-CN" altLang="en-US"/>
           </a:p>
@@ -5214,7 +5216,7 @@
             </a:pPr>
             <a:fld id="{FD452E90-D5FC-45F7-9626-6A67D35BBF97}" type="datetimeFigureOut">
               <a:rPr lang="zh-CN" altLang="en-US"/>
-              <a:t>2019/3/23</a:t>
+              <a:t>2019/3/25</a:t>
             </a:fld>
             <a:endParaRPr lang="zh-CN" altLang="en-US"/>
           </a:p>
@@ -5530,7 +5532,7 @@
             </a:pPr>
             <a:fld id="{09B94CA9-9D5D-4DEC-9FA8-5D834DC4D5F8}" type="datetimeFigureOut">
               <a:rPr lang="zh-CN" altLang="en-US"/>
-              <a:t>2019/3/23</a:t>
+              <a:t>2019/3/25</a:t>
             </a:fld>
             <a:endParaRPr lang="zh-CN" altLang="en-US"/>
           </a:p>
@@ -7002,8 +7004,8 @@
         </p:nvSpPr>
         <p:spPr>
           <a:xfrm rot="16200000">
-            <a:off x="3677166" y="-446672"/>
-            <a:ext cx="2781300" cy="8648700"/>
+            <a:off x="4956486" y="-1775597"/>
+            <a:ext cx="2830904" cy="11256945"/>
           </a:xfrm>
           <a:prstGeom prst="rect">
             <a:avLst/>
@@ -7062,7 +7064,7 @@
         <p:spPr bwMode="auto">
           <a:xfrm>
             <a:off x="1185303" y="2616295"/>
-            <a:ext cx="8392041" cy="1390509"/>
+            <a:ext cx="10700365" cy="2830903"/>
           </a:xfrm>
           <a:prstGeom prst="rect">
             <a:avLst/>
@@ -7100,7 +7102,38 @@
                 </a:solidFill>
                 <a:ea typeface="微软雅黑" panose="020B0503020204020204" pitchFamily="34" charset="-122"/>
               </a:rPr>
-              <a:t>小组项目计划书</a:t>
+              <a:t>小组关于</a:t>
+            </a:r>
+            <a:r>
+              <a:rPr lang="en-US" altLang="zh-CN" sz="7200" b="1" dirty="0" err="1">
+                <a:solidFill>
+                  <a:schemeClr val="bg1"/>
+                </a:solidFill>
+                <a:ea typeface="微软雅黑" panose="020B0503020204020204" pitchFamily="34" charset="-122"/>
+              </a:rPr>
+              <a:t>MHWhelper</a:t>
+            </a:r>
+            <a:endParaRPr lang="en-US" altLang="zh-CN" sz="7200" b="1" dirty="0">
+              <a:solidFill>
+                <a:schemeClr val="bg1"/>
+              </a:solidFill>
+              <a:ea typeface="微软雅黑" panose="020B0503020204020204" pitchFamily="34" charset="-122"/>
+            </a:endParaRPr>
+          </a:p>
+          <a:p>
+            <a:pPr>
+              <a:lnSpc>
+                <a:spcPct val="130000"/>
+              </a:lnSpc>
+            </a:pPr>
+            <a:r>
+              <a:rPr lang="zh-CN" altLang="en-US" sz="7200" b="1" dirty="0">
+                <a:solidFill>
+                  <a:schemeClr val="bg1"/>
+                </a:solidFill>
+                <a:ea typeface="微软雅黑" panose="020B0503020204020204" pitchFamily="34" charset="-122"/>
+              </a:rPr>
+              <a:t>的项目计划</a:t>
             </a:r>
           </a:p>
         </p:txBody>
@@ -7115,7 +7148,7 @@
         </p:nvSpPr>
         <p:spPr bwMode="auto">
           <a:xfrm>
-            <a:off x="6431017" y="4358142"/>
+            <a:off x="9042226" y="4344998"/>
             <a:ext cx="10112266" cy="923330"/>
           </a:xfrm>
           <a:prstGeom prst="rect">
@@ -7292,7 +7325,7 @@
         </p:blipFill>
         <p:spPr>
           <a:xfrm>
-            <a:off x="871794" y="1041091"/>
+            <a:off x="871794" y="991487"/>
             <a:ext cx="1709239" cy="1445936"/>
           </a:xfrm>
           <a:prstGeom prst="rect">
@@ -7312,6 +7345,436 @@
 </file>
 
 <file path=ppt/slides/slide10.xml><?xml version="1.0" encoding="utf-8"?>
+<p:sld xmlns:a="http://schemas.openxmlformats.org/drawingml/2006/main" xmlns:r="http://schemas.openxmlformats.org/officeDocument/2006/relationships" xmlns:p="http://schemas.openxmlformats.org/presentationml/2006/main">
+  <p:cSld>
+    <p:spTree>
+      <p:nvGrpSpPr>
+        <p:cNvPr id="1" name=""/>
+        <p:cNvGrpSpPr/>
+        <p:nvPr/>
+      </p:nvGrpSpPr>
+      <p:grpSpPr>
+        <a:xfrm>
+          <a:off x="0" y="0"/>
+          <a:ext cx="0" cy="0"/>
+          <a:chOff x="0" y="0"/>
+          <a:chExt cx="0" cy="0"/>
+        </a:xfrm>
+      </p:grpSpPr>
+      <p:sp>
+        <p:nvSpPr>
+          <p:cNvPr id="2" name="标题 1">
+            <a:extLst>
+              <a:ext uri="{FF2B5EF4-FFF2-40B4-BE49-F238E27FC236}">
+                <a16:creationId xmlns:a16="http://schemas.microsoft.com/office/drawing/2014/main" id="{677832E0-9524-42C2-8C39-DD2496C2B02C}"/>
+              </a:ext>
+            </a:extLst>
+          </p:cNvPr>
+          <p:cNvSpPr>
+            <a:spLocks noGrp="1"/>
+          </p:cNvSpPr>
+          <p:nvPr>
+            <p:ph type="title"/>
+          </p:nvPr>
+        </p:nvSpPr>
+        <p:spPr/>
+        <p:txBody>
+          <a:bodyPr/>
+          <a:lstStyle/>
+          <a:p>
+            <a:r>
+              <a:rPr lang="zh-CN" altLang="en-US" dirty="0"/>
+              <a:t>预算</a:t>
+            </a:r>
+          </a:p>
+        </p:txBody>
+      </p:sp>
+      <p:graphicFrame>
+        <p:nvGraphicFramePr>
+          <p:cNvPr id="3" name="表格 2">
+            <a:extLst>
+              <a:ext uri="{FF2B5EF4-FFF2-40B4-BE49-F238E27FC236}">
+                <a16:creationId xmlns:a16="http://schemas.microsoft.com/office/drawing/2014/main" id="{92E0DAB7-E5E4-4A60-8D21-0247FE659904}"/>
+              </a:ext>
+            </a:extLst>
+          </p:cNvPr>
+          <p:cNvGraphicFramePr>
+            <a:graphicFrameLocks noGrp="1"/>
+          </p:cNvGraphicFramePr>
+          <p:nvPr>
+            <p:extLst>
+              <p:ext uri="{D42A27DB-BD31-4B8C-83A1-F6EECF244321}">
+                <p14:modId xmlns:p14="http://schemas.microsoft.com/office/powerpoint/2010/main" val="1736837404"/>
+              </p:ext>
+            </p:extLst>
+          </p:nvPr>
+        </p:nvGraphicFramePr>
+        <p:xfrm>
+          <a:off x="1570527" y="2223726"/>
+          <a:ext cx="8128000" cy="3147970"/>
+        </p:xfrm>
+        <a:graphic>
+          <a:graphicData uri="http://schemas.openxmlformats.org/drawingml/2006/table">
+            <a:tbl>
+              <a:tblPr firstRow="1" bandRow="1">
+                <a:tableStyleId>{5C22544A-7EE6-4342-B048-85BDC9FD1C3A}</a:tableStyleId>
+              </a:tblPr>
+              <a:tblGrid>
+                <a:gridCol w="4064000">
+                  <a:extLst>
+                    <a:ext uri="{9D8B030D-6E8A-4147-A177-3AD203B41FA5}">
+                      <a16:colId xmlns:a16="http://schemas.microsoft.com/office/drawing/2014/main" val="3038763162"/>
+                    </a:ext>
+                  </a:extLst>
+                </a:gridCol>
+                <a:gridCol w="4064000">
+                  <a:extLst>
+                    <a:ext uri="{9D8B030D-6E8A-4147-A177-3AD203B41FA5}">
+                      <a16:colId xmlns:a16="http://schemas.microsoft.com/office/drawing/2014/main" val="4272502443"/>
+                    </a:ext>
+                  </a:extLst>
+                </a:gridCol>
+              </a:tblGrid>
+              <a:tr h="370840">
+                <a:tc>
+                  <a:txBody>
+                    <a:bodyPr/>
+                    <a:lstStyle/>
+                    <a:p>
+                      <a:pPr algn="ctr"/>
+                      <a:r>
+                        <a:rPr lang="zh-CN" altLang="en-US" sz="2400" dirty="0">
+                          <a:latin typeface="+mj-ea"/>
+                          <a:ea typeface="+mj-ea"/>
+                        </a:rPr>
+                        <a:t>项目</a:t>
+                      </a:r>
+                    </a:p>
+                  </a:txBody>
+                  <a:tcPr/>
+                </a:tc>
+                <a:tc>
+                  <a:txBody>
+                    <a:bodyPr/>
+                    <a:lstStyle/>
+                    <a:p>
+                      <a:pPr algn="ctr"/>
+                      <a:r>
+                        <a:rPr lang="zh-CN" altLang="en-US" sz="2400" dirty="0">
+                          <a:latin typeface="+mj-ea"/>
+                          <a:ea typeface="+mj-ea"/>
+                        </a:rPr>
+                        <a:t>经费</a:t>
+                      </a:r>
+                    </a:p>
+                  </a:txBody>
+                  <a:tcPr/>
+                </a:tc>
+                <a:extLst>
+                  <a:ext uri="{0D108BD9-81ED-4DB2-BD59-A6C34878D82A}">
+                    <a16:rowId xmlns:a16="http://schemas.microsoft.com/office/drawing/2014/main" val="3547625198"/>
+                  </a:ext>
+                </a:extLst>
+              </a:tr>
+              <a:tr h="370840">
+                <a:tc>
+                  <a:txBody>
+                    <a:bodyPr/>
+                    <a:lstStyle/>
+                    <a:p>
+                      <a:r>
+                        <a:rPr lang="zh-CN" altLang="en-US" dirty="0">
+                          <a:latin typeface="+mj-ea"/>
+                          <a:ea typeface="+mj-ea"/>
+                        </a:rPr>
+                        <a:t>服务器租用（阿里云学生轻量服务器）</a:t>
+                      </a:r>
+                    </a:p>
+                  </a:txBody>
+                  <a:tcPr/>
+                </a:tc>
+                <a:tc>
+                  <a:txBody>
+                    <a:bodyPr/>
+                    <a:lstStyle/>
+                    <a:p>
+                      <a:pPr algn="ctr"/>
+                      <a:r>
+                        <a:rPr lang="en-US" altLang="zh-CN" dirty="0">
+                          <a:latin typeface="+mj-ea"/>
+                          <a:ea typeface="+mj-ea"/>
+                        </a:rPr>
+                        <a:t>114</a:t>
+                      </a:r>
+                      <a:r>
+                        <a:rPr lang="zh-CN" altLang="en-US" dirty="0">
+                          <a:latin typeface="+mj-ea"/>
+                          <a:ea typeface="+mj-ea"/>
+                        </a:rPr>
+                        <a:t>元</a:t>
+                      </a:r>
+                      <a:r>
+                        <a:rPr lang="en-US" altLang="zh-CN" dirty="0">
+                          <a:latin typeface="+mj-ea"/>
+                          <a:ea typeface="+mj-ea"/>
+                        </a:rPr>
+                        <a:t>/</a:t>
+                      </a:r>
+                      <a:r>
+                        <a:rPr lang="zh-CN" altLang="en-US" dirty="0">
+                          <a:latin typeface="+mj-ea"/>
+                          <a:ea typeface="+mj-ea"/>
+                        </a:rPr>
+                        <a:t>年</a:t>
+                      </a:r>
+                    </a:p>
+                  </a:txBody>
+                  <a:tcPr/>
+                </a:tc>
+                <a:extLst>
+                  <a:ext uri="{0D108BD9-81ED-4DB2-BD59-A6C34878D82A}">
+                    <a16:rowId xmlns:a16="http://schemas.microsoft.com/office/drawing/2014/main" val="2078887306"/>
+                  </a:ext>
+                </a:extLst>
+              </a:tr>
+              <a:tr h="370840">
+                <a:tc>
+                  <a:txBody>
+                    <a:bodyPr/>
+                    <a:lstStyle/>
+                    <a:p>
+                      <a:pPr algn="ctr"/>
+                      <a:r>
+                        <a:rPr lang="zh-CN" altLang="en-US" sz="2000" dirty="0">
+                          <a:latin typeface="+mj-ea"/>
+                          <a:ea typeface="+mj-ea"/>
+                        </a:rPr>
+                        <a:t>人力费用</a:t>
+                      </a:r>
+                    </a:p>
+                  </a:txBody>
+                  <a:tcPr/>
+                </a:tc>
+                <a:tc>
+                  <a:txBody>
+                    <a:bodyPr/>
+                    <a:lstStyle/>
+                    <a:p>
+                      <a:pPr algn="ctr"/>
+                      <a:r>
+                        <a:rPr lang="en-US" altLang="zh-CN" b="1" dirty="0"/>
+                        <a:t>0</a:t>
+                      </a:r>
+                      <a:r>
+                        <a:rPr lang="zh-CN" altLang="en-US" b="1" dirty="0"/>
+                        <a:t>元</a:t>
+                      </a:r>
+                      <a:r>
+                        <a:rPr lang="en-US" altLang="zh-CN" b="1" dirty="0"/>
+                        <a:t>/</a:t>
+                      </a:r>
+                      <a:r>
+                        <a:rPr lang="zh-CN" altLang="en-US" b="1" dirty="0"/>
+                        <a:t>人</a:t>
+                      </a:r>
+                    </a:p>
+                  </a:txBody>
+                  <a:tcPr/>
+                </a:tc>
+                <a:extLst>
+                  <a:ext uri="{0D108BD9-81ED-4DB2-BD59-A6C34878D82A}">
+                    <a16:rowId xmlns:a16="http://schemas.microsoft.com/office/drawing/2014/main" val="696880540"/>
+                  </a:ext>
+                </a:extLst>
+              </a:tr>
+              <a:tr h="440330">
+                <a:tc>
+                  <a:txBody>
+                    <a:bodyPr/>
+                    <a:lstStyle/>
+                    <a:p>
+                      <a:pPr algn="ctr"/>
+                      <a:r>
+                        <a:rPr lang="zh-CN" altLang="en-US" dirty="0">
+                          <a:latin typeface="+mj-ea"/>
+                          <a:ea typeface="+mj-ea"/>
+                        </a:rPr>
+                        <a:t>电费</a:t>
+                      </a:r>
+                    </a:p>
+                  </a:txBody>
+                  <a:tcPr/>
+                </a:tc>
+                <a:tc>
+                  <a:txBody>
+                    <a:bodyPr/>
+                    <a:lstStyle/>
+                    <a:p>
+                      <a:pPr algn="ctr"/>
+                      <a:r>
+                        <a:rPr lang="zh-CN" altLang="en-US" dirty="0">
+                          <a:latin typeface="+mj-ea"/>
+                          <a:ea typeface="+mj-ea"/>
+                        </a:rPr>
+                        <a:t>个人承担 忽略不计</a:t>
+                      </a:r>
+                    </a:p>
+                  </a:txBody>
+                  <a:tcPr/>
+                </a:tc>
+                <a:extLst>
+                  <a:ext uri="{0D108BD9-81ED-4DB2-BD59-A6C34878D82A}">
+                    <a16:rowId xmlns:a16="http://schemas.microsoft.com/office/drawing/2014/main" val="4240169943"/>
+                  </a:ext>
+                </a:extLst>
+              </a:tr>
+              <a:tr h="370840">
+                <a:tc>
+                  <a:txBody>
+                    <a:bodyPr/>
+                    <a:lstStyle/>
+                    <a:p>
+                      <a:pPr algn="ctr"/>
+                      <a:r>
+                        <a:rPr lang="zh-CN" altLang="en-US" dirty="0">
+                          <a:latin typeface="+mj-ea"/>
+                          <a:ea typeface="+mj-ea"/>
+                        </a:rPr>
+                        <a:t>团队建设</a:t>
+                      </a:r>
+                    </a:p>
+                  </a:txBody>
+                  <a:tcPr/>
+                </a:tc>
+                <a:tc>
+                  <a:txBody>
+                    <a:bodyPr/>
+                    <a:lstStyle/>
+                    <a:p>
+                      <a:pPr algn="ctr"/>
+                      <a:r>
+                        <a:rPr lang="en-US" altLang="zh-CN" b="0" dirty="0">
+                          <a:latin typeface="+mj-ea"/>
+                          <a:ea typeface="+mj-ea"/>
+                        </a:rPr>
+                        <a:t>AA </a:t>
+                      </a:r>
+                      <a:r>
+                        <a:rPr lang="zh-CN" altLang="en-US" b="0" dirty="0">
+                          <a:latin typeface="+mj-ea"/>
+                          <a:ea typeface="+mj-ea"/>
+                        </a:rPr>
+                        <a:t>忽略不计</a:t>
+                      </a:r>
+                    </a:p>
+                  </a:txBody>
+                  <a:tcPr/>
+                </a:tc>
+                <a:extLst>
+                  <a:ext uri="{0D108BD9-81ED-4DB2-BD59-A6C34878D82A}">
+                    <a16:rowId xmlns:a16="http://schemas.microsoft.com/office/drawing/2014/main" val="756303479"/>
+                  </a:ext>
+                </a:extLst>
+              </a:tr>
+              <a:tr h="370840">
+                <a:tc>
+                  <a:txBody>
+                    <a:bodyPr/>
+                    <a:lstStyle/>
+                    <a:p>
+                      <a:endParaRPr lang="zh-CN" altLang="en-US"/>
+                    </a:p>
+                  </a:txBody>
+                  <a:tcPr/>
+                </a:tc>
+                <a:tc>
+                  <a:txBody>
+                    <a:bodyPr/>
+                    <a:lstStyle/>
+                    <a:p>
+                      <a:endParaRPr lang="zh-CN" altLang="en-US" dirty="0"/>
+                    </a:p>
+                  </a:txBody>
+                  <a:tcPr/>
+                </a:tc>
+                <a:extLst>
+                  <a:ext uri="{0D108BD9-81ED-4DB2-BD59-A6C34878D82A}">
+                    <a16:rowId xmlns:a16="http://schemas.microsoft.com/office/drawing/2014/main" val="2105339990"/>
+                  </a:ext>
+                </a:extLst>
+              </a:tr>
+              <a:tr h="370840">
+                <a:tc>
+                  <a:txBody>
+                    <a:bodyPr/>
+                    <a:lstStyle/>
+                    <a:p>
+                      <a:endParaRPr lang="zh-CN" altLang="en-US"/>
+                    </a:p>
+                  </a:txBody>
+                  <a:tcPr/>
+                </a:tc>
+                <a:tc>
+                  <a:txBody>
+                    <a:bodyPr/>
+                    <a:lstStyle/>
+                    <a:p>
+                      <a:endParaRPr lang="zh-CN" altLang="en-US" dirty="0"/>
+                    </a:p>
+                  </a:txBody>
+                  <a:tcPr/>
+                </a:tc>
+                <a:extLst>
+                  <a:ext uri="{0D108BD9-81ED-4DB2-BD59-A6C34878D82A}">
+                    <a16:rowId xmlns:a16="http://schemas.microsoft.com/office/drawing/2014/main" val="1974698143"/>
+                  </a:ext>
+                </a:extLst>
+              </a:tr>
+              <a:tr h="370840">
+                <a:tc>
+                  <a:txBody>
+                    <a:bodyPr/>
+                    <a:lstStyle/>
+                    <a:p>
+                      <a:endParaRPr lang="zh-CN" altLang="en-US"/>
+                    </a:p>
+                  </a:txBody>
+                  <a:tcPr/>
+                </a:tc>
+                <a:tc>
+                  <a:txBody>
+                    <a:bodyPr/>
+                    <a:lstStyle/>
+                    <a:p>
+                      <a:endParaRPr lang="zh-CN" altLang="en-US" dirty="0"/>
+                    </a:p>
+                  </a:txBody>
+                  <a:tcPr/>
+                </a:tc>
+                <a:extLst>
+                  <a:ext uri="{0D108BD9-81ED-4DB2-BD59-A6C34878D82A}">
+                    <a16:rowId xmlns:a16="http://schemas.microsoft.com/office/drawing/2014/main" val="1906051195"/>
+                  </a:ext>
+                </a:extLst>
+              </a:tr>
+            </a:tbl>
+          </a:graphicData>
+        </a:graphic>
+      </p:graphicFrame>
+    </p:spTree>
+    <p:extLst>
+      <p:ext uri="{BB962C8B-B14F-4D97-AF65-F5344CB8AC3E}">
+        <p14:creationId xmlns:p14="http://schemas.microsoft.com/office/powerpoint/2010/main" val="4011387473"/>
+      </p:ext>
+    </p:extLst>
+  </p:cSld>
+  <p:clrMapOvr>
+    <a:masterClrMapping/>
+  </p:clrMapOvr>
+</p:sld>
+</file>
+
+<file path=ppt/slides/slide11.xml><?xml version="1.0" encoding="utf-8"?>
 <p:sld xmlns:a="http://schemas.openxmlformats.org/drawingml/2006/main" xmlns:r="http://schemas.openxmlformats.org/officeDocument/2006/relationships" xmlns:p="http://schemas.openxmlformats.org/presentationml/2006/main">
   <p:cSld>
     <p:spTree>
@@ -10382,7 +10845,7 @@
 </p:sld>
 </file>
 
-<file path=ppt/slides/slide11.xml><?xml version="1.0" encoding="utf-8"?>
+<file path=ppt/slides/slide12.xml><?xml version="1.0" encoding="utf-8"?>
 <p:sld xmlns:a="http://schemas.openxmlformats.org/drawingml/2006/main" xmlns:r="http://schemas.openxmlformats.org/officeDocument/2006/relationships" xmlns:p="http://schemas.openxmlformats.org/presentationml/2006/main">
   <p:cSld>
     <p:spTree>
@@ -10748,7 +11211,7 @@
 </p:sld>
 </file>
 
-<file path=ppt/slides/slide12.xml><?xml version="1.0" encoding="utf-8"?>
+<file path=ppt/slides/slide13.xml><?xml version="1.0" encoding="utf-8"?>
 <p:sld xmlns:a="http://schemas.openxmlformats.org/drawingml/2006/main" xmlns:r="http://schemas.openxmlformats.org/officeDocument/2006/relationships" xmlns:p="http://schemas.openxmlformats.org/presentationml/2006/main">
   <p:cSld>
     <p:spTree>
@@ -11009,7 +11472,7 @@
 </p:sld>
 </file>
 
-<file path=ppt/slides/slide13.xml><?xml version="1.0" encoding="utf-8"?>
+<file path=ppt/slides/slide14.xml><?xml version="1.0" encoding="utf-8"?>
 <p:sld xmlns:a="http://schemas.openxmlformats.org/drawingml/2006/main" xmlns:r="http://schemas.openxmlformats.org/officeDocument/2006/relationships" xmlns:p="http://schemas.openxmlformats.org/presentationml/2006/main">
   <p:cSld>
     <p:spTree>
@@ -11375,7 +11838,194 @@
 </p:sld>
 </file>
 
-<file path=ppt/slides/slide14.xml><?xml version="1.0" encoding="utf-8"?>
+<file path=ppt/slides/slide15.xml><?xml version="1.0" encoding="utf-8"?>
+<p:sld xmlns:a="http://schemas.openxmlformats.org/drawingml/2006/main" xmlns:r="http://schemas.openxmlformats.org/officeDocument/2006/relationships" xmlns:p="http://schemas.openxmlformats.org/presentationml/2006/main">
+  <p:cSld>
+    <p:spTree>
+      <p:nvGrpSpPr>
+        <p:cNvPr id="1" name=""/>
+        <p:cNvGrpSpPr/>
+        <p:nvPr/>
+      </p:nvGrpSpPr>
+      <p:grpSpPr>
+        <a:xfrm>
+          <a:off x="0" y="0"/>
+          <a:ext cx="0" cy="0"/>
+          <a:chOff x="0" y="0"/>
+          <a:chExt cx="0" cy="0"/>
+        </a:xfrm>
+      </p:grpSpPr>
+      <p:sp>
+        <p:nvSpPr>
+          <p:cNvPr id="3" name="文本框 2"/>
+          <p:cNvSpPr txBox="1"/>
+          <p:nvPr/>
+        </p:nvSpPr>
+        <p:spPr>
+          <a:xfrm>
+            <a:off x="2133600" y="101600"/>
+            <a:ext cx="1210588" cy="452945"/>
+          </a:xfrm>
+          <a:prstGeom prst="rect">
+            <a:avLst/>
+          </a:prstGeom>
+          <a:noFill/>
+        </p:spPr>
+        <p:txBody>
+          <a:bodyPr wrap="none">
+            <a:spAutoFit/>
+          </a:bodyPr>
+          <a:lstStyle/>
+          <a:p>
+            <a:pPr fontAlgn="auto">
+              <a:lnSpc>
+                <a:spcPct val="130000"/>
+              </a:lnSpc>
+              <a:spcBef>
+                <a:spcPts val="0"/>
+              </a:spcBef>
+              <a:spcAft>
+                <a:spcPts val="0"/>
+              </a:spcAft>
+              <a:defRPr/>
+            </a:pPr>
+            <a:r>
+              <a:rPr lang="zh-CN" altLang="en-US" sz="2000" b="1" dirty="0">
+                <a:solidFill>
+                  <a:schemeClr val="accent5">
+                    <a:lumMod val="75000"/>
+                  </a:schemeClr>
+                </a:solidFill>
+                <a:latin typeface="Arial" panose="020B0604020202020204" pitchFamily="34" charset="0"/>
+                <a:ea typeface="微软雅黑" panose="020B0503020204020204" pitchFamily="34" charset="-122"/>
+                <a:cs typeface="+mn-cs"/>
+              </a:rPr>
+              <a:t>项目计划</a:t>
+            </a:r>
+          </a:p>
+        </p:txBody>
+      </p:sp>
+      <p:sp>
+        <p:nvSpPr>
+          <p:cNvPr id="45" name="文本框 44"/>
+          <p:cNvSpPr txBox="1">
+            <a:spLocks noChangeArrowheads="1"/>
+          </p:cNvSpPr>
+          <p:nvPr/>
+        </p:nvSpPr>
+        <p:spPr bwMode="auto">
+          <a:xfrm>
+            <a:off x="11487150" y="-647700"/>
+            <a:ext cx="877888" cy="369887"/>
+          </a:xfrm>
+          <a:prstGeom prst="rect">
+            <a:avLst/>
+          </a:prstGeom>
+          <a:noFill/>
+          <a:ln w="9525">
+            <a:noFill/>
+            <a:miter lim="800000"/>
+          </a:ln>
+        </p:spPr>
+        <p:txBody>
+          <a:bodyPr wrap="none">
+            <a:spAutoFit/>
+          </a:bodyPr>
+          <a:lstStyle/>
+          <a:p>
+            <a:r>
+              <a:rPr lang="zh-CN" altLang="en-US">
+                <a:latin typeface="Arial Black" panose="020B0A04020102020204" pitchFamily="34" charset="0"/>
+                <a:ea typeface="华文仿宋"/>
+              </a:rPr>
+              <a:t>延迟符</a:t>
+            </a:r>
+          </a:p>
+        </p:txBody>
+      </p:sp>
+      <p:sp>
+        <p:nvSpPr>
+          <p:cNvPr id="2" name="文本框 1">
+            <a:extLst>
+              <a:ext uri="{FF2B5EF4-FFF2-40B4-BE49-F238E27FC236}">
+                <a16:creationId xmlns:a16="http://schemas.microsoft.com/office/drawing/2014/main" id="{2414CF67-8089-4C26-BF29-8AA791E9F1BC}"/>
+              </a:ext>
+            </a:extLst>
+          </p:cNvPr>
+          <p:cNvSpPr txBox="1"/>
+          <p:nvPr/>
+        </p:nvSpPr>
+        <p:spPr>
+          <a:xfrm>
+            <a:off x="1044274" y="1113876"/>
+            <a:ext cx="9877926" cy="369332"/>
+          </a:xfrm>
+          <a:prstGeom prst="rect">
+            <a:avLst/>
+          </a:prstGeom>
+          <a:noFill/>
+        </p:spPr>
+        <p:txBody>
+          <a:bodyPr wrap="square" rtlCol="0">
+            <a:spAutoFit/>
+          </a:bodyPr>
+          <a:lstStyle/>
+          <a:p>
+            <a:r>
+              <a:rPr lang="zh-CN" altLang="en-US" b="1" dirty="0"/>
+              <a:t>进度计划</a:t>
+            </a:r>
+            <a:endParaRPr lang="zh-CN" altLang="zh-CN" b="1" dirty="0"/>
+          </a:p>
+        </p:txBody>
+      </p:sp>
+      <p:pic>
+        <p:nvPicPr>
+          <p:cNvPr id="4" name="图片 3">
+            <a:extLst>
+              <a:ext uri="{FF2B5EF4-FFF2-40B4-BE49-F238E27FC236}">
+                <a16:creationId xmlns:a16="http://schemas.microsoft.com/office/drawing/2014/main" id="{53C8A1F4-B42B-4564-9847-2F6C65D703BF}"/>
+              </a:ext>
+            </a:extLst>
+          </p:cNvPr>
+          <p:cNvPicPr>
+            <a:picLocks noChangeAspect="1"/>
+          </p:cNvPicPr>
+          <p:nvPr/>
+        </p:nvPicPr>
+        <p:blipFill>
+          <a:blip r:embed="rId3"/>
+          <a:stretch>
+            <a:fillRect/>
+          </a:stretch>
+        </p:blipFill>
+        <p:spPr>
+          <a:xfrm>
+            <a:off x="367107" y="1483208"/>
+            <a:ext cx="11232259" cy="4695401"/>
+          </a:xfrm>
+          <a:prstGeom prst="rect">
+            <a:avLst/>
+          </a:prstGeom>
+        </p:spPr>
+      </p:pic>
+    </p:spTree>
+    <p:extLst>
+      <p:ext uri="{BB962C8B-B14F-4D97-AF65-F5344CB8AC3E}">
+        <p14:creationId xmlns:p14="http://schemas.microsoft.com/office/powerpoint/2010/main" val="3049739947"/>
+      </p:ext>
+    </p:extLst>
+  </p:cSld>
+  <p:clrMapOvr>
+    <a:masterClrMapping/>
+  </p:clrMapOvr>
+  <p:transition spd="slow" advClick="0" advTm="0">
+    <p:random/>
+  </p:transition>
+</p:sld>
+</file>
+
+<file path=ppt/slides/slide16.xml><?xml version="1.0" encoding="utf-8"?>
 <p:sld xmlns:a="http://schemas.openxmlformats.org/drawingml/2006/main" xmlns:r="http://schemas.openxmlformats.org/officeDocument/2006/relationships" xmlns:p="http://schemas.openxmlformats.org/presentationml/2006/main">
   <p:cSld>
     <p:spTree>
@@ -11473,194 +12123,7 @@
 </p:sld>
 </file>
 
-<file path=ppt/slides/slide15.xml><?xml version="1.0" encoding="utf-8"?>
-<p:sld xmlns:a="http://schemas.openxmlformats.org/drawingml/2006/main" xmlns:r="http://schemas.openxmlformats.org/officeDocument/2006/relationships" xmlns:p="http://schemas.openxmlformats.org/presentationml/2006/main">
-  <p:cSld>
-    <p:spTree>
-      <p:nvGrpSpPr>
-        <p:cNvPr id="1" name=""/>
-        <p:cNvGrpSpPr/>
-        <p:nvPr/>
-      </p:nvGrpSpPr>
-      <p:grpSpPr>
-        <a:xfrm>
-          <a:off x="0" y="0"/>
-          <a:ext cx="0" cy="0"/>
-          <a:chOff x="0" y="0"/>
-          <a:chExt cx="0" cy="0"/>
-        </a:xfrm>
-      </p:grpSpPr>
-      <p:sp>
-        <p:nvSpPr>
-          <p:cNvPr id="3" name="文本框 2"/>
-          <p:cNvSpPr txBox="1"/>
-          <p:nvPr/>
-        </p:nvSpPr>
-        <p:spPr>
-          <a:xfrm>
-            <a:off x="2133600" y="101600"/>
-            <a:ext cx="1210588" cy="452945"/>
-          </a:xfrm>
-          <a:prstGeom prst="rect">
-            <a:avLst/>
-          </a:prstGeom>
-          <a:noFill/>
-        </p:spPr>
-        <p:txBody>
-          <a:bodyPr wrap="none">
-            <a:spAutoFit/>
-          </a:bodyPr>
-          <a:lstStyle/>
-          <a:p>
-            <a:pPr fontAlgn="auto">
-              <a:lnSpc>
-                <a:spcPct val="130000"/>
-              </a:lnSpc>
-              <a:spcBef>
-                <a:spcPts val="0"/>
-              </a:spcBef>
-              <a:spcAft>
-                <a:spcPts val="0"/>
-              </a:spcAft>
-              <a:defRPr/>
-            </a:pPr>
-            <a:r>
-              <a:rPr lang="zh-CN" altLang="en-US" sz="2000" b="1" dirty="0">
-                <a:solidFill>
-                  <a:schemeClr val="accent5">
-                    <a:lumMod val="75000"/>
-                  </a:schemeClr>
-                </a:solidFill>
-                <a:latin typeface="Arial" panose="020B0604020202020204" pitchFamily="34" charset="0"/>
-                <a:ea typeface="微软雅黑" panose="020B0503020204020204" pitchFamily="34" charset="-122"/>
-                <a:cs typeface="+mn-cs"/>
-              </a:rPr>
-              <a:t>项目计划</a:t>
-            </a:r>
-          </a:p>
-        </p:txBody>
-      </p:sp>
-      <p:sp>
-        <p:nvSpPr>
-          <p:cNvPr id="45" name="文本框 44"/>
-          <p:cNvSpPr txBox="1">
-            <a:spLocks noChangeArrowheads="1"/>
-          </p:cNvSpPr>
-          <p:nvPr/>
-        </p:nvSpPr>
-        <p:spPr bwMode="auto">
-          <a:xfrm>
-            <a:off x="11487150" y="-647700"/>
-            <a:ext cx="877888" cy="369887"/>
-          </a:xfrm>
-          <a:prstGeom prst="rect">
-            <a:avLst/>
-          </a:prstGeom>
-          <a:noFill/>
-          <a:ln w="9525">
-            <a:noFill/>
-            <a:miter lim="800000"/>
-          </a:ln>
-        </p:spPr>
-        <p:txBody>
-          <a:bodyPr wrap="none">
-            <a:spAutoFit/>
-          </a:bodyPr>
-          <a:lstStyle/>
-          <a:p>
-            <a:r>
-              <a:rPr lang="zh-CN" altLang="en-US">
-                <a:latin typeface="Arial Black" panose="020B0A04020102020204" pitchFamily="34" charset="0"/>
-                <a:ea typeface="华文仿宋"/>
-              </a:rPr>
-              <a:t>延迟符</a:t>
-            </a:r>
-          </a:p>
-        </p:txBody>
-      </p:sp>
-      <p:sp>
-        <p:nvSpPr>
-          <p:cNvPr id="2" name="文本框 1">
-            <a:extLst>
-              <a:ext uri="{FF2B5EF4-FFF2-40B4-BE49-F238E27FC236}">
-                <a16:creationId xmlns:a16="http://schemas.microsoft.com/office/drawing/2014/main" id="{2414CF67-8089-4C26-BF29-8AA791E9F1BC}"/>
-              </a:ext>
-            </a:extLst>
-          </p:cNvPr>
-          <p:cNvSpPr txBox="1"/>
-          <p:nvPr/>
-        </p:nvSpPr>
-        <p:spPr>
-          <a:xfrm>
-            <a:off x="1044274" y="1113876"/>
-            <a:ext cx="9877926" cy="369332"/>
-          </a:xfrm>
-          <a:prstGeom prst="rect">
-            <a:avLst/>
-          </a:prstGeom>
-          <a:noFill/>
-        </p:spPr>
-        <p:txBody>
-          <a:bodyPr wrap="square" rtlCol="0">
-            <a:spAutoFit/>
-          </a:bodyPr>
-          <a:lstStyle/>
-          <a:p>
-            <a:r>
-              <a:rPr lang="zh-CN" altLang="en-US" b="1" dirty="0"/>
-              <a:t>进度计划</a:t>
-            </a:r>
-            <a:endParaRPr lang="zh-CN" altLang="zh-CN" b="1" dirty="0"/>
-          </a:p>
-        </p:txBody>
-      </p:sp>
-      <p:pic>
-        <p:nvPicPr>
-          <p:cNvPr id="4" name="图片 3">
-            <a:extLst>
-              <a:ext uri="{FF2B5EF4-FFF2-40B4-BE49-F238E27FC236}">
-                <a16:creationId xmlns:a16="http://schemas.microsoft.com/office/drawing/2014/main" id="{53C8A1F4-B42B-4564-9847-2F6C65D703BF}"/>
-              </a:ext>
-            </a:extLst>
-          </p:cNvPr>
-          <p:cNvPicPr>
-            <a:picLocks noChangeAspect="1"/>
-          </p:cNvPicPr>
-          <p:nvPr/>
-        </p:nvPicPr>
-        <p:blipFill>
-          <a:blip r:embed="rId3"/>
-          <a:stretch>
-            <a:fillRect/>
-          </a:stretch>
-        </p:blipFill>
-        <p:spPr>
-          <a:xfrm>
-            <a:off x="367107" y="1483208"/>
-            <a:ext cx="11232259" cy="4695401"/>
-          </a:xfrm>
-          <a:prstGeom prst="rect">
-            <a:avLst/>
-          </a:prstGeom>
-        </p:spPr>
-      </p:pic>
-    </p:spTree>
-    <p:extLst>
-      <p:ext uri="{BB962C8B-B14F-4D97-AF65-F5344CB8AC3E}">
-        <p14:creationId xmlns:p14="http://schemas.microsoft.com/office/powerpoint/2010/main" val="3049739947"/>
-      </p:ext>
-    </p:extLst>
-  </p:cSld>
-  <p:clrMapOvr>
-    <a:masterClrMapping/>
-  </p:clrMapOvr>
-  <p:transition spd="slow" advClick="0" advTm="0">
-    <p:random/>
-  </p:transition>
-</p:sld>
-</file>
-
-<file path=ppt/slides/slide16.xml><?xml version="1.0" encoding="utf-8"?>
+<file path=ppt/slides/slide17.xml><?xml version="1.0" encoding="utf-8"?>
 <p:sld xmlns:a="http://schemas.openxmlformats.org/drawingml/2006/main" xmlns:r="http://schemas.openxmlformats.org/officeDocument/2006/relationships" xmlns:p="http://schemas.openxmlformats.org/presentationml/2006/main">
   <p:cSld>
     <p:spTree>
@@ -11827,8 +12290,8 @@
         </p:blipFill>
         <p:spPr>
           <a:xfrm>
-            <a:off x="2362254" y="1584533"/>
-            <a:ext cx="7366208" cy="4307220"/>
+            <a:off x="2362253" y="1222049"/>
+            <a:ext cx="7405589" cy="4669704"/>
           </a:xfrm>
           <a:prstGeom prst="rect">
             <a:avLst/>
@@ -11851,7 +12314,7 @@
 </p:sld>
 </file>
 
-<file path=ppt/slides/slide17.xml><?xml version="1.0" encoding="utf-8"?>
+<file path=ppt/slides/slide18.xml><?xml version="1.0" encoding="utf-8"?>
 <p:sld xmlns:a="http://schemas.openxmlformats.org/drawingml/2006/main" xmlns:r="http://schemas.openxmlformats.org/officeDocument/2006/relationships" xmlns:p="http://schemas.openxmlformats.org/presentationml/2006/main">
   <p:cSld>
     <p:spTree>
@@ -12222,7 +12685,7 @@
 </p:sld>
 </file>
 
-<file path=ppt/slides/slide18.xml><?xml version="1.0" encoding="utf-8"?>
+<file path=ppt/slides/slide19.xml><?xml version="1.0" encoding="utf-8"?>
 <p:sld xmlns:a="http://schemas.openxmlformats.org/drawingml/2006/main" xmlns:r="http://schemas.openxmlformats.org/officeDocument/2006/relationships" xmlns:p="http://schemas.openxmlformats.org/presentationml/2006/main">
   <p:cSld>
     <p:spTree>
@@ -13020,372 +13483,6 @@
 </p:sld>
 </file>
 
-<file path=ppt/slides/slide19.xml><?xml version="1.0" encoding="utf-8"?>
-<p:sld xmlns:a="http://schemas.openxmlformats.org/drawingml/2006/main" xmlns:r="http://schemas.openxmlformats.org/officeDocument/2006/relationships" xmlns:p="http://schemas.openxmlformats.org/presentationml/2006/main">
-  <p:cSld>
-    <p:spTree>
-      <p:nvGrpSpPr>
-        <p:cNvPr id="1" name=""/>
-        <p:cNvGrpSpPr/>
-        <p:nvPr/>
-      </p:nvGrpSpPr>
-      <p:grpSpPr>
-        <a:xfrm>
-          <a:off x="0" y="0"/>
-          <a:ext cx="0" cy="0"/>
-          <a:chOff x="0" y="0"/>
-          <a:chExt cx="0" cy="0"/>
-        </a:xfrm>
-      </p:grpSpPr>
-      <p:sp>
-        <p:nvSpPr>
-          <p:cNvPr id="3" name="文本框 2"/>
-          <p:cNvSpPr txBox="1"/>
-          <p:nvPr/>
-        </p:nvSpPr>
-        <p:spPr>
-          <a:xfrm>
-            <a:off x="2133600" y="101600"/>
-            <a:ext cx="2236788" cy="452438"/>
-          </a:xfrm>
-          <a:prstGeom prst="rect">
-            <a:avLst/>
-          </a:prstGeom>
-          <a:noFill/>
-        </p:spPr>
-        <p:txBody>
-          <a:bodyPr wrap="none">
-            <a:spAutoFit/>
-          </a:bodyPr>
-          <a:lstStyle/>
-          <a:p>
-            <a:pPr fontAlgn="auto">
-              <a:lnSpc>
-                <a:spcPct val="130000"/>
-              </a:lnSpc>
-              <a:spcBef>
-                <a:spcPts val="0"/>
-              </a:spcBef>
-              <a:spcAft>
-                <a:spcPts val="0"/>
-              </a:spcAft>
-              <a:defRPr/>
-            </a:pPr>
-            <a:r>
-              <a:rPr lang="zh-CN" altLang="en-US" sz="2000" b="1" dirty="0">
-                <a:solidFill>
-                  <a:schemeClr val="accent5">
-                    <a:lumMod val="75000"/>
-                  </a:schemeClr>
-                </a:solidFill>
-                <a:latin typeface="Arial" panose="020B0604020202020204" pitchFamily="34" charset="0"/>
-                <a:ea typeface="微软雅黑" panose="020B0503020204020204" pitchFamily="34" charset="-122"/>
-                <a:cs typeface="+mn-cs"/>
-              </a:rPr>
-              <a:t>单击此处添加标题</a:t>
-            </a:r>
-          </a:p>
-        </p:txBody>
-      </p:sp>
-      <p:pic>
-        <p:nvPicPr>
-          <p:cNvPr id="4" name="Picture 3" descr="C:\Users\MDG\Desktop\911964_1284175202.jpg"/>
-          <p:cNvPicPr>
-            <a:picLocks noChangeAspect="1" noChangeArrowheads="1"/>
-          </p:cNvPicPr>
-          <p:nvPr/>
-        </p:nvPicPr>
-        <p:blipFill>
-          <a:blip r:embed="rId3"/>
-          <a:srcRect/>
-          <a:stretch>
-            <a:fillRect/>
-          </a:stretch>
-        </p:blipFill>
-        <p:spPr bwMode="auto">
-          <a:xfrm>
-            <a:off x="0" y="0"/>
-            <a:ext cx="12192000" cy="6858000"/>
-          </a:xfrm>
-          <a:prstGeom prst="rect">
-            <a:avLst/>
-          </a:prstGeom>
-          <a:noFill/>
-          <a:ln w="9525">
-            <a:noFill/>
-            <a:miter lim="800000"/>
-            <a:headEnd/>
-            <a:tailEnd/>
-          </a:ln>
-        </p:spPr>
-      </p:pic>
-      <p:sp>
-        <p:nvSpPr>
-          <p:cNvPr id="5" name="椭圆 4"/>
-          <p:cNvSpPr/>
-          <p:nvPr/>
-        </p:nvSpPr>
-        <p:spPr>
-          <a:xfrm>
-            <a:off x="-900113" y="4122738"/>
-            <a:ext cx="4151313" cy="4149725"/>
-          </a:xfrm>
-          <a:prstGeom prst="ellipse">
-            <a:avLst/>
-          </a:prstGeom>
-          <a:solidFill>
-            <a:schemeClr val="accent5">
-              <a:lumMod val="75000"/>
-              <a:alpha val="58000"/>
-            </a:schemeClr>
-          </a:solidFill>
-          <a:ln>
-            <a:noFill/>
-          </a:ln>
-        </p:spPr>
-        <p:style>
-          <a:lnRef idx="2">
-            <a:schemeClr val="accent1">
-              <a:shade val="50000"/>
-            </a:schemeClr>
-          </a:lnRef>
-          <a:fillRef idx="1">
-            <a:schemeClr val="accent1"/>
-          </a:fillRef>
-          <a:effectRef idx="0">
-            <a:schemeClr val="accent1"/>
-          </a:effectRef>
-          <a:fontRef idx="minor">
-            <a:schemeClr val="lt1"/>
-          </a:fontRef>
-        </p:style>
-        <p:txBody>
-          <a:bodyPr anchor="ctr"/>
-          <a:lstStyle/>
-          <a:p>
-            <a:pPr algn="ctr" fontAlgn="auto">
-              <a:spcBef>
-                <a:spcPts val="0"/>
-              </a:spcBef>
-              <a:spcAft>
-                <a:spcPts val="0"/>
-              </a:spcAft>
-              <a:defRPr/>
-            </a:pPr>
-            <a:endParaRPr lang="zh-CN" altLang="en-US"/>
-          </a:p>
-        </p:txBody>
-      </p:sp>
-      <p:sp>
-        <p:nvSpPr>
-          <p:cNvPr id="6" name="矩形 5"/>
-          <p:cNvSpPr/>
-          <p:nvPr/>
-        </p:nvSpPr>
-        <p:spPr>
-          <a:xfrm>
-            <a:off x="4035425" y="-3948113"/>
-            <a:ext cx="3917950" cy="7461251"/>
-          </a:xfrm>
-          <a:prstGeom prst="rect">
-            <a:avLst/>
-          </a:prstGeom>
-          <a:solidFill>
-            <a:schemeClr val="accent5">
-              <a:lumMod val="50000"/>
-              <a:alpha val="51000"/>
-            </a:schemeClr>
-          </a:solidFill>
-          <a:ln>
-            <a:noFill/>
-          </a:ln>
-        </p:spPr>
-        <p:style>
-          <a:lnRef idx="2">
-            <a:schemeClr val="accent1">
-              <a:shade val="50000"/>
-            </a:schemeClr>
-          </a:lnRef>
-          <a:fillRef idx="1">
-            <a:schemeClr val="accent1"/>
-          </a:fillRef>
-          <a:effectRef idx="0">
-            <a:schemeClr val="accent1"/>
-          </a:effectRef>
-          <a:fontRef idx="minor">
-            <a:schemeClr val="lt1"/>
-          </a:fontRef>
-        </p:style>
-        <p:txBody>
-          <a:bodyPr anchor="ctr"/>
-          <a:lstStyle/>
-          <a:p>
-            <a:pPr algn="ctr" fontAlgn="auto">
-              <a:spcBef>
-                <a:spcPts val="0"/>
-              </a:spcBef>
-              <a:spcAft>
-                <a:spcPts val="0"/>
-              </a:spcAft>
-              <a:defRPr/>
-            </a:pPr>
-            <a:endParaRPr lang="zh-CN" altLang="en-US"/>
-          </a:p>
-        </p:txBody>
-      </p:sp>
-      <p:sp>
-        <p:nvSpPr>
-          <p:cNvPr id="7" name="文本框 6"/>
-          <p:cNvSpPr txBox="1"/>
-          <p:nvPr/>
-        </p:nvSpPr>
-        <p:spPr>
-          <a:xfrm>
-            <a:off x="784225" y="4676775"/>
-            <a:ext cx="1508125" cy="1681163"/>
-          </a:xfrm>
-          <a:prstGeom prst="rect">
-            <a:avLst/>
-          </a:prstGeom>
-          <a:noFill/>
-        </p:spPr>
-        <p:txBody>
-          <a:bodyPr wrap="none">
-            <a:spAutoFit/>
-          </a:bodyPr>
-          <a:lstStyle/>
-          <a:p>
-            <a:pPr fontAlgn="auto">
-              <a:lnSpc>
-                <a:spcPct val="130000"/>
-              </a:lnSpc>
-              <a:spcBef>
-                <a:spcPts val="0"/>
-              </a:spcBef>
-              <a:spcAft>
-                <a:spcPts val="0"/>
-              </a:spcAft>
-              <a:defRPr/>
-            </a:pPr>
-            <a:r>
-              <a:rPr lang="en-US" altLang="zh-CN" sz="8800" dirty="0">
-                <a:solidFill>
-                  <a:schemeClr val="bg1"/>
-                </a:solidFill>
-                <a:latin typeface="+mj-ea"/>
-                <a:ea typeface="+mj-ea"/>
-                <a:cs typeface="+mn-cs"/>
-              </a:rPr>
-              <a:t>06</a:t>
-            </a:r>
-            <a:endParaRPr lang="zh-CN" altLang="en-US" sz="8800" dirty="0">
-              <a:solidFill>
-                <a:schemeClr val="bg1"/>
-              </a:solidFill>
-              <a:latin typeface="+mj-ea"/>
-              <a:ea typeface="+mj-ea"/>
-              <a:cs typeface="+mn-cs"/>
-            </a:endParaRPr>
-          </a:p>
-        </p:txBody>
-      </p:sp>
-      <p:sp>
-        <p:nvSpPr>
-          <p:cNvPr id="8" name="文本框 7"/>
-          <p:cNvSpPr txBox="1"/>
-          <p:nvPr/>
-        </p:nvSpPr>
-        <p:spPr>
-          <a:xfrm>
-            <a:off x="4773553" y="1515060"/>
-            <a:ext cx="2441694" cy="886781"/>
-          </a:xfrm>
-          <a:prstGeom prst="rect">
-            <a:avLst/>
-          </a:prstGeom>
-          <a:noFill/>
-        </p:spPr>
-        <p:txBody>
-          <a:bodyPr wrap="none">
-            <a:spAutoFit/>
-          </a:bodyPr>
-          <a:lstStyle/>
-          <a:p>
-            <a:pPr fontAlgn="auto">
-              <a:lnSpc>
-                <a:spcPct val="130000"/>
-              </a:lnSpc>
-              <a:spcBef>
-                <a:spcPts val="0"/>
-              </a:spcBef>
-              <a:spcAft>
-                <a:spcPts val="0"/>
-              </a:spcAft>
-              <a:defRPr/>
-            </a:pPr>
-            <a:r>
-              <a:rPr lang="zh-CN" altLang="en-US" sz="4400" b="1" dirty="0">
-                <a:solidFill>
-                  <a:schemeClr val="bg1"/>
-                </a:solidFill>
-                <a:latin typeface="+mj-ea"/>
-                <a:ea typeface="+mj-ea"/>
-                <a:cs typeface="+mn-cs"/>
-              </a:rPr>
-              <a:t>参考资料</a:t>
-            </a:r>
-          </a:p>
-        </p:txBody>
-      </p:sp>
-      <p:sp>
-        <p:nvSpPr>
-          <p:cNvPr id="9" name="文本框 8"/>
-          <p:cNvSpPr txBox="1">
-            <a:spLocks noChangeArrowheads="1"/>
-          </p:cNvSpPr>
-          <p:nvPr/>
-        </p:nvSpPr>
-        <p:spPr bwMode="auto">
-          <a:xfrm>
-            <a:off x="11487150" y="-647700"/>
-            <a:ext cx="877888" cy="369887"/>
-          </a:xfrm>
-          <a:prstGeom prst="rect">
-            <a:avLst/>
-          </a:prstGeom>
-          <a:noFill/>
-          <a:ln w="9525">
-            <a:noFill/>
-            <a:miter lim="800000"/>
-          </a:ln>
-        </p:spPr>
-        <p:txBody>
-          <a:bodyPr wrap="none">
-            <a:spAutoFit/>
-          </a:bodyPr>
-          <a:lstStyle/>
-          <a:p>
-            <a:r>
-              <a:rPr lang="zh-CN" altLang="en-US">
-                <a:latin typeface="Arial Black" panose="020B0A04020102020204" pitchFamily="34" charset="0"/>
-                <a:ea typeface="华文仿宋"/>
-              </a:rPr>
-              <a:t>延迟符</a:t>
-            </a:r>
-          </a:p>
-        </p:txBody>
-      </p:sp>
-    </p:spTree>
-  </p:cSld>
-  <p:clrMapOvr>
-    <a:masterClrMapping/>
-  </p:clrMapOvr>
-  <p:transition spd="slow" advClick="0" advTm="0">
-    <p:random/>
-  </p:transition>
-</p:sld>
-</file>
-
 <file path=ppt/slides/slide2.xml><?xml version="1.0" encoding="utf-8"?>
 <p:sld xmlns:a="http://schemas.openxmlformats.org/drawingml/2006/main" xmlns:r="http://schemas.openxmlformats.org/officeDocument/2006/relationships" xmlns:p="http://schemas.openxmlformats.org/presentationml/2006/main">
   <p:cSld>
@@ -14092,7 +14189,7 @@
         <p:spPr>
           <a:xfrm>
             <a:off x="2133600" y="101600"/>
-            <a:ext cx="1210588" cy="452945"/>
+            <a:ext cx="2236788" cy="452438"/>
           </a:xfrm>
           <a:prstGeom prst="rect">
             <a:avLst/>
@@ -14128,6 +14225,256 @@
                 <a:ea typeface="微软雅黑" panose="020B0503020204020204" pitchFamily="34" charset="-122"/>
                 <a:cs typeface="+mn-cs"/>
               </a:rPr>
+              <a:t>单击此处添加标题</a:t>
+            </a:r>
+          </a:p>
+        </p:txBody>
+      </p:sp>
+      <p:pic>
+        <p:nvPicPr>
+          <p:cNvPr id="4" name="Picture 3" descr="C:\Users\MDG\Desktop\911964_1284175202.jpg"/>
+          <p:cNvPicPr>
+            <a:picLocks noChangeAspect="1" noChangeArrowheads="1"/>
+          </p:cNvPicPr>
+          <p:nvPr/>
+        </p:nvPicPr>
+        <p:blipFill>
+          <a:blip r:embed="rId3"/>
+          <a:srcRect/>
+          <a:stretch>
+            <a:fillRect/>
+          </a:stretch>
+        </p:blipFill>
+        <p:spPr bwMode="auto">
+          <a:xfrm>
+            <a:off x="0" y="0"/>
+            <a:ext cx="12192000" cy="6858000"/>
+          </a:xfrm>
+          <a:prstGeom prst="rect">
+            <a:avLst/>
+          </a:prstGeom>
+          <a:noFill/>
+          <a:ln w="9525">
+            <a:noFill/>
+            <a:miter lim="800000"/>
+            <a:headEnd/>
+            <a:tailEnd/>
+          </a:ln>
+        </p:spPr>
+      </p:pic>
+      <p:sp>
+        <p:nvSpPr>
+          <p:cNvPr id="5" name="椭圆 4"/>
+          <p:cNvSpPr/>
+          <p:nvPr/>
+        </p:nvSpPr>
+        <p:spPr>
+          <a:xfrm>
+            <a:off x="-900113" y="4122738"/>
+            <a:ext cx="4151313" cy="4149725"/>
+          </a:xfrm>
+          <a:prstGeom prst="ellipse">
+            <a:avLst/>
+          </a:prstGeom>
+          <a:solidFill>
+            <a:schemeClr val="accent5">
+              <a:lumMod val="75000"/>
+              <a:alpha val="58000"/>
+            </a:schemeClr>
+          </a:solidFill>
+          <a:ln>
+            <a:noFill/>
+          </a:ln>
+        </p:spPr>
+        <p:style>
+          <a:lnRef idx="2">
+            <a:schemeClr val="accent1">
+              <a:shade val="50000"/>
+            </a:schemeClr>
+          </a:lnRef>
+          <a:fillRef idx="1">
+            <a:schemeClr val="accent1"/>
+          </a:fillRef>
+          <a:effectRef idx="0">
+            <a:schemeClr val="accent1"/>
+          </a:effectRef>
+          <a:fontRef idx="minor">
+            <a:schemeClr val="lt1"/>
+          </a:fontRef>
+        </p:style>
+        <p:txBody>
+          <a:bodyPr anchor="ctr"/>
+          <a:lstStyle/>
+          <a:p>
+            <a:pPr algn="ctr" fontAlgn="auto">
+              <a:spcBef>
+                <a:spcPts val="0"/>
+              </a:spcBef>
+              <a:spcAft>
+                <a:spcPts val="0"/>
+              </a:spcAft>
+              <a:defRPr/>
+            </a:pPr>
+            <a:endParaRPr lang="zh-CN" altLang="en-US"/>
+          </a:p>
+        </p:txBody>
+      </p:sp>
+      <p:sp>
+        <p:nvSpPr>
+          <p:cNvPr id="6" name="矩形 5"/>
+          <p:cNvSpPr/>
+          <p:nvPr/>
+        </p:nvSpPr>
+        <p:spPr>
+          <a:xfrm>
+            <a:off x="4035425" y="-3948113"/>
+            <a:ext cx="3917950" cy="7461251"/>
+          </a:xfrm>
+          <a:prstGeom prst="rect">
+            <a:avLst/>
+          </a:prstGeom>
+          <a:solidFill>
+            <a:schemeClr val="accent5">
+              <a:lumMod val="50000"/>
+              <a:alpha val="51000"/>
+            </a:schemeClr>
+          </a:solidFill>
+          <a:ln>
+            <a:noFill/>
+          </a:ln>
+        </p:spPr>
+        <p:style>
+          <a:lnRef idx="2">
+            <a:schemeClr val="accent1">
+              <a:shade val="50000"/>
+            </a:schemeClr>
+          </a:lnRef>
+          <a:fillRef idx="1">
+            <a:schemeClr val="accent1"/>
+          </a:fillRef>
+          <a:effectRef idx="0">
+            <a:schemeClr val="accent1"/>
+          </a:effectRef>
+          <a:fontRef idx="minor">
+            <a:schemeClr val="lt1"/>
+          </a:fontRef>
+        </p:style>
+        <p:txBody>
+          <a:bodyPr anchor="ctr"/>
+          <a:lstStyle/>
+          <a:p>
+            <a:pPr algn="ctr" fontAlgn="auto">
+              <a:spcBef>
+                <a:spcPts val="0"/>
+              </a:spcBef>
+              <a:spcAft>
+                <a:spcPts val="0"/>
+              </a:spcAft>
+              <a:defRPr/>
+            </a:pPr>
+            <a:endParaRPr lang="zh-CN" altLang="en-US"/>
+          </a:p>
+        </p:txBody>
+      </p:sp>
+      <p:sp>
+        <p:nvSpPr>
+          <p:cNvPr id="7" name="文本框 6"/>
+          <p:cNvSpPr txBox="1"/>
+          <p:nvPr/>
+        </p:nvSpPr>
+        <p:spPr>
+          <a:xfrm>
+            <a:off x="784225" y="4676775"/>
+            <a:ext cx="1508125" cy="1681163"/>
+          </a:xfrm>
+          <a:prstGeom prst="rect">
+            <a:avLst/>
+          </a:prstGeom>
+          <a:noFill/>
+        </p:spPr>
+        <p:txBody>
+          <a:bodyPr wrap="none">
+            <a:spAutoFit/>
+          </a:bodyPr>
+          <a:lstStyle/>
+          <a:p>
+            <a:pPr fontAlgn="auto">
+              <a:lnSpc>
+                <a:spcPct val="130000"/>
+              </a:lnSpc>
+              <a:spcBef>
+                <a:spcPts val="0"/>
+              </a:spcBef>
+              <a:spcAft>
+                <a:spcPts val="0"/>
+              </a:spcAft>
+              <a:defRPr/>
+            </a:pPr>
+            <a:r>
+              <a:rPr lang="en-US" altLang="zh-CN" sz="8800" dirty="0">
+                <a:solidFill>
+                  <a:schemeClr val="bg1"/>
+                </a:solidFill>
+                <a:latin typeface="+mj-ea"/>
+                <a:ea typeface="+mj-ea"/>
+                <a:cs typeface="+mn-cs"/>
+              </a:rPr>
+              <a:t>06</a:t>
+            </a:r>
+            <a:endParaRPr lang="zh-CN" altLang="en-US" sz="8800" dirty="0">
+              <a:solidFill>
+                <a:schemeClr val="bg1"/>
+              </a:solidFill>
+              <a:latin typeface="+mj-ea"/>
+              <a:ea typeface="+mj-ea"/>
+              <a:cs typeface="+mn-cs"/>
+            </a:endParaRPr>
+          </a:p>
+        </p:txBody>
+      </p:sp>
+      <p:sp>
+        <p:nvSpPr>
+          <p:cNvPr id="8" name="文本框 7"/>
+          <p:cNvSpPr txBox="1"/>
+          <p:nvPr/>
+        </p:nvSpPr>
+        <p:spPr>
+          <a:xfrm>
+            <a:off x="4773553" y="1515060"/>
+            <a:ext cx="2441694" cy="886781"/>
+          </a:xfrm>
+          <a:prstGeom prst="rect">
+            <a:avLst/>
+          </a:prstGeom>
+          <a:noFill/>
+        </p:spPr>
+        <p:txBody>
+          <a:bodyPr wrap="none">
+            <a:spAutoFit/>
+          </a:bodyPr>
+          <a:lstStyle/>
+          <a:p>
+            <a:pPr fontAlgn="auto">
+              <a:lnSpc>
+                <a:spcPct val="130000"/>
+              </a:lnSpc>
+              <a:spcBef>
+                <a:spcPts val="0"/>
+              </a:spcBef>
+              <a:spcAft>
+                <a:spcPts val="0"/>
+              </a:spcAft>
+              <a:defRPr/>
+            </a:pPr>
+            <a:r>
+              <a:rPr lang="zh-CN" altLang="en-US" sz="4400" b="1" dirty="0">
+                <a:solidFill>
+                  <a:schemeClr val="bg1"/>
+                </a:solidFill>
+                <a:latin typeface="+mj-ea"/>
+                <a:ea typeface="+mj-ea"/>
+                <a:cs typeface="+mn-cs"/>
+              </a:rPr>
               <a:t>参考资料</a:t>
             </a:r>
           </a:p>
@@ -14135,7 +14482,7 @@
       </p:sp>
       <p:sp>
         <p:nvSpPr>
-          <p:cNvPr id="45" name="文本框 44"/>
+          <p:cNvPr id="9" name="文本框 8"/>
           <p:cNvSpPr txBox="1">
             <a:spLocks noChangeArrowheads="1"/>
           </p:cNvSpPr>
@@ -14168,268 +14515,6 @@
               </a:rPr>
               <a:t>延迟符</a:t>
             </a:r>
-          </a:p>
-        </p:txBody>
-      </p:sp>
-      <p:sp>
-        <p:nvSpPr>
-          <p:cNvPr id="2" name="文本框 1">
-            <a:extLst>
-              <a:ext uri="{FF2B5EF4-FFF2-40B4-BE49-F238E27FC236}">
-                <a16:creationId xmlns:a16="http://schemas.microsoft.com/office/drawing/2014/main" id="{2414CF67-8089-4C26-BF29-8AA791E9F1BC}"/>
-              </a:ext>
-            </a:extLst>
-          </p:cNvPr>
-          <p:cNvSpPr txBox="1"/>
-          <p:nvPr/>
-        </p:nvSpPr>
-        <p:spPr>
-          <a:xfrm>
-            <a:off x="1052820" y="1199334"/>
-            <a:ext cx="9877926" cy="3693319"/>
-          </a:xfrm>
-          <a:prstGeom prst="rect">
-            <a:avLst/>
-          </a:prstGeom>
-          <a:noFill/>
-        </p:spPr>
-        <p:txBody>
-          <a:bodyPr wrap="square" rtlCol="0">
-            <a:spAutoFit/>
-          </a:bodyPr>
-          <a:lstStyle/>
-          <a:p>
-            <a:r>
-              <a:rPr lang="zh-CN" altLang="zh-CN" b="1" dirty="0">
-                <a:latin typeface="+mj-ea"/>
-                <a:ea typeface="+mj-ea"/>
-              </a:rPr>
-              <a:t>软件工程导论（第</a:t>
-            </a:r>
-            <a:r>
-              <a:rPr lang="en-US" altLang="zh-CN" b="1" dirty="0">
-                <a:latin typeface="+mj-ea"/>
-                <a:ea typeface="+mj-ea"/>
-              </a:rPr>
-              <a:t>6</a:t>
-            </a:r>
-            <a:r>
-              <a:rPr lang="zh-CN" altLang="zh-CN" b="1" dirty="0">
-                <a:latin typeface="+mj-ea"/>
-                <a:ea typeface="+mj-ea"/>
-              </a:rPr>
-              <a:t>版）（</a:t>
-            </a:r>
-            <a:r>
-              <a:rPr lang="zh-CN" altLang="zh-CN" dirty="0"/>
-              <a:t>张海藩、牟永敏 编著 </a:t>
-            </a:r>
-            <a:r>
-              <a:rPr lang="en-US" altLang="zh-CN" dirty="0"/>
-              <a:t>2013</a:t>
-            </a:r>
-            <a:r>
-              <a:rPr lang="zh-CN" altLang="zh-CN" dirty="0"/>
-              <a:t>年</a:t>
-            </a:r>
-            <a:r>
-              <a:rPr lang="en-US" altLang="zh-CN" dirty="0"/>
-              <a:t>8</a:t>
-            </a:r>
-            <a:r>
-              <a:rPr lang="zh-CN" altLang="zh-CN" dirty="0"/>
-              <a:t>月，清华大学出版社</a:t>
-            </a:r>
-            <a:r>
-              <a:rPr lang="en-US" altLang="zh-CN" dirty="0"/>
-              <a:t> ISBN</a:t>
-            </a:r>
-            <a:r>
-              <a:rPr lang="zh-CN" altLang="zh-CN" dirty="0"/>
-              <a:t>：</a:t>
-            </a:r>
-            <a:r>
-              <a:rPr lang="en-US" altLang="zh-CN" dirty="0"/>
-              <a:t>978-7-302-33098-1</a:t>
-            </a:r>
-            <a:r>
-              <a:rPr lang="zh-CN" altLang="zh-CN" b="1" dirty="0"/>
-              <a:t>）</a:t>
-            </a:r>
-            <a:endParaRPr lang="en-US" altLang="zh-CN" b="1" dirty="0"/>
-          </a:p>
-          <a:p>
-            <a:endParaRPr lang="zh-CN" altLang="zh-CN" dirty="0"/>
-          </a:p>
-          <a:p>
-            <a:r>
-              <a:rPr lang="zh-CN" altLang="zh-CN" b="1" dirty="0"/>
-              <a:t>灰机</a:t>
-            </a:r>
-            <a:r>
-              <a:rPr lang="en-US" altLang="zh-CN" b="1" dirty="0"/>
-              <a:t>wiki</a:t>
-            </a:r>
-            <a:r>
-              <a:rPr lang="zh-CN" altLang="zh-CN" b="1" dirty="0"/>
-              <a:t>（</a:t>
-            </a:r>
-            <a:r>
-              <a:rPr lang="en-US" altLang="zh-CN" u="sng" dirty="0">
-                <a:hlinkClick r:id="rId3"/>
-              </a:rPr>
-              <a:t>https://mhw.huijiwiki.com/wiki/</a:t>
-            </a:r>
-            <a:r>
-              <a:rPr lang="zh-CN" altLang="zh-CN" b="1" dirty="0"/>
-              <a:t>）</a:t>
-            </a:r>
-            <a:endParaRPr lang="en-US" altLang="zh-CN" b="1" dirty="0"/>
-          </a:p>
-          <a:p>
-            <a:endParaRPr lang="zh-CN" altLang="zh-CN" dirty="0"/>
-          </a:p>
-          <a:p>
-            <a:r>
-              <a:rPr lang="zh-CN" altLang="zh-CN" b="1" dirty="0"/>
-              <a:t>我們一起狩獵吧</a:t>
-            </a:r>
-            <a:r>
-              <a:rPr lang="en-US" altLang="zh-CN" b="1" dirty="0"/>
-              <a:t>! | MHW </a:t>
-            </a:r>
-            <a:r>
-              <a:rPr lang="zh-CN" altLang="zh-CN" b="1" dirty="0"/>
-              <a:t>魔物獵人中文攻略 </a:t>
-            </a:r>
-            <a:r>
-              <a:rPr lang="en-US" altLang="zh-CN" b="1" dirty="0"/>
-              <a:t>wiki</a:t>
-            </a:r>
-            <a:r>
-              <a:rPr lang="zh-CN" altLang="zh-CN" b="1" dirty="0"/>
-              <a:t>（</a:t>
-            </a:r>
-            <a:r>
-              <a:rPr lang="en-US" altLang="zh-CN" u="sng" dirty="0">
-                <a:hlinkClick r:id="rId4"/>
-              </a:rPr>
-              <a:t>https://www.mhchinese.wiki/</a:t>
-            </a:r>
-            <a:r>
-              <a:rPr lang="zh-CN" altLang="zh-CN" b="1" dirty="0"/>
-              <a:t>）</a:t>
-            </a:r>
-            <a:endParaRPr lang="zh-CN" altLang="zh-CN" dirty="0"/>
-          </a:p>
-          <a:p>
-            <a:r>
-              <a:rPr lang="en-US" altLang="zh-CN" b="1" dirty="0"/>
-              <a:t>App</a:t>
-            </a:r>
-            <a:r>
-              <a:rPr lang="zh-CN" altLang="zh-CN" b="1" dirty="0"/>
-              <a:t>《</a:t>
-            </a:r>
-            <a:r>
-              <a:rPr lang="en-US" altLang="zh-CN" b="1" dirty="0" err="1"/>
-              <a:t>mhw</a:t>
-            </a:r>
-            <a:r>
-              <a:rPr lang="zh-CN" altLang="zh-CN" b="1" dirty="0"/>
-              <a:t>伙伴》（</a:t>
-            </a:r>
-            <a:r>
-              <a:rPr lang="en-US" altLang="zh-CN" dirty="0"/>
-              <a:t>https://weibo.com/mhwo</a:t>
-            </a:r>
-            <a:r>
-              <a:rPr lang="zh-CN" altLang="zh-CN" b="1" dirty="0"/>
-              <a:t>）</a:t>
-            </a:r>
-            <a:endParaRPr lang="zh-CN" altLang="zh-CN" dirty="0"/>
-          </a:p>
-          <a:p>
-            <a:r>
-              <a:rPr lang="en-US" altLang="zh-CN" b="1" dirty="0"/>
-              <a:t> </a:t>
-            </a:r>
-            <a:endParaRPr lang="zh-CN" altLang="zh-CN" b="1" dirty="0"/>
-          </a:p>
-          <a:p>
-            <a:r>
-              <a:rPr lang="zh-CN" altLang="zh-CN" b="1" dirty="0"/>
-              <a:t>如何打造一份</a:t>
-            </a:r>
-            <a:r>
-              <a:rPr lang="en-US" altLang="zh-CN" b="1" dirty="0"/>
-              <a:t>it</a:t>
-            </a:r>
-            <a:r>
-              <a:rPr lang="zh-CN" altLang="zh-CN" b="1" dirty="0"/>
-              <a:t>项目计划书</a:t>
-            </a:r>
-            <a:r>
-              <a:rPr lang="en-US" altLang="zh-CN" b="1" dirty="0"/>
-              <a:t>(</a:t>
-            </a:r>
-            <a:r>
-              <a:rPr lang="zh-CN" altLang="zh-CN" b="1" dirty="0"/>
-              <a:t>作者：</a:t>
-            </a:r>
-            <a:r>
-              <a:rPr lang="en-US" altLang="zh-CN" b="1" dirty="0" err="1"/>
-              <a:t>biubiuli</a:t>
-            </a:r>
-            <a:r>
-              <a:rPr lang="en-US" altLang="zh-CN" b="1" dirty="0"/>
-              <a:t> </a:t>
-            </a:r>
-            <a:r>
-              <a:rPr lang="zh-CN" altLang="zh-CN" dirty="0"/>
-              <a:t>来源：</a:t>
-            </a:r>
-            <a:r>
-              <a:rPr lang="en-US" altLang="zh-CN" dirty="0"/>
-              <a:t>CSDN </a:t>
-            </a:r>
-            <a:r>
-              <a:rPr lang="zh-CN" altLang="zh-CN" dirty="0"/>
-              <a:t>原文：</a:t>
-            </a:r>
-            <a:r>
-              <a:rPr lang="en-US" altLang="zh-CN" dirty="0"/>
-              <a:t>https://blog.csdn.net/biubiuli/article/details/79376287 )</a:t>
-            </a:r>
-          </a:p>
-          <a:p>
-            <a:endParaRPr lang="en-US" altLang="zh-CN" dirty="0"/>
-          </a:p>
-          <a:p>
-            <a:endParaRPr lang="en-US" altLang="zh-CN" dirty="0"/>
-          </a:p>
-          <a:p>
-            <a:r>
-              <a:rPr lang="zh-CN" altLang="en-US" dirty="0"/>
-              <a:t>关于</a:t>
-            </a:r>
-            <a:r>
-              <a:rPr lang="en-US" altLang="zh-CN" dirty="0"/>
-              <a:t>MHW</a:t>
-            </a:r>
-            <a:r>
-              <a:rPr lang="zh-CN" altLang="en-US" dirty="0"/>
-              <a:t>助手类软件的调查（</a:t>
-            </a:r>
-            <a:r>
-              <a:rPr lang="en-US" altLang="zh-CN" dirty="0"/>
-              <a:t>https://www.wjx.cn/m/36329795.aspx</a:t>
-            </a:r>
-            <a:r>
-              <a:rPr lang="zh-CN" altLang="en-US" dirty="0"/>
-              <a:t>）</a:t>
-            </a:r>
-            <a:endParaRPr lang="zh-CN" altLang="zh-CN" dirty="0"/>
           </a:p>
         </p:txBody>
       </p:sp>
@@ -14463,6 +14548,575 @@
       </p:grpSpPr>
       <p:sp>
         <p:nvSpPr>
+          <p:cNvPr id="3" name="文本框 2"/>
+          <p:cNvSpPr txBox="1"/>
+          <p:nvPr/>
+        </p:nvSpPr>
+        <p:spPr>
+          <a:xfrm>
+            <a:off x="2133600" y="101600"/>
+            <a:ext cx="1210588" cy="452945"/>
+          </a:xfrm>
+          <a:prstGeom prst="rect">
+            <a:avLst/>
+          </a:prstGeom>
+          <a:noFill/>
+        </p:spPr>
+        <p:txBody>
+          <a:bodyPr wrap="none">
+            <a:spAutoFit/>
+          </a:bodyPr>
+          <a:lstStyle/>
+          <a:p>
+            <a:pPr fontAlgn="auto">
+              <a:lnSpc>
+                <a:spcPct val="130000"/>
+              </a:lnSpc>
+              <a:spcBef>
+                <a:spcPts val="0"/>
+              </a:spcBef>
+              <a:spcAft>
+                <a:spcPts val="0"/>
+              </a:spcAft>
+              <a:defRPr/>
+            </a:pPr>
+            <a:r>
+              <a:rPr lang="zh-CN" altLang="en-US" sz="2000" b="1" dirty="0">
+                <a:solidFill>
+                  <a:schemeClr val="accent5">
+                    <a:lumMod val="75000"/>
+                  </a:schemeClr>
+                </a:solidFill>
+                <a:latin typeface="Arial" panose="020B0604020202020204" pitchFamily="34" charset="0"/>
+                <a:ea typeface="微软雅黑" panose="020B0503020204020204" pitchFamily="34" charset="-122"/>
+                <a:cs typeface="+mn-cs"/>
+              </a:rPr>
+              <a:t>参考资料</a:t>
+            </a:r>
+          </a:p>
+        </p:txBody>
+      </p:sp>
+      <p:sp>
+        <p:nvSpPr>
+          <p:cNvPr id="45" name="文本框 44"/>
+          <p:cNvSpPr txBox="1">
+            <a:spLocks noChangeArrowheads="1"/>
+          </p:cNvSpPr>
+          <p:nvPr/>
+        </p:nvSpPr>
+        <p:spPr bwMode="auto">
+          <a:xfrm>
+            <a:off x="11487150" y="-647700"/>
+            <a:ext cx="877888" cy="369887"/>
+          </a:xfrm>
+          <a:prstGeom prst="rect">
+            <a:avLst/>
+          </a:prstGeom>
+          <a:noFill/>
+          <a:ln w="9525">
+            <a:noFill/>
+            <a:miter lim="800000"/>
+          </a:ln>
+        </p:spPr>
+        <p:txBody>
+          <a:bodyPr wrap="none">
+            <a:spAutoFit/>
+          </a:bodyPr>
+          <a:lstStyle/>
+          <a:p>
+            <a:r>
+              <a:rPr lang="zh-CN" altLang="en-US">
+                <a:latin typeface="Arial Black" panose="020B0A04020102020204" pitchFamily="34" charset="0"/>
+                <a:ea typeface="华文仿宋"/>
+              </a:rPr>
+              <a:t>延迟符</a:t>
+            </a:r>
+          </a:p>
+        </p:txBody>
+      </p:sp>
+      <p:sp>
+        <p:nvSpPr>
+          <p:cNvPr id="2" name="文本框 1">
+            <a:extLst>
+              <a:ext uri="{FF2B5EF4-FFF2-40B4-BE49-F238E27FC236}">
+                <a16:creationId xmlns:a16="http://schemas.microsoft.com/office/drawing/2014/main" id="{2414CF67-8089-4C26-BF29-8AA791E9F1BC}"/>
+              </a:ext>
+            </a:extLst>
+          </p:cNvPr>
+          <p:cNvSpPr txBox="1"/>
+          <p:nvPr/>
+        </p:nvSpPr>
+        <p:spPr>
+          <a:xfrm>
+            <a:off x="1052820" y="1199334"/>
+            <a:ext cx="9877926" cy="3693319"/>
+          </a:xfrm>
+          <a:prstGeom prst="rect">
+            <a:avLst/>
+          </a:prstGeom>
+          <a:noFill/>
+        </p:spPr>
+        <p:txBody>
+          <a:bodyPr wrap="square" rtlCol="0">
+            <a:spAutoFit/>
+          </a:bodyPr>
+          <a:lstStyle/>
+          <a:p>
+            <a:r>
+              <a:rPr lang="zh-CN" altLang="zh-CN" b="1" dirty="0">
+                <a:latin typeface="+mj-ea"/>
+                <a:ea typeface="+mj-ea"/>
+              </a:rPr>
+              <a:t>软件工程导论（第</a:t>
+            </a:r>
+            <a:r>
+              <a:rPr lang="en-US" altLang="zh-CN" b="1" dirty="0">
+                <a:latin typeface="+mj-ea"/>
+                <a:ea typeface="+mj-ea"/>
+              </a:rPr>
+              <a:t>6</a:t>
+            </a:r>
+            <a:r>
+              <a:rPr lang="zh-CN" altLang="zh-CN" b="1" dirty="0">
+                <a:latin typeface="+mj-ea"/>
+                <a:ea typeface="+mj-ea"/>
+              </a:rPr>
+              <a:t>版）（</a:t>
+            </a:r>
+            <a:r>
+              <a:rPr lang="zh-CN" altLang="zh-CN" dirty="0"/>
+              <a:t>张海藩、牟永敏 编著 </a:t>
+            </a:r>
+            <a:r>
+              <a:rPr lang="en-US" altLang="zh-CN" dirty="0"/>
+              <a:t>2013</a:t>
+            </a:r>
+            <a:r>
+              <a:rPr lang="zh-CN" altLang="zh-CN" dirty="0"/>
+              <a:t>年</a:t>
+            </a:r>
+            <a:r>
+              <a:rPr lang="en-US" altLang="zh-CN" dirty="0"/>
+              <a:t>8</a:t>
+            </a:r>
+            <a:r>
+              <a:rPr lang="zh-CN" altLang="zh-CN" dirty="0"/>
+              <a:t>月，清华大学出版社</a:t>
+            </a:r>
+            <a:r>
+              <a:rPr lang="en-US" altLang="zh-CN" dirty="0"/>
+              <a:t> ISBN</a:t>
+            </a:r>
+            <a:r>
+              <a:rPr lang="zh-CN" altLang="zh-CN" dirty="0"/>
+              <a:t>：</a:t>
+            </a:r>
+            <a:r>
+              <a:rPr lang="en-US" altLang="zh-CN" dirty="0"/>
+              <a:t>978-7-302-33098-1</a:t>
+            </a:r>
+            <a:r>
+              <a:rPr lang="zh-CN" altLang="zh-CN" b="1" dirty="0"/>
+              <a:t>）</a:t>
+            </a:r>
+            <a:endParaRPr lang="en-US" altLang="zh-CN" b="1" dirty="0"/>
+          </a:p>
+          <a:p>
+            <a:endParaRPr lang="zh-CN" altLang="zh-CN" dirty="0"/>
+          </a:p>
+          <a:p>
+            <a:r>
+              <a:rPr lang="zh-CN" altLang="zh-CN" b="1" dirty="0"/>
+              <a:t>灰机</a:t>
+            </a:r>
+            <a:r>
+              <a:rPr lang="en-US" altLang="zh-CN" b="1" dirty="0"/>
+              <a:t>wiki</a:t>
+            </a:r>
+            <a:r>
+              <a:rPr lang="zh-CN" altLang="zh-CN" b="1" dirty="0"/>
+              <a:t>（</a:t>
+            </a:r>
+            <a:r>
+              <a:rPr lang="en-US" altLang="zh-CN" u="sng" dirty="0">
+                <a:hlinkClick r:id="rId3"/>
+              </a:rPr>
+              <a:t>https://mhw.huijiwiki.com/wiki/</a:t>
+            </a:r>
+            <a:r>
+              <a:rPr lang="zh-CN" altLang="zh-CN" b="1" dirty="0"/>
+              <a:t>）</a:t>
+            </a:r>
+            <a:endParaRPr lang="en-US" altLang="zh-CN" b="1" dirty="0"/>
+          </a:p>
+          <a:p>
+            <a:endParaRPr lang="zh-CN" altLang="zh-CN" dirty="0"/>
+          </a:p>
+          <a:p>
+            <a:r>
+              <a:rPr lang="zh-CN" altLang="zh-CN" b="1" dirty="0"/>
+              <a:t>我們一起狩獵吧</a:t>
+            </a:r>
+            <a:r>
+              <a:rPr lang="en-US" altLang="zh-CN" b="1" dirty="0"/>
+              <a:t>! | MHW </a:t>
+            </a:r>
+            <a:r>
+              <a:rPr lang="zh-CN" altLang="zh-CN" b="1" dirty="0"/>
+              <a:t>魔物獵人中文攻略 </a:t>
+            </a:r>
+            <a:r>
+              <a:rPr lang="en-US" altLang="zh-CN" b="1" dirty="0"/>
+              <a:t>wiki</a:t>
+            </a:r>
+            <a:r>
+              <a:rPr lang="zh-CN" altLang="zh-CN" b="1" dirty="0"/>
+              <a:t>（</a:t>
+            </a:r>
+            <a:r>
+              <a:rPr lang="en-US" altLang="zh-CN" u="sng" dirty="0">
+                <a:hlinkClick r:id="rId4"/>
+              </a:rPr>
+              <a:t>https://www.mhchinese.wiki/</a:t>
+            </a:r>
+            <a:r>
+              <a:rPr lang="zh-CN" altLang="zh-CN" b="1" dirty="0"/>
+              <a:t>）</a:t>
+            </a:r>
+            <a:endParaRPr lang="zh-CN" altLang="zh-CN" dirty="0"/>
+          </a:p>
+          <a:p>
+            <a:r>
+              <a:rPr lang="en-US" altLang="zh-CN" b="1" dirty="0"/>
+              <a:t>App</a:t>
+            </a:r>
+            <a:r>
+              <a:rPr lang="zh-CN" altLang="zh-CN" b="1" dirty="0"/>
+              <a:t>《</a:t>
+            </a:r>
+            <a:r>
+              <a:rPr lang="en-US" altLang="zh-CN" b="1" dirty="0" err="1"/>
+              <a:t>mhw</a:t>
+            </a:r>
+            <a:r>
+              <a:rPr lang="zh-CN" altLang="zh-CN" b="1" dirty="0"/>
+              <a:t>伙伴》（</a:t>
+            </a:r>
+            <a:r>
+              <a:rPr lang="en-US" altLang="zh-CN" dirty="0"/>
+              <a:t>https://weibo.com/mhwo</a:t>
+            </a:r>
+            <a:r>
+              <a:rPr lang="zh-CN" altLang="zh-CN" b="1" dirty="0"/>
+              <a:t>）</a:t>
+            </a:r>
+            <a:endParaRPr lang="zh-CN" altLang="zh-CN" dirty="0"/>
+          </a:p>
+          <a:p>
+            <a:r>
+              <a:rPr lang="en-US" altLang="zh-CN" b="1" dirty="0"/>
+              <a:t> </a:t>
+            </a:r>
+            <a:endParaRPr lang="zh-CN" altLang="zh-CN" b="1" dirty="0"/>
+          </a:p>
+          <a:p>
+            <a:r>
+              <a:rPr lang="zh-CN" altLang="zh-CN" b="1" dirty="0"/>
+              <a:t>如何打造一份</a:t>
+            </a:r>
+            <a:r>
+              <a:rPr lang="en-US" altLang="zh-CN" b="1" dirty="0"/>
+              <a:t>it</a:t>
+            </a:r>
+            <a:r>
+              <a:rPr lang="zh-CN" altLang="zh-CN" b="1" dirty="0"/>
+              <a:t>项目计划书</a:t>
+            </a:r>
+            <a:r>
+              <a:rPr lang="en-US" altLang="zh-CN" b="1" dirty="0"/>
+              <a:t>(</a:t>
+            </a:r>
+            <a:r>
+              <a:rPr lang="zh-CN" altLang="zh-CN" b="1" dirty="0"/>
+              <a:t>作者：</a:t>
+            </a:r>
+            <a:r>
+              <a:rPr lang="en-US" altLang="zh-CN" b="1" dirty="0" err="1"/>
+              <a:t>biubiuli</a:t>
+            </a:r>
+            <a:r>
+              <a:rPr lang="en-US" altLang="zh-CN" b="1" dirty="0"/>
+              <a:t> </a:t>
+            </a:r>
+            <a:r>
+              <a:rPr lang="zh-CN" altLang="zh-CN" dirty="0"/>
+              <a:t>来源：</a:t>
+            </a:r>
+            <a:r>
+              <a:rPr lang="en-US" altLang="zh-CN" dirty="0"/>
+              <a:t>CSDN </a:t>
+            </a:r>
+            <a:r>
+              <a:rPr lang="zh-CN" altLang="zh-CN" dirty="0"/>
+              <a:t>原文：</a:t>
+            </a:r>
+            <a:r>
+              <a:rPr lang="en-US" altLang="zh-CN" dirty="0"/>
+              <a:t>https://blog.csdn.net/biubiuli/article/details/79376287 )</a:t>
+            </a:r>
+          </a:p>
+          <a:p>
+            <a:endParaRPr lang="en-US" altLang="zh-CN" dirty="0"/>
+          </a:p>
+          <a:p>
+            <a:endParaRPr lang="en-US" altLang="zh-CN" dirty="0"/>
+          </a:p>
+          <a:p>
+            <a:r>
+              <a:rPr lang="zh-CN" altLang="en-US" dirty="0"/>
+              <a:t>关于</a:t>
+            </a:r>
+            <a:r>
+              <a:rPr lang="en-US" altLang="zh-CN" dirty="0"/>
+              <a:t>MHW</a:t>
+            </a:r>
+            <a:r>
+              <a:rPr lang="zh-CN" altLang="en-US" dirty="0"/>
+              <a:t>助手类软件的调查（</a:t>
+            </a:r>
+            <a:r>
+              <a:rPr lang="en-US" altLang="zh-CN" dirty="0"/>
+              <a:t>https://www.wjx.cn/m/36329795.aspx</a:t>
+            </a:r>
+            <a:r>
+              <a:rPr lang="zh-CN" altLang="en-US" dirty="0"/>
+              <a:t>）</a:t>
+            </a:r>
+            <a:endParaRPr lang="zh-CN" altLang="zh-CN" dirty="0"/>
+          </a:p>
+        </p:txBody>
+      </p:sp>
+    </p:spTree>
+  </p:cSld>
+  <p:clrMapOvr>
+    <a:masterClrMapping/>
+  </p:clrMapOvr>
+  <p:transition spd="slow" advClick="0" advTm="0">
+    <p:random/>
+  </p:transition>
+</p:sld>
+</file>
+
+<file path=ppt/slides/slide22.xml><?xml version="1.0" encoding="utf-8"?>
+<p:sld xmlns:a="http://schemas.openxmlformats.org/drawingml/2006/main" xmlns:r="http://schemas.openxmlformats.org/officeDocument/2006/relationships" xmlns:p="http://schemas.openxmlformats.org/presentationml/2006/main">
+  <p:cSld>
+    <p:spTree>
+      <p:nvGrpSpPr>
+        <p:cNvPr id="1" name=""/>
+        <p:cNvGrpSpPr/>
+        <p:nvPr/>
+      </p:nvGrpSpPr>
+      <p:grpSpPr>
+        <a:xfrm>
+          <a:off x="0" y="0"/>
+          <a:ext cx="0" cy="0"/>
+          <a:chOff x="0" y="0"/>
+          <a:chExt cx="0" cy="0"/>
+        </a:xfrm>
+      </p:grpSpPr>
+      <p:sp>
+        <p:nvSpPr>
+          <p:cNvPr id="2" name="标题 1">
+            <a:extLst>
+              <a:ext uri="{FF2B5EF4-FFF2-40B4-BE49-F238E27FC236}">
+                <a16:creationId xmlns:a16="http://schemas.microsoft.com/office/drawing/2014/main" id="{A2A39D54-1F1B-47C0-8DE5-C8C457EA3D76}"/>
+              </a:ext>
+            </a:extLst>
+          </p:cNvPr>
+          <p:cNvSpPr>
+            <a:spLocks noGrp="1"/>
+          </p:cNvSpPr>
+          <p:nvPr>
+            <p:ph type="title"/>
+          </p:nvPr>
+        </p:nvSpPr>
+        <p:spPr/>
+        <p:txBody>
+          <a:bodyPr/>
+          <a:lstStyle/>
+          <a:p>
+            <a:r>
+              <a:rPr lang="zh-CN" altLang="en-US" dirty="0"/>
+              <a:t>配置工具及会议记录</a:t>
+            </a:r>
+          </a:p>
+        </p:txBody>
+      </p:sp>
+      <p:pic>
+        <p:nvPicPr>
+          <p:cNvPr id="3" name="图片 2">
+            <a:extLst>
+              <a:ext uri="{FF2B5EF4-FFF2-40B4-BE49-F238E27FC236}">
+                <a16:creationId xmlns:a16="http://schemas.microsoft.com/office/drawing/2014/main" id="{583AC372-0DD6-42B0-8757-BFA4B13B2F62}"/>
+              </a:ext>
+            </a:extLst>
+          </p:cNvPr>
+          <p:cNvPicPr>
+            <a:picLocks noChangeAspect="1"/>
+          </p:cNvPicPr>
+          <p:nvPr/>
+        </p:nvPicPr>
+        <p:blipFill>
+          <a:blip r:embed="rId2"/>
+          <a:stretch>
+            <a:fillRect/>
+          </a:stretch>
+        </p:blipFill>
+        <p:spPr>
+          <a:xfrm>
+            <a:off x="558800" y="1489604"/>
+            <a:ext cx="7228265" cy="3384723"/>
+          </a:xfrm>
+          <a:prstGeom prst="rect">
+            <a:avLst/>
+          </a:prstGeom>
+        </p:spPr>
+      </p:pic>
+      <p:sp>
+        <p:nvSpPr>
+          <p:cNvPr id="4" name="文本框 3">
+            <a:extLst>
+              <a:ext uri="{FF2B5EF4-FFF2-40B4-BE49-F238E27FC236}">
+                <a16:creationId xmlns:a16="http://schemas.microsoft.com/office/drawing/2014/main" id="{FC4C4BD6-B80F-4DAE-8D58-4779408FE800}"/>
+              </a:ext>
+            </a:extLst>
+          </p:cNvPr>
+          <p:cNvSpPr txBox="1"/>
+          <p:nvPr/>
+        </p:nvSpPr>
+        <p:spPr>
+          <a:xfrm>
+            <a:off x="8245723" y="3009611"/>
+            <a:ext cx="2988296" cy="904863"/>
+          </a:xfrm>
+          <a:prstGeom prst="rect">
+            <a:avLst/>
+          </a:prstGeom>
+          <a:noFill/>
+        </p:spPr>
+        <p:txBody>
+          <a:bodyPr wrap="square" rtlCol="0">
+            <a:spAutoFit/>
+          </a:bodyPr>
+          <a:lstStyle/>
+          <a:p>
+            <a:pPr>
+              <a:lnSpc>
+                <a:spcPct val="130000"/>
+              </a:lnSpc>
+            </a:pPr>
+            <a:r>
+              <a:rPr lang="zh-CN" altLang="en-US" sz="1400" dirty="0">
+                <a:latin typeface="Arial" panose="020B0604020202020204" pitchFamily="34" charset="0"/>
+                <a:ea typeface="微软雅黑" panose="020B0503020204020204" pitchFamily="34" charset="-122"/>
+              </a:rPr>
+              <a:t>关于目前进度都上传至了</a:t>
+            </a:r>
+            <a:r>
+              <a:rPr lang="en-US" altLang="zh-CN" sz="1400" dirty="0">
+                <a:latin typeface="Arial" panose="020B0604020202020204" pitchFamily="34" charset="0"/>
+                <a:ea typeface="微软雅黑" panose="020B0503020204020204" pitchFamily="34" charset="-122"/>
+              </a:rPr>
+              <a:t>Git</a:t>
+            </a:r>
+          </a:p>
+          <a:p>
+            <a:pPr>
+              <a:lnSpc>
+                <a:spcPct val="130000"/>
+              </a:lnSpc>
+            </a:pPr>
+            <a:r>
+              <a:rPr lang="zh-CN" altLang="en-US" sz="1400" dirty="0">
+                <a:ea typeface="微软雅黑" panose="020B0503020204020204" pitchFamily="34" charset="-122"/>
+              </a:rPr>
+              <a:t>以及会议记录，取其中一张聊天记录证明。</a:t>
+            </a:r>
+            <a:endParaRPr lang="zh-CN" altLang="en-US" sz="1400" dirty="0">
+              <a:latin typeface="Arial" panose="020B0604020202020204" pitchFamily="34" charset="0"/>
+              <a:ea typeface="微软雅黑" panose="020B0503020204020204" pitchFamily="34" charset="-122"/>
+            </a:endParaRPr>
+          </a:p>
+        </p:txBody>
+      </p:sp>
+      <p:pic>
+        <p:nvPicPr>
+          <p:cNvPr id="6" name="图片 5">
+            <a:extLst>
+              <a:ext uri="{FF2B5EF4-FFF2-40B4-BE49-F238E27FC236}">
+                <a16:creationId xmlns:a16="http://schemas.microsoft.com/office/drawing/2014/main" id="{81E5214A-F6B0-42A5-ADEB-2032632BEB02}"/>
+              </a:ext>
+            </a:extLst>
+          </p:cNvPr>
+          <p:cNvPicPr>
+            <a:picLocks noChangeAspect="1"/>
+          </p:cNvPicPr>
+          <p:nvPr/>
+        </p:nvPicPr>
+        <p:blipFill>
+          <a:blip r:embed="rId3" cstate="print">
+            <a:extLst>
+              <a:ext uri="{28A0092B-C50C-407E-A947-70E740481C1C}">
+                <a14:useLocalDpi xmlns:a14="http://schemas.microsoft.com/office/drawing/2010/main" val="0"/>
+              </a:ext>
+            </a:extLst>
+          </a:blip>
+          <a:stretch>
+            <a:fillRect/>
+          </a:stretch>
+        </p:blipFill>
+        <p:spPr>
+          <a:xfrm>
+            <a:off x="6086475" y="2698501"/>
+            <a:ext cx="1902956" cy="3384723"/>
+          </a:xfrm>
+          <a:prstGeom prst="rect">
+            <a:avLst/>
+          </a:prstGeom>
+        </p:spPr>
+      </p:pic>
+    </p:spTree>
+    <p:extLst>
+      <p:ext uri="{BB962C8B-B14F-4D97-AF65-F5344CB8AC3E}">
+        <p14:creationId xmlns:p14="http://schemas.microsoft.com/office/powerpoint/2010/main" val="1837101771"/>
+      </p:ext>
+    </p:extLst>
+  </p:cSld>
+  <p:clrMapOvr>
+    <a:masterClrMapping/>
+  </p:clrMapOvr>
+</p:sld>
+</file>
+
+<file path=ppt/slides/slide23.xml><?xml version="1.0" encoding="utf-8"?>
+<p:sld xmlns:a="http://schemas.openxmlformats.org/drawingml/2006/main" xmlns:r="http://schemas.openxmlformats.org/officeDocument/2006/relationships" xmlns:p="http://schemas.openxmlformats.org/presentationml/2006/main">
+  <p:cSld>
+    <p:spTree>
+      <p:nvGrpSpPr>
+        <p:cNvPr id="1" name=""/>
+        <p:cNvGrpSpPr/>
+        <p:nvPr/>
+      </p:nvGrpSpPr>
+      <p:grpSpPr>
+        <a:xfrm>
+          <a:off x="0" y="0"/>
+          <a:ext cx="0" cy="0"/>
+          <a:chOff x="0" y="0"/>
+          <a:chExt cx="0" cy="0"/>
+        </a:xfrm>
+      </p:grpSpPr>
+      <p:sp>
+        <p:nvSpPr>
           <p:cNvPr id="2" name="标题 1">
             <a:extLst>
               <a:ext uri="{FF2B5EF4-FFF2-40B4-BE49-F238E27FC236}">
@@ -14726,7 +15380,7 @@
 </p:sld>
 </file>
 
-<file path=ppt/slides/slide22.xml><?xml version="1.0" encoding="utf-8"?>
+<file path=ppt/slides/slide24.xml><?xml version="1.0" encoding="utf-8"?>
 <p:sld xmlns:a="http://schemas.openxmlformats.org/drawingml/2006/main" xmlns:r="http://schemas.openxmlformats.org/officeDocument/2006/relationships" xmlns:p="http://schemas.openxmlformats.org/presentationml/2006/main">
   <p:cSld>
     <p:spTree>
@@ -17315,7 +17969,7 @@
                 <a:latin typeface="Arial" panose="020B0604020202020204" pitchFamily="34" charset="0"/>
                 <a:ea typeface="微软雅黑" panose="020B0503020204020204" pitchFamily="34" charset="-122"/>
               </a:rPr>
-              <a:t>基础的怪物弱点查找功能，在此之下添加针对不同怪物的推荐武器以及配装</a:t>
+              <a:t>基础的怪物弱点查找功能，在此之下添加针对不同怪物的推荐武器以及配装。</a:t>
             </a:r>
             <a:endParaRPr kumimoji="0" lang="en-US" altLang="zh-CN" sz="2000" b="1" i="0" u="none" strike="noStrike" kern="1200" cap="none" spc="0" normalizeH="0" baseline="0" noProof="0" dirty="0">
               <a:ln>
@@ -17365,7 +18019,7 @@
                 </a:solidFill>
                 <a:ea typeface="微软雅黑" panose="020B0503020204020204" pitchFamily="34" charset="-122"/>
               </a:rPr>
-              <a:t>方便快捷的配装器</a:t>
+              <a:t>方便快捷的配装器，提供关键字查找，并且玩家可以把自己的配装上传供他人参考。</a:t>
             </a:r>
             <a:endParaRPr lang="en-US" altLang="zh-CN" sz="2000" b="1" dirty="0">
               <a:solidFill>
@@ -17422,7 +18076,7 @@
                 <a:latin typeface="Arial" panose="020B0604020202020204" pitchFamily="34" charset="0"/>
                 <a:ea typeface="微软雅黑" panose="020B0503020204020204" pitchFamily="34" charset="-122"/>
               </a:rPr>
-              <a:t>招募版，为玩家们临时招募团体讨伐难度极高的怪物提供便利</a:t>
+              <a:t>招募版，为玩家们临时招募团体讨伐难度极高的怪物提供便利，并包含讨论板功能。</a:t>
             </a:r>
             <a:endParaRPr kumimoji="0" lang="en-US" altLang="zh-CN" sz="2000" b="1" i="0" u="none" strike="noStrike" kern="1200" cap="none" spc="0" normalizeH="0" baseline="0" noProof="0" dirty="0">
               <a:ln>
@@ -17553,10 +18207,10 @@
       </p:sp>
       <p:sp>
         <p:nvSpPr>
-          <p:cNvPr id="3" name="文本框 2">
+          <p:cNvPr id="5" name="文本框 4">
             <a:extLst>
               <a:ext uri="{FF2B5EF4-FFF2-40B4-BE49-F238E27FC236}">
-                <a16:creationId xmlns:a16="http://schemas.microsoft.com/office/drawing/2014/main" id="{AB66956B-3027-4D42-8451-463EAE3F6D35}"/>
+                <a16:creationId xmlns:a16="http://schemas.microsoft.com/office/drawing/2014/main" id="{A535B673-B991-446D-BED3-4B1ECF687316}"/>
               </a:ext>
             </a:extLst>
           </p:cNvPr>
@@ -17565,8 +18219,8 @@
         </p:nvSpPr>
         <p:spPr>
           <a:xfrm>
-            <a:off x="627166" y="1452785"/>
-            <a:ext cx="10755832" cy="2858026"/>
+            <a:off x="558800" y="1375873"/>
+            <a:ext cx="10978022" cy="2025170"/>
           </a:xfrm>
           <a:prstGeom prst="rect">
             <a:avLst/>
@@ -17585,14 +18239,18 @@
               </a:lnSpc>
             </a:pPr>
             <a:r>
-              <a:rPr lang="zh-CN" altLang="en-US" sz="2000" b="1" dirty="0">
-                <a:latin typeface="Arial" panose="020B0604020202020204" pitchFamily="34" charset="0"/>
+              <a:rPr lang="zh-CN" altLang="en-US" sz="1400" b="1" dirty="0">
+                <a:solidFill>
+                  <a:prstClr val="black"/>
+                </a:solidFill>
                 <a:ea typeface="微软雅黑" panose="020B0503020204020204" pitchFamily="34" charset="-122"/>
               </a:rPr>
-              <a:t>技术：</a:t>
-            </a:r>
-            <a:endParaRPr lang="en-US" altLang="zh-CN" sz="2000" b="1" dirty="0">
-              <a:latin typeface="Arial" panose="020B0604020202020204" pitchFamily="34" charset="0"/>
+              <a:t>怪物弱点查找功能</a:t>
+            </a:r>
+            <a:endParaRPr lang="en-US" altLang="zh-CN" sz="1400" b="1" dirty="0">
+              <a:solidFill>
+                <a:prstClr val="black"/>
+              </a:solidFill>
               <a:ea typeface="微软雅黑" panose="020B0503020204020204" pitchFamily="34" charset="-122"/>
             </a:endParaRPr>
           </a:p>
@@ -17603,36 +18261,50 @@
               </a:lnSpc>
             </a:pPr>
             <a:r>
-              <a:rPr lang="zh-CN" altLang="en-US" dirty="0">
+              <a:rPr lang="en-US" altLang="zh-CN" sz="1400" dirty="0">
+                <a:latin typeface="Arial" panose="020B0604020202020204" pitchFamily="34" charset="0"/>
                 <a:ea typeface="微软雅黑" panose="020B0503020204020204" pitchFamily="34" charset="-122"/>
               </a:rPr>
-              <a:t>对于我们这款软件需要大量的数据整合及分析，所以用来达成的主要工具是</a:t>
-            </a:r>
-            <a:r>
-              <a:rPr lang="en-US" altLang="zh-CN" dirty="0">
+              <a:t> 1 </a:t>
+            </a:r>
+            <a:r>
+              <a:rPr lang="zh-CN" altLang="en-US" sz="1400" dirty="0">
+                <a:latin typeface="Arial" panose="020B0604020202020204" pitchFamily="34" charset="0"/>
                 <a:ea typeface="微软雅黑" panose="020B0503020204020204" pitchFamily="34" charset="-122"/>
               </a:rPr>
+              <a:t>根据分类查找怪物资料</a:t>
+            </a:r>
+            <a:r>
+              <a:rPr lang="zh-CN" altLang="en-US" sz="1400" dirty="0">
+                <a:ea typeface="微软雅黑" panose="020B0503020204020204" pitchFamily="34" charset="-122"/>
+              </a:rPr>
+              <a:t>：利用</a:t>
+            </a:r>
+            <a:r>
+              <a:rPr lang="en-US" altLang="zh-CN" sz="1400" dirty="0">
+                <a:ea typeface="微软雅黑" panose="020B0503020204020204" pitchFamily="34" charset="-122"/>
+              </a:rPr>
               <a:t>java</a:t>
             </a:r>
             <a:r>
-              <a:rPr lang="zh-CN" altLang="en-US" dirty="0">
+              <a:rPr lang="zh-CN" altLang="en-US" sz="1400" dirty="0">
                 <a:ea typeface="微软雅黑" panose="020B0503020204020204" pitchFamily="34" charset="-122"/>
               </a:rPr>
               <a:t>和</a:t>
             </a:r>
             <a:r>
-              <a:rPr lang="en-US" altLang="zh-CN" dirty="0" err="1">
+              <a:rPr lang="en-US" altLang="zh-CN" sz="1400" dirty="0" err="1">
                 <a:ea typeface="微软雅黑" panose="020B0503020204020204" pitchFamily="34" charset="-122"/>
               </a:rPr>
               <a:t>mysql</a:t>
             </a:r>
             <a:r>
-              <a:rPr lang="zh-CN" altLang="en-US" dirty="0">
+              <a:rPr lang="zh-CN" altLang="en-US" sz="1400" dirty="0">
                 <a:ea typeface="微软雅黑" panose="020B0503020204020204" pitchFamily="34" charset="-122"/>
               </a:rPr>
-              <a:t>来完成数据库的目的。软件的质量和效率决定于对这两种语言的使用</a:t>
-            </a:r>
-            <a:endParaRPr lang="en-US" altLang="zh-CN" dirty="0">
+              <a:t>数据库，经济上不需要过多成本， 在用户间行得通                                     </a:t>
+            </a:r>
+            <a:endParaRPr lang="en-US" altLang="zh-CN" sz="1400" dirty="0">
               <a:ea typeface="微软雅黑" panose="020B0503020204020204" pitchFamily="34" charset="-122"/>
             </a:endParaRPr>
           </a:p>
@@ -17642,6 +18314,18 @@
                 <a:spcPct val="130000"/>
               </a:lnSpc>
             </a:pPr>
+            <a:r>
+              <a:rPr lang="en-US" altLang="zh-CN" sz="1400" dirty="0">
+                <a:ea typeface="微软雅黑" panose="020B0503020204020204" pitchFamily="34" charset="-122"/>
+              </a:rPr>
+              <a:t>                                                                                                                                                                                                                    </a:t>
+            </a:r>
+            <a:r>
+              <a:rPr lang="zh-CN" altLang="en-US" sz="1400" dirty="0">
+                <a:ea typeface="微软雅黑" panose="020B0503020204020204" pitchFamily="34" charset="-122"/>
+              </a:rPr>
+              <a:t>可行</a:t>
+            </a:r>
             <a:endParaRPr lang="en-US" altLang="zh-CN" sz="1400" dirty="0">
               <a:ea typeface="微软雅黑" panose="020B0503020204020204" pitchFamily="34" charset="-122"/>
             </a:endParaRPr>
@@ -17652,7 +18336,22 @@
                 <a:spcPct val="130000"/>
               </a:lnSpc>
             </a:pPr>
+            <a:r>
+              <a:rPr lang="en-US" altLang="zh-CN" sz="1400" dirty="0">
+                <a:latin typeface="Arial" panose="020B0604020202020204" pitchFamily="34" charset="0"/>
+                <a:ea typeface="微软雅黑" panose="020B0503020204020204" pitchFamily="34" charset="-122"/>
+              </a:rPr>
+              <a:t> 2 </a:t>
+            </a:r>
+            <a:r>
+              <a:rPr lang="zh-CN" altLang="en-US" sz="1400" dirty="0">
+                <a:latin typeface="Arial" panose="020B0604020202020204" pitchFamily="34" charset="0"/>
+                <a:ea typeface="微软雅黑" panose="020B0503020204020204" pitchFamily="34" charset="-122"/>
+              </a:rPr>
+              <a:t>识别玩家界面确认怪物：考虑到游戏本身的画面难以用于识别，玩家也不能在游戏中途暂停，和成员现有技术的薄弱</a:t>
+            </a:r>
             <a:endParaRPr lang="en-US" altLang="zh-CN" sz="1400" dirty="0">
+              <a:latin typeface="Arial" panose="020B0604020202020204" pitchFamily="34" charset="0"/>
               <a:ea typeface="微软雅黑" panose="020B0503020204020204" pitchFamily="34" charset="-122"/>
             </a:endParaRPr>
           </a:p>
@@ -17663,12 +18362,18 @@
               </a:lnSpc>
             </a:pPr>
             <a:r>
-              <a:rPr lang="zh-CN" altLang="en-US" sz="2000" b="1" dirty="0">
+              <a:rPr lang="en-US" altLang="zh-CN" sz="1400" dirty="0">
                 <a:ea typeface="微软雅黑" panose="020B0503020204020204" pitchFamily="34" charset="-122"/>
               </a:rPr>
-              <a:t>经济：</a:t>
-            </a:r>
-            <a:endParaRPr lang="en-US" altLang="zh-CN" sz="2000" b="1" dirty="0">
+              <a:t>                                                                                                                                                                                                                </a:t>
+            </a:r>
+            <a:r>
+              <a:rPr lang="zh-CN" altLang="en-US" sz="1400" dirty="0">
+                <a:ea typeface="微软雅黑" panose="020B0503020204020204" pitchFamily="34" charset="-122"/>
+              </a:rPr>
+              <a:t>不可行</a:t>
+            </a:r>
+            <a:endParaRPr lang="en-US" altLang="zh-CN" sz="1400" dirty="0">
               <a:ea typeface="微软雅黑" panose="020B0503020204020204" pitchFamily="34" charset="-122"/>
             </a:endParaRPr>
           </a:p>
@@ -17679,20 +18384,207 @@
               </a:lnSpc>
             </a:pPr>
             <a:r>
-              <a:rPr lang="zh-CN" altLang="en-US" dirty="0">
+              <a:rPr lang="en-US" altLang="zh-CN" sz="1400" dirty="0">
+                <a:latin typeface="Arial" panose="020B0604020202020204" pitchFamily="34" charset="0"/>
                 <a:ea typeface="微软雅黑" panose="020B0503020204020204" pitchFamily="34" charset="-122"/>
               </a:rPr>
-              <a:t>开发软件的成本主要是服务器的租用，电费和一定的时间（人力成本忽略不计），因此开发成本也不会很昂贵</a:t>
+              <a:t> 3 </a:t>
             </a:r>
             <a:r>
               <a:rPr lang="zh-CN" altLang="en-US" sz="1400" dirty="0">
                 <a:ea typeface="微软雅黑" panose="020B0503020204020204" pitchFamily="34" charset="-122"/>
               </a:rPr>
-              <a:t>。</a:t>
+              <a:t>针对怪物弱点提供帮助：作为固定资料的一部分，技术上不要考虑。考虑到该游戏的玩家一般是在游戏中查好资料再进行狩猎，而进入            正式的游戏环境中无法暂停（游戏本身提供一种半沉浸式的体验），便于玩家在游戏前操作。                                                               可行</a:t>
+            </a:r>
+            <a:endParaRPr lang="en-US" altLang="zh-CN" sz="1400" dirty="0">
+              <a:latin typeface="Arial" panose="020B0604020202020204" pitchFamily="34" charset="0"/>
+              <a:ea typeface="微软雅黑" panose="020B0503020204020204" pitchFamily="34" charset="-122"/>
+            </a:endParaRPr>
+          </a:p>
+        </p:txBody>
+      </p:sp>
+      <p:sp>
+        <p:nvSpPr>
+          <p:cNvPr id="6" name="文本框 5">
+            <a:extLst>
+              <a:ext uri="{FF2B5EF4-FFF2-40B4-BE49-F238E27FC236}">
+                <a16:creationId xmlns:a16="http://schemas.microsoft.com/office/drawing/2014/main" id="{28B6F1B1-18A7-40A9-A022-24EAC7741410}"/>
+              </a:ext>
+            </a:extLst>
+          </p:cNvPr>
+          <p:cNvSpPr txBox="1"/>
+          <p:nvPr/>
+        </p:nvSpPr>
+        <p:spPr>
+          <a:xfrm>
+            <a:off x="558800" y="3589234"/>
+            <a:ext cx="11055350" cy="2025170"/>
+          </a:xfrm>
+          <a:prstGeom prst="rect">
+            <a:avLst/>
+          </a:prstGeom>
+          <a:noFill/>
+        </p:spPr>
+        <p:txBody>
+          <a:bodyPr wrap="square" rtlCol="0">
+            <a:spAutoFit/>
+          </a:bodyPr>
+          <a:lstStyle/>
+          <a:p>
+            <a:pPr>
+              <a:lnSpc>
+                <a:spcPct val="130000"/>
+              </a:lnSpc>
+            </a:pPr>
+            <a:r>
+              <a:rPr lang="zh-CN" altLang="en-US" sz="1400" b="1" dirty="0">
+                <a:solidFill>
+                  <a:prstClr val="black"/>
+                </a:solidFill>
+                <a:ea typeface="微软雅黑" panose="020B0503020204020204" pitchFamily="34" charset="-122"/>
+              </a:rPr>
+              <a:t>配装器</a:t>
+            </a:r>
+            <a:endParaRPr lang="en-US" altLang="zh-CN" sz="1400" b="1" dirty="0">
+              <a:solidFill>
+                <a:prstClr val="black"/>
+              </a:solidFill>
+              <a:ea typeface="微软雅黑" panose="020B0503020204020204" pitchFamily="34" charset="-122"/>
+            </a:endParaRPr>
+          </a:p>
+          <a:p>
+            <a:pPr>
+              <a:lnSpc>
+                <a:spcPct val="130000"/>
+              </a:lnSpc>
+            </a:pPr>
+            <a:r>
+              <a:rPr lang="en-US" altLang="zh-CN" sz="1400" dirty="0">
+                <a:ea typeface="微软雅黑" panose="020B0503020204020204" pitchFamily="34" charset="-122"/>
+              </a:rPr>
+              <a:t> 1 </a:t>
+            </a:r>
+            <a:r>
+              <a:rPr lang="zh-CN" altLang="en-US" sz="1400" dirty="0">
+                <a:ea typeface="微软雅黑" panose="020B0503020204020204" pitchFamily="34" charset="-122"/>
+              </a:rPr>
+              <a:t>关键字查找： 建立完整详尽的数据库，对游戏本身复杂的数据进行整理，在用户之间行的通</a:t>
             </a:r>
             <a:endParaRPr lang="en-US" altLang="zh-CN" sz="1400" dirty="0">
               <a:ea typeface="微软雅黑" panose="020B0503020204020204" pitchFamily="34" charset="-122"/>
             </a:endParaRPr>
+          </a:p>
+          <a:p>
+            <a:pPr>
+              <a:lnSpc>
+                <a:spcPct val="130000"/>
+              </a:lnSpc>
+            </a:pPr>
+            <a:r>
+              <a:rPr lang="en-US" altLang="zh-CN" sz="1400" dirty="0">
+                <a:latin typeface="Arial" panose="020B0604020202020204" pitchFamily="34" charset="0"/>
+                <a:ea typeface="微软雅黑" panose="020B0503020204020204" pitchFamily="34" charset="-122"/>
+              </a:rPr>
+              <a:t>                                                                                                                                                                                                                   </a:t>
+            </a:r>
+            <a:r>
+              <a:rPr lang="zh-CN" altLang="en-US" sz="1400" dirty="0">
+                <a:latin typeface="Arial" panose="020B0604020202020204" pitchFamily="34" charset="0"/>
+                <a:ea typeface="微软雅黑" panose="020B0503020204020204" pitchFamily="34" charset="-122"/>
+              </a:rPr>
+              <a:t>可行</a:t>
+            </a:r>
+            <a:endParaRPr lang="en-US" altLang="zh-CN" sz="1400" dirty="0">
+              <a:latin typeface="Arial" panose="020B0604020202020204" pitchFamily="34" charset="0"/>
+              <a:ea typeface="微软雅黑" panose="020B0503020204020204" pitchFamily="34" charset="-122"/>
+            </a:endParaRPr>
+          </a:p>
+          <a:p>
+            <a:pPr>
+              <a:lnSpc>
+                <a:spcPct val="130000"/>
+              </a:lnSpc>
+            </a:pPr>
+            <a:r>
+              <a:rPr lang="en-US" altLang="zh-CN" sz="1400" dirty="0">
+                <a:ea typeface="微软雅黑" panose="020B0503020204020204" pitchFamily="34" charset="-122"/>
+              </a:rPr>
+              <a:t> 2 </a:t>
+            </a:r>
+            <a:r>
+              <a:rPr lang="zh-CN" altLang="en-US" sz="1400" dirty="0">
+                <a:ea typeface="微软雅黑" panose="020B0503020204020204" pitchFamily="34" charset="-122"/>
+              </a:rPr>
+              <a:t>上传玩家自己的配装：利用讨论版功能，管理定期收集玩家提供的意见，需要维护成本，在用户之间也行的通</a:t>
+            </a:r>
+            <a:endParaRPr lang="en-US" altLang="zh-CN" sz="1400" dirty="0">
+              <a:ea typeface="微软雅黑" panose="020B0503020204020204" pitchFamily="34" charset="-122"/>
+            </a:endParaRPr>
+          </a:p>
+          <a:p>
+            <a:pPr>
+              <a:lnSpc>
+                <a:spcPct val="130000"/>
+              </a:lnSpc>
+            </a:pPr>
+            <a:r>
+              <a:rPr lang="en-US" altLang="zh-CN" sz="1400" dirty="0">
+                <a:ea typeface="微软雅黑" panose="020B0503020204020204" pitchFamily="34" charset="-122"/>
+              </a:rPr>
+              <a:t>                                                                                                                                                                                                                </a:t>
+            </a:r>
+            <a:r>
+              <a:rPr lang="zh-CN" altLang="en-US" sz="1400" dirty="0">
+                <a:ea typeface="微软雅黑" panose="020B0503020204020204" pitchFamily="34" charset="-122"/>
+              </a:rPr>
+              <a:t>   可行</a:t>
+            </a:r>
+            <a:endParaRPr lang="en-US" altLang="zh-CN" sz="1400" dirty="0">
+              <a:ea typeface="微软雅黑" panose="020B0503020204020204" pitchFamily="34" charset="-122"/>
+            </a:endParaRPr>
+          </a:p>
+          <a:p>
+            <a:pPr>
+              <a:lnSpc>
+                <a:spcPct val="130000"/>
+              </a:lnSpc>
+            </a:pPr>
+            <a:r>
+              <a:rPr lang="en-US" altLang="zh-CN" sz="1400" dirty="0">
+                <a:ea typeface="微软雅黑" panose="020B0503020204020204" pitchFamily="34" charset="-122"/>
+              </a:rPr>
+              <a:t> 3 </a:t>
+            </a:r>
+            <a:r>
+              <a:rPr lang="zh-CN" altLang="en-US" sz="1400" dirty="0">
+                <a:ea typeface="微软雅黑" panose="020B0503020204020204" pitchFamily="34" charset="-122"/>
+              </a:rPr>
+              <a:t>将配好的装备直接导入游戏：调查过后发现游戏本身的数据上传和下载进行了加密，没有办法干预</a:t>
+            </a:r>
+            <a:endParaRPr lang="en-US" altLang="zh-CN" sz="1400" dirty="0">
+              <a:ea typeface="微软雅黑" panose="020B0503020204020204" pitchFamily="34" charset="-122"/>
+            </a:endParaRPr>
+          </a:p>
+          <a:p>
+            <a:pPr>
+              <a:lnSpc>
+                <a:spcPct val="130000"/>
+              </a:lnSpc>
+            </a:pPr>
+            <a:r>
+              <a:rPr lang="en-US" altLang="zh-CN" sz="1400" dirty="0">
+                <a:latin typeface="Arial" panose="020B0604020202020204" pitchFamily="34" charset="0"/>
+                <a:ea typeface="微软雅黑" panose="020B0503020204020204" pitchFamily="34" charset="-122"/>
+              </a:rPr>
+              <a:t>                                                                                                                                                                                                                </a:t>
+            </a:r>
+            <a:r>
+              <a:rPr lang="zh-CN" altLang="en-US" sz="1400" dirty="0">
+                <a:latin typeface="Arial" panose="020B0604020202020204" pitchFamily="34" charset="0"/>
+                <a:ea typeface="微软雅黑" panose="020B0503020204020204" pitchFamily="34" charset="-122"/>
+              </a:rPr>
+              <a:t>不可行</a:t>
+            </a:r>
           </a:p>
         </p:txBody>
       </p:sp>
@@ -17731,7 +18623,7 @@
           <p:cNvPr id="2" name="标题 1">
             <a:extLst>
               <a:ext uri="{FF2B5EF4-FFF2-40B4-BE49-F238E27FC236}">
-                <a16:creationId xmlns:a16="http://schemas.microsoft.com/office/drawing/2014/main" id="{677832E0-9524-42C2-8C39-DD2496C2B02C}"/>
+                <a16:creationId xmlns:a16="http://schemas.microsoft.com/office/drawing/2014/main" id="{02A066E4-09F6-4203-AA46-53D0D40AF78A}"/>
               </a:ext>
             </a:extLst>
           </p:cNvPr>
@@ -17749,387 +18641,364 @@
           <a:p>
             <a:r>
               <a:rPr lang="zh-CN" altLang="en-US" dirty="0"/>
-              <a:t>预算</a:t>
+              <a:t>可行性分析</a:t>
             </a:r>
           </a:p>
         </p:txBody>
       </p:sp>
-      <p:graphicFrame>
-        <p:nvGraphicFramePr>
-          <p:cNvPr id="3" name="表格 2">
+      <p:sp>
+        <p:nvSpPr>
+          <p:cNvPr id="3" name="文本框 2">
             <a:extLst>
               <a:ext uri="{FF2B5EF4-FFF2-40B4-BE49-F238E27FC236}">
-                <a16:creationId xmlns:a16="http://schemas.microsoft.com/office/drawing/2014/main" id="{92E0DAB7-E5E4-4A60-8D21-0247FE659904}"/>
+                <a16:creationId xmlns:a16="http://schemas.microsoft.com/office/drawing/2014/main" id="{B14F203E-C67F-42E7-A005-D5705BC11CC8}"/>
               </a:ext>
             </a:extLst>
           </p:cNvPr>
-          <p:cNvGraphicFramePr>
-            <a:graphicFrameLocks noGrp="1"/>
-          </p:cNvGraphicFramePr>
-          <p:nvPr>
-            <p:extLst>
-              <p:ext uri="{D42A27DB-BD31-4B8C-83A1-F6EECF244321}">
-                <p14:modId xmlns:p14="http://schemas.microsoft.com/office/powerpoint/2010/main" val="1736837404"/>
-              </p:ext>
-            </p:extLst>
-          </p:nvPr>
-        </p:nvGraphicFramePr>
-        <p:xfrm>
-          <a:off x="1570527" y="2223726"/>
-          <a:ext cx="8128000" cy="3147970"/>
-        </p:xfrm>
-        <a:graphic>
-          <a:graphicData uri="http://schemas.openxmlformats.org/drawingml/2006/table">
-            <a:tbl>
-              <a:tblPr firstRow="1" bandRow="1">
-                <a:tableStyleId>{5C22544A-7EE6-4342-B048-85BDC9FD1C3A}</a:tableStyleId>
-              </a:tblPr>
-              <a:tblGrid>
-                <a:gridCol w="4064000">
-                  <a:extLst>
-                    <a:ext uri="{9D8B030D-6E8A-4147-A177-3AD203B41FA5}">
-                      <a16:colId xmlns:a16="http://schemas.microsoft.com/office/drawing/2014/main" val="3038763162"/>
-                    </a:ext>
-                  </a:extLst>
-                </a:gridCol>
-                <a:gridCol w="4064000">
-                  <a:extLst>
-                    <a:ext uri="{9D8B030D-6E8A-4147-A177-3AD203B41FA5}">
-                      <a16:colId xmlns:a16="http://schemas.microsoft.com/office/drawing/2014/main" val="4272502443"/>
-                    </a:ext>
-                  </a:extLst>
-                </a:gridCol>
-              </a:tblGrid>
-              <a:tr h="370840">
-                <a:tc>
-                  <a:txBody>
-                    <a:bodyPr/>
-                    <a:lstStyle/>
-                    <a:p>
-                      <a:pPr algn="ctr"/>
-                      <a:r>
-                        <a:rPr lang="zh-CN" altLang="en-US" sz="2400" dirty="0">
-                          <a:latin typeface="+mj-ea"/>
-                          <a:ea typeface="+mj-ea"/>
-                        </a:rPr>
-                        <a:t>项目</a:t>
-                      </a:r>
-                    </a:p>
-                  </a:txBody>
-                  <a:tcPr/>
-                </a:tc>
-                <a:tc>
-                  <a:txBody>
-                    <a:bodyPr/>
-                    <a:lstStyle/>
-                    <a:p>
-                      <a:pPr algn="ctr"/>
-                      <a:r>
-                        <a:rPr lang="zh-CN" altLang="en-US" sz="2400" dirty="0">
-                          <a:latin typeface="+mj-ea"/>
-                          <a:ea typeface="+mj-ea"/>
-                        </a:rPr>
-                        <a:t>经费</a:t>
-                      </a:r>
-                    </a:p>
-                  </a:txBody>
-                  <a:tcPr/>
-                </a:tc>
-                <a:extLst>
-                  <a:ext uri="{0D108BD9-81ED-4DB2-BD59-A6C34878D82A}">
-                    <a16:rowId xmlns:a16="http://schemas.microsoft.com/office/drawing/2014/main" val="3547625198"/>
-                  </a:ext>
-                </a:extLst>
-              </a:tr>
-              <a:tr h="370840">
-                <a:tc>
-                  <a:txBody>
-                    <a:bodyPr/>
-                    <a:lstStyle/>
-                    <a:p>
-                      <a:r>
-                        <a:rPr lang="zh-CN" altLang="en-US" dirty="0">
-                          <a:latin typeface="+mj-ea"/>
-                          <a:ea typeface="+mj-ea"/>
-                        </a:rPr>
-                        <a:t>服务器租用（阿里云学生轻量服务器）</a:t>
-                      </a:r>
-                    </a:p>
-                  </a:txBody>
-                  <a:tcPr/>
-                </a:tc>
-                <a:tc>
-                  <a:txBody>
-                    <a:bodyPr/>
-                    <a:lstStyle/>
-                    <a:p>
-                      <a:pPr algn="ctr"/>
-                      <a:r>
-                        <a:rPr lang="en-US" altLang="zh-CN" dirty="0">
-                          <a:latin typeface="+mj-ea"/>
-                          <a:ea typeface="+mj-ea"/>
-                        </a:rPr>
-                        <a:t>114</a:t>
-                      </a:r>
-                      <a:r>
-                        <a:rPr lang="zh-CN" altLang="en-US" dirty="0">
-                          <a:latin typeface="+mj-ea"/>
-                          <a:ea typeface="+mj-ea"/>
-                        </a:rPr>
-                        <a:t>元</a:t>
-                      </a:r>
-                      <a:r>
-                        <a:rPr lang="en-US" altLang="zh-CN" dirty="0">
-                          <a:latin typeface="+mj-ea"/>
-                          <a:ea typeface="+mj-ea"/>
-                        </a:rPr>
-                        <a:t>/</a:t>
-                      </a:r>
-                      <a:r>
-                        <a:rPr lang="zh-CN" altLang="en-US" dirty="0">
-                          <a:latin typeface="+mj-ea"/>
-                          <a:ea typeface="+mj-ea"/>
-                        </a:rPr>
-                        <a:t>年</a:t>
-                      </a:r>
-                    </a:p>
-                  </a:txBody>
-                  <a:tcPr/>
-                </a:tc>
-                <a:extLst>
-                  <a:ext uri="{0D108BD9-81ED-4DB2-BD59-A6C34878D82A}">
-                    <a16:rowId xmlns:a16="http://schemas.microsoft.com/office/drawing/2014/main" val="2078887306"/>
-                  </a:ext>
-                </a:extLst>
-              </a:tr>
-              <a:tr h="370840">
-                <a:tc>
-                  <a:txBody>
-                    <a:bodyPr/>
-                    <a:lstStyle/>
-                    <a:p>
-                      <a:pPr algn="ctr"/>
-                      <a:r>
-                        <a:rPr lang="zh-CN" altLang="en-US" sz="2000" dirty="0">
-                          <a:latin typeface="+mj-ea"/>
-                          <a:ea typeface="+mj-ea"/>
-                        </a:rPr>
-                        <a:t>人力费用</a:t>
-                      </a:r>
-                    </a:p>
-                  </a:txBody>
-                  <a:tcPr/>
-                </a:tc>
-                <a:tc>
-                  <a:txBody>
-                    <a:bodyPr/>
-                    <a:lstStyle/>
-                    <a:p>
-                      <a:pPr algn="ctr"/>
-                      <a:r>
-                        <a:rPr lang="en-US" altLang="zh-CN" b="1" dirty="0"/>
-                        <a:t>0</a:t>
-                      </a:r>
-                      <a:r>
-                        <a:rPr lang="zh-CN" altLang="en-US" b="1" dirty="0"/>
-                        <a:t>元</a:t>
-                      </a:r>
-                      <a:r>
-                        <a:rPr lang="en-US" altLang="zh-CN" b="1" dirty="0"/>
-                        <a:t>/</a:t>
-                      </a:r>
-                      <a:r>
-                        <a:rPr lang="zh-CN" altLang="en-US" b="1" dirty="0"/>
-                        <a:t>人</a:t>
-                      </a:r>
-                    </a:p>
-                  </a:txBody>
-                  <a:tcPr/>
-                </a:tc>
-                <a:extLst>
-                  <a:ext uri="{0D108BD9-81ED-4DB2-BD59-A6C34878D82A}">
-                    <a16:rowId xmlns:a16="http://schemas.microsoft.com/office/drawing/2014/main" val="696880540"/>
-                  </a:ext>
-                </a:extLst>
-              </a:tr>
-              <a:tr h="440330">
-                <a:tc>
-                  <a:txBody>
-                    <a:bodyPr/>
-                    <a:lstStyle/>
-                    <a:p>
-                      <a:pPr algn="ctr"/>
-                      <a:r>
-                        <a:rPr lang="zh-CN" altLang="en-US" dirty="0">
-                          <a:latin typeface="+mj-ea"/>
-                          <a:ea typeface="+mj-ea"/>
-                        </a:rPr>
-                        <a:t>电费</a:t>
-                      </a:r>
-                    </a:p>
-                  </a:txBody>
-                  <a:tcPr/>
-                </a:tc>
-                <a:tc>
-                  <a:txBody>
-                    <a:bodyPr/>
-                    <a:lstStyle/>
-                    <a:p>
-                      <a:pPr algn="ctr"/>
-                      <a:r>
-                        <a:rPr lang="zh-CN" altLang="en-US" dirty="0">
-                          <a:latin typeface="+mj-ea"/>
-                          <a:ea typeface="+mj-ea"/>
-                        </a:rPr>
-                        <a:t>个人承担 忽略不计</a:t>
-                      </a:r>
-                    </a:p>
-                  </a:txBody>
-                  <a:tcPr/>
-                </a:tc>
-                <a:extLst>
-                  <a:ext uri="{0D108BD9-81ED-4DB2-BD59-A6C34878D82A}">
-                    <a16:rowId xmlns:a16="http://schemas.microsoft.com/office/drawing/2014/main" val="4240169943"/>
-                  </a:ext>
-                </a:extLst>
-              </a:tr>
-              <a:tr h="370840">
-                <a:tc>
-                  <a:txBody>
-                    <a:bodyPr/>
-                    <a:lstStyle/>
-                    <a:p>
-                      <a:pPr algn="ctr"/>
-                      <a:r>
-                        <a:rPr lang="zh-CN" altLang="en-US" dirty="0">
-                          <a:latin typeface="+mj-ea"/>
-                          <a:ea typeface="+mj-ea"/>
-                        </a:rPr>
-                        <a:t>团队建设</a:t>
-                      </a:r>
-                    </a:p>
-                  </a:txBody>
-                  <a:tcPr/>
-                </a:tc>
-                <a:tc>
-                  <a:txBody>
-                    <a:bodyPr/>
-                    <a:lstStyle/>
-                    <a:p>
-                      <a:pPr algn="ctr"/>
-                      <a:r>
-                        <a:rPr lang="en-US" altLang="zh-CN" b="0" dirty="0">
-                          <a:latin typeface="+mj-ea"/>
-                          <a:ea typeface="+mj-ea"/>
-                        </a:rPr>
-                        <a:t>AA </a:t>
-                      </a:r>
-                      <a:r>
-                        <a:rPr lang="zh-CN" altLang="en-US" b="0" dirty="0">
-                          <a:latin typeface="+mj-ea"/>
-                          <a:ea typeface="+mj-ea"/>
-                        </a:rPr>
-                        <a:t>忽略不计</a:t>
-                      </a:r>
-                    </a:p>
-                  </a:txBody>
-                  <a:tcPr/>
-                </a:tc>
-                <a:extLst>
-                  <a:ext uri="{0D108BD9-81ED-4DB2-BD59-A6C34878D82A}">
-                    <a16:rowId xmlns:a16="http://schemas.microsoft.com/office/drawing/2014/main" val="756303479"/>
-                  </a:ext>
-                </a:extLst>
-              </a:tr>
-              <a:tr h="370840">
-                <a:tc>
-                  <a:txBody>
-                    <a:bodyPr/>
-                    <a:lstStyle/>
-                    <a:p>
-                      <a:endParaRPr lang="zh-CN" altLang="en-US"/>
-                    </a:p>
-                  </a:txBody>
-                  <a:tcPr/>
-                </a:tc>
-                <a:tc>
-                  <a:txBody>
-                    <a:bodyPr/>
-                    <a:lstStyle/>
-                    <a:p>
-                      <a:endParaRPr lang="zh-CN" altLang="en-US" dirty="0"/>
-                    </a:p>
-                  </a:txBody>
-                  <a:tcPr/>
-                </a:tc>
-                <a:extLst>
-                  <a:ext uri="{0D108BD9-81ED-4DB2-BD59-A6C34878D82A}">
-                    <a16:rowId xmlns:a16="http://schemas.microsoft.com/office/drawing/2014/main" val="2105339990"/>
-                  </a:ext>
-                </a:extLst>
-              </a:tr>
-              <a:tr h="370840">
-                <a:tc>
-                  <a:txBody>
-                    <a:bodyPr/>
-                    <a:lstStyle/>
-                    <a:p>
-                      <a:endParaRPr lang="zh-CN" altLang="en-US"/>
-                    </a:p>
-                  </a:txBody>
-                  <a:tcPr/>
-                </a:tc>
-                <a:tc>
-                  <a:txBody>
-                    <a:bodyPr/>
-                    <a:lstStyle/>
-                    <a:p>
-                      <a:endParaRPr lang="zh-CN" altLang="en-US" dirty="0"/>
-                    </a:p>
-                  </a:txBody>
-                  <a:tcPr/>
-                </a:tc>
-                <a:extLst>
-                  <a:ext uri="{0D108BD9-81ED-4DB2-BD59-A6C34878D82A}">
-                    <a16:rowId xmlns:a16="http://schemas.microsoft.com/office/drawing/2014/main" val="1974698143"/>
-                  </a:ext>
-                </a:extLst>
-              </a:tr>
-              <a:tr h="370840">
-                <a:tc>
-                  <a:txBody>
-                    <a:bodyPr/>
-                    <a:lstStyle/>
-                    <a:p>
-                      <a:endParaRPr lang="zh-CN" altLang="en-US"/>
-                    </a:p>
-                  </a:txBody>
-                  <a:tcPr/>
-                </a:tc>
-                <a:tc>
-                  <a:txBody>
-                    <a:bodyPr/>
-                    <a:lstStyle/>
-                    <a:p>
-                      <a:endParaRPr lang="zh-CN" altLang="en-US" dirty="0"/>
-                    </a:p>
-                  </a:txBody>
-                  <a:tcPr/>
-                </a:tc>
-                <a:extLst>
-                  <a:ext uri="{0D108BD9-81ED-4DB2-BD59-A6C34878D82A}">
-                    <a16:rowId xmlns:a16="http://schemas.microsoft.com/office/drawing/2014/main" val="1906051195"/>
-                  </a:ext>
-                </a:extLst>
-              </a:tr>
-            </a:tbl>
-          </a:graphicData>
-        </a:graphic>
-      </p:graphicFrame>
+          <p:cNvSpPr txBox="1"/>
+          <p:nvPr/>
+        </p:nvSpPr>
+        <p:spPr>
+          <a:xfrm>
+            <a:off x="659688" y="1392964"/>
+            <a:ext cx="10853574" cy="1184940"/>
+          </a:xfrm>
+          <a:prstGeom prst="rect">
+            <a:avLst/>
+          </a:prstGeom>
+          <a:noFill/>
+        </p:spPr>
+        <p:txBody>
+          <a:bodyPr wrap="square" rtlCol="0">
+            <a:spAutoFit/>
+          </a:bodyPr>
+          <a:lstStyle/>
+          <a:p>
+            <a:pPr>
+              <a:lnSpc>
+                <a:spcPct val="130000"/>
+              </a:lnSpc>
+            </a:pPr>
+            <a:r>
+              <a:rPr lang="zh-CN" altLang="en-US" sz="1400" b="1" dirty="0">
+                <a:solidFill>
+                  <a:prstClr val="black"/>
+                </a:solidFill>
+                <a:ea typeface="微软雅黑" panose="020B0503020204020204" pitchFamily="34" charset="-122"/>
+              </a:rPr>
+              <a:t>招募版和讨论版</a:t>
+            </a:r>
+            <a:endParaRPr lang="en-US" altLang="zh-CN" sz="1400" b="1" dirty="0">
+              <a:solidFill>
+                <a:prstClr val="black"/>
+              </a:solidFill>
+              <a:ea typeface="微软雅黑" panose="020B0503020204020204" pitchFamily="34" charset="-122"/>
+            </a:endParaRPr>
+          </a:p>
+          <a:p>
+            <a:pPr>
+              <a:lnSpc>
+                <a:spcPct val="130000"/>
+              </a:lnSpc>
+            </a:pPr>
+            <a:r>
+              <a:rPr lang="en-US" altLang="zh-CN" sz="1400" dirty="0">
+                <a:ea typeface="微软雅黑" panose="020B0503020204020204" pitchFamily="34" charset="-122"/>
+              </a:rPr>
+              <a:t> 1 </a:t>
+            </a:r>
+            <a:r>
+              <a:rPr lang="zh-CN" altLang="en-US" sz="1400" dirty="0">
+                <a:ea typeface="微软雅黑" panose="020B0503020204020204" pitchFamily="34" charset="-122"/>
+              </a:rPr>
+              <a:t>挂帖子招募和讨论版：参考网络上的</a:t>
+            </a:r>
+            <a:r>
+              <a:rPr lang="en-US" altLang="zh-CN" sz="1400" dirty="0" err="1">
+                <a:ea typeface="微软雅黑" panose="020B0503020204020204" pitchFamily="34" charset="-122"/>
+              </a:rPr>
+              <a:t>bbs</a:t>
+            </a:r>
+            <a:r>
+              <a:rPr lang="zh-CN" altLang="en-US" sz="1400" dirty="0">
+                <a:ea typeface="微软雅黑" panose="020B0503020204020204" pitchFamily="34" charset="-122"/>
+              </a:rPr>
+              <a:t>模板，有很多方案，为了结合数据库的</a:t>
+            </a:r>
+            <a:r>
+              <a:rPr lang="en-US" altLang="zh-CN" sz="1400" dirty="0">
+                <a:ea typeface="微软雅黑" panose="020B0503020204020204" pitchFamily="34" charset="-122"/>
+              </a:rPr>
+              <a:t>java</a:t>
+            </a:r>
+            <a:r>
+              <a:rPr lang="zh-CN" altLang="en-US" sz="1400" dirty="0">
+                <a:ea typeface="微软雅黑" panose="020B0503020204020204" pitchFamily="34" charset="-122"/>
+              </a:rPr>
+              <a:t>，这里采用</a:t>
+            </a:r>
+            <a:r>
+              <a:rPr lang="en-US" altLang="zh-CN" sz="1400" dirty="0">
+                <a:ea typeface="微软雅黑" panose="020B0503020204020204" pitchFamily="34" charset="-122"/>
+              </a:rPr>
+              <a:t>java</a:t>
+            </a:r>
+            <a:r>
+              <a:rPr lang="zh-CN" altLang="en-US" sz="1400" dirty="0">
+                <a:ea typeface="微软雅黑" panose="020B0503020204020204" pitchFamily="34" charset="-122"/>
+              </a:rPr>
+              <a:t>的方案，经济上成本也不会投入太多                                                                                                                                                                                                         可行</a:t>
+            </a:r>
+            <a:endParaRPr lang="en-US" altLang="zh-CN" sz="1400" dirty="0">
+              <a:ea typeface="微软雅黑" panose="020B0503020204020204" pitchFamily="34" charset="-122"/>
+            </a:endParaRPr>
+          </a:p>
+          <a:p>
+            <a:pPr>
+              <a:lnSpc>
+                <a:spcPct val="130000"/>
+              </a:lnSpc>
+            </a:pPr>
+            <a:r>
+              <a:rPr lang="en-US" altLang="zh-CN" sz="1400" dirty="0">
+                <a:ea typeface="微软雅黑" panose="020B0503020204020204" pitchFamily="34" charset="-122"/>
+              </a:rPr>
+              <a:t>2 </a:t>
+            </a:r>
+            <a:r>
+              <a:rPr lang="zh-CN" altLang="en-US" sz="1400" dirty="0">
+                <a:ea typeface="微软雅黑" panose="020B0503020204020204" pitchFamily="34" charset="-122"/>
+              </a:rPr>
+              <a:t>评论的赞和踩：</a:t>
+            </a:r>
+            <a:r>
+              <a:rPr lang="en-US" altLang="zh-CN" sz="1400" dirty="0">
+                <a:ea typeface="微软雅黑" panose="020B0503020204020204" pitchFamily="34" charset="-122"/>
+              </a:rPr>
+              <a:t>java</a:t>
+            </a:r>
+            <a:r>
+              <a:rPr lang="zh-CN" altLang="en-US" sz="1400" dirty="0">
+                <a:ea typeface="微软雅黑" panose="020B0503020204020204" pitchFamily="34" charset="-122"/>
+              </a:rPr>
+              <a:t>也同样可以实现这个功能                                                                                                                                  可行</a:t>
+            </a:r>
+            <a:endParaRPr lang="zh-CN" altLang="en-US" sz="1400" dirty="0">
+              <a:latin typeface="Arial" panose="020B0604020202020204" pitchFamily="34" charset="0"/>
+              <a:ea typeface="微软雅黑" panose="020B0503020204020204" pitchFamily="34" charset="-122"/>
+            </a:endParaRPr>
+          </a:p>
+        </p:txBody>
+      </p:sp>
+      <p:sp>
+        <p:nvSpPr>
+          <p:cNvPr id="5" name="文本框 4">
+            <a:extLst>
+              <a:ext uri="{FF2B5EF4-FFF2-40B4-BE49-F238E27FC236}">
+                <a16:creationId xmlns:a16="http://schemas.microsoft.com/office/drawing/2014/main" id="{24A1547B-384F-4BB9-93CB-9B07F26A4FF5}"/>
+              </a:ext>
+            </a:extLst>
+          </p:cNvPr>
+          <p:cNvSpPr txBox="1"/>
+          <p:nvPr/>
+        </p:nvSpPr>
+        <p:spPr>
+          <a:xfrm>
+            <a:off x="659688" y="2805688"/>
+            <a:ext cx="10692866" cy="623312"/>
+          </a:xfrm>
+          <a:prstGeom prst="rect">
+            <a:avLst/>
+          </a:prstGeom>
+          <a:noFill/>
+        </p:spPr>
+        <p:txBody>
+          <a:bodyPr wrap="square" rtlCol="0">
+            <a:spAutoFit/>
+          </a:bodyPr>
+          <a:lstStyle/>
+          <a:p>
+            <a:pPr>
+              <a:lnSpc>
+                <a:spcPct val="130000"/>
+              </a:lnSpc>
+            </a:pPr>
+            <a:r>
+              <a:rPr lang="zh-CN" altLang="en-US" sz="1400" b="1" dirty="0">
+                <a:solidFill>
+                  <a:prstClr val="black"/>
+                </a:solidFill>
+                <a:ea typeface="微软雅黑" panose="020B0503020204020204" pitchFamily="34" charset="-122"/>
+              </a:rPr>
+              <a:t>通告栏</a:t>
+            </a:r>
+            <a:endParaRPr lang="en-US" altLang="zh-CN" sz="1400" b="1" dirty="0">
+              <a:solidFill>
+                <a:prstClr val="black"/>
+              </a:solidFill>
+              <a:ea typeface="微软雅黑" panose="020B0503020204020204" pitchFamily="34" charset="-122"/>
+            </a:endParaRPr>
+          </a:p>
+          <a:p>
+            <a:pPr>
+              <a:lnSpc>
+                <a:spcPct val="130000"/>
+              </a:lnSpc>
+            </a:pPr>
+            <a:r>
+              <a:rPr lang="en-US" altLang="zh-CN" sz="1400" dirty="0">
+                <a:ea typeface="微软雅黑" panose="020B0503020204020204" pitchFamily="34" charset="-122"/>
+              </a:rPr>
+              <a:t> 1 </a:t>
+            </a:r>
+            <a:r>
+              <a:rPr lang="zh-CN" altLang="en-US" sz="1400" dirty="0">
+                <a:ea typeface="微软雅黑" panose="020B0503020204020204" pitchFamily="34" charset="-122"/>
+              </a:rPr>
+              <a:t>搬运官方活动通告：有多种可行方案，最简单的方式是以帖子更新的方式                                                                                    可行</a:t>
+            </a:r>
+            <a:endParaRPr lang="zh-CN" altLang="en-US" sz="1400" dirty="0">
+              <a:latin typeface="Arial" panose="020B0604020202020204" pitchFamily="34" charset="0"/>
+              <a:ea typeface="微软雅黑" panose="020B0503020204020204" pitchFamily="34" charset="-122"/>
+            </a:endParaRPr>
+          </a:p>
+        </p:txBody>
+      </p:sp>
+      <p:sp>
+        <p:nvSpPr>
+          <p:cNvPr id="7" name="文本框 6">
+            <a:extLst>
+              <a:ext uri="{FF2B5EF4-FFF2-40B4-BE49-F238E27FC236}">
+                <a16:creationId xmlns:a16="http://schemas.microsoft.com/office/drawing/2014/main" id="{E8C72CBF-EE74-487F-ABD6-95F4095F7BCB}"/>
+              </a:ext>
+            </a:extLst>
+          </p:cNvPr>
+          <p:cNvSpPr txBox="1"/>
+          <p:nvPr/>
+        </p:nvSpPr>
+        <p:spPr>
+          <a:xfrm>
+            <a:off x="659688" y="3576416"/>
+            <a:ext cx="10615954" cy="1463542"/>
+          </a:xfrm>
+          <a:prstGeom prst="rect">
+            <a:avLst/>
+          </a:prstGeom>
+          <a:noFill/>
+        </p:spPr>
+        <p:txBody>
+          <a:bodyPr wrap="square" rtlCol="0">
+            <a:spAutoFit/>
+          </a:bodyPr>
+          <a:lstStyle/>
+          <a:p>
+            <a:pPr>
+              <a:lnSpc>
+                <a:spcPct val="130000"/>
+              </a:lnSpc>
+            </a:pPr>
+            <a:r>
+              <a:rPr lang="zh-CN" altLang="en-US" sz="1400" b="1" dirty="0">
+                <a:solidFill>
+                  <a:prstClr val="black"/>
+                </a:solidFill>
+                <a:ea typeface="微软雅黑" panose="020B0503020204020204" pitchFamily="34" charset="-122"/>
+              </a:rPr>
+              <a:t>运营和维护</a:t>
+            </a:r>
+            <a:endParaRPr lang="en-US" altLang="zh-CN" sz="1400" b="1" dirty="0">
+              <a:solidFill>
+                <a:prstClr val="black"/>
+              </a:solidFill>
+              <a:ea typeface="微软雅黑" panose="020B0503020204020204" pitchFamily="34" charset="-122"/>
+            </a:endParaRPr>
+          </a:p>
+          <a:p>
+            <a:pPr>
+              <a:lnSpc>
+                <a:spcPct val="130000"/>
+              </a:lnSpc>
+            </a:pPr>
+            <a:r>
+              <a:rPr lang="zh-CN" altLang="en-US" sz="1400" dirty="0">
+                <a:latin typeface="Arial" panose="020B0604020202020204" pitchFamily="34" charset="0"/>
+                <a:ea typeface="微软雅黑" panose="020B0503020204020204" pitchFamily="34" charset="-122"/>
+              </a:rPr>
+              <a:t>管理员通过对数据库的更新，更新软件数据                                                                                                                                       可行</a:t>
+            </a:r>
+            <a:endParaRPr lang="en-US" altLang="zh-CN" sz="1400" dirty="0">
+              <a:latin typeface="Arial" panose="020B0604020202020204" pitchFamily="34" charset="0"/>
+              <a:ea typeface="微软雅黑" panose="020B0503020204020204" pitchFamily="34" charset="-122"/>
+            </a:endParaRPr>
+          </a:p>
+          <a:p>
+            <a:pPr>
+              <a:lnSpc>
+                <a:spcPct val="130000"/>
+              </a:lnSpc>
+            </a:pPr>
+            <a:r>
+              <a:rPr lang="zh-CN" altLang="en-US" sz="1400" dirty="0">
+                <a:latin typeface="Arial" panose="020B0604020202020204" pitchFamily="34" charset="0"/>
+                <a:ea typeface="微软雅黑" panose="020B0503020204020204" pitchFamily="34" charset="-122"/>
+              </a:rPr>
+              <a:t>对招募帖子的管理（有必要可以为招募版准备一个专门的管理帖子的管理员 从用户中自愿招聘）                                                   可行</a:t>
+            </a:r>
+            <a:endParaRPr lang="en-US" altLang="zh-CN" sz="1400" dirty="0">
+              <a:latin typeface="Arial" panose="020B0604020202020204" pitchFamily="34" charset="0"/>
+              <a:ea typeface="微软雅黑" panose="020B0503020204020204" pitchFamily="34" charset="-122"/>
+            </a:endParaRPr>
+          </a:p>
+          <a:p>
+            <a:pPr>
+              <a:lnSpc>
+                <a:spcPct val="130000"/>
+              </a:lnSpc>
+            </a:pPr>
+            <a:r>
+              <a:rPr lang="zh-CN" altLang="en-US" sz="1400" dirty="0">
+                <a:ea typeface="微软雅黑" panose="020B0503020204020204" pitchFamily="34" charset="-122"/>
+              </a:rPr>
+              <a:t>游戏账号绑定软件账号：一个账号有三个存档且平台安全性的保护，操作上无法实现                                                                   不可行</a:t>
+            </a:r>
+            <a:endParaRPr lang="en-US" altLang="zh-CN" sz="1400" dirty="0">
+              <a:ea typeface="微软雅黑" panose="020B0503020204020204" pitchFamily="34" charset="-122"/>
+            </a:endParaRPr>
+          </a:p>
+          <a:p>
+            <a:pPr>
+              <a:lnSpc>
+                <a:spcPct val="130000"/>
+              </a:lnSpc>
+            </a:pPr>
+            <a:r>
+              <a:rPr lang="zh-CN" altLang="en-US" sz="1400" dirty="0">
+                <a:latin typeface="Arial" panose="020B0604020202020204" pitchFamily="34" charset="0"/>
+                <a:ea typeface="微软雅黑" panose="020B0503020204020204" pitchFamily="34" charset="-122"/>
+              </a:rPr>
+              <a:t>用户账号管理：使用数据库，每一个用户有一个独立的</a:t>
+            </a:r>
+            <a:r>
+              <a:rPr lang="en-US" altLang="zh-CN" sz="1400" dirty="0" err="1">
+                <a:latin typeface="Arial" panose="020B0604020202020204" pitchFamily="34" charset="0"/>
+                <a:ea typeface="微软雅黑" panose="020B0503020204020204" pitchFamily="34" charset="-122"/>
+              </a:rPr>
+              <a:t>uid</a:t>
+            </a:r>
+            <a:r>
+              <a:rPr lang="zh-CN" altLang="en-US" sz="1400" dirty="0">
+                <a:latin typeface="Arial" panose="020B0604020202020204" pitchFamily="34" charset="0"/>
+                <a:ea typeface="微软雅黑" panose="020B0503020204020204" pitchFamily="34" charset="-122"/>
+              </a:rPr>
+              <a:t>，主要是用邮箱进行验证操作                                                                 可行</a:t>
+            </a:r>
+          </a:p>
+        </p:txBody>
+      </p:sp>
     </p:spTree>
     <p:extLst>
       <p:ext uri="{BB962C8B-B14F-4D97-AF65-F5344CB8AC3E}">
-        <p14:creationId xmlns:p14="http://schemas.microsoft.com/office/powerpoint/2010/main" val="4011387473"/>
+        <p14:creationId xmlns:p14="http://schemas.microsoft.com/office/powerpoint/2010/main" val="275173516"/>
       </p:ext>
     </p:extLst>
   </p:cSld>

--- a/SE2019春-G24-项目计划书.pptx
+++ b/SE2019春-G24-项目计划书.pptx
@@ -1,11 +1,11 @@
 
 <file path=ppt/presentation.xml><?xml version="1.0" encoding="utf-8"?>
-<p:presentation xmlns:a="http://schemas.openxmlformats.org/drawingml/2006/main" xmlns:r="http://schemas.openxmlformats.org/officeDocument/2006/relationships" xmlns:p="http://schemas.openxmlformats.org/presentationml/2006/main">
+<p:presentation xmlns:a="http://schemas.openxmlformats.org/drawingml/2006/main" xmlns:r="http://schemas.openxmlformats.org/officeDocument/2006/relationships" xmlns:p="http://schemas.openxmlformats.org/presentationml/2006/main" bookmarkIdSeed="8">
   <p:sldMasterIdLst>
     <p:sldMasterId id="2147483648" r:id="rId1"/>
   </p:sldMasterIdLst>
   <p:notesMasterIdLst>
-    <p:notesMasterId r:id="rId24"/>
+    <p:notesMasterId r:id="rId30"/>
   </p:notesMasterIdLst>
   <p:sldIdLst>
     <p:sldId id="256" r:id="rId2"/>
@@ -15,21 +15,27 @@
     <p:sldId id="293" r:id="rId6"/>
     <p:sldId id="267" r:id="rId7"/>
     <p:sldId id="287" r:id="rId8"/>
-    <p:sldId id="294" r:id="rId9"/>
-    <p:sldId id="295" r:id="rId10"/>
-    <p:sldId id="273" r:id="rId11"/>
-    <p:sldId id="268" r:id="rId12"/>
-    <p:sldId id="296" r:id="rId13"/>
-    <p:sldId id="274" r:id="rId14"/>
-    <p:sldId id="298" r:id="rId15"/>
-    <p:sldId id="288" r:id="rId16"/>
-    <p:sldId id="289" r:id="rId17"/>
-    <p:sldId id="291" r:id="rId18"/>
-    <p:sldId id="292" r:id="rId19"/>
-    <p:sldId id="280" r:id="rId20"/>
-    <p:sldId id="275" r:id="rId21"/>
-    <p:sldId id="297" r:id="rId22"/>
-    <p:sldId id="286" r:id="rId23"/>
+    <p:sldId id="306" r:id="rId9"/>
+    <p:sldId id="294" r:id="rId10"/>
+    <p:sldId id="302" r:id="rId11"/>
+    <p:sldId id="305" r:id="rId12"/>
+    <p:sldId id="303" r:id="rId13"/>
+    <p:sldId id="304" r:id="rId14"/>
+    <p:sldId id="295" r:id="rId15"/>
+    <p:sldId id="273" r:id="rId16"/>
+    <p:sldId id="268" r:id="rId17"/>
+    <p:sldId id="296" r:id="rId18"/>
+    <p:sldId id="274" r:id="rId19"/>
+    <p:sldId id="288" r:id="rId20"/>
+    <p:sldId id="298" r:id="rId21"/>
+    <p:sldId id="289" r:id="rId22"/>
+    <p:sldId id="291" r:id="rId23"/>
+    <p:sldId id="292" r:id="rId24"/>
+    <p:sldId id="280" r:id="rId25"/>
+    <p:sldId id="275" r:id="rId26"/>
+    <p:sldId id="299" r:id="rId27"/>
+    <p:sldId id="297" r:id="rId28"/>
+    <p:sldId id="286" r:id="rId29"/>
   </p:sldIdLst>
   <p:sldSz cx="12192000" cy="6858000"/>
   <p:notesSz cx="6858000" cy="9144000"/>
@@ -288,7 +294,7 @@
             </a:pPr>
             <a:fld id="{D5656DBE-5289-450B-8A9E-500104CEAFC2}" type="datetimeFigureOut">
               <a:rPr lang="zh-CN" altLang="en-US"/>
-              <a:t>2019/3/23</a:t>
+              <a:t>2019/3/27</a:t>
             </a:fld>
             <a:endParaRPr lang="zh-CN" altLang="en-US"/>
           </a:p>
@@ -813,7 +819,7 @@
               <a:rPr lang="zh-CN" altLang="en-US">
                 <a:cs typeface="华文仿宋"/>
               </a:rPr>
-              <a:t>15</a:t>
+              <a:t>19</a:t>
             </a:fld>
             <a:endParaRPr lang="zh-CN" altLang="en-US">
               <a:cs typeface="华文仿宋"/>
@@ -929,7 +935,7 @@
               <a:rPr lang="zh-CN" altLang="en-US">
                 <a:cs typeface="华文仿宋"/>
               </a:rPr>
-              <a:t>16</a:t>
+              <a:t>21</a:t>
             </a:fld>
             <a:endParaRPr lang="zh-CN" altLang="en-US">
               <a:cs typeface="华文仿宋"/>
@@ -1045,7 +1051,7 @@
               <a:rPr lang="zh-CN" altLang="en-US">
                 <a:cs typeface="华文仿宋"/>
               </a:rPr>
-              <a:t>17</a:t>
+              <a:t>22</a:t>
             </a:fld>
             <a:endParaRPr lang="zh-CN" altLang="en-US">
               <a:cs typeface="华文仿宋"/>
@@ -1161,7 +1167,7 @@
               <a:rPr lang="zh-CN" altLang="en-US">
                 <a:cs typeface="华文仿宋"/>
               </a:rPr>
-              <a:t>18</a:t>
+              <a:t>23</a:t>
             </a:fld>
             <a:endParaRPr lang="zh-CN" altLang="en-US">
               <a:cs typeface="华文仿宋"/>
@@ -1277,7 +1283,7 @@
               <a:rPr lang="zh-CN" altLang="en-US">
                 <a:cs typeface="华文仿宋"/>
               </a:rPr>
-              <a:t>19</a:t>
+              <a:t>24</a:t>
             </a:fld>
             <a:endParaRPr lang="zh-CN" altLang="en-US">
               <a:cs typeface="华文仿宋"/>
@@ -1388,7 +1394,7 @@
               <a:rPr lang="zh-CN" altLang="en-US">
                 <a:cs typeface="华文仿宋"/>
               </a:rPr>
-              <a:t>20</a:t>
+              <a:t>25</a:t>
             </a:fld>
             <a:endParaRPr lang="zh-CN" altLang="en-US">
               <a:cs typeface="华文仿宋"/>
@@ -1499,7 +1505,7 @@
               <a:rPr lang="zh-CN" altLang="en-US">
                 <a:cs typeface="华文仿宋"/>
               </a:rPr>
-              <a:t>22</a:t>
+              <a:t>28</a:t>
             </a:fld>
             <a:endParaRPr lang="zh-CN" altLang="en-US">
               <a:cs typeface="华文仿宋"/>
@@ -2218,7 +2224,7 @@
               <a:rPr lang="zh-CN" altLang="en-US">
                 <a:cs typeface="华文仿宋"/>
               </a:rPr>
-              <a:t>10</a:t>
+              <a:t>15</a:t>
             </a:fld>
             <a:endParaRPr lang="zh-CN" altLang="en-US">
               <a:cs typeface="华文仿宋"/>
@@ -2329,7 +2335,7 @@
               <a:rPr lang="zh-CN" altLang="en-US">
                 <a:cs typeface="华文仿宋"/>
               </a:rPr>
-              <a:t>11</a:t>
+              <a:t>16</a:t>
             </a:fld>
             <a:endParaRPr lang="zh-CN" altLang="en-US">
               <a:cs typeface="华文仿宋"/>
@@ -2440,7 +2446,7 @@
               <a:rPr lang="zh-CN" altLang="en-US">
                 <a:cs typeface="华文仿宋"/>
               </a:rPr>
-              <a:t>13</a:t>
+              <a:t>18</a:t>
             </a:fld>
             <a:endParaRPr lang="zh-CN" altLang="en-US">
               <a:cs typeface="华文仿宋"/>
@@ -3575,7 +3581,7 @@
             </a:pPr>
             <a:fld id="{E48AA675-0AF3-4EE8-911C-4E523F937E01}" type="datetimeFigureOut">
               <a:rPr lang="zh-CN" altLang="en-US"/>
-              <a:t>2019/3/23</a:t>
+              <a:t>2019/3/27</a:t>
             </a:fld>
             <a:endParaRPr lang="zh-CN" altLang="en-US"/>
           </a:p>
@@ -3788,7 +3794,7 @@
             </a:pPr>
             <a:fld id="{F2B4E557-C4A4-4428-B0F3-1CAEEBDDA59F}" type="datetimeFigureOut">
               <a:rPr lang="zh-CN" altLang="en-US"/>
-              <a:t>2019/3/23</a:t>
+              <a:t>2019/3/27</a:t>
             </a:fld>
             <a:endParaRPr lang="zh-CN" altLang="en-US"/>
           </a:p>
@@ -4191,7 +4197,7 @@
             </a:pPr>
             <a:fld id="{1F4A3CEC-2882-41BE-8FE9-DF33A834DEE2}" type="datetimeFigureOut">
               <a:rPr lang="zh-CN" altLang="en-US"/>
-              <a:t>2019/3/23</a:t>
+              <a:t>2019/3/27</a:t>
             </a:fld>
             <a:endParaRPr lang="zh-CN" altLang="en-US"/>
           </a:p>
@@ -4582,7 +4588,7 @@
             </a:pPr>
             <a:fld id="{4EB4955D-1CCB-418B-89FD-6CA80664BEAD}" type="datetimeFigureOut">
               <a:rPr lang="zh-CN" altLang="en-US"/>
-              <a:t>2019/3/23</a:t>
+              <a:t>2019/3/27</a:t>
             </a:fld>
             <a:endParaRPr lang="zh-CN" altLang="en-US"/>
           </a:p>
@@ -4752,7 +4758,7 @@
             </a:pPr>
             <a:fld id="{CB8F8F5E-EBBF-4BF7-B4E3-96A27D863028}" type="datetimeFigureOut">
               <a:rPr lang="zh-CN" altLang="en-US"/>
-              <a:t>2019/3/23</a:t>
+              <a:t>2019/3/27</a:t>
             </a:fld>
             <a:endParaRPr lang="zh-CN" altLang="en-US"/>
           </a:p>
@@ -4899,7 +4905,7 @@
             </a:pPr>
             <a:fld id="{A9A078D1-B409-45B4-B6EF-F36F132BECA7}" type="datetimeFigureOut">
               <a:rPr lang="zh-CN" altLang="en-US"/>
-              <a:t>2019/3/23</a:t>
+              <a:t>2019/3/27</a:t>
             </a:fld>
             <a:endParaRPr lang="zh-CN" altLang="en-US"/>
           </a:p>
@@ -5214,7 +5220,7 @@
             </a:pPr>
             <a:fld id="{FD452E90-D5FC-45F7-9626-6A67D35BBF97}" type="datetimeFigureOut">
               <a:rPr lang="zh-CN" altLang="en-US"/>
-              <a:t>2019/3/23</a:t>
+              <a:t>2019/3/27</a:t>
             </a:fld>
             <a:endParaRPr lang="zh-CN" altLang="en-US"/>
           </a:p>
@@ -5530,7 +5536,7 @@
             </a:pPr>
             <a:fld id="{09B94CA9-9D5D-4DEC-9FA8-5D834DC4D5F8}" type="datetimeFigureOut">
               <a:rPr lang="zh-CN" altLang="en-US"/>
-              <a:t>2019/3/23</a:t>
+              <a:t>2019/3/27</a:t>
             </a:fld>
             <a:endParaRPr lang="zh-CN" altLang="en-US"/>
           </a:p>
@@ -7002,8 +7008,8 @@
         </p:nvSpPr>
         <p:spPr>
           <a:xfrm rot="16200000">
-            <a:off x="3677166" y="-446672"/>
-            <a:ext cx="2781300" cy="8648700"/>
+            <a:off x="4956486" y="-1775597"/>
+            <a:ext cx="2830904" cy="11256945"/>
           </a:xfrm>
           <a:prstGeom prst="rect">
             <a:avLst/>
@@ -7062,7 +7068,7 @@
         <p:spPr bwMode="auto">
           <a:xfrm>
             <a:off x="1185303" y="2616295"/>
-            <a:ext cx="8392041" cy="1390509"/>
+            <a:ext cx="10700365" cy="2830903"/>
           </a:xfrm>
           <a:prstGeom prst="rect">
             <a:avLst/>
@@ -7100,7 +7106,38 @@
                 </a:solidFill>
                 <a:ea typeface="微软雅黑" panose="020B0503020204020204" pitchFamily="34" charset="-122"/>
               </a:rPr>
-              <a:t>小组项目计划书</a:t>
+              <a:t>小组关于</a:t>
+            </a:r>
+            <a:r>
+              <a:rPr lang="en-US" altLang="zh-CN" sz="7200" b="1" dirty="0" err="1">
+                <a:solidFill>
+                  <a:schemeClr val="bg1"/>
+                </a:solidFill>
+                <a:ea typeface="微软雅黑" panose="020B0503020204020204" pitchFamily="34" charset="-122"/>
+              </a:rPr>
+              <a:t>MHWhelper</a:t>
+            </a:r>
+            <a:endParaRPr lang="en-US" altLang="zh-CN" sz="7200" b="1" dirty="0">
+              <a:solidFill>
+                <a:schemeClr val="bg1"/>
+              </a:solidFill>
+              <a:ea typeface="微软雅黑" panose="020B0503020204020204" pitchFamily="34" charset="-122"/>
+            </a:endParaRPr>
+          </a:p>
+          <a:p>
+            <a:pPr>
+              <a:lnSpc>
+                <a:spcPct val="130000"/>
+              </a:lnSpc>
+            </a:pPr>
+            <a:r>
+              <a:rPr lang="zh-CN" altLang="en-US" sz="7200" b="1" dirty="0">
+                <a:solidFill>
+                  <a:schemeClr val="bg1"/>
+                </a:solidFill>
+                <a:ea typeface="微软雅黑" panose="020B0503020204020204" pitchFamily="34" charset="-122"/>
+              </a:rPr>
+              <a:t>的项目计划</a:t>
             </a:r>
           </a:p>
         </p:txBody>
@@ -7115,7 +7152,7 @@
         </p:nvSpPr>
         <p:spPr bwMode="auto">
           <a:xfrm>
-            <a:off x="6431017" y="4358142"/>
+            <a:off x="9042226" y="4344998"/>
             <a:ext cx="10112266" cy="923330"/>
           </a:xfrm>
           <a:prstGeom prst="rect">
@@ -7292,7 +7329,7 @@
         </p:blipFill>
         <p:spPr>
           <a:xfrm>
-            <a:off x="871794" y="1041091"/>
+            <a:off x="871794" y="991487"/>
             <a:ext cx="1709239" cy="1445936"/>
           </a:xfrm>
           <a:prstGeom prst="rect">
@@ -7312,6 +7349,2182 @@
 </file>
 
 <file path=ppt/slides/slide10.xml><?xml version="1.0" encoding="utf-8"?>
+<p:sld xmlns:a="http://schemas.openxmlformats.org/drawingml/2006/main" xmlns:r="http://schemas.openxmlformats.org/officeDocument/2006/relationships" xmlns:p="http://schemas.openxmlformats.org/presentationml/2006/main">
+  <p:cSld>
+    <p:spTree>
+      <p:nvGrpSpPr>
+        <p:cNvPr id="1" name=""/>
+        <p:cNvGrpSpPr/>
+        <p:nvPr/>
+      </p:nvGrpSpPr>
+      <p:grpSpPr>
+        <a:xfrm>
+          <a:off x="0" y="0"/>
+          <a:ext cx="0" cy="0"/>
+          <a:chOff x="0" y="0"/>
+          <a:chExt cx="0" cy="0"/>
+        </a:xfrm>
+      </p:grpSpPr>
+      <p:sp>
+        <p:nvSpPr>
+          <p:cNvPr id="2" name="标题 1">
+            <a:extLst>
+              <a:ext uri="{FF2B5EF4-FFF2-40B4-BE49-F238E27FC236}">
+                <a16:creationId xmlns:a16="http://schemas.microsoft.com/office/drawing/2014/main" id="{02A066E4-09F6-4203-AA46-53D0D40AF78A}"/>
+              </a:ext>
+            </a:extLst>
+          </p:cNvPr>
+          <p:cNvSpPr>
+            <a:spLocks noGrp="1"/>
+          </p:cNvSpPr>
+          <p:nvPr>
+            <p:ph type="title"/>
+          </p:nvPr>
+        </p:nvSpPr>
+        <p:spPr/>
+        <p:txBody>
+          <a:bodyPr/>
+          <a:lstStyle/>
+          <a:p>
+            <a:r>
+              <a:rPr lang="zh-CN" altLang="en-US" dirty="0"/>
+              <a:t>可行性分析</a:t>
+            </a:r>
+          </a:p>
+        </p:txBody>
+      </p:sp>
+      <p:sp>
+        <p:nvSpPr>
+          <p:cNvPr id="3" name="文本框 2">
+            <a:extLst>
+              <a:ext uri="{FF2B5EF4-FFF2-40B4-BE49-F238E27FC236}">
+                <a16:creationId xmlns:a16="http://schemas.microsoft.com/office/drawing/2014/main" id="{B14F203E-C67F-42E7-A005-D5705BC11CC8}"/>
+              </a:ext>
+            </a:extLst>
+          </p:cNvPr>
+          <p:cNvSpPr txBox="1"/>
+          <p:nvPr/>
+        </p:nvSpPr>
+        <p:spPr>
+          <a:xfrm>
+            <a:off x="659688" y="1392964"/>
+            <a:ext cx="10853574" cy="1184940"/>
+          </a:xfrm>
+          <a:prstGeom prst="rect">
+            <a:avLst/>
+          </a:prstGeom>
+          <a:noFill/>
+        </p:spPr>
+        <p:txBody>
+          <a:bodyPr wrap="square" rtlCol="0">
+            <a:spAutoFit/>
+          </a:bodyPr>
+          <a:lstStyle/>
+          <a:p>
+            <a:pPr>
+              <a:lnSpc>
+                <a:spcPct val="130000"/>
+              </a:lnSpc>
+            </a:pPr>
+            <a:r>
+              <a:rPr lang="zh-CN" altLang="en-US" sz="1400" b="1" dirty="0">
+                <a:solidFill>
+                  <a:prstClr val="black"/>
+                </a:solidFill>
+                <a:ea typeface="微软雅黑" panose="020B0503020204020204" pitchFamily="34" charset="-122"/>
+              </a:rPr>
+              <a:t>招募版和讨论版</a:t>
+            </a:r>
+            <a:endParaRPr lang="en-US" altLang="zh-CN" sz="1400" b="1" dirty="0">
+              <a:solidFill>
+                <a:prstClr val="black"/>
+              </a:solidFill>
+              <a:ea typeface="微软雅黑" panose="020B0503020204020204" pitchFamily="34" charset="-122"/>
+            </a:endParaRPr>
+          </a:p>
+          <a:p>
+            <a:pPr>
+              <a:lnSpc>
+                <a:spcPct val="130000"/>
+              </a:lnSpc>
+            </a:pPr>
+            <a:r>
+              <a:rPr lang="en-US" altLang="zh-CN" sz="1400" dirty="0">
+                <a:ea typeface="微软雅黑" panose="020B0503020204020204" pitchFamily="34" charset="-122"/>
+              </a:rPr>
+              <a:t> 1 </a:t>
+            </a:r>
+            <a:r>
+              <a:rPr lang="zh-CN" altLang="en-US" sz="1400" dirty="0">
+                <a:ea typeface="微软雅黑" panose="020B0503020204020204" pitchFamily="34" charset="-122"/>
+              </a:rPr>
+              <a:t>挂帖子招募和讨论版：参考网络上的</a:t>
+            </a:r>
+            <a:r>
+              <a:rPr lang="en-US" altLang="zh-CN" sz="1400" dirty="0" err="1">
+                <a:ea typeface="微软雅黑" panose="020B0503020204020204" pitchFamily="34" charset="-122"/>
+              </a:rPr>
+              <a:t>bbs</a:t>
+            </a:r>
+            <a:r>
+              <a:rPr lang="zh-CN" altLang="en-US" sz="1400" dirty="0">
+                <a:ea typeface="微软雅黑" panose="020B0503020204020204" pitchFamily="34" charset="-122"/>
+              </a:rPr>
+              <a:t>模板，有很多方案，为了结合数据库的</a:t>
+            </a:r>
+            <a:r>
+              <a:rPr lang="en-US" altLang="zh-CN" sz="1400" dirty="0">
+                <a:ea typeface="微软雅黑" panose="020B0503020204020204" pitchFamily="34" charset="-122"/>
+              </a:rPr>
+              <a:t>java</a:t>
+            </a:r>
+            <a:r>
+              <a:rPr lang="zh-CN" altLang="en-US" sz="1400" dirty="0">
+                <a:ea typeface="微软雅黑" panose="020B0503020204020204" pitchFamily="34" charset="-122"/>
+              </a:rPr>
+              <a:t>，这里采用</a:t>
+            </a:r>
+            <a:r>
+              <a:rPr lang="en-US" altLang="zh-CN" sz="1400" dirty="0">
+                <a:ea typeface="微软雅黑" panose="020B0503020204020204" pitchFamily="34" charset="-122"/>
+              </a:rPr>
+              <a:t>java</a:t>
+            </a:r>
+            <a:r>
+              <a:rPr lang="zh-CN" altLang="en-US" sz="1400" dirty="0">
+                <a:ea typeface="微软雅黑" panose="020B0503020204020204" pitchFamily="34" charset="-122"/>
+              </a:rPr>
+              <a:t>的方案，经济上成本也不会投入太多                                                                                                                                                                                                         可行</a:t>
+            </a:r>
+            <a:endParaRPr lang="en-US" altLang="zh-CN" sz="1400" dirty="0">
+              <a:ea typeface="微软雅黑" panose="020B0503020204020204" pitchFamily="34" charset="-122"/>
+            </a:endParaRPr>
+          </a:p>
+          <a:p>
+            <a:pPr>
+              <a:lnSpc>
+                <a:spcPct val="130000"/>
+              </a:lnSpc>
+            </a:pPr>
+            <a:r>
+              <a:rPr lang="en-US" altLang="zh-CN" sz="1400" dirty="0">
+                <a:ea typeface="微软雅黑" panose="020B0503020204020204" pitchFamily="34" charset="-122"/>
+              </a:rPr>
+              <a:t>2 </a:t>
+            </a:r>
+            <a:r>
+              <a:rPr lang="zh-CN" altLang="en-US" sz="1400" dirty="0">
+                <a:ea typeface="微软雅黑" panose="020B0503020204020204" pitchFamily="34" charset="-122"/>
+              </a:rPr>
+              <a:t>评论的赞和踩：</a:t>
+            </a:r>
+            <a:r>
+              <a:rPr lang="en-US" altLang="zh-CN" sz="1400" dirty="0">
+                <a:ea typeface="微软雅黑" panose="020B0503020204020204" pitchFamily="34" charset="-122"/>
+              </a:rPr>
+              <a:t>java</a:t>
+            </a:r>
+            <a:r>
+              <a:rPr lang="zh-CN" altLang="en-US" sz="1400" dirty="0">
+                <a:ea typeface="微软雅黑" panose="020B0503020204020204" pitchFamily="34" charset="-122"/>
+              </a:rPr>
+              <a:t>也同样可以实现这个功能                                                                                                                                  可行</a:t>
+            </a:r>
+            <a:endParaRPr lang="zh-CN" altLang="en-US" sz="1400" dirty="0">
+              <a:latin typeface="Arial" panose="020B0604020202020204" pitchFamily="34" charset="0"/>
+              <a:ea typeface="微软雅黑" panose="020B0503020204020204" pitchFamily="34" charset="-122"/>
+            </a:endParaRPr>
+          </a:p>
+        </p:txBody>
+      </p:sp>
+      <p:sp>
+        <p:nvSpPr>
+          <p:cNvPr id="5" name="文本框 4">
+            <a:extLst>
+              <a:ext uri="{FF2B5EF4-FFF2-40B4-BE49-F238E27FC236}">
+                <a16:creationId xmlns:a16="http://schemas.microsoft.com/office/drawing/2014/main" id="{24A1547B-384F-4BB9-93CB-9B07F26A4FF5}"/>
+              </a:ext>
+            </a:extLst>
+          </p:cNvPr>
+          <p:cNvSpPr txBox="1"/>
+          <p:nvPr/>
+        </p:nvSpPr>
+        <p:spPr>
+          <a:xfrm>
+            <a:off x="740042" y="2805688"/>
+            <a:ext cx="10692866" cy="623312"/>
+          </a:xfrm>
+          <a:prstGeom prst="rect">
+            <a:avLst/>
+          </a:prstGeom>
+          <a:noFill/>
+        </p:spPr>
+        <p:txBody>
+          <a:bodyPr wrap="square" rtlCol="0">
+            <a:spAutoFit/>
+          </a:bodyPr>
+          <a:lstStyle/>
+          <a:p>
+            <a:pPr>
+              <a:lnSpc>
+                <a:spcPct val="130000"/>
+              </a:lnSpc>
+            </a:pPr>
+            <a:r>
+              <a:rPr lang="zh-CN" altLang="en-US" sz="1400" b="1" dirty="0">
+                <a:solidFill>
+                  <a:prstClr val="black"/>
+                </a:solidFill>
+                <a:ea typeface="微软雅黑" panose="020B0503020204020204" pitchFamily="34" charset="-122"/>
+              </a:rPr>
+              <a:t>通告栏</a:t>
+            </a:r>
+            <a:endParaRPr lang="en-US" altLang="zh-CN" sz="1400" b="1" dirty="0">
+              <a:solidFill>
+                <a:prstClr val="black"/>
+              </a:solidFill>
+              <a:ea typeface="微软雅黑" panose="020B0503020204020204" pitchFamily="34" charset="-122"/>
+            </a:endParaRPr>
+          </a:p>
+          <a:p>
+            <a:pPr>
+              <a:lnSpc>
+                <a:spcPct val="130000"/>
+              </a:lnSpc>
+            </a:pPr>
+            <a:r>
+              <a:rPr lang="en-US" altLang="zh-CN" sz="1400" dirty="0">
+                <a:ea typeface="微软雅黑" panose="020B0503020204020204" pitchFamily="34" charset="-122"/>
+              </a:rPr>
+              <a:t> 1 </a:t>
+            </a:r>
+            <a:r>
+              <a:rPr lang="zh-CN" altLang="en-US" sz="1400" dirty="0">
+                <a:ea typeface="微软雅黑" panose="020B0503020204020204" pitchFamily="34" charset="-122"/>
+              </a:rPr>
+              <a:t>搬运官方活动通告：有多种可行方案，最简单的方式是以帖子更新的方式                                                                                    可行</a:t>
+            </a:r>
+            <a:endParaRPr lang="zh-CN" altLang="en-US" sz="1400" dirty="0">
+              <a:latin typeface="Arial" panose="020B0604020202020204" pitchFamily="34" charset="0"/>
+              <a:ea typeface="微软雅黑" panose="020B0503020204020204" pitchFamily="34" charset="-122"/>
+            </a:endParaRPr>
+          </a:p>
+        </p:txBody>
+      </p:sp>
+      <p:sp>
+        <p:nvSpPr>
+          <p:cNvPr id="7" name="文本框 6">
+            <a:extLst>
+              <a:ext uri="{FF2B5EF4-FFF2-40B4-BE49-F238E27FC236}">
+                <a16:creationId xmlns:a16="http://schemas.microsoft.com/office/drawing/2014/main" id="{E8C72CBF-EE74-487F-ABD6-95F4095F7BCB}"/>
+              </a:ext>
+            </a:extLst>
+          </p:cNvPr>
+          <p:cNvSpPr txBox="1"/>
+          <p:nvPr/>
+        </p:nvSpPr>
+        <p:spPr>
+          <a:xfrm>
+            <a:off x="659688" y="3576416"/>
+            <a:ext cx="10615954" cy="1463542"/>
+          </a:xfrm>
+          <a:prstGeom prst="rect">
+            <a:avLst/>
+          </a:prstGeom>
+          <a:noFill/>
+        </p:spPr>
+        <p:txBody>
+          <a:bodyPr wrap="square" rtlCol="0">
+            <a:spAutoFit/>
+          </a:bodyPr>
+          <a:lstStyle/>
+          <a:p>
+            <a:pPr>
+              <a:lnSpc>
+                <a:spcPct val="130000"/>
+              </a:lnSpc>
+            </a:pPr>
+            <a:r>
+              <a:rPr lang="zh-CN" altLang="en-US" sz="1400" b="1" dirty="0">
+                <a:solidFill>
+                  <a:prstClr val="black"/>
+                </a:solidFill>
+                <a:ea typeface="微软雅黑" panose="020B0503020204020204" pitchFamily="34" charset="-122"/>
+              </a:rPr>
+              <a:t>运营和维护</a:t>
+            </a:r>
+            <a:endParaRPr lang="en-US" altLang="zh-CN" sz="1400" b="1" dirty="0">
+              <a:solidFill>
+                <a:prstClr val="black"/>
+              </a:solidFill>
+              <a:ea typeface="微软雅黑" panose="020B0503020204020204" pitchFamily="34" charset="-122"/>
+            </a:endParaRPr>
+          </a:p>
+          <a:p>
+            <a:pPr>
+              <a:lnSpc>
+                <a:spcPct val="130000"/>
+              </a:lnSpc>
+            </a:pPr>
+            <a:r>
+              <a:rPr lang="zh-CN" altLang="en-US" sz="1400" dirty="0">
+                <a:latin typeface="Arial" panose="020B0604020202020204" pitchFamily="34" charset="0"/>
+                <a:ea typeface="微软雅黑" panose="020B0503020204020204" pitchFamily="34" charset="-122"/>
+              </a:rPr>
+              <a:t>管理员通过对数据库的更新，更新软件数据                                                                                                                                       可行</a:t>
+            </a:r>
+            <a:endParaRPr lang="en-US" altLang="zh-CN" sz="1400" dirty="0">
+              <a:latin typeface="Arial" panose="020B0604020202020204" pitchFamily="34" charset="0"/>
+              <a:ea typeface="微软雅黑" panose="020B0503020204020204" pitchFamily="34" charset="-122"/>
+            </a:endParaRPr>
+          </a:p>
+          <a:p>
+            <a:pPr>
+              <a:lnSpc>
+                <a:spcPct val="130000"/>
+              </a:lnSpc>
+            </a:pPr>
+            <a:r>
+              <a:rPr lang="zh-CN" altLang="en-US" sz="1400" dirty="0">
+                <a:latin typeface="Arial" panose="020B0604020202020204" pitchFamily="34" charset="0"/>
+                <a:ea typeface="微软雅黑" panose="020B0503020204020204" pitchFamily="34" charset="-122"/>
+              </a:rPr>
+              <a:t>对招募帖子的管理（有必要可以为招募版准备一个专门的管理帖子的管理员 从用户中自愿招聘）                                                   可行</a:t>
+            </a:r>
+            <a:endParaRPr lang="en-US" altLang="zh-CN" sz="1400" dirty="0">
+              <a:latin typeface="Arial" panose="020B0604020202020204" pitchFamily="34" charset="0"/>
+              <a:ea typeface="微软雅黑" panose="020B0503020204020204" pitchFamily="34" charset="-122"/>
+            </a:endParaRPr>
+          </a:p>
+          <a:p>
+            <a:pPr>
+              <a:lnSpc>
+                <a:spcPct val="130000"/>
+              </a:lnSpc>
+            </a:pPr>
+            <a:r>
+              <a:rPr lang="zh-CN" altLang="en-US" sz="1400" dirty="0">
+                <a:ea typeface="微软雅黑" panose="020B0503020204020204" pitchFamily="34" charset="-122"/>
+              </a:rPr>
+              <a:t>游戏账号绑定软件账号：一个账号有三个存档且平台安全性的保护，操作上无法实现                                                                   不可行</a:t>
+            </a:r>
+            <a:endParaRPr lang="en-US" altLang="zh-CN" sz="1400" dirty="0">
+              <a:ea typeface="微软雅黑" panose="020B0503020204020204" pitchFamily="34" charset="-122"/>
+            </a:endParaRPr>
+          </a:p>
+          <a:p>
+            <a:pPr>
+              <a:lnSpc>
+                <a:spcPct val="130000"/>
+              </a:lnSpc>
+            </a:pPr>
+            <a:r>
+              <a:rPr lang="zh-CN" altLang="en-US" sz="1400" dirty="0">
+                <a:latin typeface="Arial" panose="020B0604020202020204" pitchFamily="34" charset="0"/>
+                <a:ea typeface="微软雅黑" panose="020B0503020204020204" pitchFamily="34" charset="-122"/>
+              </a:rPr>
+              <a:t>用户账号管理：使用数据库，每一个用户有一个独立的</a:t>
+            </a:r>
+            <a:r>
+              <a:rPr lang="en-US" altLang="zh-CN" sz="1400" dirty="0" err="1">
+                <a:latin typeface="Arial" panose="020B0604020202020204" pitchFamily="34" charset="0"/>
+                <a:ea typeface="微软雅黑" panose="020B0503020204020204" pitchFamily="34" charset="-122"/>
+              </a:rPr>
+              <a:t>uid</a:t>
+            </a:r>
+            <a:r>
+              <a:rPr lang="zh-CN" altLang="en-US" sz="1400" dirty="0">
+                <a:latin typeface="Arial" panose="020B0604020202020204" pitchFamily="34" charset="0"/>
+                <a:ea typeface="微软雅黑" panose="020B0503020204020204" pitchFamily="34" charset="-122"/>
+              </a:rPr>
+              <a:t>，主要是用邮箱进行验证操作                                                                 可行</a:t>
+            </a:r>
+          </a:p>
+        </p:txBody>
+      </p:sp>
+    </p:spTree>
+    <p:extLst>
+      <p:ext uri="{BB962C8B-B14F-4D97-AF65-F5344CB8AC3E}">
+        <p14:creationId xmlns:p14="http://schemas.microsoft.com/office/powerpoint/2010/main" val="275173516"/>
+      </p:ext>
+    </p:extLst>
+  </p:cSld>
+  <p:clrMapOvr>
+    <a:masterClrMapping/>
+  </p:clrMapOvr>
+</p:sld>
+</file>
+
+<file path=ppt/slides/slide11.xml><?xml version="1.0" encoding="utf-8"?>
+<p:sld xmlns:a="http://schemas.openxmlformats.org/drawingml/2006/main" xmlns:r="http://schemas.openxmlformats.org/officeDocument/2006/relationships" xmlns:p="http://schemas.openxmlformats.org/presentationml/2006/main">
+  <p:cSld>
+    <p:spTree>
+      <p:nvGrpSpPr>
+        <p:cNvPr id="1" name=""/>
+        <p:cNvGrpSpPr/>
+        <p:nvPr/>
+      </p:nvGrpSpPr>
+      <p:grpSpPr>
+        <a:xfrm>
+          <a:off x="0" y="0"/>
+          <a:ext cx="0" cy="0"/>
+          <a:chOff x="0" y="0"/>
+          <a:chExt cx="0" cy="0"/>
+        </a:xfrm>
+      </p:grpSpPr>
+      <p:sp>
+        <p:nvSpPr>
+          <p:cNvPr id="2" name="标题 1">
+            <a:extLst>
+              <a:ext uri="{FF2B5EF4-FFF2-40B4-BE49-F238E27FC236}">
+                <a16:creationId xmlns:a16="http://schemas.microsoft.com/office/drawing/2014/main" id="{0BF4F663-0898-42DA-8926-D77D5C5E6477}"/>
+              </a:ext>
+            </a:extLst>
+          </p:cNvPr>
+          <p:cNvSpPr>
+            <a:spLocks noGrp="1"/>
+          </p:cNvSpPr>
+          <p:nvPr>
+            <p:ph type="title"/>
+          </p:nvPr>
+        </p:nvSpPr>
+        <p:spPr/>
+        <p:txBody>
+          <a:bodyPr/>
+          <a:lstStyle/>
+          <a:p>
+            <a:r>
+              <a:rPr lang="zh-CN" altLang="en-US" dirty="0"/>
+              <a:t>可行性分析</a:t>
+            </a:r>
+          </a:p>
+        </p:txBody>
+      </p:sp>
+      <p:sp>
+        <p:nvSpPr>
+          <p:cNvPr id="3" name="文本框 2">
+            <a:extLst>
+              <a:ext uri="{FF2B5EF4-FFF2-40B4-BE49-F238E27FC236}">
+                <a16:creationId xmlns:a16="http://schemas.microsoft.com/office/drawing/2014/main" id="{9094F2F6-945F-4D18-8D6B-1D2DAACA8101}"/>
+              </a:ext>
+            </a:extLst>
+          </p:cNvPr>
+          <p:cNvSpPr txBox="1"/>
+          <p:nvPr/>
+        </p:nvSpPr>
+        <p:spPr>
+          <a:xfrm>
+            <a:off x="577850" y="1295400"/>
+            <a:ext cx="11055350" cy="1463542"/>
+          </a:xfrm>
+          <a:prstGeom prst="rect">
+            <a:avLst/>
+          </a:prstGeom>
+          <a:noFill/>
+        </p:spPr>
+        <p:txBody>
+          <a:bodyPr wrap="square" rtlCol="0">
+            <a:spAutoFit/>
+          </a:bodyPr>
+          <a:lstStyle/>
+          <a:p>
+            <a:pPr>
+              <a:lnSpc>
+                <a:spcPct val="130000"/>
+              </a:lnSpc>
+            </a:pPr>
+            <a:r>
+              <a:rPr lang="zh-CN" altLang="en-US" sz="1400" dirty="0">
+                <a:latin typeface="Arial" panose="020B0604020202020204" pitchFamily="34" charset="0"/>
+                <a:ea typeface="微软雅黑" panose="020B0503020204020204" pitchFamily="34" charset="-122"/>
+              </a:rPr>
+              <a:t>与其他类似软件的对比：</a:t>
+            </a:r>
+            <a:endParaRPr lang="en-US" altLang="zh-CN" sz="1400" dirty="0">
+              <a:latin typeface="Arial" panose="020B0604020202020204" pitchFamily="34" charset="0"/>
+              <a:ea typeface="微软雅黑" panose="020B0503020204020204" pitchFamily="34" charset="-122"/>
+            </a:endParaRPr>
+          </a:p>
+          <a:p>
+            <a:pPr>
+              <a:lnSpc>
+                <a:spcPct val="130000"/>
+              </a:lnSpc>
+            </a:pPr>
+            <a:r>
+              <a:rPr lang="en-US" altLang="zh-CN" sz="1400" dirty="0">
+                <a:ea typeface="微软雅黑" panose="020B0503020204020204" pitchFamily="34" charset="-122"/>
+              </a:rPr>
+              <a:t>1.</a:t>
+            </a:r>
+            <a:r>
+              <a:rPr lang="zh-CN" altLang="en-US" sz="1400" dirty="0">
+                <a:ea typeface="微软雅黑" panose="020B0503020204020204" pitchFamily="34" charset="-122"/>
+              </a:rPr>
+              <a:t>内容齐全，其他系统的资源皆不够全面，不方便用户查找</a:t>
+            </a:r>
+          </a:p>
+          <a:p>
+            <a:pPr>
+              <a:lnSpc>
+                <a:spcPct val="130000"/>
+              </a:lnSpc>
+            </a:pPr>
+            <a:r>
+              <a:rPr lang="en-US" altLang="zh-CN" sz="1400" dirty="0">
+                <a:ea typeface="微软雅黑" panose="020B0503020204020204" pitchFamily="34" charset="-122"/>
+              </a:rPr>
+              <a:t>2.</a:t>
+            </a:r>
+            <a:r>
+              <a:rPr lang="zh-CN" altLang="en-US" sz="1400" dirty="0">
+                <a:ea typeface="微软雅黑" panose="020B0503020204020204" pitchFamily="34" charset="-122"/>
+              </a:rPr>
+              <a:t>有社交功能，现有系统皆无此功能</a:t>
+            </a:r>
+          </a:p>
+          <a:p>
+            <a:pPr>
+              <a:lnSpc>
+                <a:spcPct val="130000"/>
+              </a:lnSpc>
+            </a:pPr>
+            <a:r>
+              <a:rPr lang="en-US" altLang="zh-CN" sz="1400" dirty="0">
+                <a:ea typeface="微软雅黑" panose="020B0503020204020204" pitchFamily="34" charset="-122"/>
+              </a:rPr>
+              <a:t>3.</a:t>
+            </a:r>
+            <a:r>
+              <a:rPr lang="zh-CN" altLang="en-US" sz="1400" dirty="0">
+                <a:ea typeface="微软雅黑" panose="020B0503020204020204" pitchFamily="34" charset="-122"/>
+              </a:rPr>
+              <a:t>易于获取相关的资讯</a:t>
+            </a:r>
+          </a:p>
+          <a:p>
+            <a:pPr>
+              <a:lnSpc>
+                <a:spcPct val="130000"/>
+              </a:lnSpc>
+            </a:pPr>
+            <a:endParaRPr lang="zh-CN" altLang="en-US" sz="1400" dirty="0">
+              <a:latin typeface="Arial" panose="020B0604020202020204" pitchFamily="34" charset="0"/>
+              <a:ea typeface="微软雅黑" panose="020B0503020204020204" pitchFamily="34" charset="-122"/>
+            </a:endParaRPr>
+          </a:p>
+        </p:txBody>
+      </p:sp>
+      <p:sp>
+        <p:nvSpPr>
+          <p:cNvPr id="4" name="文本框 3">
+            <a:extLst>
+              <a:ext uri="{FF2B5EF4-FFF2-40B4-BE49-F238E27FC236}">
+                <a16:creationId xmlns:a16="http://schemas.microsoft.com/office/drawing/2014/main" id="{67EF0F91-8A5C-4EB9-A296-339831D21A02}"/>
+              </a:ext>
+            </a:extLst>
+          </p:cNvPr>
+          <p:cNvSpPr txBox="1"/>
+          <p:nvPr/>
+        </p:nvSpPr>
+        <p:spPr>
+          <a:xfrm>
+            <a:off x="558800" y="2887579"/>
+            <a:ext cx="11055350" cy="3984232"/>
+          </a:xfrm>
+          <a:prstGeom prst="rect">
+            <a:avLst/>
+          </a:prstGeom>
+          <a:noFill/>
+        </p:spPr>
+        <p:txBody>
+          <a:bodyPr wrap="square" rtlCol="0">
+            <a:spAutoFit/>
+          </a:bodyPr>
+          <a:lstStyle/>
+          <a:p>
+            <a:pPr>
+              <a:lnSpc>
+                <a:spcPct val="130000"/>
+              </a:lnSpc>
+            </a:pPr>
+            <a:r>
+              <a:rPr lang="en-US" altLang="zh-CN" sz="1400" b="1" dirty="0">
+                <a:ea typeface="微软雅黑" panose="020B0503020204020204" pitchFamily="34" charset="-122"/>
+              </a:rPr>
+              <a:t>4.4</a:t>
+            </a:r>
+            <a:r>
+              <a:rPr lang="zh-CN" altLang="en-US" sz="1400" b="1" dirty="0">
+                <a:ea typeface="微软雅黑" panose="020B0503020204020204" pitchFamily="34" charset="-122"/>
+              </a:rPr>
+              <a:t>采用建议系统可能带来的影响</a:t>
+            </a:r>
+          </a:p>
+          <a:p>
+            <a:pPr>
+              <a:lnSpc>
+                <a:spcPct val="130000"/>
+              </a:lnSpc>
+            </a:pPr>
+            <a:r>
+              <a:rPr lang="en-US" altLang="zh-CN" sz="1400" b="1" dirty="0">
+                <a:ea typeface="微软雅黑" panose="020B0503020204020204" pitchFamily="34" charset="-122"/>
+              </a:rPr>
+              <a:t>4.4.1</a:t>
+            </a:r>
+            <a:r>
+              <a:rPr lang="zh-CN" altLang="en-US" sz="1400" b="1" dirty="0">
+                <a:ea typeface="微软雅黑" panose="020B0503020204020204" pitchFamily="34" charset="-122"/>
+              </a:rPr>
+              <a:t>对设备的影响</a:t>
+            </a:r>
+          </a:p>
+          <a:p>
+            <a:pPr>
+              <a:lnSpc>
+                <a:spcPct val="130000"/>
+              </a:lnSpc>
+            </a:pPr>
+            <a:r>
+              <a:rPr lang="zh-CN" altLang="en-US" sz="1400" dirty="0">
+                <a:ea typeface="微软雅黑" panose="020B0503020204020204" pitchFamily="34" charset="-122"/>
+              </a:rPr>
+              <a:t>不会有太大影响</a:t>
+            </a:r>
+          </a:p>
+          <a:p>
+            <a:pPr>
+              <a:lnSpc>
+                <a:spcPct val="130000"/>
+              </a:lnSpc>
+            </a:pPr>
+            <a:r>
+              <a:rPr lang="en-US" altLang="zh-CN" sz="1400" b="1" dirty="0">
+                <a:ea typeface="微软雅黑" panose="020B0503020204020204" pitchFamily="34" charset="-122"/>
+              </a:rPr>
+              <a:t>4.4.2</a:t>
+            </a:r>
+            <a:r>
+              <a:rPr lang="zh-CN" altLang="en-US" sz="1400" b="1" dirty="0">
+                <a:ea typeface="微软雅黑" panose="020B0503020204020204" pitchFamily="34" charset="-122"/>
+              </a:rPr>
+              <a:t>对现有软件的影响</a:t>
+            </a:r>
+          </a:p>
+          <a:p>
+            <a:pPr>
+              <a:lnSpc>
+                <a:spcPct val="130000"/>
+              </a:lnSpc>
+            </a:pPr>
+            <a:r>
+              <a:rPr lang="zh-CN" altLang="en-US" sz="1400" dirty="0">
+                <a:ea typeface="微软雅黑" panose="020B0503020204020204" pitchFamily="34" charset="-122"/>
+              </a:rPr>
+              <a:t>因为和现在的主流软件平台不共同，所以不会冲突。</a:t>
+            </a:r>
+          </a:p>
+          <a:p>
+            <a:pPr>
+              <a:lnSpc>
+                <a:spcPct val="130000"/>
+              </a:lnSpc>
+            </a:pPr>
+            <a:r>
+              <a:rPr lang="en-US" altLang="zh-CN" sz="1400" b="1" dirty="0">
+                <a:ea typeface="微软雅黑" panose="020B0503020204020204" pitchFamily="34" charset="-122"/>
+              </a:rPr>
+              <a:t>4.4.3</a:t>
+            </a:r>
+            <a:r>
+              <a:rPr lang="zh-CN" altLang="en-US" sz="1400" b="1" dirty="0">
+                <a:ea typeface="微软雅黑" panose="020B0503020204020204" pitchFamily="34" charset="-122"/>
+              </a:rPr>
+              <a:t>对用户的影响</a:t>
+            </a:r>
+          </a:p>
+          <a:p>
+            <a:pPr>
+              <a:lnSpc>
+                <a:spcPct val="130000"/>
+              </a:lnSpc>
+            </a:pPr>
+            <a:r>
+              <a:rPr lang="zh-CN" altLang="en-US" sz="1400" dirty="0">
+                <a:ea typeface="微软雅黑" panose="020B0503020204020204" pitchFamily="34" charset="-122"/>
+              </a:rPr>
+              <a:t>使用户获得更好的游戏体验</a:t>
+            </a:r>
+          </a:p>
+          <a:p>
+            <a:pPr>
+              <a:lnSpc>
+                <a:spcPct val="130000"/>
+              </a:lnSpc>
+            </a:pPr>
+            <a:r>
+              <a:rPr lang="en-US" altLang="zh-CN" sz="1400" b="1" dirty="0">
+                <a:ea typeface="微软雅黑" panose="020B0503020204020204" pitchFamily="34" charset="-122"/>
+              </a:rPr>
+              <a:t>4.4.4</a:t>
+            </a:r>
+            <a:r>
+              <a:rPr lang="zh-CN" altLang="en-US" sz="1400" b="1" dirty="0">
+                <a:ea typeface="微软雅黑" panose="020B0503020204020204" pitchFamily="34" charset="-122"/>
+              </a:rPr>
+              <a:t>对系统运行的影响</a:t>
+            </a:r>
+          </a:p>
+          <a:p>
+            <a:pPr>
+              <a:lnSpc>
+                <a:spcPct val="130000"/>
+              </a:lnSpc>
+            </a:pPr>
+            <a:r>
+              <a:rPr lang="zh-CN" altLang="en-US" sz="1400" dirty="0">
+                <a:ea typeface="微软雅黑" panose="020B0503020204020204" pitchFamily="34" charset="-122"/>
+              </a:rPr>
+              <a:t>软件的目标之一是不会占用太多系统资源，所以不会影响到系统本身的运行</a:t>
+            </a:r>
+          </a:p>
+          <a:p>
+            <a:pPr>
+              <a:lnSpc>
+                <a:spcPct val="130000"/>
+              </a:lnSpc>
+            </a:pPr>
+            <a:r>
+              <a:rPr lang="en-US" altLang="zh-CN" sz="1400" b="1" dirty="0">
+                <a:ea typeface="微软雅黑" panose="020B0503020204020204" pitchFamily="34" charset="-122"/>
+              </a:rPr>
+              <a:t>4.4.5</a:t>
+            </a:r>
+            <a:r>
+              <a:rPr lang="zh-CN" altLang="en-US" sz="1400" b="1" dirty="0">
+                <a:ea typeface="微软雅黑" panose="020B0503020204020204" pitchFamily="34" charset="-122"/>
+              </a:rPr>
+              <a:t>对开发环境的影响</a:t>
+            </a:r>
+          </a:p>
+          <a:p>
+            <a:pPr>
+              <a:lnSpc>
+                <a:spcPct val="130000"/>
+              </a:lnSpc>
+            </a:pPr>
+            <a:r>
+              <a:rPr lang="zh-CN" altLang="en-US" sz="1400" dirty="0">
+                <a:ea typeface="微软雅黑" panose="020B0503020204020204" pitchFamily="34" charset="-122"/>
+              </a:rPr>
+              <a:t>开发环境是</a:t>
+            </a:r>
+            <a:r>
+              <a:rPr lang="en-US" altLang="zh-CN" sz="1400" dirty="0">
+                <a:ea typeface="微软雅黑" panose="020B0503020204020204" pitchFamily="34" charset="-122"/>
+              </a:rPr>
+              <a:t>windows</a:t>
+            </a:r>
+            <a:r>
+              <a:rPr lang="zh-CN" altLang="en-US" sz="1400" dirty="0">
+                <a:ea typeface="微软雅黑" panose="020B0503020204020204" pitchFamily="34" charset="-122"/>
+              </a:rPr>
+              <a:t>，因为主要采用</a:t>
+            </a:r>
+            <a:r>
+              <a:rPr lang="en-US" altLang="zh-CN" sz="1400" dirty="0">
+                <a:ea typeface="微软雅黑" panose="020B0503020204020204" pitchFamily="34" charset="-122"/>
+              </a:rPr>
+              <a:t>java</a:t>
+            </a:r>
+            <a:r>
+              <a:rPr lang="zh-CN" altLang="en-US" sz="1400" dirty="0">
+                <a:ea typeface="微软雅黑" panose="020B0503020204020204" pitchFamily="34" charset="-122"/>
+              </a:rPr>
+              <a:t>这个面向对象的独立的语言，所以影响很小。</a:t>
+            </a:r>
+          </a:p>
+          <a:p>
+            <a:pPr>
+              <a:lnSpc>
+                <a:spcPct val="130000"/>
+              </a:lnSpc>
+            </a:pPr>
+            <a:r>
+              <a:rPr lang="en-US" altLang="zh-CN" sz="1400" b="1" dirty="0">
+                <a:ea typeface="微软雅黑" panose="020B0503020204020204" pitchFamily="34" charset="-122"/>
+              </a:rPr>
+              <a:t>4.4.6</a:t>
+            </a:r>
+            <a:r>
+              <a:rPr lang="zh-CN" altLang="en-US" sz="1400" b="1" dirty="0">
+                <a:ea typeface="微软雅黑" panose="020B0503020204020204" pitchFamily="34" charset="-122"/>
+              </a:rPr>
+              <a:t>对运行环境的影响</a:t>
+            </a:r>
+          </a:p>
+          <a:p>
+            <a:pPr>
+              <a:lnSpc>
+                <a:spcPct val="130000"/>
+              </a:lnSpc>
+            </a:pPr>
+            <a:r>
+              <a:rPr lang="zh-CN" altLang="en-US" sz="1400" dirty="0">
+                <a:ea typeface="微软雅黑" panose="020B0503020204020204" pitchFamily="34" charset="-122"/>
+              </a:rPr>
+              <a:t>运行环境是</a:t>
+            </a:r>
+            <a:r>
+              <a:rPr lang="en-US" altLang="zh-CN" sz="1400" dirty="0">
+                <a:ea typeface="微软雅黑" panose="020B0503020204020204" pitchFamily="34" charset="-122"/>
+              </a:rPr>
+              <a:t>windows</a:t>
+            </a:r>
+            <a:r>
+              <a:rPr lang="zh-CN" altLang="en-US" sz="1400" dirty="0">
+                <a:ea typeface="微软雅黑" panose="020B0503020204020204" pitchFamily="34" charset="-122"/>
+              </a:rPr>
+              <a:t>，因为主要采用</a:t>
+            </a:r>
+            <a:r>
+              <a:rPr lang="en-US" altLang="zh-CN" sz="1400" dirty="0">
+                <a:ea typeface="微软雅黑" panose="020B0503020204020204" pitchFamily="34" charset="-122"/>
+              </a:rPr>
+              <a:t>java</a:t>
+            </a:r>
+            <a:r>
+              <a:rPr lang="zh-CN" altLang="en-US" sz="1400" dirty="0">
+                <a:ea typeface="微软雅黑" panose="020B0503020204020204" pitchFamily="34" charset="-122"/>
+              </a:rPr>
+              <a:t>这个面向对象的独立的语言，所以影响很小。</a:t>
+            </a:r>
+          </a:p>
+          <a:p>
+            <a:pPr>
+              <a:lnSpc>
+                <a:spcPct val="130000"/>
+              </a:lnSpc>
+            </a:pPr>
+            <a:endParaRPr lang="zh-CN" altLang="en-US" sz="1400" dirty="0">
+              <a:latin typeface="Arial" panose="020B0604020202020204" pitchFamily="34" charset="0"/>
+              <a:ea typeface="微软雅黑" panose="020B0503020204020204" pitchFamily="34" charset="-122"/>
+            </a:endParaRPr>
+          </a:p>
+        </p:txBody>
+      </p:sp>
+    </p:spTree>
+    <p:extLst>
+      <p:ext uri="{BB962C8B-B14F-4D97-AF65-F5344CB8AC3E}">
+        <p14:creationId xmlns:p14="http://schemas.microsoft.com/office/powerpoint/2010/main" val="903534041"/>
+      </p:ext>
+    </p:extLst>
+  </p:cSld>
+  <p:clrMapOvr>
+    <a:masterClrMapping/>
+  </p:clrMapOvr>
+</p:sld>
+</file>
+
+<file path=ppt/slides/slide12.xml><?xml version="1.0" encoding="utf-8"?>
+<p:sld xmlns:a="http://schemas.openxmlformats.org/drawingml/2006/main" xmlns:r="http://schemas.openxmlformats.org/officeDocument/2006/relationships" xmlns:p="http://schemas.openxmlformats.org/presentationml/2006/main">
+  <p:cSld>
+    <p:spTree>
+      <p:nvGrpSpPr>
+        <p:cNvPr id="1" name=""/>
+        <p:cNvGrpSpPr/>
+        <p:nvPr/>
+      </p:nvGrpSpPr>
+      <p:grpSpPr>
+        <a:xfrm>
+          <a:off x="0" y="0"/>
+          <a:ext cx="0" cy="0"/>
+          <a:chOff x="0" y="0"/>
+          <a:chExt cx="0" cy="0"/>
+        </a:xfrm>
+      </p:grpSpPr>
+      <p:sp>
+        <p:nvSpPr>
+          <p:cNvPr id="2" name="标题 1">
+            <a:extLst>
+              <a:ext uri="{FF2B5EF4-FFF2-40B4-BE49-F238E27FC236}">
+                <a16:creationId xmlns:a16="http://schemas.microsoft.com/office/drawing/2014/main" id="{E22D94E9-1EBF-4D78-8808-961422008A8F}"/>
+              </a:ext>
+            </a:extLst>
+          </p:cNvPr>
+          <p:cNvSpPr>
+            <a:spLocks noGrp="1"/>
+          </p:cNvSpPr>
+          <p:nvPr>
+            <p:ph type="title"/>
+          </p:nvPr>
+        </p:nvSpPr>
+        <p:spPr/>
+        <p:txBody>
+          <a:bodyPr/>
+          <a:lstStyle/>
+          <a:p>
+            <a:r>
+              <a:rPr lang="zh-CN" altLang="en-US" dirty="0"/>
+              <a:t>处理流程图</a:t>
+            </a:r>
+          </a:p>
+        </p:txBody>
+      </p:sp>
+      <p:sp>
+        <p:nvSpPr>
+          <p:cNvPr id="3" name="Rectangle 2">
+            <a:extLst>
+              <a:ext uri="{FF2B5EF4-FFF2-40B4-BE49-F238E27FC236}">
+                <a16:creationId xmlns:a16="http://schemas.microsoft.com/office/drawing/2014/main" id="{3FEDDA61-547D-4FC2-89AE-F9980AE182CD}"/>
+              </a:ext>
+            </a:extLst>
+          </p:cNvPr>
+          <p:cNvSpPr>
+            <a:spLocks noChangeArrowheads="1"/>
+          </p:cNvSpPr>
+          <p:nvPr/>
+        </p:nvSpPr>
+        <p:spPr bwMode="auto">
+          <a:xfrm>
+            <a:off x="1044599" y="2035772"/>
+            <a:ext cx="12192000" cy="0"/>
+          </a:xfrm>
+          <a:prstGeom prst="rect">
+            <a:avLst/>
+          </a:prstGeom>
+          <a:noFill/>
+          <a:ln>
+            <a:noFill/>
+          </a:ln>
+          <a:effectLst/>
+          <a:extLst>
+            <a:ext uri="{909E8E84-426E-40DD-AFC4-6F175D3DCCD1}">
+              <a14:hiddenFill xmlns:a14="http://schemas.microsoft.com/office/drawing/2010/main">
+                <a:solidFill>
+                  <a:schemeClr val="accent1"/>
+                </a:solidFill>
+              </a14:hiddenFill>
+            </a:ext>
+            <a:ext uri="{91240B29-F687-4F45-9708-019B960494DF}">
+              <a14:hiddenLine xmlns:a14="http://schemas.microsoft.com/office/drawing/2010/main" w="9525">
+                <a:solidFill>
+                  <a:schemeClr val="tx1"/>
+                </a:solidFill>
+                <a:miter lim="800000"/>
+                <a:headEnd/>
+                <a:tailEnd/>
+              </a14:hiddenLine>
+            </a:ext>
+            <a:ext uri="{AF507438-7753-43E0-B8FC-AC1667EBCBE1}">
+              <a14:hiddenEffects xmlns:a14="http://schemas.microsoft.com/office/drawing/2010/main">
+                <a:effectLst>
+                  <a:outerShdw dist="35921" dir="2700000" algn="ctr" rotWithShape="0">
+                    <a:schemeClr val="bg2"/>
+                  </a:outerShdw>
+                </a:effectLst>
+              </a14:hiddenEffects>
+            </a:ext>
+          </a:extLst>
+        </p:spPr>
+        <p:txBody>
+          <a:bodyPr vert="horz" wrap="none" lIns="91440" tIns="45720" rIns="91440" bIns="45720" numCol="1" anchor="ctr" anchorCtr="0" compatLnSpc="1">
+            <a:prstTxWarp prst="textNoShape">
+              <a:avLst/>
+            </a:prstTxWarp>
+            <a:spAutoFit/>
+          </a:bodyPr>
+          <a:lstStyle/>
+          <a:p>
+            <a:endParaRPr lang="zh-CN" altLang="en-US"/>
+          </a:p>
+        </p:txBody>
+      </p:sp>
+      <p:graphicFrame>
+        <p:nvGraphicFramePr>
+          <p:cNvPr id="4" name="对象 3">
+            <a:extLst>
+              <a:ext uri="{FF2B5EF4-FFF2-40B4-BE49-F238E27FC236}">
+                <a16:creationId xmlns:a16="http://schemas.microsoft.com/office/drawing/2014/main" id="{6EBF5588-A898-47A8-8E36-619293E0676D}"/>
+              </a:ext>
+            </a:extLst>
+          </p:cNvPr>
+          <p:cNvGraphicFramePr>
+            <a:graphicFrameLocks noChangeAspect="1"/>
+          </p:cNvGraphicFramePr>
+          <p:nvPr>
+            <p:extLst>
+              <p:ext uri="{D42A27DB-BD31-4B8C-83A1-F6EECF244321}">
+                <p14:modId xmlns:p14="http://schemas.microsoft.com/office/powerpoint/2010/main" val="1542275759"/>
+              </p:ext>
+            </p:extLst>
+          </p:nvPr>
+        </p:nvGraphicFramePr>
+        <p:xfrm>
+          <a:off x="558800" y="1898053"/>
+          <a:ext cx="2228850" cy="2924175"/>
+        </p:xfrm>
+        <a:graphic>
+          <a:graphicData uri="http://schemas.openxmlformats.org/presentationml/2006/ole">
+            <mc:AlternateContent xmlns:mc="http://schemas.openxmlformats.org/markup-compatibility/2006">
+              <mc:Choice xmlns:v="urn:schemas-microsoft-com:vml" Requires="v">
+                <p:oleObj spid="_x0000_s3085" r:id="" imgW="2232837" imgH="2926174" progId="Visio.Drawing.15">
+                  <p:embed/>
+                </p:oleObj>
+              </mc:Choice>
+              <mc:Fallback>
+                <p:oleObj r:id="" imgW="2232837" imgH="2926174" progId="Visio.Drawing.15">
+                  <p:embed/>
+                  <p:pic>
+                    <p:nvPicPr>
+                      <p:cNvPr id="0" name="Object 1"/>
+                      <p:cNvPicPr>
+                        <a:picLocks noChangeAspect="1" noChangeArrowheads="1"/>
+                      </p:cNvPicPr>
+                      <p:nvPr/>
+                    </p:nvPicPr>
+                    <p:blipFill>
+                      <a:blip r:embed="rId3">
+                        <a:extLst>
+                          <a:ext uri="{28A0092B-C50C-407E-A947-70E740481C1C}">
+                            <a14:useLocalDpi xmlns:a14="http://schemas.microsoft.com/office/drawing/2010/main" val="0"/>
+                          </a:ext>
+                        </a:extLst>
+                      </a:blip>
+                      <a:srcRect/>
+                      <a:stretch>
+                        <a:fillRect/>
+                      </a:stretch>
+                    </p:blipFill>
+                    <p:spPr bwMode="auto">
+                      <a:xfrm>
+                        <a:off x="558800" y="1898053"/>
+                        <a:ext cx="2228850" cy="2924175"/>
+                      </a:xfrm>
+                      <a:prstGeom prst="rect">
+                        <a:avLst/>
+                      </a:prstGeom>
+                      <a:noFill/>
+                      <a:extLst>
+                        <a:ext uri="{909E8E84-426E-40DD-AFC4-6F175D3DCCD1}">
+                          <a14:hiddenFill xmlns:a14="http://schemas.microsoft.com/office/drawing/2010/main">
+                            <a:solidFill>
+                              <a:srgbClr val="FFFFFF"/>
+                            </a:solidFill>
+                          </a14:hiddenFill>
+                        </a:ext>
+                      </a:extLst>
+                    </p:spPr>
+                  </p:pic>
+                </p:oleObj>
+              </mc:Fallback>
+            </mc:AlternateContent>
+          </a:graphicData>
+        </a:graphic>
+      </p:graphicFrame>
+      <p:sp>
+        <p:nvSpPr>
+          <p:cNvPr id="5" name="Rectangle 4">
+            <a:extLst>
+              <a:ext uri="{FF2B5EF4-FFF2-40B4-BE49-F238E27FC236}">
+                <a16:creationId xmlns:a16="http://schemas.microsoft.com/office/drawing/2014/main" id="{124568CF-A9F6-43D7-81F8-D2C2ACFEA50C}"/>
+              </a:ext>
+            </a:extLst>
+          </p:cNvPr>
+          <p:cNvSpPr>
+            <a:spLocks noChangeArrowheads="1"/>
+          </p:cNvSpPr>
+          <p:nvPr/>
+        </p:nvSpPr>
+        <p:spPr bwMode="auto">
+          <a:xfrm>
+            <a:off x="266557" y="503751"/>
+            <a:ext cx="12192000" cy="0"/>
+          </a:xfrm>
+          <a:prstGeom prst="rect">
+            <a:avLst/>
+          </a:prstGeom>
+          <a:noFill/>
+          <a:ln>
+            <a:noFill/>
+          </a:ln>
+          <a:effectLst/>
+          <a:extLst>
+            <a:ext uri="{909E8E84-426E-40DD-AFC4-6F175D3DCCD1}">
+              <a14:hiddenFill xmlns:a14="http://schemas.microsoft.com/office/drawing/2010/main">
+                <a:solidFill>
+                  <a:schemeClr val="accent1"/>
+                </a:solidFill>
+              </a14:hiddenFill>
+            </a:ext>
+            <a:ext uri="{91240B29-F687-4F45-9708-019B960494DF}">
+              <a14:hiddenLine xmlns:a14="http://schemas.microsoft.com/office/drawing/2010/main" w="9525">
+                <a:solidFill>
+                  <a:schemeClr val="tx1"/>
+                </a:solidFill>
+                <a:miter lim="800000"/>
+                <a:headEnd/>
+                <a:tailEnd/>
+              </a14:hiddenLine>
+            </a:ext>
+            <a:ext uri="{AF507438-7753-43E0-B8FC-AC1667EBCBE1}">
+              <a14:hiddenEffects xmlns:a14="http://schemas.microsoft.com/office/drawing/2010/main">
+                <a:effectLst>
+                  <a:outerShdw dist="35921" dir="2700000" algn="ctr" rotWithShape="0">
+                    <a:schemeClr val="bg2"/>
+                  </a:outerShdw>
+                </a:effectLst>
+              </a14:hiddenEffects>
+            </a:ext>
+          </a:extLst>
+        </p:spPr>
+        <p:txBody>
+          <a:bodyPr vert="horz" wrap="none" lIns="91440" tIns="45720" rIns="91440" bIns="45720" numCol="1" anchor="ctr" anchorCtr="0" compatLnSpc="1">
+            <a:prstTxWarp prst="textNoShape">
+              <a:avLst/>
+            </a:prstTxWarp>
+            <a:spAutoFit/>
+          </a:bodyPr>
+          <a:lstStyle/>
+          <a:p>
+            <a:endParaRPr lang="zh-CN" altLang="en-US"/>
+          </a:p>
+        </p:txBody>
+      </p:sp>
+      <p:graphicFrame>
+        <p:nvGraphicFramePr>
+          <p:cNvPr id="6" name="对象 5">
+            <a:extLst>
+              <a:ext uri="{FF2B5EF4-FFF2-40B4-BE49-F238E27FC236}">
+                <a16:creationId xmlns:a16="http://schemas.microsoft.com/office/drawing/2014/main" id="{8CC7AAFE-CD14-4904-BD15-44D03D4D851B}"/>
+              </a:ext>
+            </a:extLst>
+          </p:cNvPr>
+          <p:cNvGraphicFramePr>
+            <a:graphicFrameLocks noChangeAspect="1"/>
+          </p:cNvGraphicFramePr>
+          <p:nvPr>
+            <p:extLst>
+              <p:ext uri="{D42A27DB-BD31-4B8C-83A1-F6EECF244321}">
+                <p14:modId xmlns:p14="http://schemas.microsoft.com/office/powerpoint/2010/main" val="3948333121"/>
+              </p:ext>
+            </p:extLst>
+          </p:nvPr>
+        </p:nvGraphicFramePr>
+        <p:xfrm>
+          <a:off x="3368078" y="1898052"/>
+          <a:ext cx="2381250" cy="2990850"/>
+        </p:xfrm>
+        <a:graphic>
+          <a:graphicData uri="http://schemas.openxmlformats.org/presentationml/2006/ole">
+            <mc:AlternateContent xmlns:mc="http://schemas.openxmlformats.org/markup-compatibility/2006">
+              <mc:Choice xmlns:v="urn:schemas-microsoft-com:vml" Requires="v">
+                <p:oleObj spid="_x0000_s3086" r:id="" imgW="2377440" imgH="2994471" progId="Visio.Drawing.15">
+                  <p:embed/>
+                </p:oleObj>
+              </mc:Choice>
+              <mc:Fallback>
+                <p:oleObj r:id="" imgW="2377440" imgH="2994471" progId="Visio.Drawing.15">
+                  <p:embed/>
+                  <p:pic>
+                    <p:nvPicPr>
+                      <p:cNvPr id="0" name="Object 3"/>
+                      <p:cNvPicPr>
+                        <a:picLocks noChangeAspect="1" noChangeArrowheads="1"/>
+                      </p:cNvPicPr>
+                      <p:nvPr/>
+                    </p:nvPicPr>
+                    <p:blipFill>
+                      <a:blip r:embed="rId4">
+                        <a:extLst>
+                          <a:ext uri="{28A0092B-C50C-407E-A947-70E740481C1C}">
+                            <a14:useLocalDpi xmlns:a14="http://schemas.microsoft.com/office/drawing/2010/main" val="0"/>
+                          </a:ext>
+                        </a:extLst>
+                      </a:blip>
+                      <a:srcRect/>
+                      <a:stretch>
+                        <a:fillRect/>
+                      </a:stretch>
+                    </p:blipFill>
+                    <p:spPr bwMode="auto">
+                      <a:xfrm>
+                        <a:off x="3368078" y="1898052"/>
+                        <a:ext cx="2381250" cy="2990850"/>
+                      </a:xfrm>
+                      <a:prstGeom prst="rect">
+                        <a:avLst/>
+                      </a:prstGeom>
+                      <a:noFill/>
+                      <a:extLst>
+                        <a:ext uri="{909E8E84-426E-40DD-AFC4-6F175D3DCCD1}">
+                          <a14:hiddenFill xmlns:a14="http://schemas.microsoft.com/office/drawing/2010/main">
+                            <a:solidFill>
+                              <a:srgbClr val="FFFFFF"/>
+                            </a:solidFill>
+                          </a14:hiddenFill>
+                        </a:ext>
+                      </a:extLst>
+                    </p:spPr>
+                  </p:pic>
+                </p:oleObj>
+              </mc:Fallback>
+            </mc:AlternateContent>
+          </a:graphicData>
+        </a:graphic>
+      </p:graphicFrame>
+      <p:sp>
+        <p:nvSpPr>
+          <p:cNvPr id="7" name="Rectangle 6">
+            <a:extLst>
+              <a:ext uri="{FF2B5EF4-FFF2-40B4-BE49-F238E27FC236}">
+                <a16:creationId xmlns:a16="http://schemas.microsoft.com/office/drawing/2014/main" id="{E21BFA07-E7E9-4F25-AE7A-031230A876E1}"/>
+              </a:ext>
+            </a:extLst>
+          </p:cNvPr>
+          <p:cNvSpPr>
+            <a:spLocks noChangeArrowheads="1"/>
+          </p:cNvSpPr>
+          <p:nvPr/>
+        </p:nvSpPr>
+        <p:spPr bwMode="auto">
+          <a:xfrm>
+            <a:off x="6751864" y="1764703"/>
+            <a:ext cx="12192000" cy="0"/>
+          </a:xfrm>
+          <a:prstGeom prst="rect">
+            <a:avLst/>
+          </a:prstGeom>
+          <a:noFill/>
+          <a:ln>
+            <a:noFill/>
+          </a:ln>
+          <a:effectLst/>
+          <a:extLst>
+            <a:ext uri="{909E8E84-426E-40DD-AFC4-6F175D3DCCD1}">
+              <a14:hiddenFill xmlns:a14="http://schemas.microsoft.com/office/drawing/2010/main">
+                <a:solidFill>
+                  <a:schemeClr val="accent1"/>
+                </a:solidFill>
+              </a14:hiddenFill>
+            </a:ext>
+            <a:ext uri="{91240B29-F687-4F45-9708-019B960494DF}">
+              <a14:hiddenLine xmlns:a14="http://schemas.microsoft.com/office/drawing/2010/main" w="9525">
+                <a:solidFill>
+                  <a:schemeClr val="tx1"/>
+                </a:solidFill>
+                <a:miter lim="800000"/>
+                <a:headEnd/>
+                <a:tailEnd/>
+              </a14:hiddenLine>
+            </a:ext>
+            <a:ext uri="{AF507438-7753-43E0-B8FC-AC1667EBCBE1}">
+              <a14:hiddenEffects xmlns:a14="http://schemas.microsoft.com/office/drawing/2010/main">
+                <a:effectLst>
+                  <a:outerShdw dist="35921" dir="2700000" algn="ctr" rotWithShape="0">
+                    <a:schemeClr val="bg2"/>
+                  </a:outerShdw>
+                </a:effectLst>
+              </a14:hiddenEffects>
+            </a:ext>
+          </a:extLst>
+        </p:spPr>
+        <p:txBody>
+          <a:bodyPr vert="horz" wrap="none" lIns="91440" tIns="45720" rIns="91440" bIns="45720" numCol="1" anchor="ctr" anchorCtr="0" compatLnSpc="1">
+            <a:prstTxWarp prst="textNoShape">
+              <a:avLst/>
+            </a:prstTxWarp>
+            <a:spAutoFit/>
+          </a:bodyPr>
+          <a:lstStyle/>
+          <a:p>
+            <a:endParaRPr lang="zh-CN" altLang="en-US"/>
+          </a:p>
+        </p:txBody>
+      </p:sp>
+      <p:graphicFrame>
+        <p:nvGraphicFramePr>
+          <p:cNvPr id="8" name="对象 7">
+            <a:extLst>
+              <a:ext uri="{FF2B5EF4-FFF2-40B4-BE49-F238E27FC236}">
+                <a16:creationId xmlns:a16="http://schemas.microsoft.com/office/drawing/2014/main" id="{D426436C-117C-4E47-8AD2-A6069828F0D0}"/>
+              </a:ext>
+            </a:extLst>
+          </p:cNvPr>
+          <p:cNvGraphicFramePr>
+            <a:graphicFrameLocks noChangeAspect="1"/>
+          </p:cNvGraphicFramePr>
+          <p:nvPr>
+            <p:extLst>
+              <p:ext uri="{D42A27DB-BD31-4B8C-83A1-F6EECF244321}">
+                <p14:modId xmlns:p14="http://schemas.microsoft.com/office/powerpoint/2010/main" val="3901009867"/>
+              </p:ext>
+            </p:extLst>
+          </p:nvPr>
+        </p:nvGraphicFramePr>
+        <p:xfrm>
+          <a:off x="5992227" y="1831377"/>
+          <a:ext cx="1295400" cy="3057525"/>
+        </p:xfrm>
+        <a:graphic>
+          <a:graphicData uri="http://schemas.openxmlformats.org/presentationml/2006/ole">
+            <mc:AlternateContent xmlns:mc="http://schemas.openxmlformats.org/markup-compatibility/2006">
+              <mc:Choice xmlns:v="urn:schemas-microsoft-com:vml" Requires="v">
+                <p:oleObj spid="_x0000_s3087" r:id="" imgW="1295471" imgH="3055557" progId="Visio.Drawing.15">
+                  <p:embed/>
+                </p:oleObj>
+              </mc:Choice>
+              <mc:Fallback>
+                <p:oleObj r:id="" imgW="1295471" imgH="3055557" progId="Visio.Drawing.15">
+                  <p:embed/>
+                  <p:pic>
+                    <p:nvPicPr>
+                      <p:cNvPr id="0" name="Object 5"/>
+                      <p:cNvPicPr>
+                        <a:picLocks noChangeAspect="1" noChangeArrowheads="1"/>
+                      </p:cNvPicPr>
+                      <p:nvPr/>
+                    </p:nvPicPr>
+                    <p:blipFill>
+                      <a:blip r:embed="rId5">
+                        <a:extLst>
+                          <a:ext uri="{28A0092B-C50C-407E-A947-70E740481C1C}">
+                            <a14:useLocalDpi xmlns:a14="http://schemas.microsoft.com/office/drawing/2010/main" val="0"/>
+                          </a:ext>
+                        </a:extLst>
+                      </a:blip>
+                      <a:srcRect/>
+                      <a:stretch>
+                        <a:fillRect/>
+                      </a:stretch>
+                    </p:blipFill>
+                    <p:spPr bwMode="auto">
+                      <a:xfrm>
+                        <a:off x="5992227" y="1831377"/>
+                        <a:ext cx="1295400" cy="3057525"/>
+                      </a:xfrm>
+                      <a:prstGeom prst="rect">
+                        <a:avLst/>
+                      </a:prstGeom>
+                      <a:noFill/>
+                      <a:extLst>
+                        <a:ext uri="{909E8E84-426E-40DD-AFC4-6F175D3DCCD1}">
+                          <a14:hiddenFill xmlns:a14="http://schemas.microsoft.com/office/drawing/2010/main">
+                            <a:solidFill>
+                              <a:srgbClr val="FFFFFF"/>
+                            </a:solidFill>
+                          </a14:hiddenFill>
+                        </a:ext>
+                      </a:extLst>
+                    </p:spPr>
+                  </p:pic>
+                </p:oleObj>
+              </mc:Fallback>
+            </mc:AlternateContent>
+          </a:graphicData>
+        </a:graphic>
+      </p:graphicFrame>
+      <p:sp>
+        <p:nvSpPr>
+          <p:cNvPr id="9" name="Rectangle 8">
+            <a:extLst>
+              <a:ext uri="{FF2B5EF4-FFF2-40B4-BE49-F238E27FC236}">
+                <a16:creationId xmlns:a16="http://schemas.microsoft.com/office/drawing/2014/main" id="{A94791E0-B9B4-4DD0-A83C-17B2183FE93C}"/>
+              </a:ext>
+            </a:extLst>
+          </p:cNvPr>
+          <p:cNvSpPr>
+            <a:spLocks noChangeArrowheads="1"/>
+          </p:cNvSpPr>
+          <p:nvPr/>
+        </p:nvSpPr>
+        <p:spPr bwMode="auto">
+          <a:xfrm>
+            <a:off x="1251285" y="254990"/>
+            <a:ext cx="12192000" cy="0"/>
+          </a:xfrm>
+          <a:prstGeom prst="rect">
+            <a:avLst/>
+          </a:prstGeom>
+          <a:noFill/>
+          <a:ln>
+            <a:noFill/>
+          </a:ln>
+          <a:effectLst/>
+          <a:extLst>
+            <a:ext uri="{909E8E84-426E-40DD-AFC4-6F175D3DCCD1}">
+              <a14:hiddenFill xmlns:a14="http://schemas.microsoft.com/office/drawing/2010/main">
+                <a:solidFill>
+                  <a:schemeClr val="accent1"/>
+                </a:solidFill>
+              </a14:hiddenFill>
+            </a:ext>
+            <a:ext uri="{91240B29-F687-4F45-9708-019B960494DF}">
+              <a14:hiddenLine xmlns:a14="http://schemas.microsoft.com/office/drawing/2010/main" w="9525">
+                <a:solidFill>
+                  <a:schemeClr val="tx1"/>
+                </a:solidFill>
+                <a:miter lim="800000"/>
+                <a:headEnd/>
+                <a:tailEnd/>
+              </a14:hiddenLine>
+            </a:ext>
+            <a:ext uri="{AF507438-7753-43E0-B8FC-AC1667EBCBE1}">
+              <a14:hiddenEffects xmlns:a14="http://schemas.microsoft.com/office/drawing/2010/main">
+                <a:effectLst>
+                  <a:outerShdw dist="35921" dir="2700000" algn="ctr" rotWithShape="0">
+                    <a:schemeClr val="bg2"/>
+                  </a:outerShdw>
+                </a:effectLst>
+              </a14:hiddenEffects>
+            </a:ext>
+          </a:extLst>
+        </p:spPr>
+        <p:txBody>
+          <a:bodyPr vert="horz" wrap="none" lIns="91440" tIns="45720" rIns="91440" bIns="45720" numCol="1" anchor="ctr" anchorCtr="0" compatLnSpc="1">
+            <a:prstTxWarp prst="textNoShape">
+              <a:avLst/>
+            </a:prstTxWarp>
+            <a:spAutoFit/>
+          </a:bodyPr>
+          <a:lstStyle/>
+          <a:p>
+            <a:endParaRPr lang="zh-CN" altLang="en-US"/>
+          </a:p>
+        </p:txBody>
+      </p:sp>
+      <p:graphicFrame>
+        <p:nvGraphicFramePr>
+          <p:cNvPr id="10" name="对象 9">
+            <a:extLst>
+              <a:ext uri="{FF2B5EF4-FFF2-40B4-BE49-F238E27FC236}">
+                <a16:creationId xmlns:a16="http://schemas.microsoft.com/office/drawing/2014/main" id="{8FAFF047-E705-4DD6-8E39-B3B7E837E080}"/>
+              </a:ext>
+            </a:extLst>
+          </p:cNvPr>
+          <p:cNvGraphicFramePr>
+            <a:graphicFrameLocks noChangeAspect="1"/>
+          </p:cNvGraphicFramePr>
+          <p:nvPr>
+            <p:extLst>
+              <p:ext uri="{D42A27DB-BD31-4B8C-83A1-F6EECF244321}">
+                <p14:modId xmlns:p14="http://schemas.microsoft.com/office/powerpoint/2010/main" val="2425950779"/>
+              </p:ext>
+            </p:extLst>
+          </p:nvPr>
+        </p:nvGraphicFramePr>
+        <p:xfrm>
+          <a:off x="8582527" y="1836140"/>
+          <a:ext cx="2381250" cy="3019425"/>
+        </p:xfrm>
+        <a:graphic>
+          <a:graphicData uri="http://schemas.openxmlformats.org/presentationml/2006/ole">
+            <mc:AlternateContent xmlns:mc="http://schemas.openxmlformats.org/markup-compatibility/2006">
+              <mc:Choice xmlns:v="urn:schemas-microsoft-com:vml" Requires="v">
+                <p:oleObj spid="_x0000_s3088" r:id="" imgW="2377440" imgH="3017379" progId="Visio.Drawing.15">
+                  <p:embed/>
+                </p:oleObj>
+              </mc:Choice>
+              <mc:Fallback>
+                <p:oleObj r:id="" imgW="2377440" imgH="3017379" progId="Visio.Drawing.15">
+                  <p:embed/>
+                  <p:pic>
+                    <p:nvPicPr>
+                      <p:cNvPr id="0" name="Object 7"/>
+                      <p:cNvPicPr>
+                        <a:picLocks noChangeAspect="1" noChangeArrowheads="1"/>
+                      </p:cNvPicPr>
+                      <p:nvPr/>
+                    </p:nvPicPr>
+                    <p:blipFill>
+                      <a:blip r:embed="rId6">
+                        <a:extLst>
+                          <a:ext uri="{28A0092B-C50C-407E-A947-70E740481C1C}">
+                            <a14:useLocalDpi xmlns:a14="http://schemas.microsoft.com/office/drawing/2010/main" val="0"/>
+                          </a:ext>
+                        </a:extLst>
+                      </a:blip>
+                      <a:srcRect/>
+                      <a:stretch>
+                        <a:fillRect/>
+                      </a:stretch>
+                    </p:blipFill>
+                    <p:spPr bwMode="auto">
+                      <a:xfrm>
+                        <a:off x="8582527" y="1836140"/>
+                        <a:ext cx="2381250" cy="3019425"/>
+                      </a:xfrm>
+                      <a:prstGeom prst="rect">
+                        <a:avLst/>
+                      </a:prstGeom>
+                      <a:noFill/>
+                      <a:extLst>
+                        <a:ext uri="{909E8E84-426E-40DD-AFC4-6F175D3DCCD1}">
+                          <a14:hiddenFill xmlns:a14="http://schemas.microsoft.com/office/drawing/2010/main">
+                            <a:solidFill>
+                              <a:srgbClr val="FFFFFF"/>
+                            </a:solidFill>
+                          </a14:hiddenFill>
+                        </a:ext>
+                      </a:extLst>
+                    </p:spPr>
+                  </p:pic>
+                </p:oleObj>
+              </mc:Fallback>
+            </mc:AlternateContent>
+          </a:graphicData>
+        </a:graphic>
+      </p:graphicFrame>
+    </p:spTree>
+    <p:extLst>
+      <p:ext uri="{BB962C8B-B14F-4D97-AF65-F5344CB8AC3E}">
+        <p14:creationId xmlns:p14="http://schemas.microsoft.com/office/powerpoint/2010/main" val="2698328624"/>
+      </p:ext>
+    </p:extLst>
+  </p:cSld>
+  <p:clrMapOvr>
+    <a:masterClrMapping/>
+  </p:clrMapOvr>
+</p:sld>
+</file>
+
+<file path=ppt/slides/slide13.xml><?xml version="1.0" encoding="utf-8"?>
+<p:sld xmlns:a="http://schemas.openxmlformats.org/drawingml/2006/main" xmlns:r="http://schemas.openxmlformats.org/officeDocument/2006/relationships" xmlns:p="http://schemas.openxmlformats.org/presentationml/2006/main">
+  <p:cSld>
+    <p:spTree>
+      <p:nvGrpSpPr>
+        <p:cNvPr id="1" name=""/>
+        <p:cNvGrpSpPr/>
+        <p:nvPr/>
+      </p:nvGrpSpPr>
+      <p:grpSpPr>
+        <a:xfrm>
+          <a:off x="0" y="0"/>
+          <a:ext cx="0" cy="0"/>
+          <a:chOff x="0" y="0"/>
+          <a:chExt cx="0" cy="0"/>
+        </a:xfrm>
+      </p:grpSpPr>
+      <p:sp>
+        <p:nvSpPr>
+          <p:cNvPr id="2" name="标题 1">
+            <a:extLst>
+              <a:ext uri="{FF2B5EF4-FFF2-40B4-BE49-F238E27FC236}">
+                <a16:creationId xmlns:a16="http://schemas.microsoft.com/office/drawing/2014/main" id="{B0563780-D81B-42E2-AE4D-7A6786399A34}"/>
+              </a:ext>
+            </a:extLst>
+          </p:cNvPr>
+          <p:cNvSpPr>
+            <a:spLocks noGrp="1"/>
+          </p:cNvSpPr>
+          <p:nvPr>
+            <p:ph type="title"/>
+          </p:nvPr>
+        </p:nvSpPr>
+        <p:spPr>
+          <a:xfrm>
+            <a:off x="558800" y="595313"/>
+            <a:ext cx="11055350" cy="700087"/>
+          </a:xfrm>
+        </p:spPr>
+        <p:txBody>
+          <a:bodyPr/>
+          <a:lstStyle/>
+          <a:p>
+            <a:r>
+              <a:rPr lang="zh-CN" altLang="en-US" dirty="0"/>
+              <a:t>数据流程图</a:t>
+            </a:r>
+          </a:p>
+        </p:txBody>
+      </p:sp>
+      <p:sp>
+        <p:nvSpPr>
+          <p:cNvPr id="3" name="Rectangle 2">
+            <a:extLst>
+              <a:ext uri="{FF2B5EF4-FFF2-40B4-BE49-F238E27FC236}">
+                <a16:creationId xmlns:a16="http://schemas.microsoft.com/office/drawing/2014/main" id="{220BD204-01A4-4F61-9EA1-2DB00853FB12}"/>
+              </a:ext>
+            </a:extLst>
+          </p:cNvPr>
+          <p:cNvSpPr>
+            <a:spLocks noChangeArrowheads="1"/>
+          </p:cNvSpPr>
+          <p:nvPr/>
+        </p:nvSpPr>
+        <p:spPr bwMode="auto">
+          <a:xfrm>
+            <a:off x="0" y="0"/>
+            <a:ext cx="12192000" cy="0"/>
+          </a:xfrm>
+          <a:prstGeom prst="rect">
+            <a:avLst/>
+          </a:prstGeom>
+          <a:noFill/>
+          <a:ln>
+            <a:noFill/>
+          </a:ln>
+          <a:effectLst/>
+          <a:extLst>
+            <a:ext uri="{909E8E84-426E-40DD-AFC4-6F175D3DCCD1}">
+              <a14:hiddenFill xmlns:a14="http://schemas.microsoft.com/office/drawing/2010/main">
+                <a:solidFill>
+                  <a:schemeClr val="accent1"/>
+                </a:solidFill>
+              </a14:hiddenFill>
+            </a:ext>
+            <a:ext uri="{91240B29-F687-4F45-9708-019B960494DF}">
+              <a14:hiddenLine xmlns:a14="http://schemas.microsoft.com/office/drawing/2010/main" w="9525">
+                <a:solidFill>
+                  <a:schemeClr val="tx1"/>
+                </a:solidFill>
+                <a:miter lim="800000"/>
+                <a:headEnd/>
+                <a:tailEnd/>
+              </a14:hiddenLine>
+            </a:ext>
+            <a:ext uri="{AF507438-7753-43E0-B8FC-AC1667EBCBE1}">
+              <a14:hiddenEffects xmlns:a14="http://schemas.microsoft.com/office/drawing/2010/main">
+                <a:effectLst>
+                  <a:outerShdw dist="35921" dir="2700000" algn="ctr" rotWithShape="0">
+                    <a:schemeClr val="bg2"/>
+                  </a:outerShdw>
+                </a:effectLst>
+              </a14:hiddenEffects>
+            </a:ext>
+          </a:extLst>
+        </p:spPr>
+        <p:txBody>
+          <a:bodyPr vert="horz" wrap="none" lIns="91440" tIns="45720" rIns="91440" bIns="45720" numCol="1" anchor="ctr" anchorCtr="0" compatLnSpc="1">
+            <a:prstTxWarp prst="textNoShape">
+              <a:avLst/>
+            </a:prstTxWarp>
+            <a:spAutoFit/>
+          </a:bodyPr>
+          <a:lstStyle/>
+          <a:p>
+            <a:endParaRPr lang="zh-CN" altLang="en-US"/>
+          </a:p>
+        </p:txBody>
+      </p:sp>
+      <p:graphicFrame>
+        <p:nvGraphicFramePr>
+          <p:cNvPr id="4" name="对象 3">
+            <a:extLst>
+              <a:ext uri="{FF2B5EF4-FFF2-40B4-BE49-F238E27FC236}">
+                <a16:creationId xmlns:a16="http://schemas.microsoft.com/office/drawing/2014/main" id="{9A992777-47B6-4225-8E82-48CE7E08316F}"/>
+              </a:ext>
+            </a:extLst>
+          </p:cNvPr>
+          <p:cNvGraphicFramePr>
+            <a:graphicFrameLocks noChangeAspect="1"/>
+          </p:cNvGraphicFramePr>
+          <p:nvPr>
+            <p:extLst>
+              <p:ext uri="{D42A27DB-BD31-4B8C-83A1-F6EECF244321}">
+                <p14:modId xmlns:p14="http://schemas.microsoft.com/office/powerpoint/2010/main" val="3832664991"/>
+              </p:ext>
+            </p:extLst>
+          </p:nvPr>
+        </p:nvGraphicFramePr>
+        <p:xfrm>
+          <a:off x="4523015" y="92529"/>
+          <a:ext cx="3709796" cy="6765471"/>
+        </p:xfrm>
+        <a:graphic>
+          <a:graphicData uri="http://schemas.openxmlformats.org/presentationml/2006/ole">
+            <mc:AlternateContent xmlns:mc="http://schemas.openxmlformats.org/markup-compatibility/2006">
+              <mc:Choice xmlns:v="urn:schemas-microsoft-com:vml" Requires="v">
+                <p:oleObj spid="_x0000_s4100" r:id="" imgW="3779662" imgH="6895896" progId="Visio.Drawing.15">
+                  <p:embed/>
+                </p:oleObj>
+              </mc:Choice>
+              <mc:Fallback>
+                <p:oleObj r:id="" imgW="3779662" imgH="6895896" progId="Visio.Drawing.15">
+                  <p:embed/>
+                  <p:pic>
+                    <p:nvPicPr>
+                      <p:cNvPr id="0" name="Object 1"/>
+                      <p:cNvPicPr>
+                        <a:picLocks noChangeAspect="1" noChangeArrowheads="1"/>
+                      </p:cNvPicPr>
+                      <p:nvPr/>
+                    </p:nvPicPr>
+                    <p:blipFill>
+                      <a:blip r:embed="rId3">
+                        <a:extLst>
+                          <a:ext uri="{28A0092B-C50C-407E-A947-70E740481C1C}">
+                            <a14:useLocalDpi xmlns:a14="http://schemas.microsoft.com/office/drawing/2010/main" val="0"/>
+                          </a:ext>
+                        </a:extLst>
+                      </a:blip>
+                      <a:srcRect/>
+                      <a:stretch>
+                        <a:fillRect/>
+                      </a:stretch>
+                    </p:blipFill>
+                    <p:spPr bwMode="auto">
+                      <a:xfrm>
+                        <a:off x="4523015" y="92529"/>
+                        <a:ext cx="3709796" cy="6765471"/>
+                      </a:xfrm>
+                      <a:prstGeom prst="rect">
+                        <a:avLst/>
+                      </a:prstGeom>
+                      <a:noFill/>
+                    </p:spPr>
+                  </p:pic>
+                </p:oleObj>
+              </mc:Fallback>
+            </mc:AlternateContent>
+          </a:graphicData>
+        </a:graphic>
+      </p:graphicFrame>
+    </p:spTree>
+    <p:extLst>
+      <p:ext uri="{BB962C8B-B14F-4D97-AF65-F5344CB8AC3E}">
+        <p14:creationId xmlns:p14="http://schemas.microsoft.com/office/powerpoint/2010/main" val="31405154"/>
+      </p:ext>
+    </p:extLst>
+  </p:cSld>
+  <p:clrMapOvr>
+    <a:masterClrMapping/>
+  </p:clrMapOvr>
+</p:sld>
+</file>
+
+<file path=ppt/slides/slide14.xml><?xml version="1.0" encoding="utf-8"?>
+<p:sld xmlns:a="http://schemas.openxmlformats.org/drawingml/2006/main" xmlns:r="http://schemas.openxmlformats.org/officeDocument/2006/relationships" xmlns:p="http://schemas.openxmlformats.org/presentationml/2006/main">
+  <p:cSld>
+    <p:spTree>
+      <p:nvGrpSpPr>
+        <p:cNvPr id="1" name=""/>
+        <p:cNvGrpSpPr/>
+        <p:nvPr/>
+      </p:nvGrpSpPr>
+      <p:grpSpPr>
+        <a:xfrm>
+          <a:off x="0" y="0"/>
+          <a:ext cx="0" cy="0"/>
+          <a:chOff x="0" y="0"/>
+          <a:chExt cx="0" cy="0"/>
+        </a:xfrm>
+      </p:grpSpPr>
+      <p:sp>
+        <p:nvSpPr>
+          <p:cNvPr id="2" name="标题 1">
+            <a:extLst>
+              <a:ext uri="{FF2B5EF4-FFF2-40B4-BE49-F238E27FC236}">
+                <a16:creationId xmlns:a16="http://schemas.microsoft.com/office/drawing/2014/main" id="{677832E0-9524-42C2-8C39-DD2496C2B02C}"/>
+              </a:ext>
+            </a:extLst>
+          </p:cNvPr>
+          <p:cNvSpPr>
+            <a:spLocks noGrp="1"/>
+          </p:cNvSpPr>
+          <p:nvPr>
+            <p:ph type="title"/>
+          </p:nvPr>
+        </p:nvSpPr>
+        <p:spPr/>
+        <p:txBody>
+          <a:bodyPr/>
+          <a:lstStyle/>
+          <a:p>
+            <a:r>
+              <a:rPr lang="zh-CN" altLang="en-US" dirty="0"/>
+              <a:t>预算</a:t>
+            </a:r>
+          </a:p>
+        </p:txBody>
+      </p:sp>
+      <p:graphicFrame>
+        <p:nvGraphicFramePr>
+          <p:cNvPr id="3" name="表格 2">
+            <a:extLst>
+              <a:ext uri="{FF2B5EF4-FFF2-40B4-BE49-F238E27FC236}">
+                <a16:creationId xmlns:a16="http://schemas.microsoft.com/office/drawing/2014/main" id="{92E0DAB7-E5E4-4A60-8D21-0247FE659904}"/>
+              </a:ext>
+            </a:extLst>
+          </p:cNvPr>
+          <p:cNvGraphicFramePr>
+            <a:graphicFrameLocks noGrp="1"/>
+          </p:cNvGraphicFramePr>
+          <p:nvPr>
+            <p:extLst>
+              <p:ext uri="{D42A27DB-BD31-4B8C-83A1-F6EECF244321}">
+                <p14:modId xmlns:p14="http://schemas.microsoft.com/office/powerpoint/2010/main" val="1352756173"/>
+              </p:ext>
+            </p:extLst>
+          </p:nvPr>
+        </p:nvGraphicFramePr>
+        <p:xfrm>
+          <a:off x="1700613" y="2223726"/>
+          <a:ext cx="7997914" cy="3147970"/>
+        </p:xfrm>
+        <a:graphic>
+          <a:graphicData uri="http://schemas.openxmlformats.org/drawingml/2006/table">
+            <a:tbl>
+              <a:tblPr firstRow="1" bandRow="1">
+                <a:tableStyleId>{5C22544A-7EE6-4342-B048-85BDC9FD1C3A}</a:tableStyleId>
+              </a:tblPr>
+              <a:tblGrid>
+                <a:gridCol w="3933914">
+                  <a:extLst>
+                    <a:ext uri="{9D8B030D-6E8A-4147-A177-3AD203B41FA5}">
+                      <a16:colId xmlns:a16="http://schemas.microsoft.com/office/drawing/2014/main" val="3038763162"/>
+                    </a:ext>
+                  </a:extLst>
+                </a:gridCol>
+                <a:gridCol w="4064000">
+                  <a:extLst>
+                    <a:ext uri="{9D8B030D-6E8A-4147-A177-3AD203B41FA5}">
+                      <a16:colId xmlns:a16="http://schemas.microsoft.com/office/drawing/2014/main" val="4272502443"/>
+                    </a:ext>
+                  </a:extLst>
+                </a:gridCol>
+              </a:tblGrid>
+              <a:tr h="370840">
+                <a:tc>
+                  <a:txBody>
+                    <a:bodyPr/>
+                    <a:lstStyle/>
+                    <a:p>
+                      <a:pPr algn="ctr"/>
+                      <a:r>
+                        <a:rPr lang="zh-CN" altLang="en-US" sz="2400" dirty="0">
+                          <a:latin typeface="+mj-ea"/>
+                          <a:ea typeface="+mj-ea"/>
+                        </a:rPr>
+                        <a:t>项目</a:t>
+                      </a:r>
+                    </a:p>
+                  </a:txBody>
+                  <a:tcPr/>
+                </a:tc>
+                <a:tc>
+                  <a:txBody>
+                    <a:bodyPr/>
+                    <a:lstStyle/>
+                    <a:p>
+                      <a:pPr algn="ctr"/>
+                      <a:r>
+                        <a:rPr lang="zh-CN" altLang="en-US" sz="2400" dirty="0">
+                          <a:latin typeface="+mj-ea"/>
+                          <a:ea typeface="+mj-ea"/>
+                        </a:rPr>
+                        <a:t>经费</a:t>
+                      </a:r>
+                    </a:p>
+                  </a:txBody>
+                  <a:tcPr/>
+                </a:tc>
+                <a:extLst>
+                  <a:ext uri="{0D108BD9-81ED-4DB2-BD59-A6C34878D82A}">
+                    <a16:rowId xmlns:a16="http://schemas.microsoft.com/office/drawing/2014/main" val="3547625198"/>
+                  </a:ext>
+                </a:extLst>
+              </a:tr>
+              <a:tr h="370840">
+                <a:tc>
+                  <a:txBody>
+                    <a:bodyPr/>
+                    <a:lstStyle/>
+                    <a:p>
+                      <a:r>
+                        <a:rPr lang="zh-CN" altLang="en-US" dirty="0">
+                          <a:latin typeface="+mj-ea"/>
+                          <a:ea typeface="+mj-ea"/>
+                        </a:rPr>
+                        <a:t>服务器租用（阿里云学生轻量服务器）</a:t>
+                      </a:r>
+                    </a:p>
+                  </a:txBody>
+                  <a:tcPr/>
+                </a:tc>
+                <a:tc>
+                  <a:txBody>
+                    <a:bodyPr/>
+                    <a:lstStyle/>
+                    <a:p>
+                      <a:pPr algn="ctr"/>
+                      <a:r>
+                        <a:rPr lang="en-US" altLang="zh-CN" dirty="0">
+                          <a:latin typeface="+mj-ea"/>
+                          <a:ea typeface="+mj-ea"/>
+                        </a:rPr>
+                        <a:t>114</a:t>
+                      </a:r>
+                      <a:r>
+                        <a:rPr lang="zh-CN" altLang="en-US" dirty="0">
+                          <a:latin typeface="+mj-ea"/>
+                          <a:ea typeface="+mj-ea"/>
+                        </a:rPr>
+                        <a:t>元</a:t>
+                      </a:r>
+                      <a:r>
+                        <a:rPr lang="en-US" altLang="zh-CN" dirty="0">
+                          <a:latin typeface="+mj-ea"/>
+                          <a:ea typeface="+mj-ea"/>
+                        </a:rPr>
+                        <a:t>/</a:t>
+                      </a:r>
+                      <a:r>
+                        <a:rPr lang="zh-CN" altLang="en-US" dirty="0">
+                          <a:latin typeface="+mj-ea"/>
+                          <a:ea typeface="+mj-ea"/>
+                        </a:rPr>
+                        <a:t>年</a:t>
+                      </a:r>
+                    </a:p>
+                  </a:txBody>
+                  <a:tcPr/>
+                </a:tc>
+                <a:extLst>
+                  <a:ext uri="{0D108BD9-81ED-4DB2-BD59-A6C34878D82A}">
+                    <a16:rowId xmlns:a16="http://schemas.microsoft.com/office/drawing/2014/main" val="2078887306"/>
+                  </a:ext>
+                </a:extLst>
+              </a:tr>
+              <a:tr h="370840">
+                <a:tc>
+                  <a:txBody>
+                    <a:bodyPr/>
+                    <a:lstStyle/>
+                    <a:p>
+                      <a:pPr algn="ctr"/>
+                      <a:r>
+                        <a:rPr lang="zh-CN" altLang="en-US" sz="2000" dirty="0">
+                          <a:latin typeface="+mj-ea"/>
+                          <a:ea typeface="+mj-ea"/>
+                        </a:rPr>
+                        <a:t>人力费用</a:t>
+                      </a:r>
+                    </a:p>
+                  </a:txBody>
+                  <a:tcPr/>
+                </a:tc>
+                <a:tc>
+                  <a:txBody>
+                    <a:bodyPr/>
+                    <a:lstStyle/>
+                    <a:p>
+                      <a:pPr algn="ctr"/>
+                      <a:r>
+                        <a:rPr lang="en-US" altLang="zh-CN" b="1" dirty="0"/>
+                        <a:t>0</a:t>
+                      </a:r>
+                      <a:r>
+                        <a:rPr lang="zh-CN" altLang="en-US" b="1" dirty="0"/>
+                        <a:t>元</a:t>
+                      </a:r>
+                      <a:r>
+                        <a:rPr lang="en-US" altLang="zh-CN" b="1" dirty="0"/>
+                        <a:t>/</a:t>
+                      </a:r>
+                      <a:r>
+                        <a:rPr lang="zh-CN" altLang="en-US" b="1" dirty="0"/>
+                        <a:t>人</a:t>
+                      </a:r>
+                    </a:p>
+                  </a:txBody>
+                  <a:tcPr/>
+                </a:tc>
+                <a:extLst>
+                  <a:ext uri="{0D108BD9-81ED-4DB2-BD59-A6C34878D82A}">
+                    <a16:rowId xmlns:a16="http://schemas.microsoft.com/office/drawing/2014/main" val="696880540"/>
+                  </a:ext>
+                </a:extLst>
+              </a:tr>
+              <a:tr h="440330">
+                <a:tc>
+                  <a:txBody>
+                    <a:bodyPr/>
+                    <a:lstStyle/>
+                    <a:p>
+                      <a:pPr algn="ctr"/>
+                      <a:r>
+                        <a:rPr lang="zh-CN" altLang="en-US" dirty="0">
+                          <a:latin typeface="+mj-ea"/>
+                          <a:ea typeface="+mj-ea"/>
+                        </a:rPr>
+                        <a:t>电费</a:t>
+                      </a:r>
+                    </a:p>
+                  </a:txBody>
+                  <a:tcPr/>
+                </a:tc>
+                <a:tc>
+                  <a:txBody>
+                    <a:bodyPr/>
+                    <a:lstStyle/>
+                    <a:p>
+                      <a:pPr algn="ctr"/>
+                      <a:r>
+                        <a:rPr lang="zh-CN" altLang="en-US" dirty="0">
+                          <a:latin typeface="+mj-ea"/>
+                          <a:ea typeface="+mj-ea"/>
+                        </a:rPr>
+                        <a:t>个人承担 忽略不计</a:t>
+                      </a:r>
+                    </a:p>
+                  </a:txBody>
+                  <a:tcPr/>
+                </a:tc>
+                <a:extLst>
+                  <a:ext uri="{0D108BD9-81ED-4DB2-BD59-A6C34878D82A}">
+                    <a16:rowId xmlns:a16="http://schemas.microsoft.com/office/drawing/2014/main" val="4240169943"/>
+                  </a:ext>
+                </a:extLst>
+              </a:tr>
+              <a:tr h="370840">
+                <a:tc>
+                  <a:txBody>
+                    <a:bodyPr/>
+                    <a:lstStyle/>
+                    <a:p>
+                      <a:pPr algn="ctr"/>
+                      <a:r>
+                        <a:rPr lang="zh-CN" altLang="en-US" dirty="0">
+                          <a:latin typeface="+mj-ea"/>
+                          <a:ea typeface="+mj-ea"/>
+                        </a:rPr>
+                        <a:t>团队建设</a:t>
+                      </a:r>
+                    </a:p>
+                  </a:txBody>
+                  <a:tcPr/>
+                </a:tc>
+                <a:tc>
+                  <a:txBody>
+                    <a:bodyPr/>
+                    <a:lstStyle/>
+                    <a:p>
+                      <a:pPr algn="ctr"/>
+                      <a:r>
+                        <a:rPr lang="en-US" altLang="zh-CN" b="0" dirty="0">
+                          <a:latin typeface="+mj-ea"/>
+                          <a:ea typeface="+mj-ea"/>
+                        </a:rPr>
+                        <a:t>AA </a:t>
+                      </a:r>
+                      <a:r>
+                        <a:rPr lang="zh-CN" altLang="en-US" b="0" dirty="0">
+                          <a:latin typeface="+mj-ea"/>
+                          <a:ea typeface="+mj-ea"/>
+                        </a:rPr>
+                        <a:t>忽略不计</a:t>
+                      </a:r>
+                    </a:p>
+                  </a:txBody>
+                  <a:tcPr/>
+                </a:tc>
+                <a:extLst>
+                  <a:ext uri="{0D108BD9-81ED-4DB2-BD59-A6C34878D82A}">
+                    <a16:rowId xmlns:a16="http://schemas.microsoft.com/office/drawing/2014/main" val="756303479"/>
+                  </a:ext>
+                </a:extLst>
+              </a:tr>
+              <a:tr h="370840">
+                <a:tc>
+                  <a:txBody>
+                    <a:bodyPr/>
+                    <a:lstStyle/>
+                    <a:p>
+                      <a:endParaRPr lang="zh-CN" altLang="en-US"/>
+                    </a:p>
+                  </a:txBody>
+                  <a:tcPr/>
+                </a:tc>
+                <a:tc>
+                  <a:txBody>
+                    <a:bodyPr/>
+                    <a:lstStyle/>
+                    <a:p>
+                      <a:endParaRPr lang="zh-CN" altLang="en-US" dirty="0"/>
+                    </a:p>
+                  </a:txBody>
+                  <a:tcPr/>
+                </a:tc>
+                <a:extLst>
+                  <a:ext uri="{0D108BD9-81ED-4DB2-BD59-A6C34878D82A}">
+                    <a16:rowId xmlns:a16="http://schemas.microsoft.com/office/drawing/2014/main" val="2105339990"/>
+                  </a:ext>
+                </a:extLst>
+              </a:tr>
+              <a:tr h="370840">
+                <a:tc>
+                  <a:txBody>
+                    <a:bodyPr/>
+                    <a:lstStyle/>
+                    <a:p>
+                      <a:endParaRPr lang="zh-CN" altLang="en-US"/>
+                    </a:p>
+                  </a:txBody>
+                  <a:tcPr/>
+                </a:tc>
+                <a:tc>
+                  <a:txBody>
+                    <a:bodyPr/>
+                    <a:lstStyle/>
+                    <a:p>
+                      <a:endParaRPr lang="zh-CN" altLang="en-US" dirty="0"/>
+                    </a:p>
+                  </a:txBody>
+                  <a:tcPr/>
+                </a:tc>
+                <a:extLst>
+                  <a:ext uri="{0D108BD9-81ED-4DB2-BD59-A6C34878D82A}">
+                    <a16:rowId xmlns:a16="http://schemas.microsoft.com/office/drawing/2014/main" val="1974698143"/>
+                  </a:ext>
+                </a:extLst>
+              </a:tr>
+              <a:tr h="370840">
+                <a:tc>
+                  <a:txBody>
+                    <a:bodyPr/>
+                    <a:lstStyle/>
+                    <a:p>
+                      <a:endParaRPr lang="zh-CN" altLang="en-US"/>
+                    </a:p>
+                  </a:txBody>
+                  <a:tcPr/>
+                </a:tc>
+                <a:tc>
+                  <a:txBody>
+                    <a:bodyPr/>
+                    <a:lstStyle/>
+                    <a:p>
+                      <a:endParaRPr lang="zh-CN" altLang="en-US" dirty="0"/>
+                    </a:p>
+                  </a:txBody>
+                  <a:tcPr/>
+                </a:tc>
+                <a:extLst>
+                  <a:ext uri="{0D108BD9-81ED-4DB2-BD59-A6C34878D82A}">
+                    <a16:rowId xmlns:a16="http://schemas.microsoft.com/office/drawing/2014/main" val="1906051195"/>
+                  </a:ext>
+                </a:extLst>
+              </a:tr>
+            </a:tbl>
+          </a:graphicData>
+        </a:graphic>
+      </p:graphicFrame>
+    </p:spTree>
+    <p:extLst>
+      <p:ext uri="{BB962C8B-B14F-4D97-AF65-F5344CB8AC3E}">
+        <p14:creationId xmlns:p14="http://schemas.microsoft.com/office/powerpoint/2010/main" val="4011387473"/>
+      </p:ext>
+    </p:extLst>
+  </p:cSld>
+  <p:clrMapOvr>
+    <a:masterClrMapping/>
+  </p:clrMapOvr>
+</p:sld>
+</file>
+
+<file path=ppt/slides/slide15.xml><?xml version="1.0" encoding="utf-8"?>
 <p:sld xmlns:a="http://schemas.openxmlformats.org/drawingml/2006/main" xmlns:r="http://schemas.openxmlformats.org/officeDocument/2006/relationships" xmlns:p="http://schemas.openxmlformats.org/presentationml/2006/main">
   <p:cSld>
     <p:spTree>
@@ -10382,7 +12595,7 @@
 </p:sld>
 </file>
 
-<file path=ppt/slides/slide11.xml><?xml version="1.0" encoding="utf-8"?>
+<file path=ppt/slides/slide16.xml><?xml version="1.0" encoding="utf-8"?>
 <p:sld xmlns:a="http://schemas.openxmlformats.org/drawingml/2006/main" xmlns:r="http://schemas.openxmlformats.org/officeDocument/2006/relationships" xmlns:p="http://schemas.openxmlformats.org/presentationml/2006/main">
   <p:cSld>
     <p:spTree>
@@ -10748,7 +12961,7 @@
 </p:sld>
 </file>
 
-<file path=ppt/slides/slide12.xml><?xml version="1.0" encoding="utf-8"?>
+<file path=ppt/slides/slide17.xml><?xml version="1.0" encoding="utf-8"?>
 <p:sld xmlns:a="http://schemas.openxmlformats.org/drawingml/2006/main" xmlns:r="http://schemas.openxmlformats.org/officeDocument/2006/relationships" xmlns:p="http://schemas.openxmlformats.org/presentationml/2006/main">
   <p:cSld>
     <p:spTree>
@@ -11009,7 +13222,7 @@
 </p:sld>
 </file>
 
-<file path=ppt/slides/slide13.xml><?xml version="1.0" encoding="utf-8"?>
+<file path=ppt/slides/slide18.xml><?xml version="1.0" encoding="utf-8"?>
 <p:sld xmlns:a="http://schemas.openxmlformats.org/drawingml/2006/main" xmlns:r="http://schemas.openxmlformats.org/officeDocument/2006/relationships" xmlns:p="http://schemas.openxmlformats.org/presentationml/2006/main">
   <p:cSld>
     <p:spTree>
@@ -11375,7 +13588,874 @@
 </p:sld>
 </file>
 
-<file path=ppt/slides/slide14.xml><?xml version="1.0" encoding="utf-8"?>
+<file path=ppt/slides/slide19.xml><?xml version="1.0" encoding="utf-8"?>
+<p:sld xmlns:a="http://schemas.openxmlformats.org/drawingml/2006/main" xmlns:r="http://schemas.openxmlformats.org/officeDocument/2006/relationships" xmlns:p="http://schemas.openxmlformats.org/presentationml/2006/main">
+  <p:cSld>
+    <p:spTree>
+      <p:nvGrpSpPr>
+        <p:cNvPr id="1" name=""/>
+        <p:cNvGrpSpPr/>
+        <p:nvPr/>
+      </p:nvGrpSpPr>
+      <p:grpSpPr>
+        <a:xfrm>
+          <a:off x="0" y="0"/>
+          <a:ext cx="0" cy="0"/>
+          <a:chOff x="0" y="0"/>
+          <a:chExt cx="0" cy="0"/>
+        </a:xfrm>
+      </p:grpSpPr>
+      <p:sp>
+        <p:nvSpPr>
+          <p:cNvPr id="3" name="文本框 2"/>
+          <p:cNvSpPr txBox="1"/>
+          <p:nvPr/>
+        </p:nvSpPr>
+        <p:spPr>
+          <a:xfrm>
+            <a:off x="2133600" y="101600"/>
+            <a:ext cx="1210588" cy="452945"/>
+          </a:xfrm>
+          <a:prstGeom prst="rect">
+            <a:avLst/>
+          </a:prstGeom>
+          <a:noFill/>
+        </p:spPr>
+        <p:txBody>
+          <a:bodyPr wrap="none">
+            <a:spAutoFit/>
+          </a:bodyPr>
+          <a:lstStyle/>
+          <a:p>
+            <a:pPr fontAlgn="auto">
+              <a:lnSpc>
+                <a:spcPct val="130000"/>
+              </a:lnSpc>
+              <a:spcBef>
+                <a:spcPts val="0"/>
+              </a:spcBef>
+              <a:spcAft>
+                <a:spcPts val="0"/>
+              </a:spcAft>
+              <a:defRPr/>
+            </a:pPr>
+            <a:r>
+              <a:rPr lang="zh-CN" altLang="en-US" sz="2000" b="1" dirty="0">
+                <a:solidFill>
+                  <a:schemeClr val="accent5">
+                    <a:lumMod val="75000"/>
+                  </a:schemeClr>
+                </a:solidFill>
+                <a:latin typeface="Arial" panose="020B0604020202020204" pitchFamily="34" charset="0"/>
+                <a:ea typeface="微软雅黑" panose="020B0503020204020204" pitchFamily="34" charset="-122"/>
+                <a:cs typeface="+mn-cs"/>
+              </a:rPr>
+              <a:t>项目计划</a:t>
+            </a:r>
+          </a:p>
+        </p:txBody>
+      </p:sp>
+      <p:sp>
+        <p:nvSpPr>
+          <p:cNvPr id="45" name="文本框 44"/>
+          <p:cNvSpPr txBox="1">
+            <a:spLocks noChangeArrowheads="1"/>
+          </p:cNvSpPr>
+          <p:nvPr/>
+        </p:nvSpPr>
+        <p:spPr bwMode="auto">
+          <a:xfrm>
+            <a:off x="11487150" y="-647700"/>
+            <a:ext cx="877888" cy="369887"/>
+          </a:xfrm>
+          <a:prstGeom prst="rect">
+            <a:avLst/>
+          </a:prstGeom>
+          <a:noFill/>
+          <a:ln w="9525">
+            <a:noFill/>
+            <a:miter lim="800000"/>
+          </a:ln>
+        </p:spPr>
+        <p:txBody>
+          <a:bodyPr wrap="none">
+            <a:spAutoFit/>
+          </a:bodyPr>
+          <a:lstStyle/>
+          <a:p>
+            <a:r>
+              <a:rPr lang="zh-CN" altLang="en-US">
+                <a:latin typeface="Arial Black" panose="020B0A04020102020204" pitchFamily="34" charset="0"/>
+                <a:ea typeface="华文仿宋"/>
+              </a:rPr>
+              <a:t>延迟符</a:t>
+            </a:r>
+          </a:p>
+        </p:txBody>
+      </p:sp>
+      <p:sp>
+        <p:nvSpPr>
+          <p:cNvPr id="2" name="文本框 1">
+            <a:extLst>
+              <a:ext uri="{FF2B5EF4-FFF2-40B4-BE49-F238E27FC236}">
+                <a16:creationId xmlns:a16="http://schemas.microsoft.com/office/drawing/2014/main" id="{2414CF67-8089-4C26-BF29-8AA791E9F1BC}"/>
+              </a:ext>
+            </a:extLst>
+          </p:cNvPr>
+          <p:cNvSpPr txBox="1"/>
+          <p:nvPr/>
+        </p:nvSpPr>
+        <p:spPr>
+          <a:xfrm>
+            <a:off x="1044274" y="1113876"/>
+            <a:ext cx="9877926" cy="369332"/>
+          </a:xfrm>
+          <a:prstGeom prst="rect">
+            <a:avLst/>
+          </a:prstGeom>
+          <a:noFill/>
+        </p:spPr>
+        <p:txBody>
+          <a:bodyPr wrap="square" rtlCol="0">
+            <a:spAutoFit/>
+          </a:bodyPr>
+          <a:lstStyle/>
+          <a:p>
+            <a:r>
+              <a:rPr lang="zh-CN" altLang="en-US" b="1" dirty="0"/>
+              <a:t>进度计划</a:t>
+            </a:r>
+            <a:endParaRPr lang="zh-CN" altLang="zh-CN" b="1" dirty="0"/>
+          </a:p>
+        </p:txBody>
+      </p:sp>
+      <p:pic>
+        <p:nvPicPr>
+          <p:cNvPr id="4" name="图片 3">
+            <a:extLst>
+              <a:ext uri="{FF2B5EF4-FFF2-40B4-BE49-F238E27FC236}">
+                <a16:creationId xmlns:a16="http://schemas.microsoft.com/office/drawing/2014/main" id="{53C8A1F4-B42B-4564-9847-2F6C65D703BF}"/>
+              </a:ext>
+            </a:extLst>
+          </p:cNvPr>
+          <p:cNvPicPr>
+            <a:picLocks noChangeAspect="1"/>
+          </p:cNvPicPr>
+          <p:nvPr/>
+        </p:nvPicPr>
+        <p:blipFill>
+          <a:blip r:embed="rId3"/>
+          <a:stretch>
+            <a:fillRect/>
+          </a:stretch>
+        </p:blipFill>
+        <p:spPr>
+          <a:xfrm>
+            <a:off x="367107" y="1483208"/>
+            <a:ext cx="11232259" cy="4695401"/>
+          </a:xfrm>
+          <a:prstGeom prst="rect">
+            <a:avLst/>
+          </a:prstGeom>
+        </p:spPr>
+      </p:pic>
+    </p:spTree>
+    <p:extLst>
+      <p:ext uri="{BB962C8B-B14F-4D97-AF65-F5344CB8AC3E}">
+        <p14:creationId xmlns:p14="http://schemas.microsoft.com/office/powerpoint/2010/main" val="3049739947"/>
+      </p:ext>
+    </p:extLst>
+  </p:cSld>
+  <p:clrMapOvr>
+    <a:masterClrMapping/>
+  </p:clrMapOvr>
+  <p:transition spd="slow" advClick="0" advTm="0">
+    <p:random/>
+  </p:transition>
+</p:sld>
+</file>
+
+<file path=ppt/slides/slide2.xml><?xml version="1.0" encoding="utf-8"?>
+<p:sld xmlns:a="http://schemas.openxmlformats.org/drawingml/2006/main" xmlns:r="http://schemas.openxmlformats.org/officeDocument/2006/relationships" xmlns:p="http://schemas.openxmlformats.org/presentationml/2006/main">
+  <p:cSld>
+    <p:spTree>
+      <p:nvGrpSpPr>
+        <p:cNvPr id="1" name=""/>
+        <p:cNvGrpSpPr/>
+        <p:nvPr/>
+      </p:nvGrpSpPr>
+      <p:grpSpPr>
+        <a:xfrm>
+          <a:off x="0" y="0"/>
+          <a:ext cx="0" cy="0"/>
+          <a:chOff x="0" y="0"/>
+          <a:chExt cx="0" cy="0"/>
+        </a:xfrm>
+      </p:grpSpPr>
+      <p:pic>
+        <p:nvPicPr>
+          <p:cNvPr id="28673" name="图片 3"/>
+          <p:cNvPicPr>
+            <a:picLocks noChangeAspect="1"/>
+          </p:cNvPicPr>
+          <p:nvPr/>
+        </p:nvPicPr>
+        <p:blipFill>
+          <a:blip r:embed="rId4"/>
+          <a:srcRect/>
+          <a:stretch>
+            <a:fillRect/>
+          </a:stretch>
+        </p:blipFill>
+        <p:spPr bwMode="auto">
+          <a:xfrm>
+            <a:off x="0" y="0"/>
+            <a:ext cx="4705350" cy="5040313"/>
+          </a:xfrm>
+          <a:prstGeom prst="rect">
+            <a:avLst/>
+          </a:prstGeom>
+          <a:noFill/>
+          <a:ln w="9525">
+            <a:noFill/>
+            <a:miter lim="800000"/>
+            <a:headEnd/>
+            <a:tailEnd/>
+          </a:ln>
+        </p:spPr>
+      </p:pic>
+      <p:sp>
+        <p:nvSpPr>
+          <p:cNvPr id="6" name="文本框 5"/>
+          <p:cNvSpPr txBox="1"/>
+          <p:nvPr/>
+        </p:nvSpPr>
+        <p:spPr>
+          <a:xfrm>
+            <a:off x="2043113" y="2108200"/>
+            <a:ext cx="2032000" cy="1390650"/>
+          </a:xfrm>
+          <a:prstGeom prst="rect">
+            <a:avLst/>
+          </a:prstGeom>
+          <a:noFill/>
+        </p:spPr>
+        <p:txBody>
+          <a:bodyPr wrap="none">
+            <a:spAutoFit/>
+          </a:bodyPr>
+          <a:lstStyle/>
+          <a:p>
+            <a:pPr fontAlgn="auto">
+              <a:lnSpc>
+                <a:spcPct val="130000"/>
+              </a:lnSpc>
+              <a:spcBef>
+                <a:spcPts val="0"/>
+              </a:spcBef>
+              <a:spcAft>
+                <a:spcPts val="0"/>
+              </a:spcAft>
+              <a:defRPr/>
+            </a:pPr>
+            <a:r>
+              <a:rPr lang="zh-CN" altLang="en-US" sz="7200" b="1" dirty="0">
+                <a:solidFill>
+                  <a:schemeClr val="accent5">
+                    <a:lumMod val="75000"/>
+                  </a:schemeClr>
+                </a:solidFill>
+                <a:latin typeface="Arial" panose="020B0604020202020204" pitchFamily="34" charset="0"/>
+                <a:ea typeface="微软雅黑" panose="020B0503020204020204" pitchFamily="34" charset="-122"/>
+                <a:cs typeface="+mn-cs"/>
+              </a:rPr>
+              <a:t>目录</a:t>
+            </a:r>
+          </a:p>
+        </p:txBody>
+      </p:sp>
+      <p:sp>
+        <p:nvSpPr>
+          <p:cNvPr id="8" name="矩形 7"/>
+          <p:cNvSpPr/>
+          <p:nvPr/>
+        </p:nvSpPr>
+        <p:spPr>
+          <a:xfrm>
+            <a:off x="1585913" y="3394075"/>
+            <a:ext cx="3003550" cy="708025"/>
+          </a:xfrm>
+          <a:prstGeom prst="rect">
+            <a:avLst/>
+          </a:prstGeom>
+        </p:spPr>
+        <p:txBody>
+          <a:bodyPr wrap="none">
+            <a:spAutoFit/>
+          </a:bodyPr>
+          <a:lstStyle/>
+          <a:p>
+            <a:pPr fontAlgn="auto">
+              <a:spcBef>
+                <a:spcPts val="0"/>
+              </a:spcBef>
+              <a:spcAft>
+                <a:spcPts val="0"/>
+              </a:spcAft>
+              <a:defRPr/>
+            </a:pPr>
+            <a:r>
+              <a:rPr lang="en-US" altLang="zh-CN" sz="4000" dirty="0">
+                <a:solidFill>
+                  <a:schemeClr val="accent5">
+                    <a:lumMod val="75000"/>
+                  </a:schemeClr>
+                </a:solidFill>
+                <a:latin typeface="Arial" panose="020B0604020202020204" pitchFamily="34" charset="0"/>
+                <a:ea typeface="+mn-ea"/>
+                <a:cs typeface="+mn-cs"/>
+              </a:rPr>
+              <a:t>CONTENTS</a:t>
+            </a:r>
+            <a:endParaRPr lang="zh-CN" altLang="en-US" sz="3200" dirty="0">
+              <a:solidFill>
+                <a:schemeClr val="accent5">
+                  <a:lumMod val="75000"/>
+                </a:schemeClr>
+              </a:solidFill>
+              <a:latin typeface="+mn-lt"/>
+              <a:ea typeface="+mn-ea"/>
+              <a:cs typeface="+mn-cs"/>
+            </a:endParaRPr>
+          </a:p>
+        </p:txBody>
+      </p:sp>
+      <p:sp>
+        <p:nvSpPr>
+          <p:cNvPr id="9" name="文本框 8"/>
+          <p:cNvSpPr txBox="1"/>
+          <p:nvPr/>
+        </p:nvSpPr>
+        <p:spPr>
+          <a:xfrm>
+            <a:off x="5453063" y="958850"/>
+            <a:ext cx="3300327" cy="597921"/>
+          </a:xfrm>
+          <a:prstGeom prst="rect">
+            <a:avLst/>
+          </a:prstGeom>
+          <a:noFill/>
+        </p:spPr>
+        <p:txBody>
+          <a:bodyPr wrap="none">
+            <a:spAutoFit/>
+          </a:bodyPr>
+          <a:lstStyle/>
+          <a:p>
+            <a:pPr fontAlgn="auto">
+              <a:lnSpc>
+                <a:spcPct val="130000"/>
+              </a:lnSpc>
+              <a:spcBef>
+                <a:spcPts val="0"/>
+              </a:spcBef>
+              <a:spcAft>
+                <a:spcPts val="0"/>
+              </a:spcAft>
+              <a:defRPr/>
+            </a:pPr>
+            <a:r>
+              <a:rPr lang="en-US" altLang="zh-CN" sz="2800" b="1" dirty="0">
+                <a:solidFill>
+                  <a:schemeClr val="accent5">
+                    <a:lumMod val="75000"/>
+                  </a:schemeClr>
+                </a:solidFill>
+                <a:latin typeface="+mj-ea"/>
+                <a:ea typeface="+mj-ea"/>
+                <a:cs typeface="+mn-cs"/>
+              </a:rPr>
+              <a:t>Part 01 /</a:t>
+            </a:r>
+            <a:r>
+              <a:rPr lang="zh-CN" altLang="en-US" sz="2800" b="1" dirty="0">
+                <a:solidFill>
+                  <a:schemeClr val="accent5">
+                    <a:lumMod val="75000"/>
+                  </a:schemeClr>
+                </a:solidFill>
+                <a:latin typeface="+mj-ea"/>
+                <a:ea typeface="+mj-ea"/>
+                <a:cs typeface="+mn-cs"/>
+              </a:rPr>
+              <a:t>项目背景</a:t>
+            </a:r>
+          </a:p>
+        </p:txBody>
+      </p:sp>
+      <p:sp>
+        <p:nvSpPr>
+          <p:cNvPr id="10" name="文本框 9"/>
+          <p:cNvSpPr txBox="1"/>
+          <p:nvPr/>
+        </p:nvSpPr>
+        <p:spPr>
+          <a:xfrm>
+            <a:off x="5453063" y="1549662"/>
+            <a:ext cx="3192925" cy="597921"/>
+          </a:xfrm>
+          <a:prstGeom prst="rect">
+            <a:avLst/>
+          </a:prstGeom>
+          <a:noFill/>
+        </p:spPr>
+        <p:txBody>
+          <a:bodyPr wrap="none">
+            <a:spAutoFit/>
+          </a:bodyPr>
+          <a:lstStyle/>
+          <a:p>
+            <a:pPr fontAlgn="auto">
+              <a:lnSpc>
+                <a:spcPct val="130000"/>
+              </a:lnSpc>
+              <a:spcBef>
+                <a:spcPts val="0"/>
+              </a:spcBef>
+              <a:spcAft>
+                <a:spcPts val="0"/>
+              </a:spcAft>
+              <a:defRPr/>
+            </a:pPr>
+            <a:r>
+              <a:rPr lang="en-US" altLang="zh-CN" sz="2800" b="1" dirty="0">
+                <a:solidFill>
+                  <a:schemeClr val="accent5">
+                    <a:lumMod val="75000"/>
+                  </a:schemeClr>
+                </a:solidFill>
+                <a:latin typeface="+mj-ea"/>
+                <a:ea typeface="+mj-ea"/>
+                <a:cs typeface="+mn-cs"/>
+              </a:rPr>
+              <a:t>Part 02 /</a:t>
+            </a:r>
+            <a:r>
+              <a:rPr lang="zh-CN" altLang="en-US" sz="2800" b="1" dirty="0">
+                <a:solidFill>
+                  <a:schemeClr val="accent5">
+                    <a:lumMod val="75000"/>
+                  </a:schemeClr>
+                </a:solidFill>
+                <a:latin typeface="+mj-ea"/>
+                <a:ea typeface="+mj-ea"/>
+                <a:cs typeface="+mn-cs"/>
+              </a:rPr>
+              <a:t>主要任务</a:t>
+            </a:r>
+          </a:p>
+        </p:txBody>
+      </p:sp>
+      <p:sp>
+        <p:nvSpPr>
+          <p:cNvPr id="11" name="文本框 10"/>
+          <p:cNvSpPr txBox="1"/>
+          <p:nvPr/>
+        </p:nvSpPr>
+        <p:spPr>
+          <a:xfrm>
+            <a:off x="5453063" y="2145806"/>
+            <a:ext cx="3551998" cy="597921"/>
+          </a:xfrm>
+          <a:prstGeom prst="rect">
+            <a:avLst/>
+          </a:prstGeom>
+          <a:noFill/>
+        </p:spPr>
+        <p:txBody>
+          <a:bodyPr wrap="none">
+            <a:spAutoFit/>
+          </a:bodyPr>
+          <a:lstStyle/>
+          <a:p>
+            <a:pPr fontAlgn="auto">
+              <a:lnSpc>
+                <a:spcPct val="130000"/>
+              </a:lnSpc>
+              <a:spcBef>
+                <a:spcPts val="0"/>
+              </a:spcBef>
+              <a:spcAft>
+                <a:spcPts val="0"/>
+              </a:spcAft>
+              <a:defRPr/>
+            </a:pPr>
+            <a:r>
+              <a:rPr lang="en-US" altLang="zh-CN" sz="2800" b="1" dirty="0">
+                <a:solidFill>
+                  <a:schemeClr val="accent5">
+                    <a:lumMod val="75000"/>
+                  </a:schemeClr>
+                </a:solidFill>
+                <a:latin typeface="+mj-ea"/>
+                <a:ea typeface="+mj-ea"/>
+                <a:cs typeface="+mn-cs"/>
+              </a:rPr>
+              <a:t>Part 03 /</a:t>
+            </a:r>
+            <a:r>
+              <a:rPr lang="zh-CN" altLang="en-US" sz="2800" b="1" dirty="0">
+                <a:solidFill>
+                  <a:schemeClr val="accent5">
+                    <a:lumMod val="75000"/>
+                  </a:schemeClr>
+                </a:solidFill>
+                <a:latin typeface="+mj-ea"/>
+                <a:ea typeface="+mj-ea"/>
+                <a:cs typeface="+mn-cs"/>
+              </a:rPr>
+              <a:t>工作量评估</a:t>
+            </a:r>
+          </a:p>
+        </p:txBody>
+      </p:sp>
+      <p:sp>
+        <p:nvSpPr>
+          <p:cNvPr id="12" name="文本框 11"/>
+          <p:cNvSpPr txBox="1"/>
+          <p:nvPr/>
+        </p:nvSpPr>
+        <p:spPr>
+          <a:xfrm>
+            <a:off x="5399361" y="2741949"/>
+            <a:ext cx="3300327" cy="597921"/>
+          </a:xfrm>
+          <a:prstGeom prst="rect">
+            <a:avLst/>
+          </a:prstGeom>
+          <a:noFill/>
+        </p:spPr>
+        <p:txBody>
+          <a:bodyPr wrap="none">
+            <a:spAutoFit/>
+          </a:bodyPr>
+          <a:lstStyle/>
+          <a:p>
+            <a:pPr fontAlgn="auto">
+              <a:lnSpc>
+                <a:spcPct val="130000"/>
+              </a:lnSpc>
+              <a:spcBef>
+                <a:spcPts val="0"/>
+              </a:spcBef>
+              <a:spcAft>
+                <a:spcPts val="0"/>
+              </a:spcAft>
+              <a:defRPr/>
+            </a:pPr>
+            <a:r>
+              <a:rPr lang="en-US" altLang="zh-CN" sz="2800" b="1" dirty="0">
+                <a:solidFill>
+                  <a:schemeClr val="accent5">
+                    <a:lumMod val="75000"/>
+                  </a:schemeClr>
+                </a:solidFill>
+                <a:latin typeface="+mj-ea"/>
+                <a:ea typeface="+mj-ea"/>
+                <a:cs typeface="+mn-cs"/>
+              </a:rPr>
+              <a:t>Part 04 /</a:t>
+            </a:r>
+            <a:r>
+              <a:rPr lang="zh-CN" altLang="en-US" sz="2800" b="1" dirty="0">
+                <a:solidFill>
+                  <a:schemeClr val="accent5">
+                    <a:lumMod val="75000"/>
+                  </a:schemeClr>
+                </a:solidFill>
+                <a:latin typeface="+mj-ea"/>
+                <a:ea typeface="+mj-ea"/>
+                <a:cs typeface="+mn-cs"/>
+              </a:rPr>
+              <a:t>项目计划</a:t>
+            </a:r>
+          </a:p>
+        </p:txBody>
+      </p:sp>
+      <p:sp>
+        <p:nvSpPr>
+          <p:cNvPr id="13" name="文本框 12"/>
+          <p:cNvSpPr txBox="1"/>
+          <p:nvPr/>
+        </p:nvSpPr>
+        <p:spPr>
+          <a:xfrm>
+            <a:off x="5453063" y="3390783"/>
+            <a:ext cx="3659400" cy="597921"/>
+          </a:xfrm>
+          <a:prstGeom prst="rect">
+            <a:avLst/>
+          </a:prstGeom>
+          <a:noFill/>
+        </p:spPr>
+        <p:txBody>
+          <a:bodyPr wrap="none">
+            <a:spAutoFit/>
+          </a:bodyPr>
+          <a:lstStyle/>
+          <a:p>
+            <a:pPr fontAlgn="auto">
+              <a:lnSpc>
+                <a:spcPct val="130000"/>
+              </a:lnSpc>
+              <a:spcBef>
+                <a:spcPts val="0"/>
+              </a:spcBef>
+              <a:spcAft>
+                <a:spcPts val="0"/>
+              </a:spcAft>
+              <a:defRPr/>
+            </a:pPr>
+            <a:r>
+              <a:rPr lang="en-US" altLang="zh-CN" sz="2800" b="1" dirty="0">
+                <a:solidFill>
+                  <a:schemeClr val="accent5">
+                    <a:lumMod val="75000"/>
+                  </a:schemeClr>
+                </a:solidFill>
+                <a:latin typeface="+mj-ea"/>
+                <a:ea typeface="+mj-ea"/>
+                <a:cs typeface="+mn-cs"/>
+              </a:rPr>
+              <a:t>Part 05 /</a:t>
+            </a:r>
+            <a:r>
+              <a:rPr lang="zh-CN" altLang="en-US" sz="2800" b="1" dirty="0">
+                <a:solidFill>
+                  <a:schemeClr val="accent5">
+                    <a:lumMod val="75000"/>
+                  </a:schemeClr>
+                </a:solidFill>
+                <a:latin typeface="+mj-ea"/>
+                <a:ea typeface="+mj-ea"/>
+                <a:cs typeface="+mn-cs"/>
+              </a:rPr>
+              <a:t>项目交付件</a:t>
+            </a:r>
+          </a:p>
+        </p:txBody>
+      </p:sp>
+      <p:sp>
+        <p:nvSpPr>
+          <p:cNvPr id="16" name="文本框 15"/>
+          <p:cNvSpPr txBox="1">
+            <a:spLocks noChangeArrowheads="1"/>
+          </p:cNvSpPr>
+          <p:nvPr/>
+        </p:nvSpPr>
+        <p:spPr bwMode="auto">
+          <a:xfrm>
+            <a:off x="11487150" y="-647700"/>
+            <a:ext cx="877888" cy="369887"/>
+          </a:xfrm>
+          <a:prstGeom prst="rect">
+            <a:avLst/>
+          </a:prstGeom>
+          <a:noFill/>
+          <a:ln w="9525">
+            <a:noFill/>
+            <a:miter lim="800000"/>
+          </a:ln>
+        </p:spPr>
+        <p:txBody>
+          <a:bodyPr wrap="none">
+            <a:spAutoFit/>
+          </a:bodyPr>
+          <a:lstStyle/>
+          <a:p>
+            <a:r>
+              <a:rPr lang="zh-CN" altLang="en-US" dirty="0">
+                <a:latin typeface="Arial Black" panose="020B0A04020102020204" pitchFamily="34" charset="0"/>
+                <a:ea typeface="华文仿宋"/>
+              </a:rPr>
+              <a:t>延迟符</a:t>
+            </a:r>
+          </a:p>
+        </p:txBody>
+      </p:sp>
+      <p:sp>
+        <p:nvSpPr>
+          <p:cNvPr id="14" name="文本框 13">
+            <a:extLst>
+              <a:ext uri="{FF2B5EF4-FFF2-40B4-BE49-F238E27FC236}">
+                <a16:creationId xmlns:a16="http://schemas.microsoft.com/office/drawing/2014/main" id="{93FA0209-04EC-4E8D-9053-0B31055213F5}"/>
+              </a:ext>
+            </a:extLst>
+          </p:cNvPr>
+          <p:cNvSpPr txBox="1"/>
+          <p:nvPr/>
+        </p:nvSpPr>
+        <p:spPr>
+          <a:xfrm>
+            <a:off x="5453063" y="3985149"/>
+            <a:ext cx="3911071" cy="597921"/>
+          </a:xfrm>
+          <a:prstGeom prst="rect">
+            <a:avLst/>
+          </a:prstGeom>
+          <a:noFill/>
+        </p:spPr>
+        <p:txBody>
+          <a:bodyPr wrap="none">
+            <a:spAutoFit/>
+          </a:bodyPr>
+          <a:lstStyle/>
+          <a:p>
+            <a:pPr fontAlgn="auto">
+              <a:lnSpc>
+                <a:spcPct val="130000"/>
+              </a:lnSpc>
+              <a:spcBef>
+                <a:spcPts val="0"/>
+              </a:spcBef>
+              <a:spcAft>
+                <a:spcPts val="0"/>
+              </a:spcAft>
+              <a:defRPr/>
+            </a:pPr>
+            <a:r>
+              <a:rPr lang="en-US" altLang="zh-CN" sz="2800" b="1" dirty="0">
+                <a:solidFill>
+                  <a:schemeClr val="accent5">
+                    <a:lumMod val="75000"/>
+                  </a:schemeClr>
+                </a:solidFill>
+                <a:latin typeface="+mj-ea"/>
+                <a:ea typeface="+mj-ea"/>
+                <a:cs typeface="+mn-cs"/>
+              </a:rPr>
+              <a:t>Part 06 /</a:t>
+            </a:r>
+            <a:r>
+              <a:rPr lang="zh-CN" altLang="en-US" sz="2800" b="1" dirty="0">
+                <a:solidFill>
+                  <a:schemeClr val="accent5">
+                    <a:lumMod val="75000"/>
+                  </a:schemeClr>
+                </a:solidFill>
+                <a:latin typeface="+mj-ea"/>
+                <a:ea typeface="+mj-ea"/>
+                <a:cs typeface="+mn-cs"/>
+              </a:rPr>
+              <a:t>需求变更管理</a:t>
+            </a:r>
+            <a:endParaRPr lang="en-US" altLang="zh-CN" sz="2800" b="1" dirty="0">
+              <a:solidFill>
+                <a:schemeClr val="accent5">
+                  <a:lumMod val="75000"/>
+                </a:schemeClr>
+              </a:solidFill>
+              <a:latin typeface="+mj-ea"/>
+              <a:ea typeface="+mj-ea"/>
+              <a:cs typeface="+mn-cs"/>
+            </a:endParaRPr>
+          </a:p>
+        </p:txBody>
+      </p:sp>
+      <p:sp>
+        <p:nvSpPr>
+          <p:cNvPr id="15" name="文本框 14">
+            <a:extLst>
+              <a:ext uri="{FF2B5EF4-FFF2-40B4-BE49-F238E27FC236}">
+                <a16:creationId xmlns:a16="http://schemas.microsoft.com/office/drawing/2014/main" id="{4C4DEEA8-7DEA-44BC-8E08-FE21929DB6D3}"/>
+              </a:ext>
+            </a:extLst>
+          </p:cNvPr>
+          <p:cNvSpPr txBox="1"/>
+          <p:nvPr/>
+        </p:nvSpPr>
+        <p:spPr>
+          <a:xfrm>
+            <a:off x="5453063" y="4550442"/>
+            <a:ext cx="3192925" cy="597921"/>
+          </a:xfrm>
+          <a:prstGeom prst="rect">
+            <a:avLst/>
+          </a:prstGeom>
+          <a:noFill/>
+        </p:spPr>
+        <p:txBody>
+          <a:bodyPr wrap="none">
+            <a:spAutoFit/>
+          </a:bodyPr>
+          <a:lstStyle/>
+          <a:p>
+            <a:pPr fontAlgn="auto">
+              <a:lnSpc>
+                <a:spcPct val="130000"/>
+              </a:lnSpc>
+              <a:spcBef>
+                <a:spcPts val="0"/>
+              </a:spcBef>
+              <a:spcAft>
+                <a:spcPts val="0"/>
+              </a:spcAft>
+              <a:defRPr/>
+            </a:pPr>
+            <a:r>
+              <a:rPr lang="en-US" altLang="zh-CN" sz="2800" b="1" dirty="0">
+                <a:solidFill>
+                  <a:schemeClr val="accent5">
+                    <a:lumMod val="75000"/>
+                  </a:schemeClr>
+                </a:solidFill>
+                <a:latin typeface="+mj-ea"/>
+                <a:ea typeface="+mj-ea"/>
+                <a:cs typeface="+mn-cs"/>
+              </a:rPr>
+              <a:t>Part 07 /</a:t>
+            </a:r>
+            <a:r>
+              <a:rPr lang="zh-CN" altLang="en-US" sz="2800" b="1" dirty="0">
+                <a:solidFill>
+                  <a:schemeClr val="accent5">
+                    <a:lumMod val="75000"/>
+                  </a:schemeClr>
+                </a:solidFill>
+                <a:latin typeface="+mj-ea"/>
+                <a:ea typeface="+mj-ea"/>
+                <a:cs typeface="+mn-cs"/>
+              </a:rPr>
+              <a:t>参考资料</a:t>
+            </a:r>
+            <a:endParaRPr lang="en-US" altLang="zh-CN" sz="2800" b="1" dirty="0">
+              <a:solidFill>
+                <a:schemeClr val="accent5">
+                  <a:lumMod val="75000"/>
+                </a:schemeClr>
+              </a:solidFill>
+              <a:latin typeface="+mj-ea"/>
+              <a:ea typeface="+mj-ea"/>
+              <a:cs typeface="+mn-cs"/>
+            </a:endParaRPr>
+          </a:p>
+        </p:txBody>
+      </p:sp>
+    </p:spTree>
+    <p:custDataLst>
+      <p:tags r:id="rId1"/>
+    </p:custDataLst>
+  </p:cSld>
+  <p:clrMapOvr>
+    <a:masterClrMapping/>
+  </p:clrMapOvr>
+  <p:transition spd="slow" advClick="0" advTm="0">
+    <p:random/>
+  </p:transition>
+</p:sld>
+</file>
+
+<file path=ppt/slides/slide20.xml><?xml version="1.0" encoding="utf-8"?>
 <p:sld xmlns:a="http://schemas.openxmlformats.org/drawingml/2006/main" xmlns:r="http://schemas.openxmlformats.org/officeDocument/2006/relationships" xmlns:p="http://schemas.openxmlformats.org/presentationml/2006/main">
   <p:cSld>
     <p:spTree>
@@ -11473,194 +14553,7 @@
 </p:sld>
 </file>
 
-<file path=ppt/slides/slide15.xml><?xml version="1.0" encoding="utf-8"?>
-<p:sld xmlns:a="http://schemas.openxmlformats.org/drawingml/2006/main" xmlns:r="http://schemas.openxmlformats.org/officeDocument/2006/relationships" xmlns:p="http://schemas.openxmlformats.org/presentationml/2006/main">
-  <p:cSld>
-    <p:spTree>
-      <p:nvGrpSpPr>
-        <p:cNvPr id="1" name=""/>
-        <p:cNvGrpSpPr/>
-        <p:nvPr/>
-      </p:nvGrpSpPr>
-      <p:grpSpPr>
-        <a:xfrm>
-          <a:off x="0" y="0"/>
-          <a:ext cx="0" cy="0"/>
-          <a:chOff x="0" y="0"/>
-          <a:chExt cx="0" cy="0"/>
-        </a:xfrm>
-      </p:grpSpPr>
-      <p:sp>
-        <p:nvSpPr>
-          <p:cNvPr id="3" name="文本框 2"/>
-          <p:cNvSpPr txBox="1"/>
-          <p:nvPr/>
-        </p:nvSpPr>
-        <p:spPr>
-          <a:xfrm>
-            <a:off x="2133600" y="101600"/>
-            <a:ext cx="1210588" cy="452945"/>
-          </a:xfrm>
-          <a:prstGeom prst="rect">
-            <a:avLst/>
-          </a:prstGeom>
-          <a:noFill/>
-        </p:spPr>
-        <p:txBody>
-          <a:bodyPr wrap="none">
-            <a:spAutoFit/>
-          </a:bodyPr>
-          <a:lstStyle/>
-          <a:p>
-            <a:pPr fontAlgn="auto">
-              <a:lnSpc>
-                <a:spcPct val="130000"/>
-              </a:lnSpc>
-              <a:spcBef>
-                <a:spcPts val="0"/>
-              </a:spcBef>
-              <a:spcAft>
-                <a:spcPts val="0"/>
-              </a:spcAft>
-              <a:defRPr/>
-            </a:pPr>
-            <a:r>
-              <a:rPr lang="zh-CN" altLang="en-US" sz="2000" b="1" dirty="0">
-                <a:solidFill>
-                  <a:schemeClr val="accent5">
-                    <a:lumMod val="75000"/>
-                  </a:schemeClr>
-                </a:solidFill>
-                <a:latin typeface="Arial" panose="020B0604020202020204" pitchFamily="34" charset="0"/>
-                <a:ea typeface="微软雅黑" panose="020B0503020204020204" pitchFamily="34" charset="-122"/>
-                <a:cs typeface="+mn-cs"/>
-              </a:rPr>
-              <a:t>项目计划</a:t>
-            </a:r>
-          </a:p>
-        </p:txBody>
-      </p:sp>
-      <p:sp>
-        <p:nvSpPr>
-          <p:cNvPr id="45" name="文本框 44"/>
-          <p:cNvSpPr txBox="1">
-            <a:spLocks noChangeArrowheads="1"/>
-          </p:cNvSpPr>
-          <p:nvPr/>
-        </p:nvSpPr>
-        <p:spPr bwMode="auto">
-          <a:xfrm>
-            <a:off x="11487150" y="-647700"/>
-            <a:ext cx="877888" cy="369887"/>
-          </a:xfrm>
-          <a:prstGeom prst="rect">
-            <a:avLst/>
-          </a:prstGeom>
-          <a:noFill/>
-          <a:ln w="9525">
-            <a:noFill/>
-            <a:miter lim="800000"/>
-          </a:ln>
-        </p:spPr>
-        <p:txBody>
-          <a:bodyPr wrap="none">
-            <a:spAutoFit/>
-          </a:bodyPr>
-          <a:lstStyle/>
-          <a:p>
-            <a:r>
-              <a:rPr lang="zh-CN" altLang="en-US">
-                <a:latin typeface="Arial Black" panose="020B0A04020102020204" pitchFamily="34" charset="0"/>
-                <a:ea typeface="华文仿宋"/>
-              </a:rPr>
-              <a:t>延迟符</a:t>
-            </a:r>
-          </a:p>
-        </p:txBody>
-      </p:sp>
-      <p:sp>
-        <p:nvSpPr>
-          <p:cNvPr id="2" name="文本框 1">
-            <a:extLst>
-              <a:ext uri="{FF2B5EF4-FFF2-40B4-BE49-F238E27FC236}">
-                <a16:creationId xmlns:a16="http://schemas.microsoft.com/office/drawing/2014/main" id="{2414CF67-8089-4C26-BF29-8AA791E9F1BC}"/>
-              </a:ext>
-            </a:extLst>
-          </p:cNvPr>
-          <p:cNvSpPr txBox="1"/>
-          <p:nvPr/>
-        </p:nvSpPr>
-        <p:spPr>
-          <a:xfrm>
-            <a:off x="1044274" y="1113876"/>
-            <a:ext cx="9877926" cy="369332"/>
-          </a:xfrm>
-          <a:prstGeom prst="rect">
-            <a:avLst/>
-          </a:prstGeom>
-          <a:noFill/>
-        </p:spPr>
-        <p:txBody>
-          <a:bodyPr wrap="square" rtlCol="0">
-            <a:spAutoFit/>
-          </a:bodyPr>
-          <a:lstStyle/>
-          <a:p>
-            <a:r>
-              <a:rPr lang="zh-CN" altLang="en-US" b="1" dirty="0"/>
-              <a:t>进度计划</a:t>
-            </a:r>
-            <a:endParaRPr lang="zh-CN" altLang="zh-CN" b="1" dirty="0"/>
-          </a:p>
-        </p:txBody>
-      </p:sp>
-      <p:pic>
-        <p:nvPicPr>
-          <p:cNvPr id="4" name="图片 3">
-            <a:extLst>
-              <a:ext uri="{FF2B5EF4-FFF2-40B4-BE49-F238E27FC236}">
-                <a16:creationId xmlns:a16="http://schemas.microsoft.com/office/drawing/2014/main" id="{53C8A1F4-B42B-4564-9847-2F6C65D703BF}"/>
-              </a:ext>
-            </a:extLst>
-          </p:cNvPr>
-          <p:cNvPicPr>
-            <a:picLocks noChangeAspect="1"/>
-          </p:cNvPicPr>
-          <p:nvPr/>
-        </p:nvPicPr>
-        <p:blipFill>
-          <a:blip r:embed="rId3"/>
-          <a:stretch>
-            <a:fillRect/>
-          </a:stretch>
-        </p:blipFill>
-        <p:spPr>
-          <a:xfrm>
-            <a:off x="367107" y="1483208"/>
-            <a:ext cx="11232259" cy="4695401"/>
-          </a:xfrm>
-          <a:prstGeom prst="rect">
-            <a:avLst/>
-          </a:prstGeom>
-        </p:spPr>
-      </p:pic>
-    </p:spTree>
-    <p:extLst>
-      <p:ext uri="{BB962C8B-B14F-4D97-AF65-F5344CB8AC3E}">
-        <p14:creationId xmlns:p14="http://schemas.microsoft.com/office/powerpoint/2010/main" val="3049739947"/>
-      </p:ext>
-    </p:extLst>
-  </p:cSld>
-  <p:clrMapOvr>
-    <a:masterClrMapping/>
-  </p:clrMapOvr>
-  <p:transition spd="slow" advClick="0" advTm="0">
-    <p:random/>
-  </p:transition>
-</p:sld>
-</file>
-
-<file path=ppt/slides/slide16.xml><?xml version="1.0" encoding="utf-8"?>
+<file path=ppt/slides/slide21.xml><?xml version="1.0" encoding="utf-8"?>
 <p:sld xmlns:a="http://schemas.openxmlformats.org/drawingml/2006/main" xmlns:r="http://schemas.openxmlformats.org/officeDocument/2006/relationships" xmlns:p="http://schemas.openxmlformats.org/presentationml/2006/main">
   <p:cSld>
     <p:spTree>
@@ -11827,8 +14720,8 @@
         </p:blipFill>
         <p:spPr>
           <a:xfrm>
-            <a:off x="2362254" y="1584533"/>
-            <a:ext cx="7366208" cy="4307220"/>
+            <a:off x="2362253" y="1222049"/>
+            <a:ext cx="7405589" cy="4669704"/>
           </a:xfrm>
           <a:prstGeom prst="rect">
             <a:avLst/>
@@ -11851,7 +14744,7 @@
 </p:sld>
 </file>
 
-<file path=ppt/slides/slide17.xml><?xml version="1.0" encoding="utf-8"?>
+<file path=ppt/slides/slide22.xml><?xml version="1.0" encoding="utf-8"?>
 <p:sld xmlns:a="http://schemas.openxmlformats.org/drawingml/2006/main" xmlns:r="http://schemas.openxmlformats.org/officeDocument/2006/relationships" xmlns:p="http://schemas.openxmlformats.org/presentationml/2006/main">
   <p:cSld>
     <p:spTree>
@@ -12222,7 +15115,7 @@
 </p:sld>
 </file>
 
-<file path=ppt/slides/slide18.xml><?xml version="1.0" encoding="utf-8"?>
+<file path=ppt/slides/slide23.xml><?xml version="1.0" encoding="utf-8"?>
 <p:sld xmlns:a="http://schemas.openxmlformats.org/drawingml/2006/main" xmlns:r="http://schemas.openxmlformats.org/officeDocument/2006/relationships" xmlns:p="http://schemas.openxmlformats.org/presentationml/2006/main">
   <p:cSld>
     <p:spTree>
@@ -13020,7 +15913,7 @@
 </p:sld>
 </file>
 
-<file path=ppt/slides/slide19.xml><?xml version="1.0" encoding="utf-8"?>
+<file path=ppt/slides/slide24.xml><?xml version="1.0" encoding="utf-8"?>
 <p:sld xmlns:a="http://schemas.openxmlformats.org/drawingml/2006/main" xmlns:r="http://schemas.openxmlformats.org/officeDocument/2006/relationships" xmlns:p="http://schemas.openxmlformats.org/presentationml/2006/main">
   <p:cSld>
     <p:spTree>
@@ -13386,7 +16279,7 @@
 </p:sld>
 </file>
 
-<file path=ppt/slides/slide2.xml><?xml version="1.0" encoding="utf-8"?>
+<file path=ppt/slides/slide25.xml><?xml version="1.0" encoding="utf-8"?>
 <p:sld xmlns:a="http://schemas.openxmlformats.org/drawingml/2006/main" xmlns:r="http://schemas.openxmlformats.org/officeDocument/2006/relationships" xmlns:p="http://schemas.openxmlformats.org/presentationml/2006/main">
   <p:cSld>
     <p:spTree>
@@ -13403,48 +16296,16 @@
           <a:chExt cx="0" cy="0"/>
         </a:xfrm>
       </p:grpSpPr>
-      <p:pic>
-        <p:nvPicPr>
-          <p:cNvPr id="28673" name="图片 3"/>
-          <p:cNvPicPr>
-            <a:picLocks noChangeAspect="1"/>
-          </p:cNvPicPr>
-          <p:nvPr/>
-        </p:nvPicPr>
-        <p:blipFill>
-          <a:blip r:embed="rId4"/>
-          <a:srcRect/>
-          <a:stretch>
-            <a:fillRect/>
-          </a:stretch>
-        </p:blipFill>
-        <p:spPr bwMode="auto">
-          <a:xfrm>
-            <a:off x="0" y="0"/>
-            <a:ext cx="4705350" cy="5040313"/>
-          </a:xfrm>
-          <a:prstGeom prst="rect">
-            <a:avLst/>
-          </a:prstGeom>
-          <a:noFill/>
-          <a:ln w="9525">
-            <a:noFill/>
-            <a:miter lim="800000"/>
-            <a:headEnd/>
-            <a:tailEnd/>
-          </a:ln>
-        </p:spPr>
-      </p:pic>
-      <p:sp>
-        <p:nvSpPr>
-          <p:cNvPr id="6" name="文本框 5"/>
+      <p:sp>
+        <p:nvSpPr>
+          <p:cNvPr id="3" name="文本框 2"/>
           <p:cNvSpPr txBox="1"/>
           <p:nvPr/>
         </p:nvSpPr>
         <p:spPr>
           <a:xfrm>
-            <a:off x="2043113" y="2108200"/>
-            <a:ext cx="2032000" cy="1390650"/>
+            <a:off x="2133600" y="101600"/>
+            <a:ext cx="1210588" cy="452945"/>
           </a:xfrm>
           <a:prstGeom prst="rect">
             <a:avLst/>
@@ -13470,7 +16331,7 @@
               <a:defRPr/>
             </a:pPr>
             <a:r>
-              <a:rPr lang="zh-CN" altLang="en-US" sz="7200" b="1" dirty="0">
+              <a:rPr lang="zh-CN" altLang="en-US" sz="2000" b="1" dirty="0">
                 <a:solidFill>
                   <a:schemeClr val="accent5">
                     <a:lumMod val="75000"/>
@@ -13480,385 +16341,14 @@
                 <a:ea typeface="微软雅黑" panose="020B0503020204020204" pitchFamily="34" charset="-122"/>
                 <a:cs typeface="+mn-cs"/>
               </a:rPr>
-              <a:t>目录</a:t>
+              <a:t>参考资料</a:t>
             </a:r>
           </a:p>
         </p:txBody>
       </p:sp>
       <p:sp>
         <p:nvSpPr>
-          <p:cNvPr id="8" name="矩形 7"/>
-          <p:cNvSpPr/>
-          <p:nvPr/>
-        </p:nvSpPr>
-        <p:spPr>
-          <a:xfrm>
-            <a:off x="1585913" y="3394075"/>
-            <a:ext cx="3003550" cy="708025"/>
-          </a:xfrm>
-          <a:prstGeom prst="rect">
-            <a:avLst/>
-          </a:prstGeom>
-        </p:spPr>
-        <p:txBody>
-          <a:bodyPr wrap="none">
-            <a:spAutoFit/>
-          </a:bodyPr>
-          <a:lstStyle/>
-          <a:p>
-            <a:pPr fontAlgn="auto">
-              <a:spcBef>
-                <a:spcPts val="0"/>
-              </a:spcBef>
-              <a:spcAft>
-                <a:spcPts val="0"/>
-              </a:spcAft>
-              <a:defRPr/>
-            </a:pPr>
-            <a:r>
-              <a:rPr lang="en-US" altLang="zh-CN" sz="4000" dirty="0">
-                <a:solidFill>
-                  <a:schemeClr val="accent5">
-                    <a:lumMod val="75000"/>
-                  </a:schemeClr>
-                </a:solidFill>
-                <a:latin typeface="Arial" panose="020B0604020202020204" pitchFamily="34" charset="0"/>
-                <a:ea typeface="+mn-ea"/>
-                <a:cs typeface="+mn-cs"/>
-              </a:rPr>
-              <a:t>CONTENTS</a:t>
-            </a:r>
-            <a:endParaRPr lang="zh-CN" altLang="en-US" sz="3200" dirty="0">
-              <a:solidFill>
-                <a:schemeClr val="accent5">
-                  <a:lumMod val="75000"/>
-                </a:schemeClr>
-              </a:solidFill>
-              <a:latin typeface="+mn-lt"/>
-              <a:ea typeface="+mn-ea"/>
-              <a:cs typeface="+mn-cs"/>
-            </a:endParaRPr>
-          </a:p>
-        </p:txBody>
-      </p:sp>
-      <p:sp>
-        <p:nvSpPr>
-          <p:cNvPr id="9" name="文本框 8"/>
-          <p:cNvSpPr txBox="1"/>
-          <p:nvPr/>
-        </p:nvSpPr>
-        <p:spPr>
-          <a:xfrm>
-            <a:off x="5453063" y="958850"/>
-            <a:ext cx="3300327" cy="597921"/>
-          </a:xfrm>
-          <a:prstGeom prst="rect">
-            <a:avLst/>
-          </a:prstGeom>
-          <a:noFill/>
-        </p:spPr>
-        <p:txBody>
-          <a:bodyPr wrap="none">
-            <a:spAutoFit/>
-          </a:bodyPr>
-          <a:lstStyle/>
-          <a:p>
-            <a:pPr fontAlgn="auto">
-              <a:lnSpc>
-                <a:spcPct val="130000"/>
-              </a:lnSpc>
-              <a:spcBef>
-                <a:spcPts val="0"/>
-              </a:spcBef>
-              <a:spcAft>
-                <a:spcPts val="0"/>
-              </a:spcAft>
-              <a:defRPr/>
-            </a:pPr>
-            <a:r>
-              <a:rPr lang="en-US" altLang="zh-CN" sz="2800" b="1" dirty="0">
-                <a:solidFill>
-                  <a:schemeClr val="accent5">
-                    <a:lumMod val="75000"/>
-                  </a:schemeClr>
-                </a:solidFill>
-                <a:latin typeface="+mj-ea"/>
-                <a:ea typeface="+mj-ea"/>
-                <a:cs typeface="+mn-cs"/>
-              </a:rPr>
-              <a:t>Part 01 /</a:t>
-            </a:r>
-            <a:r>
-              <a:rPr lang="zh-CN" altLang="en-US" sz="2800" b="1" dirty="0">
-                <a:solidFill>
-                  <a:schemeClr val="accent5">
-                    <a:lumMod val="75000"/>
-                  </a:schemeClr>
-                </a:solidFill>
-                <a:latin typeface="+mj-ea"/>
-                <a:ea typeface="+mj-ea"/>
-                <a:cs typeface="+mn-cs"/>
-              </a:rPr>
-              <a:t>项目背景</a:t>
-            </a:r>
-          </a:p>
-        </p:txBody>
-      </p:sp>
-      <p:sp>
-        <p:nvSpPr>
-          <p:cNvPr id="10" name="文本框 9"/>
-          <p:cNvSpPr txBox="1"/>
-          <p:nvPr/>
-        </p:nvSpPr>
-        <p:spPr>
-          <a:xfrm>
-            <a:off x="5453063" y="1549662"/>
-            <a:ext cx="3192925" cy="597921"/>
-          </a:xfrm>
-          <a:prstGeom prst="rect">
-            <a:avLst/>
-          </a:prstGeom>
-          <a:noFill/>
-        </p:spPr>
-        <p:txBody>
-          <a:bodyPr wrap="none">
-            <a:spAutoFit/>
-          </a:bodyPr>
-          <a:lstStyle/>
-          <a:p>
-            <a:pPr fontAlgn="auto">
-              <a:lnSpc>
-                <a:spcPct val="130000"/>
-              </a:lnSpc>
-              <a:spcBef>
-                <a:spcPts val="0"/>
-              </a:spcBef>
-              <a:spcAft>
-                <a:spcPts val="0"/>
-              </a:spcAft>
-              <a:defRPr/>
-            </a:pPr>
-            <a:r>
-              <a:rPr lang="en-US" altLang="zh-CN" sz="2800" b="1" dirty="0">
-                <a:solidFill>
-                  <a:schemeClr val="accent5">
-                    <a:lumMod val="75000"/>
-                  </a:schemeClr>
-                </a:solidFill>
-                <a:latin typeface="+mj-ea"/>
-                <a:ea typeface="+mj-ea"/>
-                <a:cs typeface="+mn-cs"/>
-              </a:rPr>
-              <a:t>Part 02 /</a:t>
-            </a:r>
-            <a:r>
-              <a:rPr lang="zh-CN" altLang="en-US" sz="2800" b="1" dirty="0">
-                <a:solidFill>
-                  <a:schemeClr val="accent5">
-                    <a:lumMod val="75000"/>
-                  </a:schemeClr>
-                </a:solidFill>
-                <a:latin typeface="+mj-ea"/>
-                <a:ea typeface="+mj-ea"/>
-                <a:cs typeface="+mn-cs"/>
-              </a:rPr>
-              <a:t>主要任务</a:t>
-            </a:r>
-          </a:p>
-        </p:txBody>
-      </p:sp>
-      <p:sp>
-        <p:nvSpPr>
-          <p:cNvPr id="11" name="文本框 10"/>
-          <p:cNvSpPr txBox="1"/>
-          <p:nvPr/>
-        </p:nvSpPr>
-        <p:spPr>
-          <a:xfrm>
-            <a:off x="5453063" y="2145806"/>
-            <a:ext cx="3551998" cy="597921"/>
-          </a:xfrm>
-          <a:prstGeom prst="rect">
-            <a:avLst/>
-          </a:prstGeom>
-          <a:noFill/>
-        </p:spPr>
-        <p:txBody>
-          <a:bodyPr wrap="none">
-            <a:spAutoFit/>
-          </a:bodyPr>
-          <a:lstStyle/>
-          <a:p>
-            <a:pPr fontAlgn="auto">
-              <a:lnSpc>
-                <a:spcPct val="130000"/>
-              </a:lnSpc>
-              <a:spcBef>
-                <a:spcPts val="0"/>
-              </a:spcBef>
-              <a:spcAft>
-                <a:spcPts val="0"/>
-              </a:spcAft>
-              <a:defRPr/>
-            </a:pPr>
-            <a:r>
-              <a:rPr lang="en-US" altLang="zh-CN" sz="2800" b="1" dirty="0">
-                <a:solidFill>
-                  <a:schemeClr val="accent5">
-                    <a:lumMod val="75000"/>
-                  </a:schemeClr>
-                </a:solidFill>
-                <a:latin typeface="+mj-ea"/>
-                <a:ea typeface="+mj-ea"/>
-                <a:cs typeface="+mn-cs"/>
-              </a:rPr>
-              <a:t>Part 03 /</a:t>
-            </a:r>
-            <a:r>
-              <a:rPr lang="zh-CN" altLang="en-US" sz="2800" b="1" dirty="0">
-                <a:solidFill>
-                  <a:schemeClr val="accent5">
-                    <a:lumMod val="75000"/>
-                  </a:schemeClr>
-                </a:solidFill>
-                <a:latin typeface="+mj-ea"/>
-                <a:ea typeface="+mj-ea"/>
-                <a:cs typeface="+mn-cs"/>
-              </a:rPr>
-              <a:t>工作量评估</a:t>
-            </a:r>
-          </a:p>
-        </p:txBody>
-      </p:sp>
-      <p:sp>
-        <p:nvSpPr>
-          <p:cNvPr id="12" name="文本框 11"/>
-          <p:cNvSpPr txBox="1"/>
-          <p:nvPr/>
-        </p:nvSpPr>
-        <p:spPr>
-          <a:xfrm>
-            <a:off x="5399361" y="2741949"/>
-            <a:ext cx="3300327" cy="597921"/>
-          </a:xfrm>
-          <a:prstGeom prst="rect">
-            <a:avLst/>
-          </a:prstGeom>
-          <a:noFill/>
-        </p:spPr>
-        <p:txBody>
-          <a:bodyPr wrap="none">
-            <a:spAutoFit/>
-          </a:bodyPr>
-          <a:lstStyle/>
-          <a:p>
-            <a:pPr fontAlgn="auto">
-              <a:lnSpc>
-                <a:spcPct val="130000"/>
-              </a:lnSpc>
-              <a:spcBef>
-                <a:spcPts val="0"/>
-              </a:spcBef>
-              <a:spcAft>
-                <a:spcPts val="0"/>
-              </a:spcAft>
-              <a:defRPr/>
-            </a:pPr>
-            <a:r>
-              <a:rPr lang="en-US" altLang="zh-CN" sz="2800" b="1" dirty="0">
-                <a:solidFill>
-                  <a:schemeClr val="accent5">
-                    <a:lumMod val="75000"/>
-                  </a:schemeClr>
-                </a:solidFill>
-                <a:latin typeface="+mj-ea"/>
-                <a:ea typeface="+mj-ea"/>
-                <a:cs typeface="+mn-cs"/>
-              </a:rPr>
-              <a:t>Part 04 /</a:t>
-            </a:r>
-            <a:r>
-              <a:rPr lang="zh-CN" altLang="en-US" sz="2800" b="1" dirty="0">
-                <a:solidFill>
-                  <a:schemeClr val="accent5">
-                    <a:lumMod val="75000"/>
-                  </a:schemeClr>
-                </a:solidFill>
-                <a:latin typeface="+mj-ea"/>
-                <a:ea typeface="+mj-ea"/>
-                <a:cs typeface="+mn-cs"/>
-              </a:rPr>
-              <a:t>项目计划</a:t>
-            </a:r>
-          </a:p>
-        </p:txBody>
-      </p:sp>
-      <p:sp>
-        <p:nvSpPr>
-          <p:cNvPr id="13" name="文本框 12"/>
-          <p:cNvSpPr txBox="1"/>
-          <p:nvPr/>
-        </p:nvSpPr>
-        <p:spPr>
-          <a:xfrm>
-            <a:off x="5453063" y="3390783"/>
-            <a:ext cx="3659400" cy="597921"/>
-          </a:xfrm>
-          <a:prstGeom prst="rect">
-            <a:avLst/>
-          </a:prstGeom>
-          <a:noFill/>
-        </p:spPr>
-        <p:txBody>
-          <a:bodyPr wrap="none">
-            <a:spAutoFit/>
-          </a:bodyPr>
-          <a:lstStyle/>
-          <a:p>
-            <a:pPr fontAlgn="auto">
-              <a:lnSpc>
-                <a:spcPct val="130000"/>
-              </a:lnSpc>
-              <a:spcBef>
-                <a:spcPts val="0"/>
-              </a:spcBef>
-              <a:spcAft>
-                <a:spcPts val="0"/>
-              </a:spcAft>
-              <a:defRPr/>
-            </a:pPr>
-            <a:r>
-              <a:rPr lang="en-US" altLang="zh-CN" sz="2800" b="1" dirty="0">
-                <a:solidFill>
-                  <a:schemeClr val="accent5">
-                    <a:lumMod val="75000"/>
-                  </a:schemeClr>
-                </a:solidFill>
-                <a:latin typeface="+mj-ea"/>
-                <a:ea typeface="+mj-ea"/>
-                <a:cs typeface="+mn-cs"/>
-              </a:rPr>
-              <a:t>Part 05 /</a:t>
-            </a:r>
-            <a:r>
-              <a:rPr lang="zh-CN" altLang="en-US" sz="2800" b="1" dirty="0">
-                <a:solidFill>
-                  <a:schemeClr val="accent5">
-                    <a:lumMod val="75000"/>
-                  </a:schemeClr>
-                </a:solidFill>
-                <a:latin typeface="+mj-ea"/>
-                <a:ea typeface="+mj-ea"/>
-                <a:cs typeface="+mn-cs"/>
-              </a:rPr>
-              <a:t>项目交付件</a:t>
-            </a:r>
-          </a:p>
-        </p:txBody>
-      </p:sp>
-      <p:sp>
-        <p:nvSpPr>
-          <p:cNvPr id="16" name="文本框 15"/>
+          <p:cNvPr id="45" name="文本框 44"/>
           <p:cNvSpPr txBox="1">
             <a:spLocks noChangeArrowheads="1"/>
           </p:cNvSpPr>
@@ -13885,7 +16375,7 @@
           <a:lstStyle/>
           <a:p>
             <a:r>
-              <a:rPr lang="zh-CN" altLang="en-US" dirty="0">
+              <a:rPr lang="zh-CN" altLang="en-US">
                 <a:latin typeface="Arial Black" panose="020B0A04020102020204" pitchFamily="34" charset="0"/>
                 <a:ea typeface="华文仿宋"/>
               </a:rPr>
@@ -13896,10 +16386,10 @@
       </p:sp>
       <p:sp>
         <p:nvSpPr>
-          <p:cNvPr id="14" name="文本框 13">
+          <p:cNvPr id="2" name="文本框 1">
             <a:extLst>
               <a:ext uri="{FF2B5EF4-FFF2-40B4-BE49-F238E27FC236}">
-                <a16:creationId xmlns:a16="http://schemas.microsoft.com/office/drawing/2014/main" id="{93FA0209-04EC-4E8D-9053-0B31055213F5}"/>
+                <a16:creationId xmlns:a16="http://schemas.microsoft.com/office/drawing/2014/main" id="{2414CF67-8089-4C26-BF29-8AA791E9F1BC}"/>
               </a:ext>
             </a:extLst>
           </p:cNvPr>
@@ -13908,8 +16398,8 @@
         </p:nvSpPr>
         <p:spPr>
           <a:xfrm>
-            <a:off x="5453063" y="3985149"/>
-            <a:ext cx="3911071" cy="597921"/>
+            <a:off x="1052820" y="1199334"/>
+            <a:ext cx="9877926" cy="3693319"/>
           </a:xfrm>
           <a:prstGeom prst="rect">
             <a:avLst/>
@@ -13917,145 +16407,246 @@
           <a:noFill/>
         </p:spPr>
         <p:txBody>
-          <a:bodyPr wrap="none">
+          <a:bodyPr wrap="square" rtlCol="0">
             <a:spAutoFit/>
           </a:bodyPr>
           <a:lstStyle/>
           <a:p>
-            <a:pPr fontAlgn="auto">
-              <a:lnSpc>
-                <a:spcPct val="130000"/>
-              </a:lnSpc>
-              <a:spcBef>
-                <a:spcPts val="0"/>
-              </a:spcBef>
-              <a:spcAft>
-                <a:spcPts val="0"/>
-              </a:spcAft>
-              <a:defRPr/>
-            </a:pPr>
-            <a:r>
-              <a:rPr lang="en-US" altLang="zh-CN" sz="2800" b="1" dirty="0">
-                <a:solidFill>
-                  <a:schemeClr val="accent5">
-                    <a:lumMod val="75000"/>
-                  </a:schemeClr>
-                </a:solidFill>
+            <a:r>
+              <a:rPr lang="zh-CN" altLang="zh-CN" b="1" dirty="0">
                 <a:latin typeface="+mj-ea"/>
                 <a:ea typeface="+mj-ea"/>
-                <a:cs typeface="+mn-cs"/>
-              </a:rPr>
-              <a:t>Part 06 /</a:t>
-            </a:r>
-            <a:r>
-              <a:rPr lang="zh-CN" altLang="en-US" sz="2800" b="1" dirty="0">
-                <a:solidFill>
-                  <a:schemeClr val="accent5">
-                    <a:lumMod val="75000"/>
-                  </a:schemeClr>
-                </a:solidFill>
+              </a:rPr>
+              <a:t>软件工程导论（第</a:t>
+            </a:r>
+            <a:r>
+              <a:rPr lang="en-US" altLang="zh-CN" b="1" dirty="0">
                 <a:latin typeface="+mj-ea"/>
                 <a:ea typeface="+mj-ea"/>
-                <a:cs typeface="+mn-cs"/>
-              </a:rPr>
-              <a:t>需求变更管理</a:t>
-            </a:r>
-            <a:endParaRPr lang="en-US" altLang="zh-CN" sz="2800" b="1" dirty="0">
-              <a:solidFill>
-                <a:schemeClr val="accent5">
-                  <a:lumMod val="75000"/>
-                </a:schemeClr>
-              </a:solidFill>
-              <a:latin typeface="+mj-ea"/>
-              <a:ea typeface="+mj-ea"/>
-              <a:cs typeface="+mn-cs"/>
-            </a:endParaRPr>
-          </a:p>
-        </p:txBody>
-      </p:sp>
-      <p:sp>
-        <p:nvSpPr>
-          <p:cNvPr id="15" name="文本框 14">
-            <a:extLst>
-              <a:ext uri="{FF2B5EF4-FFF2-40B4-BE49-F238E27FC236}">
-                <a16:creationId xmlns:a16="http://schemas.microsoft.com/office/drawing/2014/main" id="{4C4DEEA8-7DEA-44BC-8E08-FE21929DB6D3}"/>
-              </a:ext>
-            </a:extLst>
-          </p:cNvPr>
-          <p:cNvSpPr txBox="1"/>
-          <p:nvPr/>
-        </p:nvSpPr>
-        <p:spPr>
-          <a:xfrm>
-            <a:off x="5453063" y="4550442"/>
-            <a:ext cx="3192925" cy="597921"/>
-          </a:xfrm>
-          <a:prstGeom prst="rect">
-            <a:avLst/>
-          </a:prstGeom>
-          <a:noFill/>
-        </p:spPr>
-        <p:txBody>
-          <a:bodyPr wrap="none">
-            <a:spAutoFit/>
-          </a:bodyPr>
-          <a:lstStyle/>
-          <a:p>
-            <a:pPr fontAlgn="auto">
-              <a:lnSpc>
-                <a:spcPct val="130000"/>
-              </a:lnSpc>
-              <a:spcBef>
-                <a:spcPts val="0"/>
-              </a:spcBef>
-              <a:spcAft>
-                <a:spcPts val="0"/>
-              </a:spcAft>
-              <a:defRPr/>
-            </a:pPr>
-            <a:r>
-              <a:rPr lang="en-US" altLang="zh-CN" sz="2800" b="1" dirty="0">
-                <a:solidFill>
-                  <a:schemeClr val="accent5">
-                    <a:lumMod val="75000"/>
-                  </a:schemeClr>
-                </a:solidFill>
+              </a:rPr>
+              <a:t>6</a:t>
+            </a:r>
+            <a:r>
+              <a:rPr lang="zh-CN" altLang="zh-CN" b="1" dirty="0">
                 <a:latin typeface="+mj-ea"/>
                 <a:ea typeface="+mj-ea"/>
-                <a:cs typeface="+mn-cs"/>
-              </a:rPr>
-              <a:t>Part 07 /</a:t>
-            </a:r>
-            <a:r>
-              <a:rPr lang="zh-CN" altLang="en-US" sz="2800" b="1" dirty="0">
-                <a:solidFill>
-                  <a:schemeClr val="accent5">
-                    <a:lumMod val="75000"/>
-                  </a:schemeClr>
-                </a:solidFill>
-                <a:latin typeface="+mj-ea"/>
-                <a:ea typeface="+mj-ea"/>
-                <a:cs typeface="+mn-cs"/>
-              </a:rPr>
-              <a:t>参考资料</a:t>
-            </a:r>
-            <a:endParaRPr lang="en-US" altLang="zh-CN" sz="2800" b="1" dirty="0">
-              <a:solidFill>
-                <a:schemeClr val="accent5">
-                  <a:lumMod val="75000"/>
-                </a:schemeClr>
-              </a:solidFill>
-              <a:latin typeface="+mj-ea"/>
-              <a:ea typeface="+mj-ea"/>
-              <a:cs typeface="+mn-cs"/>
-            </a:endParaRPr>
+              </a:rPr>
+              <a:t>版）（</a:t>
+            </a:r>
+            <a:r>
+              <a:rPr lang="zh-CN" altLang="zh-CN" dirty="0"/>
+              <a:t>张海藩、牟永敏 编著 </a:t>
+            </a:r>
+            <a:r>
+              <a:rPr lang="en-US" altLang="zh-CN" dirty="0"/>
+              <a:t>2013</a:t>
+            </a:r>
+            <a:r>
+              <a:rPr lang="zh-CN" altLang="zh-CN" dirty="0"/>
+              <a:t>年</a:t>
+            </a:r>
+            <a:r>
+              <a:rPr lang="en-US" altLang="zh-CN" dirty="0"/>
+              <a:t>8</a:t>
+            </a:r>
+            <a:r>
+              <a:rPr lang="zh-CN" altLang="zh-CN" dirty="0"/>
+              <a:t>月，清华大学出版社</a:t>
+            </a:r>
+            <a:r>
+              <a:rPr lang="en-US" altLang="zh-CN" dirty="0"/>
+              <a:t> ISBN</a:t>
+            </a:r>
+            <a:r>
+              <a:rPr lang="zh-CN" altLang="zh-CN" dirty="0"/>
+              <a:t>：</a:t>
+            </a:r>
+            <a:r>
+              <a:rPr lang="en-US" altLang="zh-CN" dirty="0"/>
+              <a:t>978-7-302-33098-1</a:t>
+            </a:r>
+            <a:r>
+              <a:rPr lang="zh-CN" altLang="zh-CN" b="1" dirty="0"/>
+              <a:t>）</a:t>
+            </a:r>
+            <a:endParaRPr lang="en-US" altLang="zh-CN" b="1" dirty="0"/>
+          </a:p>
+          <a:p>
+            <a:endParaRPr lang="zh-CN" altLang="zh-CN" dirty="0"/>
+          </a:p>
+          <a:p>
+            <a:r>
+              <a:rPr lang="zh-CN" altLang="zh-CN" b="1" dirty="0"/>
+              <a:t>灰机</a:t>
+            </a:r>
+            <a:r>
+              <a:rPr lang="en-US" altLang="zh-CN" b="1" dirty="0"/>
+              <a:t>wiki</a:t>
+            </a:r>
+            <a:r>
+              <a:rPr lang="zh-CN" altLang="zh-CN" b="1" dirty="0"/>
+              <a:t>（</a:t>
+            </a:r>
+            <a:r>
+              <a:rPr lang="en-US" altLang="zh-CN" u="sng" dirty="0">
+                <a:hlinkClick r:id="rId3"/>
+              </a:rPr>
+              <a:t>https://mhw.huijiwiki.com/wiki/</a:t>
+            </a:r>
+            <a:r>
+              <a:rPr lang="zh-CN" altLang="zh-CN" b="1" dirty="0"/>
+              <a:t>）</a:t>
+            </a:r>
+            <a:endParaRPr lang="en-US" altLang="zh-CN" b="1" dirty="0"/>
+          </a:p>
+          <a:p>
+            <a:endParaRPr lang="zh-CN" altLang="zh-CN" dirty="0"/>
+          </a:p>
+          <a:p>
+            <a:r>
+              <a:rPr lang="zh-CN" altLang="zh-CN" b="1" dirty="0"/>
+              <a:t>我們一起狩獵吧</a:t>
+            </a:r>
+            <a:r>
+              <a:rPr lang="en-US" altLang="zh-CN" b="1" dirty="0"/>
+              <a:t>! | MHW </a:t>
+            </a:r>
+            <a:r>
+              <a:rPr lang="zh-CN" altLang="zh-CN" b="1" dirty="0"/>
+              <a:t>魔物獵人中文攻略 </a:t>
+            </a:r>
+            <a:r>
+              <a:rPr lang="en-US" altLang="zh-CN" b="1" dirty="0"/>
+              <a:t>wiki</a:t>
+            </a:r>
+            <a:r>
+              <a:rPr lang="zh-CN" altLang="zh-CN" b="1" dirty="0"/>
+              <a:t>（</a:t>
+            </a:r>
+            <a:r>
+              <a:rPr lang="en-US" altLang="zh-CN" u="sng" dirty="0">
+                <a:hlinkClick r:id="rId4"/>
+              </a:rPr>
+              <a:t>https://www.mhchinese.wiki/</a:t>
+            </a:r>
+            <a:r>
+              <a:rPr lang="zh-CN" altLang="zh-CN" b="1" dirty="0"/>
+              <a:t>）</a:t>
+            </a:r>
+            <a:endParaRPr lang="zh-CN" altLang="zh-CN" dirty="0"/>
+          </a:p>
+          <a:p>
+            <a:r>
+              <a:rPr lang="en-US" altLang="zh-CN" b="1" dirty="0"/>
+              <a:t>App</a:t>
+            </a:r>
+            <a:r>
+              <a:rPr lang="zh-CN" altLang="zh-CN" b="1" dirty="0"/>
+              <a:t>《</a:t>
+            </a:r>
+            <a:r>
+              <a:rPr lang="en-US" altLang="zh-CN" b="1" dirty="0" err="1"/>
+              <a:t>mhw</a:t>
+            </a:r>
+            <a:r>
+              <a:rPr lang="zh-CN" altLang="zh-CN" b="1" dirty="0"/>
+              <a:t>伙伴》（</a:t>
+            </a:r>
+            <a:r>
+              <a:rPr lang="en-US" altLang="zh-CN" dirty="0"/>
+              <a:t>https://weibo.com/mhwo</a:t>
+            </a:r>
+            <a:r>
+              <a:rPr lang="zh-CN" altLang="zh-CN" b="1" dirty="0"/>
+              <a:t>）</a:t>
+            </a:r>
+            <a:endParaRPr lang="zh-CN" altLang="zh-CN" dirty="0"/>
+          </a:p>
+          <a:p>
+            <a:r>
+              <a:rPr lang="en-US" altLang="zh-CN" b="1" dirty="0"/>
+              <a:t> </a:t>
+            </a:r>
+            <a:endParaRPr lang="zh-CN" altLang="zh-CN" b="1" dirty="0"/>
+          </a:p>
+          <a:p>
+            <a:r>
+              <a:rPr lang="zh-CN" altLang="zh-CN" b="1" dirty="0"/>
+              <a:t>如何打造一份</a:t>
+            </a:r>
+            <a:r>
+              <a:rPr lang="en-US" altLang="zh-CN" b="1" dirty="0"/>
+              <a:t>it</a:t>
+            </a:r>
+            <a:r>
+              <a:rPr lang="zh-CN" altLang="zh-CN" b="1" dirty="0"/>
+              <a:t>项目计划书</a:t>
+            </a:r>
+            <a:r>
+              <a:rPr lang="en-US" altLang="zh-CN" b="1" dirty="0"/>
+              <a:t>(</a:t>
+            </a:r>
+            <a:r>
+              <a:rPr lang="zh-CN" altLang="zh-CN" b="1" dirty="0"/>
+              <a:t>作者：</a:t>
+            </a:r>
+            <a:r>
+              <a:rPr lang="en-US" altLang="zh-CN" b="1" dirty="0" err="1"/>
+              <a:t>biubiuli</a:t>
+            </a:r>
+            <a:r>
+              <a:rPr lang="en-US" altLang="zh-CN" b="1" dirty="0"/>
+              <a:t> </a:t>
+            </a:r>
+            <a:r>
+              <a:rPr lang="zh-CN" altLang="zh-CN" dirty="0"/>
+              <a:t>来源：</a:t>
+            </a:r>
+            <a:r>
+              <a:rPr lang="en-US" altLang="zh-CN" dirty="0"/>
+              <a:t>CSDN </a:t>
+            </a:r>
+            <a:r>
+              <a:rPr lang="zh-CN" altLang="zh-CN" dirty="0"/>
+              <a:t>原文：</a:t>
+            </a:r>
+            <a:r>
+              <a:rPr lang="en-US" altLang="zh-CN" dirty="0"/>
+              <a:t>https://blog.csdn.net/biubiuli/article/details/79376287 )</a:t>
+            </a:r>
+          </a:p>
+          <a:p>
+            <a:endParaRPr lang="en-US" altLang="zh-CN" dirty="0"/>
+          </a:p>
+          <a:p>
+            <a:endParaRPr lang="en-US" altLang="zh-CN" dirty="0"/>
+          </a:p>
+          <a:p>
+            <a:r>
+              <a:rPr lang="zh-CN" altLang="en-US" dirty="0"/>
+              <a:t>关于</a:t>
+            </a:r>
+            <a:r>
+              <a:rPr lang="en-US" altLang="zh-CN" dirty="0"/>
+              <a:t>MHW</a:t>
+            </a:r>
+            <a:r>
+              <a:rPr lang="zh-CN" altLang="en-US" dirty="0"/>
+              <a:t>助手类软件的调查（</a:t>
+            </a:r>
+            <a:r>
+              <a:rPr lang="en-US" altLang="zh-CN" dirty="0"/>
+              <a:t>https://www.wjx.cn/m/36329795.aspx</a:t>
+            </a:r>
+            <a:r>
+              <a:rPr lang="zh-CN" altLang="en-US" dirty="0"/>
+              <a:t>）</a:t>
+            </a:r>
+            <a:endParaRPr lang="zh-CN" altLang="zh-CN" dirty="0"/>
           </a:p>
         </p:txBody>
       </p:sp>
     </p:spTree>
-    <p:custDataLst>
-      <p:tags r:id="rId1"/>
-    </p:custDataLst>
   </p:cSld>
   <p:clrMapOvr>
     <a:masterClrMapping/>
@@ -14066,7 +16657,7 @@
 </p:sld>
 </file>
 
-<file path=ppt/slides/slide20.xml><?xml version="1.0" encoding="utf-8"?>
+<file path=ppt/slides/slide26.xml><?xml version="1.0" encoding="utf-8"?>
 <p:sld xmlns:a="http://schemas.openxmlformats.org/drawingml/2006/main" xmlns:r="http://schemas.openxmlformats.org/officeDocument/2006/relationships" xmlns:p="http://schemas.openxmlformats.org/presentationml/2006/main">
   <p:cSld>
     <p:spTree>
@@ -14085,14 +16676,78 @@
       </p:grpSpPr>
       <p:sp>
         <p:nvSpPr>
-          <p:cNvPr id="3" name="文本框 2"/>
+          <p:cNvPr id="2" name="标题 1">
+            <a:extLst>
+              <a:ext uri="{FF2B5EF4-FFF2-40B4-BE49-F238E27FC236}">
+                <a16:creationId xmlns:a16="http://schemas.microsoft.com/office/drawing/2014/main" id="{A2A39D54-1F1B-47C0-8DE5-C8C457EA3D76}"/>
+              </a:ext>
+            </a:extLst>
+          </p:cNvPr>
+          <p:cNvSpPr>
+            <a:spLocks noGrp="1"/>
+          </p:cNvSpPr>
+          <p:nvPr>
+            <p:ph type="title"/>
+          </p:nvPr>
+        </p:nvSpPr>
+        <p:spPr/>
+        <p:txBody>
+          <a:bodyPr/>
+          <a:lstStyle/>
+          <a:p>
+            <a:r>
+              <a:rPr lang="zh-CN" altLang="en-US" dirty="0"/>
+              <a:t>配置工具及会议记录</a:t>
+            </a:r>
+          </a:p>
+        </p:txBody>
+      </p:sp>
+      <p:pic>
+        <p:nvPicPr>
+          <p:cNvPr id="3" name="图片 2">
+            <a:extLst>
+              <a:ext uri="{FF2B5EF4-FFF2-40B4-BE49-F238E27FC236}">
+                <a16:creationId xmlns:a16="http://schemas.microsoft.com/office/drawing/2014/main" id="{583AC372-0DD6-42B0-8757-BFA4B13B2F62}"/>
+              </a:ext>
+            </a:extLst>
+          </p:cNvPr>
+          <p:cNvPicPr>
+            <a:picLocks noChangeAspect="1"/>
+          </p:cNvPicPr>
+          <p:nvPr/>
+        </p:nvPicPr>
+        <p:blipFill>
+          <a:blip r:embed="rId2"/>
+          <a:stretch>
+            <a:fillRect/>
+          </a:stretch>
+        </p:blipFill>
+        <p:spPr>
+          <a:xfrm>
+            <a:off x="558800" y="1489604"/>
+            <a:ext cx="7228265" cy="3384723"/>
+          </a:xfrm>
+          <a:prstGeom prst="rect">
+            <a:avLst/>
+          </a:prstGeom>
+        </p:spPr>
+      </p:pic>
+      <p:sp>
+        <p:nvSpPr>
+          <p:cNvPr id="4" name="文本框 3">
+            <a:extLst>
+              <a:ext uri="{FF2B5EF4-FFF2-40B4-BE49-F238E27FC236}">
+                <a16:creationId xmlns:a16="http://schemas.microsoft.com/office/drawing/2014/main" id="{FC4C4BD6-B80F-4DAE-8D58-4779408FE800}"/>
+              </a:ext>
+            </a:extLst>
+          </p:cNvPr>
           <p:cNvSpPr txBox="1"/>
           <p:nvPr/>
         </p:nvSpPr>
         <p:spPr>
           <a:xfrm>
-            <a:off x="2133600" y="101600"/>
-            <a:ext cx="1210588" cy="452945"/>
+            <a:off x="8245723" y="3009611"/>
+            <a:ext cx="2988296" cy="904863"/>
           </a:xfrm>
           <a:prstGeom prst="rect">
             <a:avLst/>
@@ -14100,351 +16755,100 @@
           <a:noFill/>
         </p:spPr>
         <p:txBody>
-          <a:bodyPr wrap="none">
+          <a:bodyPr wrap="square" rtlCol="0">
             <a:spAutoFit/>
           </a:bodyPr>
           <a:lstStyle/>
           <a:p>
-            <a:pPr fontAlgn="auto">
+            <a:pPr>
               <a:lnSpc>
                 <a:spcPct val="130000"/>
               </a:lnSpc>
-              <a:spcBef>
-                <a:spcPts val="0"/>
-              </a:spcBef>
-              <a:spcAft>
-                <a:spcPts val="0"/>
-              </a:spcAft>
-              <a:defRPr/>
-            </a:pPr>
-            <a:r>
-              <a:rPr lang="zh-CN" altLang="en-US" sz="2000" b="1" dirty="0">
-                <a:solidFill>
-                  <a:schemeClr val="accent5">
-                    <a:lumMod val="75000"/>
-                  </a:schemeClr>
-                </a:solidFill>
+            </a:pPr>
+            <a:r>
+              <a:rPr lang="zh-CN" altLang="en-US" sz="1400" dirty="0">
                 <a:latin typeface="Arial" panose="020B0604020202020204" pitchFamily="34" charset="0"/>
                 <a:ea typeface="微软雅黑" panose="020B0503020204020204" pitchFamily="34" charset="-122"/>
-                <a:cs typeface="+mn-cs"/>
-              </a:rPr>
-              <a:t>参考资料</a:t>
-            </a:r>
+              </a:rPr>
+              <a:t>关于目前进度都上传至了</a:t>
+            </a:r>
+            <a:r>
+              <a:rPr lang="en-US" altLang="zh-CN" sz="1400" dirty="0">
+                <a:latin typeface="Arial" panose="020B0604020202020204" pitchFamily="34" charset="0"/>
+                <a:ea typeface="微软雅黑" panose="020B0503020204020204" pitchFamily="34" charset="-122"/>
+              </a:rPr>
+              <a:t>Git</a:t>
+            </a:r>
+          </a:p>
+          <a:p>
+            <a:pPr>
+              <a:lnSpc>
+                <a:spcPct val="130000"/>
+              </a:lnSpc>
+            </a:pPr>
+            <a:r>
+              <a:rPr lang="zh-CN" altLang="en-US" sz="1400" dirty="0">
+                <a:ea typeface="微软雅黑" panose="020B0503020204020204" pitchFamily="34" charset="-122"/>
+              </a:rPr>
+              <a:t>以及会议记录，取其中一张聊天记录证明。</a:t>
+            </a:r>
+            <a:endParaRPr lang="zh-CN" altLang="en-US" sz="1400" dirty="0">
+              <a:latin typeface="Arial" panose="020B0604020202020204" pitchFamily="34" charset="0"/>
+              <a:ea typeface="微软雅黑" panose="020B0503020204020204" pitchFamily="34" charset="-122"/>
+            </a:endParaRPr>
           </a:p>
         </p:txBody>
       </p:sp>
-      <p:sp>
-        <p:nvSpPr>
-          <p:cNvPr id="45" name="文本框 44"/>
-          <p:cNvSpPr txBox="1">
-            <a:spLocks noChangeArrowheads="1"/>
-          </p:cNvSpPr>
+      <p:pic>
+        <p:nvPicPr>
+          <p:cNvPr id="6" name="图片 5">
+            <a:extLst>
+              <a:ext uri="{FF2B5EF4-FFF2-40B4-BE49-F238E27FC236}">
+                <a16:creationId xmlns:a16="http://schemas.microsoft.com/office/drawing/2014/main" id="{81E5214A-F6B0-42A5-ADEB-2032632BEB02}"/>
+              </a:ext>
+            </a:extLst>
+          </p:cNvPr>
+          <p:cNvPicPr>
+            <a:picLocks noChangeAspect="1"/>
+          </p:cNvPicPr>
           <p:nvPr/>
-        </p:nvSpPr>
-        <p:spPr bwMode="auto">
+        </p:nvPicPr>
+        <p:blipFill>
+          <a:blip r:embed="rId3" cstate="print">
+            <a:extLst>
+              <a:ext uri="{28A0092B-C50C-407E-A947-70E740481C1C}">
+                <a14:useLocalDpi xmlns:a14="http://schemas.microsoft.com/office/drawing/2010/main" val="0"/>
+              </a:ext>
+            </a:extLst>
+          </a:blip>
+          <a:stretch>
+            <a:fillRect/>
+          </a:stretch>
+        </p:blipFill>
+        <p:spPr>
           <a:xfrm>
-            <a:off x="11487150" y="-647700"/>
-            <a:ext cx="877888" cy="369887"/>
+            <a:off x="6086475" y="2698501"/>
+            <a:ext cx="1902956" cy="3384723"/>
           </a:xfrm>
           <a:prstGeom prst="rect">
             <a:avLst/>
           </a:prstGeom>
-          <a:noFill/>
-          <a:ln w="9525">
-            <a:noFill/>
-            <a:miter lim="800000"/>
-          </a:ln>
-        </p:spPr>
-        <p:txBody>
-          <a:bodyPr wrap="none">
-            <a:spAutoFit/>
-          </a:bodyPr>
-          <a:lstStyle/>
-          <a:p>
-            <a:r>
-              <a:rPr lang="zh-CN" altLang="en-US">
-                <a:latin typeface="Arial Black" panose="020B0A04020102020204" pitchFamily="34" charset="0"/>
-                <a:ea typeface="华文仿宋"/>
-              </a:rPr>
-              <a:t>延迟符</a:t>
-            </a:r>
-          </a:p>
-        </p:txBody>
-      </p:sp>
-      <p:sp>
-        <p:nvSpPr>
-          <p:cNvPr id="2" name="文本框 1">
-            <a:extLst>
-              <a:ext uri="{FF2B5EF4-FFF2-40B4-BE49-F238E27FC236}">
-                <a16:creationId xmlns:a16="http://schemas.microsoft.com/office/drawing/2014/main" id="{2414CF67-8089-4C26-BF29-8AA791E9F1BC}"/>
-              </a:ext>
-            </a:extLst>
-          </p:cNvPr>
-          <p:cNvSpPr txBox="1"/>
-          <p:nvPr/>
-        </p:nvSpPr>
-        <p:spPr>
-          <a:xfrm>
-            <a:off x="1052820" y="1199334"/>
-            <a:ext cx="9877926" cy="3693319"/>
-          </a:xfrm>
-          <a:prstGeom prst="rect">
-            <a:avLst/>
-          </a:prstGeom>
-          <a:noFill/>
-        </p:spPr>
-        <p:txBody>
-          <a:bodyPr wrap="square" rtlCol="0">
-            <a:spAutoFit/>
-          </a:bodyPr>
-          <a:lstStyle/>
-          <a:p>
-            <a:r>
-              <a:rPr lang="zh-CN" altLang="zh-CN" b="1" dirty="0">
-                <a:latin typeface="+mj-ea"/>
-                <a:ea typeface="+mj-ea"/>
-              </a:rPr>
-              <a:t>软件工程导论（第</a:t>
-            </a:r>
-            <a:r>
-              <a:rPr lang="en-US" altLang="zh-CN" b="1" dirty="0">
-                <a:latin typeface="+mj-ea"/>
-                <a:ea typeface="+mj-ea"/>
-              </a:rPr>
-              <a:t>6</a:t>
-            </a:r>
-            <a:r>
-              <a:rPr lang="zh-CN" altLang="zh-CN" b="1" dirty="0">
-                <a:latin typeface="+mj-ea"/>
-                <a:ea typeface="+mj-ea"/>
-              </a:rPr>
-              <a:t>版）（</a:t>
-            </a:r>
-            <a:r>
-              <a:rPr lang="zh-CN" altLang="zh-CN" dirty="0"/>
-              <a:t>张海藩、牟永敏 编著 </a:t>
-            </a:r>
-            <a:r>
-              <a:rPr lang="en-US" altLang="zh-CN" dirty="0"/>
-              <a:t>2013</a:t>
-            </a:r>
-            <a:r>
-              <a:rPr lang="zh-CN" altLang="zh-CN" dirty="0"/>
-              <a:t>年</a:t>
-            </a:r>
-            <a:r>
-              <a:rPr lang="en-US" altLang="zh-CN" dirty="0"/>
-              <a:t>8</a:t>
-            </a:r>
-            <a:r>
-              <a:rPr lang="zh-CN" altLang="zh-CN" dirty="0"/>
-              <a:t>月，清华大学出版社</a:t>
-            </a:r>
-            <a:r>
-              <a:rPr lang="en-US" altLang="zh-CN" dirty="0"/>
-              <a:t> ISBN</a:t>
-            </a:r>
-            <a:r>
-              <a:rPr lang="zh-CN" altLang="zh-CN" dirty="0"/>
-              <a:t>：</a:t>
-            </a:r>
-            <a:r>
-              <a:rPr lang="en-US" altLang="zh-CN" dirty="0"/>
-              <a:t>978-7-302-33098-1</a:t>
-            </a:r>
-            <a:r>
-              <a:rPr lang="zh-CN" altLang="zh-CN" b="1" dirty="0"/>
-              <a:t>）</a:t>
-            </a:r>
-            <a:endParaRPr lang="en-US" altLang="zh-CN" b="1" dirty="0"/>
-          </a:p>
-          <a:p>
-            <a:endParaRPr lang="zh-CN" altLang="zh-CN" dirty="0"/>
-          </a:p>
-          <a:p>
-            <a:r>
-              <a:rPr lang="zh-CN" altLang="zh-CN" b="1" dirty="0"/>
-              <a:t>灰机</a:t>
-            </a:r>
-            <a:r>
-              <a:rPr lang="en-US" altLang="zh-CN" b="1" dirty="0"/>
-              <a:t>wiki</a:t>
-            </a:r>
-            <a:r>
-              <a:rPr lang="zh-CN" altLang="zh-CN" b="1" dirty="0"/>
-              <a:t>（</a:t>
-            </a:r>
-            <a:r>
-              <a:rPr lang="en-US" altLang="zh-CN" u="sng" dirty="0">
-                <a:hlinkClick r:id="rId3"/>
-              </a:rPr>
-              <a:t>https://mhw.huijiwiki.com/wiki/</a:t>
-            </a:r>
-            <a:r>
-              <a:rPr lang="zh-CN" altLang="zh-CN" b="1" dirty="0"/>
-              <a:t>）</a:t>
-            </a:r>
-            <a:endParaRPr lang="en-US" altLang="zh-CN" b="1" dirty="0"/>
-          </a:p>
-          <a:p>
-            <a:endParaRPr lang="zh-CN" altLang="zh-CN" dirty="0"/>
-          </a:p>
-          <a:p>
-            <a:r>
-              <a:rPr lang="zh-CN" altLang="zh-CN" b="1" dirty="0"/>
-              <a:t>我們一起狩獵吧</a:t>
-            </a:r>
-            <a:r>
-              <a:rPr lang="en-US" altLang="zh-CN" b="1" dirty="0"/>
-              <a:t>! | MHW </a:t>
-            </a:r>
-            <a:r>
-              <a:rPr lang="zh-CN" altLang="zh-CN" b="1" dirty="0"/>
-              <a:t>魔物獵人中文攻略 </a:t>
-            </a:r>
-            <a:r>
-              <a:rPr lang="en-US" altLang="zh-CN" b="1" dirty="0"/>
-              <a:t>wiki</a:t>
-            </a:r>
-            <a:r>
-              <a:rPr lang="zh-CN" altLang="zh-CN" b="1" dirty="0"/>
-              <a:t>（</a:t>
-            </a:r>
-            <a:r>
-              <a:rPr lang="en-US" altLang="zh-CN" u="sng" dirty="0">
-                <a:hlinkClick r:id="rId4"/>
-              </a:rPr>
-              <a:t>https://www.mhchinese.wiki/</a:t>
-            </a:r>
-            <a:r>
-              <a:rPr lang="zh-CN" altLang="zh-CN" b="1" dirty="0"/>
-              <a:t>）</a:t>
-            </a:r>
-            <a:endParaRPr lang="zh-CN" altLang="zh-CN" dirty="0"/>
-          </a:p>
-          <a:p>
-            <a:r>
-              <a:rPr lang="en-US" altLang="zh-CN" b="1" dirty="0"/>
-              <a:t>App</a:t>
-            </a:r>
-            <a:r>
-              <a:rPr lang="zh-CN" altLang="zh-CN" b="1" dirty="0"/>
-              <a:t>《</a:t>
-            </a:r>
-            <a:r>
-              <a:rPr lang="en-US" altLang="zh-CN" b="1" dirty="0" err="1"/>
-              <a:t>mhw</a:t>
-            </a:r>
-            <a:r>
-              <a:rPr lang="zh-CN" altLang="zh-CN" b="1" dirty="0"/>
-              <a:t>伙伴》（</a:t>
-            </a:r>
-            <a:r>
-              <a:rPr lang="en-US" altLang="zh-CN" dirty="0"/>
-              <a:t>https://weibo.com/mhwo</a:t>
-            </a:r>
-            <a:r>
-              <a:rPr lang="zh-CN" altLang="zh-CN" b="1" dirty="0"/>
-              <a:t>）</a:t>
-            </a:r>
-            <a:endParaRPr lang="zh-CN" altLang="zh-CN" dirty="0"/>
-          </a:p>
-          <a:p>
-            <a:r>
-              <a:rPr lang="en-US" altLang="zh-CN" b="1" dirty="0"/>
-              <a:t> </a:t>
-            </a:r>
-            <a:endParaRPr lang="zh-CN" altLang="zh-CN" b="1" dirty="0"/>
-          </a:p>
-          <a:p>
-            <a:r>
-              <a:rPr lang="zh-CN" altLang="zh-CN" b="1" dirty="0"/>
-              <a:t>如何打造一份</a:t>
-            </a:r>
-            <a:r>
-              <a:rPr lang="en-US" altLang="zh-CN" b="1" dirty="0"/>
-              <a:t>it</a:t>
-            </a:r>
-            <a:r>
-              <a:rPr lang="zh-CN" altLang="zh-CN" b="1" dirty="0"/>
-              <a:t>项目计划书</a:t>
-            </a:r>
-            <a:r>
-              <a:rPr lang="en-US" altLang="zh-CN" b="1" dirty="0"/>
-              <a:t>(</a:t>
-            </a:r>
-            <a:r>
-              <a:rPr lang="zh-CN" altLang="zh-CN" b="1" dirty="0"/>
-              <a:t>作者：</a:t>
-            </a:r>
-            <a:r>
-              <a:rPr lang="en-US" altLang="zh-CN" b="1" dirty="0" err="1"/>
-              <a:t>biubiuli</a:t>
-            </a:r>
-            <a:r>
-              <a:rPr lang="en-US" altLang="zh-CN" b="1" dirty="0"/>
-              <a:t> </a:t>
-            </a:r>
-            <a:r>
-              <a:rPr lang="zh-CN" altLang="zh-CN" dirty="0"/>
-              <a:t>来源：</a:t>
-            </a:r>
-            <a:r>
-              <a:rPr lang="en-US" altLang="zh-CN" dirty="0"/>
-              <a:t>CSDN </a:t>
-            </a:r>
-            <a:r>
-              <a:rPr lang="zh-CN" altLang="zh-CN" dirty="0"/>
-              <a:t>原文：</a:t>
-            </a:r>
-            <a:r>
-              <a:rPr lang="en-US" altLang="zh-CN" dirty="0"/>
-              <a:t>https://blog.csdn.net/biubiuli/article/details/79376287 )</a:t>
-            </a:r>
-          </a:p>
-          <a:p>
-            <a:endParaRPr lang="en-US" altLang="zh-CN" dirty="0"/>
-          </a:p>
-          <a:p>
-            <a:endParaRPr lang="en-US" altLang="zh-CN" dirty="0"/>
-          </a:p>
-          <a:p>
-            <a:r>
-              <a:rPr lang="zh-CN" altLang="en-US" dirty="0"/>
-              <a:t>关于</a:t>
-            </a:r>
-            <a:r>
-              <a:rPr lang="en-US" altLang="zh-CN" dirty="0"/>
-              <a:t>MHW</a:t>
-            </a:r>
-            <a:r>
-              <a:rPr lang="zh-CN" altLang="en-US" dirty="0"/>
-              <a:t>助手类软件的调查（</a:t>
-            </a:r>
-            <a:r>
-              <a:rPr lang="en-US" altLang="zh-CN" dirty="0"/>
-              <a:t>https://www.wjx.cn/m/36329795.aspx</a:t>
-            </a:r>
-            <a:r>
-              <a:rPr lang="zh-CN" altLang="en-US" dirty="0"/>
-              <a:t>）</a:t>
-            </a:r>
-            <a:endParaRPr lang="zh-CN" altLang="zh-CN" dirty="0"/>
-          </a:p>
-        </p:txBody>
-      </p:sp>
+        </p:spPr>
+      </p:pic>
     </p:spTree>
+    <p:extLst>
+      <p:ext uri="{BB962C8B-B14F-4D97-AF65-F5344CB8AC3E}">
+        <p14:creationId xmlns:p14="http://schemas.microsoft.com/office/powerpoint/2010/main" val="1837101771"/>
+      </p:ext>
+    </p:extLst>
   </p:cSld>
   <p:clrMapOvr>
     <a:masterClrMapping/>
   </p:clrMapOvr>
-  <p:transition spd="slow" advClick="0" advTm="0">
-    <p:random/>
-  </p:transition>
 </p:sld>
 </file>
 
-<file path=ppt/slides/slide21.xml><?xml version="1.0" encoding="utf-8"?>
+<file path=ppt/slides/slide27.xml><?xml version="1.0" encoding="utf-8"?>
 <p:sld xmlns:a="http://schemas.openxmlformats.org/drawingml/2006/main" xmlns:r="http://schemas.openxmlformats.org/officeDocument/2006/relationships" xmlns:p="http://schemas.openxmlformats.org/presentationml/2006/main">
   <p:cSld>
     <p:spTree>
@@ -14726,7 +17130,7 @@
 </p:sld>
 </file>
 
-<file path=ppt/slides/slide22.xml><?xml version="1.0" encoding="utf-8"?>
+<file path=ppt/slides/slide28.xml><?xml version="1.0" encoding="utf-8"?>
 <p:sld xmlns:a="http://schemas.openxmlformats.org/drawingml/2006/main" xmlns:r="http://schemas.openxmlformats.org/officeDocument/2006/relationships" xmlns:p="http://schemas.openxmlformats.org/presentationml/2006/main">
   <p:cSld>
     <p:spTree>
@@ -17315,7 +19719,7 @@
                 <a:latin typeface="Arial" panose="020B0604020202020204" pitchFamily="34" charset="0"/>
                 <a:ea typeface="微软雅黑" panose="020B0503020204020204" pitchFamily="34" charset="-122"/>
               </a:rPr>
-              <a:t>基础的怪物弱点查找功能，在此之下添加针对不同怪物的推荐武器以及配装</a:t>
+              <a:t>基础的怪物弱点查找功能，在此之下添加针对不同怪物的推荐武器以及配装。</a:t>
             </a:r>
             <a:endParaRPr kumimoji="0" lang="en-US" altLang="zh-CN" sz="2000" b="1" i="0" u="none" strike="noStrike" kern="1200" cap="none" spc="0" normalizeH="0" baseline="0" noProof="0" dirty="0">
               <a:ln>
@@ -17365,7 +19769,7 @@
                 </a:solidFill>
                 <a:ea typeface="微软雅黑" panose="020B0503020204020204" pitchFamily="34" charset="-122"/>
               </a:rPr>
-              <a:t>方便快捷的配装器</a:t>
+              <a:t>方便快捷的配装器，提供关键字查找，并且玩家可以把自己的配装上传供他人参考。</a:t>
             </a:r>
             <a:endParaRPr lang="en-US" altLang="zh-CN" sz="2000" b="1" dirty="0">
               <a:solidFill>
@@ -17422,7 +19826,7 @@
                 <a:latin typeface="Arial" panose="020B0604020202020204" pitchFamily="34" charset="0"/>
                 <a:ea typeface="微软雅黑" panose="020B0503020204020204" pitchFamily="34" charset="-122"/>
               </a:rPr>
-              <a:t>招募版，为玩家们临时招募团体讨伐难度极高的怪物提供便利</a:t>
+              <a:t>招募版，为玩家们临时招募团体讨伐难度极高的怪物提供便利，并包含讨论板功能。</a:t>
             </a:r>
             <a:endParaRPr kumimoji="0" lang="en-US" altLang="zh-CN" sz="2000" b="1" i="0" u="none" strike="noStrike" kern="1200" cap="none" spc="0" normalizeH="0" baseline="0" noProof="0" dirty="0">
               <a:ln>
@@ -17528,7 +19932,7 @@
           <p:cNvPr id="2" name="标题 1">
             <a:extLst>
               <a:ext uri="{FF2B5EF4-FFF2-40B4-BE49-F238E27FC236}">
-                <a16:creationId xmlns:a16="http://schemas.microsoft.com/office/drawing/2014/main" id="{1F2013E3-A8E4-4FF2-8975-EA8CC48DEFEA}"/>
+                <a16:creationId xmlns:a16="http://schemas.microsoft.com/office/drawing/2014/main" id="{BC74205D-E94E-48ED-9499-C37379F877F0}"/>
               </a:ext>
             </a:extLst>
           </p:cNvPr>
@@ -17556,7 +19960,7 @@
           <p:cNvPr id="3" name="文本框 2">
             <a:extLst>
               <a:ext uri="{FF2B5EF4-FFF2-40B4-BE49-F238E27FC236}">
-                <a16:creationId xmlns:a16="http://schemas.microsoft.com/office/drawing/2014/main" id="{AB66956B-3027-4D42-8451-463EAE3F6D35}"/>
+                <a16:creationId xmlns:a16="http://schemas.microsoft.com/office/drawing/2014/main" id="{5797AC0A-C4C6-4679-8176-D7C70509EAFC}"/>
               </a:ext>
             </a:extLst>
           </p:cNvPr>
@@ -17565,8 +19969,8 @@
         </p:nvSpPr>
         <p:spPr>
           <a:xfrm>
-            <a:off x="627166" y="1452785"/>
-            <a:ext cx="10755832" cy="2858026"/>
+            <a:off x="649705" y="2153652"/>
+            <a:ext cx="10515600" cy="2025170"/>
           </a:xfrm>
           <a:prstGeom prst="rect">
             <a:avLst/>
@@ -17585,13 +19989,41 @@
               </a:lnSpc>
             </a:pPr>
             <a:r>
-              <a:rPr lang="zh-CN" altLang="en-US" sz="2000" b="1" dirty="0">
+              <a:rPr lang="zh-CN" altLang="en-US" sz="1400" b="1" dirty="0">
                 <a:latin typeface="Arial" panose="020B0604020202020204" pitchFamily="34" charset="0"/>
                 <a:ea typeface="微软雅黑" panose="020B0503020204020204" pitchFamily="34" charset="-122"/>
               </a:rPr>
-              <a:t>技术：</a:t>
-            </a:r>
-            <a:endParaRPr lang="en-US" altLang="zh-CN" sz="2000" b="1" dirty="0">
+              <a:t>方案一：使用</a:t>
+            </a:r>
+            <a:r>
+              <a:rPr lang="en-US" altLang="zh-CN" sz="1400" b="1" dirty="0">
+                <a:latin typeface="Arial" panose="020B0604020202020204" pitchFamily="34" charset="0"/>
+                <a:ea typeface="微软雅黑" panose="020B0503020204020204" pitchFamily="34" charset="-122"/>
+              </a:rPr>
+              <a:t>java</a:t>
+            </a:r>
+            <a:r>
+              <a:rPr lang="zh-CN" altLang="en-US" sz="1400" b="1" dirty="0">
+                <a:latin typeface="Arial" panose="020B0604020202020204" pitchFamily="34" charset="0"/>
+                <a:ea typeface="微软雅黑" panose="020B0503020204020204" pitchFamily="34" charset="-122"/>
+              </a:rPr>
+              <a:t>和</a:t>
+            </a:r>
+            <a:r>
+              <a:rPr lang="en-US" altLang="zh-CN" sz="1400" b="1" dirty="0" err="1">
+                <a:latin typeface="Arial" panose="020B0604020202020204" pitchFamily="34" charset="0"/>
+                <a:ea typeface="微软雅黑" panose="020B0503020204020204" pitchFamily="34" charset="-122"/>
+              </a:rPr>
+              <a:t>mysql</a:t>
+            </a:r>
+            <a:r>
+              <a:rPr lang="zh-CN" altLang="en-US" sz="1400" b="1" dirty="0">
+                <a:latin typeface="Arial" panose="020B0604020202020204" pitchFamily="34" charset="0"/>
+                <a:ea typeface="微软雅黑" panose="020B0503020204020204" pitchFamily="34" charset="-122"/>
+              </a:rPr>
+              <a:t>实现功能（可行）</a:t>
+            </a:r>
+            <a:endParaRPr lang="en-US" altLang="zh-CN" sz="1400" b="1" dirty="0">
               <a:latin typeface="Arial" panose="020B0604020202020204" pitchFamily="34" charset="0"/>
               <a:ea typeface="微软雅黑" panose="020B0503020204020204" pitchFamily="34" charset="-122"/>
             </a:endParaRPr>
@@ -17602,37 +20034,8 @@
                 <a:spcPct val="130000"/>
               </a:lnSpc>
             </a:pPr>
-            <a:r>
-              <a:rPr lang="zh-CN" altLang="en-US" dirty="0">
-                <a:ea typeface="微软雅黑" panose="020B0503020204020204" pitchFamily="34" charset="-122"/>
-              </a:rPr>
-              <a:t>对于我们这款软件需要大量的数据整合及分析，所以用来达成的主要工具是</a:t>
-            </a:r>
-            <a:r>
-              <a:rPr lang="en-US" altLang="zh-CN" dirty="0">
-                <a:ea typeface="微软雅黑" panose="020B0503020204020204" pitchFamily="34" charset="-122"/>
-              </a:rPr>
-              <a:t>java</a:t>
-            </a:r>
-            <a:r>
-              <a:rPr lang="zh-CN" altLang="en-US" dirty="0">
-                <a:ea typeface="微软雅黑" panose="020B0503020204020204" pitchFamily="34" charset="-122"/>
-              </a:rPr>
-              <a:t>和</a:t>
-            </a:r>
-            <a:r>
-              <a:rPr lang="en-US" altLang="zh-CN" dirty="0" err="1">
-                <a:ea typeface="微软雅黑" panose="020B0503020204020204" pitchFamily="34" charset="-122"/>
-              </a:rPr>
-              <a:t>mysql</a:t>
-            </a:r>
-            <a:r>
-              <a:rPr lang="zh-CN" altLang="en-US" dirty="0">
-                <a:ea typeface="微软雅黑" panose="020B0503020204020204" pitchFamily="34" charset="-122"/>
-              </a:rPr>
-              <a:t>来完成数据库的目的。软件的质量和效率决定于对这两种语言的使用</a:t>
-            </a:r>
-            <a:endParaRPr lang="en-US" altLang="zh-CN" dirty="0">
+            <a:endParaRPr lang="en-US" altLang="zh-CN" sz="1400" dirty="0">
+              <a:latin typeface="Arial" panose="020B0604020202020204" pitchFamily="34" charset="0"/>
               <a:ea typeface="微软雅黑" panose="020B0503020204020204" pitchFamily="34" charset="-122"/>
             </a:endParaRPr>
           </a:p>
@@ -17642,6 +20045,12 @@
                 <a:spcPct val="130000"/>
               </a:lnSpc>
             </a:pPr>
+            <a:r>
+              <a:rPr lang="zh-CN" altLang="en-US" sz="1400" dirty="0">
+                <a:ea typeface="微软雅黑" panose="020B0503020204020204" pitchFamily="34" charset="-122"/>
+              </a:rPr>
+              <a:t>上述两个语句是作为开发人员的比较熟悉的两个语言。便于开发人员进行程序编写，完成功能的实现。</a:t>
+            </a:r>
             <a:endParaRPr lang="en-US" altLang="zh-CN" sz="1400" dirty="0">
               <a:ea typeface="微软雅黑" panose="020B0503020204020204" pitchFamily="34" charset="-122"/>
             </a:endParaRPr>
@@ -17663,12 +20072,24 @@
               </a:lnSpc>
             </a:pPr>
             <a:r>
-              <a:rPr lang="zh-CN" altLang="en-US" sz="2000" b="1" dirty="0">
+              <a:rPr lang="zh-CN" altLang="en-US" sz="1400" b="1" dirty="0">
                 <a:ea typeface="微软雅黑" panose="020B0503020204020204" pitchFamily="34" charset="-122"/>
               </a:rPr>
-              <a:t>经济：</a:t>
-            </a:r>
-            <a:endParaRPr lang="en-US" altLang="zh-CN" sz="2000" b="1" dirty="0">
+              <a:t>方案二：使用</a:t>
+            </a:r>
+            <a:r>
+              <a:rPr lang="en-US" altLang="zh-CN" sz="1400" b="1" dirty="0">
+                <a:ea typeface="微软雅黑" panose="020B0503020204020204" pitchFamily="34" charset="-122"/>
+              </a:rPr>
+              <a:t>access</a:t>
+            </a:r>
+            <a:r>
+              <a:rPr lang="zh-CN" altLang="en-US" sz="1400" b="1" dirty="0">
+                <a:ea typeface="微软雅黑" panose="020B0503020204020204" pitchFamily="34" charset="-122"/>
+              </a:rPr>
+              <a:t>来实现功能（不可行）</a:t>
+            </a:r>
+            <a:endParaRPr lang="en-US" altLang="zh-CN" sz="1400" b="1" dirty="0">
               <a:ea typeface="微软雅黑" panose="020B0503020204020204" pitchFamily="34" charset="-122"/>
             </a:endParaRPr>
           </a:p>
@@ -17678,28 +20099,44 @@
                 <a:spcPct val="130000"/>
               </a:lnSpc>
             </a:pPr>
-            <a:r>
-              <a:rPr lang="zh-CN" altLang="en-US" dirty="0">
-                <a:ea typeface="微软雅黑" panose="020B0503020204020204" pitchFamily="34" charset="-122"/>
-              </a:rPr>
-              <a:t>开发软件的成本主要是服务器的租用，电费和一定的时间（人力成本忽略不计），因此开发成本也不会很昂贵</a:t>
-            </a:r>
-            <a:r>
-              <a:rPr lang="zh-CN" altLang="en-US" sz="1400" dirty="0">
-                <a:ea typeface="微软雅黑" panose="020B0503020204020204" pitchFamily="34" charset="-122"/>
-              </a:rPr>
-              <a:t>。</a:t>
-            </a:r>
-            <a:endParaRPr lang="en-US" altLang="zh-CN" sz="1400" dirty="0">
+            <a:endParaRPr lang="en-US" altLang="zh-CN" sz="1400" b="1" dirty="0">
               <a:ea typeface="微软雅黑" panose="020B0503020204020204" pitchFamily="34" charset="-122"/>
             </a:endParaRPr>
+          </a:p>
+          <a:p>
+            <a:pPr>
+              <a:lnSpc>
+                <a:spcPct val="130000"/>
+              </a:lnSpc>
+            </a:pPr>
+            <a:r>
+              <a:rPr lang="zh-CN" altLang="en-US" sz="1400" dirty="0">
+                <a:latin typeface="Arial" panose="020B0604020202020204" pitchFamily="34" charset="0"/>
+                <a:ea typeface="微软雅黑" panose="020B0503020204020204" pitchFamily="34" charset="-122"/>
+              </a:rPr>
+              <a:t>首先</a:t>
+            </a:r>
+            <a:r>
+              <a:rPr lang="en-US" altLang="zh-CN" sz="1400" dirty="0">
+                <a:latin typeface="Arial" panose="020B0604020202020204" pitchFamily="34" charset="0"/>
+                <a:ea typeface="微软雅黑" panose="020B0503020204020204" pitchFamily="34" charset="-122"/>
+              </a:rPr>
+              <a:t>access</a:t>
+            </a:r>
+            <a:r>
+              <a:rPr lang="zh-CN" altLang="en-US" sz="1400" dirty="0">
+                <a:latin typeface="Arial" panose="020B0604020202020204" pitchFamily="34" charset="0"/>
+                <a:ea typeface="微软雅黑" panose="020B0503020204020204" pitchFamily="34" charset="-122"/>
+              </a:rPr>
+              <a:t>作为一个更偏向私人使用的数据库，不适合作为我们软件的开发使用，其次开放人员对此并不是很熟悉。</a:t>
+            </a:r>
           </a:p>
         </p:txBody>
       </p:sp>
     </p:spTree>
     <p:extLst>
       <p:ext uri="{BB962C8B-B14F-4D97-AF65-F5344CB8AC3E}">
-        <p14:creationId xmlns:p14="http://schemas.microsoft.com/office/powerpoint/2010/main" val="1627335961"/>
+        <p14:creationId xmlns:p14="http://schemas.microsoft.com/office/powerpoint/2010/main" val="3227800475"/>
       </p:ext>
     </p:extLst>
   </p:cSld>
@@ -17731,7 +20168,7 @@
           <p:cNvPr id="2" name="标题 1">
             <a:extLst>
               <a:ext uri="{FF2B5EF4-FFF2-40B4-BE49-F238E27FC236}">
-                <a16:creationId xmlns:a16="http://schemas.microsoft.com/office/drawing/2014/main" id="{677832E0-9524-42C2-8C39-DD2496C2B02C}"/>
+                <a16:creationId xmlns:a16="http://schemas.microsoft.com/office/drawing/2014/main" id="{1F2013E3-A8E4-4FF2-8975-EA8CC48DEFEA}"/>
               </a:ext>
             </a:extLst>
           </p:cNvPr>
@@ -17749,387 +20186,398 @@
           <a:p>
             <a:r>
               <a:rPr lang="zh-CN" altLang="en-US" dirty="0"/>
-              <a:t>预算</a:t>
+              <a:t>可行性分析</a:t>
             </a:r>
           </a:p>
         </p:txBody>
       </p:sp>
-      <p:graphicFrame>
-        <p:nvGraphicFramePr>
-          <p:cNvPr id="3" name="表格 2">
+      <p:sp>
+        <p:nvSpPr>
+          <p:cNvPr id="5" name="文本框 4">
             <a:extLst>
               <a:ext uri="{FF2B5EF4-FFF2-40B4-BE49-F238E27FC236}">
-                <a16:creationId xmlns:a16="http://schemas.microsoft.com/office/drawing/2014/main" id="{92E0DAB7-E5E4-4A60-8D21-0247FE659904}"/>
+                <a16:creationId xmlns:a16="http://schemas.microsoft.com/office/drawing/2014/main" id="{A535B673-B991-446D-BED3-4B1ECF687316}"/>
               </a:ext>
             </a:extLst>
           </p:cNvPr>
-          <p:cNvGraphicFramePr>
-            <a:graphicFrameLocks noGrp="1"/>
-          </p:cNvGraphicFramePr>
-          <p:nvPr>
-            <p:extLst>
-              <p:ext uri="{D42A27DB-BD31-4B8C-83A1-F6EECF244321}">
-                <p14:modId xmlns:p14="http://schemas.microsoft.com/office/powerpoint/2010/main" val="1736837404"/>
-              </p:ext>
-            </p:extLst>
-          </p:nvPr>
-        </p:nvGraphicFramePr>
-        <p:xfrm>
-          <a:off x="1570527" y="2223726"/>
-          <a:ext cx="8128000" cy="3147970"/>
-        </p:xfrm>
-        <a:graphic>
-          <a:graphicData uri="http://schemas.openxmlformats.org/drawingml/2006/table">
-            <a:tbl>
-              <a:tblPr firstRow="1" bandRow="1">
-                <a:tableStyleId>{5C22544A-7EE6-4342-B048-85BDC9FD1C3A}</a:tableStyleId>
-              </a:tblPr>
-              <a:tblGrid>
-                <a:gridCol w="4064000">
-                  <a:extLst>
-                    <a:ext uri="{9D8B030D-6E8A-4147-A177-3AD203B41FA5}">
-                      <a16:colId xmlns:a16="http://schemas.microsoft.com/office/drawing/2014/main" val="3038763162"/>
-                    </a:ext>
-                  </a:extLst>
-                </a:gridCol>
-                <a:gridCol w="4064000">
-                  <a:extLst>
-                    <a:ext uri="{9D8B030D-6E8A-4147-A177-3AD203B41FA5}">
-                      <a16:colId xmlns:a16="http://schemas.microsoft.com/office/drawing/2014/main" val="4272502443"/>
-                    </a:ext>
-                  </a:extLst>
-                </a:gridCol>
-              </a:tblGrid>
-              <a:tr h="370840">
-                <a:tc>
-                  <a:txBody>
-                    <a:bodyPr/>
-                    <a:lstStyle/>
-                    <a:p>
-                      <a:pPr algn="ctr"/>
-                      <a:r>
-                        <a:rPr lang="zh-CN" altLang="en-US" sz="2400" dirty="0">
-                          <a:latin typeface="+mj-ea"/>
-                          <a:ea typeface="+mj-ea"/>
-                        </a:rPr>
-                        <a:t>项目</a:t>
-                      </a:r>
-                    </a:p>
-                  </a:txBody>
-                  <a:tcPr/>
-                </a:tc>
-                <a:tc>
-                  <a:txBody>
-                    <a:bodyPr/>
-                    <a:lstStyle/>
-                    <a:p>
-                      <a:pPr algn="ctr"/>
-                      <a:r>
-                        <a:rPr lang="zh-CN" altLang="en-US" sz="2400" dirty="0">
-                          <a:latin typeface="+mj-ea"/>
-                          <a:ea typeface="+mj-ea"/>
-                        </a:rPr>
-                        <a:t>经费</a:t>
-                      </a:r>
-                    </a:p>
-                  </a:txBody>
-                  <a:tcPr/>
-                </a:tc>
-                <a:extLst>
-                  <a:ext uri="{0D108BD9-81ED-4DB2-BD59-A6C34878D82A}">
-                    <a16:rowId xmlns:a16="http://schemas.microsoft.com/office/drawing/2014/main" val="3547625198"/>
-                  </a:ext>
-                </a:extLst>
-              </a:tr>
-              <a:tr h="370840">
-                <a:tc>
-                  <a:txBody>
-                    <a:bodyPr/>
-                    <a:lstStyle/>
-                    <a:p>
-                      <a:r>
-                        <a:rPr lang="zh-CN" altLang="en-US" dirty="0">
-                          <a:latin typeface="+mj-ea"/>
-                          <a:ea typeface="+mj-ea"/>
-                        </a:rPr>
-                        <a:t>服务器租用（阿里云学生轻量服务器）</a:t>
-                      </a:r>
-                    </a:p>
-                  </a:txBody>
-                  <a:tcPr/>
-                </a:tc>
-                <a:tc>
-                  <a:txBody>
-                    <a:bodyPr/>
-                    <a:lstStyle/>
-                    <a:p>
-                      <a:pPr algn="ctr"/>
-                      <a:r>
-                        <a:rPr lang="en-US" altLang="zh-CN" dirty="0">
-                          <a:latin typeface="+mj-ea"/>
-                          <a:ea typeface="+mj-ea"/>
-                        </a:rPr>
-                        <a:t>114</a:t>
-                      </a:r>
-                      <a:r>
-                        <a:rPr lang="zh-CN" altLang="en-US" dirty="0">
-                          <a:latin typeface="+mj-ea"/>
-                          <a:ea typeface="+mj-ea"/>
-                        </a:rPr>
-                        <a:t>元</a:t>
-                      </a:r>
-                      <a:r>
-                        <a:rPr lang="en-US" altLang="zh-CN" dirty="0">
-                          <a:latin typeface="+mj-ea"/>
-                          <a:ea typeface="+mj-ea"/>
-                        </a:rPr>
-                        <a:t>/</a:t>
-                      </a:r>
-                      <a:r>
-                        <a:rPr lang="zh-CN" altLang="en-US" dirty="0">
-                          <a:latin typeface="+mj-ea"/>
-                          <a:ea typeface="+mj-ea"/>
-                        </a:rPr>
-                        <a:t>年</a:t>
-                      </a:r>
-                    </a:p>
-                  </a:txBody>
-                  <a:tcPr/>
-                </a:tc>
-                <a:extLst>
-                  <a:ext uri="{0D108BD9-81ED-4DB2-BD59-A6C34878D82A}">
-                    <a16:rowId xmlns:a16="http://schemas.microsoft.com/office/drawing/2014/main" val="2078887306"/>
-                  </a:ext>
-                </a:extLst>
-              </a:tr>
-              <a:tr h="370840">
-                <a:tc>
-                  <a:txBody>
-                    <a:bodyPr/>
-                    <a:lstStyle/>
-                    <a:p>
-                      <a:pPr algn="ctr"/>
-                      <a:r>
-                        <a:rPr lang="zh-CN" altLang="en-US" sz="2000" dirty="0">
-                          <a:latin typeface="+mj-ea"/>
-                          <a:ea typeface="+mj-ea"/>
-                        </a:rPr>
-                        <a:t>人力费用</a:t>
-                      </a:r>
-                    </a:p>
-                  </a:txBody>
-                  <a:tcPr/>
-                </a:tc>
-                <a:tc>
-                  <a:txBody>
-                    <a:bodyPr/>
-                    <a:lstStyle/>
-                    <a:p>
-                      <a:pPr algn="ctr"/>
-                      <a:r>
-                        <a:rPr lang="en-US" altLang="zh-CN" b="1" dirty="0"/>
-                        <a:t>0</a:t>
-                      </a:r>
-                      <a:r>
-                        <a:rPr lang="zh-CN" altLang="en-US" b="1" dirty="0"/>
-                        <a:t>元</a:t>
-                      </a:r>
-                      <a:r>
-                        <a:rPr lang="en-US" altLang="zh-CN" b="1" dirty="0"/>
-                        <a:t>/</a:t>
-                      </a:r>
-                      <a:r>
-                        <a:rPr lang="zh-CN" altLang="en-US" b="1" dirty="0"/>
-                        <a:t>人</a:t>
-                      </a:r>
-                    </a:p>
-                  </a:txBody>
-                  <a:tcPr/>
-                </a:tc>
-                <a:extLst>
-                  <a:ext uri="{0D108BD9-81ED-4DB2-BD59-A6C34878D82A}">
-                    <a16:rowId xmlns:a16="http://schemas.microsoft.com/office/drawing/2014/main" val="696880540"/>
-                  </a:ext>
-                </a:extLst>
-              </a:tr>
-              <a:tr h="440330">
-                <a:tc>
-                  <a:txBody>
-                    <a:bodyPr/>
-                    <a:lstStyle/>
-                    <a:p>
-                      <a:pPr algn="ctr"/>
-                      <a:r>
-                        <a:rPr lang="zh-CN" altLang="en-US" dirty="0">
-                          <a:latin typeface="+mj-ea"/>
-                          <a:ea typeface="+mj-ea"/>
-                        </a:rPr>
-                        <a:t>电费</a:t>
-                      </a:r>
-                    </a:p>
-                  </a:txBody>
-                  <a:tcPr/>
-                </a:tc>
-                <a:tc>
-                  <a:txBody>
-                    <a:bodyPr/>
-                    <a:lstStyle/>
-                    <a:p>
-                      <a:pPr algn="ctr"/>
-                      <a:r>
-                        <a:rPr lang="zh-CN" altLang="en-US" dirty="0">
-                          <a:latin typeface="+mj-ea"/>
-                          <a:ea typeface="+mj-ea"/>
-                        </a:rPr>
-                        <a:t>个人承担 忽略不计</a:t>
-                      </a:r>
-                    </a:p>
-                  </a:txBody>
-                  <a:tcPr/>
-                </a:tc>
-                <a:extLst>
-                  <a:ext uri="{0D108BD9-81ED-4DB2-BD59-A6C34878D82A}">
-                    <a16:rowId xmlns:a16="http://schemas.microsoft.com/office/drawing/2014/main" val="4240169943"/>
-                  </a:ext>
-                </a:extLst>
-              </a:tr>
-              <a:tr h="370840">
-                <a:tc>
-                  <a:txBody>
-                    <a:bodyPr/>
-                    <a:lstStyle/>
-                    <a:p>
-                      <a:pPr algn="ctr"/>
-                      <a:r>
-                        <a:rPr lang="zh-CN" altLang="en-US" dirty="0">
-                          <a:latin typeface="+mj-ea"/>
-                          <a:ea typeface="+mj-ea"/>
-                        </a:rPr>
-                        <a:t>团队建设</a:t>
-                      </a:r>
-                    </a:p>
-                  </a:txBody>
-                  <a:tcPr/>
-                </a:tc>
-                <a:tc>
-                  <a:txBody>
-                    <a:bodyPr/>
-                    <a:lstStyle/>
-                    <a:p>
-                      <a:pPr algn="ctr"/>
-                      <a:r>
-                        <a:rPr lang="en-US" altLang="zh-CN" b="0" dirty="0">
-                          <a:latin typeface="+mj-ea"/>
-                          <a:ea typeface="+mj-ea"/>
-                        </a:rPr>
-                        <a:t>AA </a:t>
-                      </a:r>
-                      <a:r>
-                        <a:rPr lang="zh-CN" altLang="en-US" b="0" dirty="0">
-                          <a:latin typeface="+mj-ea"/>
-                          <a:ea typeface="+mj-ea"/>
-                        </a:rPr>
-                        <a:t>忽略不计</a:t>
-                      </a:r>
-                    </a:p>
-                  </a:txBody>
-                  <a:tcPr/>
-                </a:tc>
-                <a:extLst>
-                  <a:ext uri="{0D108BD9-81ED-4DB2-BD59-A6C34878D82A}">
-                    <a16:rowId xmlns:a16="http://schemas.microsoft.com/office/drawing/2014/main" val="756303479"/>
-                  </a:ext>
-                </a:extLst>
-              </a:tr>
-              <a:tr h="370840">
-                <a:tc>
-                  <a:txBody>
-                    <a:bodyPr/>
-                    <a:lstStyle/>
-                    <a:p>
-                      <a:endParaRPr lang="zh-CN" altLang="en-US"/>
-                    </a:p>
-                  </a:txBody>
-                  <a:tcPr/>
-                </a:tc>
-                <a:tc>
-                  <a:txBody>
-                    <a:bodyPr/>
-                    <a:lstStyle/>
-                    <a:p>
-                      <a:endParaRPr lang="zh-CN" altLang="en-US" dirty="0"/>
-                    </a:p>
-                  </a:txBody>
-                  <a:tcPr/>
-                </a:tc>
-                <a:extLst>
-                  <a:ext uri="{0D108BD9-81ED-4DB2-BD59-A6C34878D82A}">
-                    <a16:rowId xmlns:a16="http://schemas.microsoft.com/office/drawing/2014/main" val="2105339990"/>
-                  </a:ext>
-                </a:extLst>
-              </a:tr>
-              <a:tr h="370840">
-                <a:tc>
-                  <a:txBody>
-                    <a:bodyPr/>
-                    <a:lstStyle/>
-                    <a:p>
-                      <a:endParaRPr lang="zh-CN" altLang="en-US"/>
-                    </a:p>
-                  </a:txBody>
-                  <a:tcPr/>
-                </a:tc>
-                <a:tc>
-                  <a:txBody>
-                    <a:bodyPr/>
-                    <a:lstStyle/>
-                    <a:p>
-                      <a:endParaRPr lang="zh-CN" altLang="en-US" dirty="0"/>
-                    </a:p>
-                  </a:txBody>
-                  <a:tcPr/>
-                </a:tc>
-                <a:extLst>
-                  <a:ext uri="{0D108BD9-81ED-4DB2-BD59-A6C34878D82A}">
-                    <a16:rowId xmlns:a16="http://schemas.microsoft.com/office/drawing/2014/main" val="1974698143"/>
-                  </a:ext>
-                </a:extLst>
-              </a:tr>
-              <a:tr h="370840">
-                <a:tc>
-                  <a:txBody>
-                    <a:bodyPr/>
-                    <a:lstStyle/>
-                    <a:p>
-                      <a:endParaRPr lang="zh-CN" altLang="en-US"/>
-                    </a:p>
-                  </a:txBody>
-                  <a:tcPr/>
-                </a:tc>
-                <a:tc>
-                  <a:txBody>
-                    <a:bodyPr/>
-                    <a:lstStyle/>
-                    <a:p>
-                      <a:endParaRPr lang="zh-CN" altLang="en-US" dirty="0"/>
-                    </a:p>
-                  </a:txBody>
-                  <a:tcPr/>
-                </a:tc>
-                <a:extLst>
-                  <a:ext uri="{0D108BD9-81ED-4DB2-BD59-A6C34878D82A}">
-                    <a16:rowId xmlns:a16="http://schemas.microsoft.com/office/drawing/2014/main" val="1906051195"/>
-                  </a:ext>
-                </a:extLst>
-              </a:tr>
-            </a:tbl>
-          </a:graphicData>
-        </a:graphic>
-      </p:graphicFrame>
+          <p:cNvSpPr txBox="1"/>
+          <p:nvPr/>
+        </p:nvSpPr>
+        <p:spPr>
+          <a:xfrm>
+            <a:off x="558800" y="1375873"/>
+            <a:ext cx="10978022" cy="2025170"/>
+          </a:xfrm>
+          <a:prstGeom prst="rect">
+            <a:avLst/>
+          </a:prstGeom>
+          <a:noFill/>
+        </p:spPr>
+        <p:txBody>
+          <a:bodyPr wrap="square" rtlCol="0">
+            <a:spAutoFit/>
+          </a:bodyPr>
+          <a:lstStyle/>
+          <a:p>
+            <a:pPr>
+              <a:lnSpc>
+                <a:spcPct val="130000"/>
+              </a:lnSpc>
+            </a:pPr>
+            <a:r>
+              <a:rPr lang="zh-CN" altLang="en-US" sz="1400" b="1" dirty="0">
+                <a:solidFill>
+                  <a:prstClr val="black"/>
+                </a:solidFill>
+                <a:ea typeface="微软雅黑" panose="020B0503020204020204" pitchFamily="34" charset="-122"/>
+              </a:rPr>
+              <a:t>怪物弱点查找功能</a:t>
+            </a:r>
+            <a:endParaRPr lang="en-US" altLang="zh-CN" sz="1400" b="1" dirty="0">
+              <a:solidFill>
+                <a:prstClr val="black"/>
+              </a:solidFill>
+              <a:ea typeface="微软雅黑" panose="020B0503020204020204" pitchFamily="34" charset="-122"/>
+            </a:endParaRPr>
+          </a:p>
+          <a:p>
+            <a:pPr>
+              <a:lnSpc>
+                <a:spcPct val="130000"/>
+              </a:lnSpc>
+            </a:pPr>
+            <a:r>
+              <a:rPr lang="en-US" altLang="zh-CN" sz="1400" dirty="0">
+                <a:latin typeface="Arial" panose="020B0604020202020204" pitchFamily="34" charset="0"/>
+                <a:ea typeface="微软雅黑" panose="020B0503020204020204" pitchFamily="34" charset="-122"/>
+              </a:rPr>
+              <a:t> 1 </a:t>
+            </a:r>
+            <a:r>
+              <a:rPr lang="zh-CN" altLang="en-US" sz="1400" dirty="0">
+                <a:latin typeface="Arial" panose="020B0604020202020204" pitchFamily="34" charset="0"/>
+                <a:ea typeface="微软雅黑" panose="020B0503020204020204" pitchFamily="34" charset="-122"/>
+              </a:rPr>
+              <a:t>根据分类查找怪物资料</a:t>
+            </a:r>
+            <a:r>
+              <a:rPr lang="zh-CN" altLang="en-US" sz="1400" dirty="0">
+                <a:ea typeface="微软雅黑" panose="020B0503020204020204" pitchFamily="34" charset="-122"/>
+              </a:rPr>
+              <a:t>：利用</a:t>
+            </a:r>
+            <a:r>
+              <a:rPr lang="en-US" altLang="zh-CN" sz="1400" dirty="0">
+                <a:ea typeface="微软雅黑" panose="020B0503020204020204" pitchFamily="34" charset="-122"/>
+              </a:rPr>
+              <a:t>java</a:t>
+            </a:r>
+            <a:r>
+              <a:rPr lang="zh-CN" altLang="en-US" sz="1400" dirty="0">
+                <a:ea typeface="微软雅黑" panose="020B0503020204020204" pitchFamily="34" charset="-122"/>
+              </a:rPr>
+              <a:t>和</a:t>
+            </a:r>
+            <a:r>
+              <a:rPr lang="en-US" altLang="zh-CN" sz="1400" dirty="0" err="1">
+                <a:ea typeface="微软雅黑" panose="020B0503020204020204" pitchFamily="34" charset="-122"/>
+              </a:rPr>
+              <a:t>mysql</a:t>
+            </a:r>
+            <a:r>
+              <a:rPr lang="zh-CN" altLang="en-US" sz="1400" dirty="0">
+                <a:ea typeface="微软雅黑" panose="020B0503020204020204" pitchFamily="34" charset="-122"/>
+              </a:rPr>
+              <a:t>数据库，经济上不需要过多成本， 在用户间行得通                                     </a:t>
+            </a:r>
+            <a:endParaRPr lang="en-US" altLang="zh-CN" sz="1400" dirty="0">
+              <a:ea typeface="微软雅黑" panose="020B0503020204020204" pitchFamily="34" charset="-122"/>
+            </a:endParaRPr>
+          </a:p>
+          <a:p>
+            <a:pPr>
+              <a:lnSpc>
+                <a:spcPct val="130000"/>
+              </a:lnSpc>
+            </a:pPr>
+            <a:r>
+              <a:rPr lang="en-US" altLang="zh-CN" sz="1400" dirty="0">
+                <a:ea typeface="微软雅黑" panose="020B0503020204020204" pitchFamily="34" charset="-122"/>
+              </a:rPr>
+              <a:t>                                                                                                                                                                                                                    </a:t>
+            </a:r>
+            <a:r>
+              <a:rPr lang="zh-CN" altLang="en-US" sz="1400" dirty="0">
+                <a:ea typeface="微软雅黑" panose="020B0503020204020204" pitchFamily="34" charset="-122"/>
+              </a:rPr>
+              <a:t>可行</a:t>
+            </a:r>
+            <a:endParaRPr lang="en-US" altLang="zh-CN" sz="1400" dirty="0">
+              <a:ea typeface="微软雅黑" panose="020B0503020204020204" pitchFamily="34" charset="-122"/>
+            </a:endParaRPr>
+          </a:p>
+          <a:p>
+            <a:pPr>
+              <a:lnSpc>
+                <a:spcPct val="130000"/>
+              </a:lnSpc>
+            </a:pPr>
+            <a:r>
+              <a:rPr lang="en-US" altLang="zh-CN" sz="1400" dirty="0">
+                <a:latin typeface="Arial" panose="020B0604020202020204" pitchFamily="34" charset="0"/>
+                <a:ea typeface="微软雅黑" panose="020B0503020204020204" pitchFamily="34" charset="-122"/>
+              </a:rPr>
+              <a:t> 2 </a:t>
+            </a:r>
+            <a:r>
+              <a:rPr lang="zh-CN" altLang="en-US" sz="1400" dirty="0">
+                <a:latin typeface="Arial" panose="020B0604020202020204" pitchFamily="34" charset="0"/>
+                <a:ea typeface="微软雅黑" panose="020B0503020204020204" pitchFamily="34" charset="-122"/>
+              </a:rPr>
+              <a:t>识别玩家界面确认怪物：考虑到游戏本身的画面难以用于识别，玩家也不能在游戏中途暂停，和成员现有技术的薄弱</a:t>
+            </a:r>
+            <a:endParaRPr lang="en-US" altLang="zh-CN" sz="1400" dirty="0">
+              <a:latin typeface="Arial" panose="020B0604020202020204" pitchFamily="34" charset="0"/>
+              <a:ea typeface="微软雅黑" panose="020B0503020204020204" pitchFamily="34" charset="-122"/>
+            </a:endParaRPr>
+          </a:p>
+          <a:p>
+            <a:pPr>
+              <a:lnSpc>
+                <a:spcPct val="130000"/>
+              </a:lnSpc>
+            </a:pPr>
+            <a:r>
+              <a:rPr lang="en-US" altLang="zh-CN" sz="1400" dirty="0">
+                <a:ea typeface="微软雅黑" panose="020B0503020204020204" pitchFamily="34" charset="-122"/>
+              </a:rPr>
+              <a:t>                                                                                                                                                                                                                </a:t>
+            </a:r>
+            <a:r>
+              <a:rPr lang="zh-CN" altLang="en-US" sz="1400" dirty="0">
+                <a:ea typeface="微软雅黑" panose="020B0503020204020204" pitchFamily="34" charset="-122"/>
+              </a:rPr>
+              <a:t>不可行</a:t>
+            </a:r>
+            <a:endParaRPr lang="en-US" altLang="zh-CN" sz="1400" dirty="0">
+              <a:ea typeface="微软雅黑" panose="020B0503020204020204" pitchFamily="34" charset="-122"/>
+            </a:endParaRPr>
+          </a:p>
+          <a:p>
+            <a:pPr>
+              <a:lnSpc>
+                <a:spcPct val="130000"/>
+              </a:lnSpc>
+            </a:pPr>
+            <a:r>
+              <a:rPr lang="en-US" altLang="zh-CN" sz="1400" dirty="0">
+                <a:latin typeface="Arial" panose="020B0604020202020204" pitchFamily="34" charset="0"/>
+                <a:ea typeface="微软雅黑" panose="020B0503020204020204" pitchFamily="34" charset="-122"/>
+              </a:rPr>
+              <a:t> 3 </a:t>
+            </a:r>
+            <a:r>
+              <a:rPr lang="zh-CN" altLang="en-US" sz="1400" dirty="0">
+                <a:ea typeface="微软雅黑" panose="020B0503020204020204" pitchFamily="34" charset="-122"/>
+              </a:rPr>
+              <a:t>针对怪物弱点提供帮助：作为固定资料的一部分，技术上不要考虑。考虑到该游戏的玩家一般是在游戏中查好资料再进行狩猎，而进入            正式的游戏环境中无法暂停（游戏本身提供一种半沉浸式的体验），便于玩家在游戏前操作。                                                               可行</a:t>
+            </a:r>
+            <a:endParaRPr lang="en-US" altLang="zh-CN" sz="1400" dirty="0">
+              <a:latin typeface="Arial" panose="020B0604020202020204" pitchFamily="34" charset="0"/>
+              <a:ea typeface="微软雅黑" panose="020B0503020204020204" pitchFamily="34" charset="-122"/>
+            </a:endParaRPr>
+          </a:p>
+        </p:txBody>
+      </p:sp>
+      <p:sp>
+        <p:nvSpPr>
+          <p:cNvPr id="6" name="文本框 5">
+            <a:extLst>
+              <a:ext uri="{FF2B5EF4-FFF2-40B4-BE49-F238E27FC236}">
+                <a16:creationId xmlns:a16="http://schemas.microsoft.com/office/drawing/2014/main" id="{28B6F1B1-18A7-40A9-A022-24EAC7741410}"/>
+              </a:ext>
+            </a:extLst>
+          </p:cNvPr>
+          <p:cNvSpPr txBox="1"/>
+          <p:nvPr/>
+        </p:nvSpPr>
+        <p:spPr>
+          <a:xfrm>
+            <a:off x="481472" y="3802879"/>
+            <a:ext cx="11055350" cy="2025170"/>
+          </a:xfrm>
+          <a:prstGeom prst="rect">
+            <a:avLst/>
+          </a:prstGeom>
+          <a:noFill/>
+        </p:spPr>
+        <p:txBody>
+          <a:bodyPr wrap="square" rtlCol="0">
+            <a:spAutoFit/>
+          </a:bodyPr>
+          <a:lstStyle/>
+          <a:p>
+            <a:pPr>
+              <a:lnSpc>
+                <a:spcPct val="130000"/>
+              </a:lnSpc>
+            </a:pPr>
+            <a:r>
+              <a:rPr lang="zh-CN" altLang="en-US" sz="1400" b="1" dirty="0">
+                <a:solidFill>
+                  <a:prstClr val="black"/>
+                </a:solidFill>
+                <a:ea typeface="微软雅黑" panose="020B0503020204020204" pitchFamily="34" charset="-122"/>
+              </a:rPr>
+              <a:t>配装器</a:t>
+            </a:r>
+            <a:endParaRPr lang="en-US" altLang="zh-CN" sz="1400" b="1" dirty="0">
+              <a:solidFill>
+                <a:prstClr val="black"/>
+              </a:solidFill>
+              <a:ea typeface="微软雅黑" panose="020B0503020204020204" pitchFamily="34" charset="-122"/>
+            </a:endParaRPr>
+          </a:p>
+          <a:p>
+            <a:pPr>
+              <a:lnSpc>
+                <a:spcPct val="130000"/>
+              </a:lnSpc>
+            </a:pPr>
+            <a:r>
+              <a:rPr lang="en-US" altLang="zh-CN" sz="1400" dirty="0">
+                <a:ea typeface="微软雅黑" panose="020B0503020204020204" pitchFamily="34" charset="-122"/>
+              </a:rPr>
+              <a:t> 1 </a:t>
+            </a:r>
+            <a:r>
+              <a:rPr lang="zh-CN" altLang="en-US" sz="1400" dirty="0">
+                <a:ea typeface="微软雅黑" panose="020B0503020204020204" pitchFamily="34" charset="-122"/>
+              </a:rPr>
+              <a:t>关键字查找： 建立完整详尽的数据库，对游戏本身复杂的数据进行整理，在用户之间行的通</a:t>
+            </a:r>
+            <a:endParaRPr lang="en-US" altLang="zh-CN" sz="1400" dirty="0">
+              <a:ea typeface="微软雅黑" panose="020B0503020204020204" pitchFamily="34" charset="-122"/>
+            </a:endParaRPr>
+          </a:p>
+          <a:p>
+            <a:pPr>
+              <a:lnSpc>
+                <a:spcPct val="130000"/>
+              </a:lnSpc>
+            </a:pPr>
+            <a:r>
+              <a:rPr lang="en-US" altLang="zh-CN" sz="1400" dirty="0">
+                <a:latin typeface="Arial" panose="020B0604020202020204" pitchFamily="34" charset="0"/>
+                <a:ea typeface="微软雅黑" panose="020B0503020204020204" pitchFamily="34" charset="-122"/>
+              </a:rPr>
+              <a:t>                                                                                                                                                                                                                   </a:t>
+            </a:r>
+            <a:r>
+              <a:rPr lang="zh-CN" altLang="en-US" sz="1400" dirty="0">
+                <a:latin typeface="Arial" panose="020B0604020202020204" pitchFamily="34" charset="0"/>
+                <a:ea typeface="微软雅黑" panose="020B0503020204020204" pitchFamily="34" charset="-122"/>
+              </a:rPr>
+              <a:t>可行</a:t>
+            </a:r>
+            <a:endParaRPr lang="en-US" altLang="zh-CN" sz="1400" dirty="0">
+              <a:latin typeface="Arial" panose="020B0604020202020204" pitchFamily="34" charset="0"/>
+              <a:ea typeface="微软雅黑" panose="020B0503020204020204" pitchFamily="34" charset="-122"/>
+            </a:endParaRPr>
+          </a:p>
+          <a:p>
+            <a:pPr>
+              <a:lnSpc>
+                <a:spcPct val="130000"/>
+              </a:lnSpc>
+            </a:pPr>
+            <a:r>
+              <a:rPr lang="en-US" altLang="zh-CN" sz="1400" dirty="0">
+                <a:ea typeface="微软雅黑" panose="020B0503020204020204" pitchFamily="34" charset="-122"/>
+              </a:rPr>
+              <a:t> 2 </a:t>
+            </a:r>
+            <a:r>
+              <a:rPr lang="zh-CN" altLang="en-US" sz="1400" dirty="0">
+                <a:ea typeface="微软雅黑" panose="020B0503020204020204" pitchFamily="34" charset="-122"/>
+              </a:rPr>
+              <a:t>上传玩家自己的配装：利用讨论版功能，管理定期收集玩家提供的意见，需要维护成本，在用户之间也行的通</a:t>
+            </a:r>
+            <a:endParaRPr lang="en-US" altLang="zh-CN" sz="1400" dirty="0">
+              <a:ea typeface="微软雅黑" panose="020B0503020204020204" pitchFamily="34" charset="-122"/>
+            </a:endParaRPr>
+          </a:p>
+          <a:p>
+            <a:pPr>
+              <a:lnSpc>
+                <a:spcPct val="130000"/>
+              </a:lnSpc>
+            </a:pPr>
+            <a:r>
+              <a:rPr lang="en-US" altLang="zh-CN" sz="1400" dirty="0">
+                <a:ea typeface="微软雅黑" panose="020B0503020204020204" pitchFamily="34" charset="-122"/>
+              </a:rPr>
+              <a:t>                                                                                                                                                                                                                </a:t>
+            </a:r>
+            <a:r>
+              <a:rPr lang="zh-CN" altLang="en-US" sz="1400" dirty="0">
+                <a:ea typeface="微软雅黑" panose="020B0503020204020204" pitchFamily="34" charset="-122"/>
+              </a:rPr>
+              <a:t>   可行</a:t>
+            </a:r>
+            <a:endParaRPr lang="en-US" altLang="zh-CN" sz="1400" dirty="0">
+              <a:ea typeface="微软雅黑" panose="020B0503020204020204" pitchFamily="34" charset="-122"/>
+            </a:endParaRPr>
+          </a:p>
+          <a:p>
+            <a:pPr>
+              <a:lnSpc>
+                <a:spcPct val="130000"/>
+              </a:lnSpc>
+            </a:pPr>
+            <a:r>
+              <a:rPr lang="en-US" altLang="zh-CN" sz="1400" dirty="0">
+                <a:ea typeface="微软雅黑" panose="020B0503020204020204" pitchFamily="34" charset="-122"/>
+              </a:rPr>
+              <a:t> 3 </a:t>
+            </a:r>
+            <a:r>
+              <a:rPr lang="zh-CN" altLang="en-US" sz="1400" dirty="0">
+                <a:ea typeface="微软雅黑" panose="020B0503020204020204" pitchFamily="34" charset="-122"/>
+              </a:rPr>
+              <a:t>将配好的装备直接导入游戏：调查过后发现游戏本身的数据上传和下载进行了加密，没有办法干预</a:t>
+            </a:r>
+            <a:endParaRPr lang="en-US" altLang="zh-CN" sz="1400" dirty="0">
+              <a:ea typeface="微软雅黑" panose="020B0503020204020204" pitchFamily="34" charset="-122"/>
+            </a:endParaRPr>
+          </a:p>
+          <a:p>
+            <a:pPr>
+              <a:lnSpc>
+                <a:spcPct val="130000"/>
+              </a:lnSpc>
+            </a:pPr>
+            <a:r>
+              <a:rPr lang="en-US" altLang="zh-CN" sz="1400" dirty="0">
+                <a:latin typeface="Arial" panose="020B0604020202020204" pitchFamily="34" charset="0"/>
+                <a:ea typeface="微软雅黑" panose="020B0503020204020204" pitchFamily="34" charset="-122"/>
+              </a:rPr>
+              <a:t>                                                                                                                                                                                                                </a:t>
+            </a:r>
+            <a:r>
+              <a:rPr lang="zh-CN" altLang="en-US" sz="1400" dirty="0">
+                <a:latin typeface="Arial" panose="020B0604020202020204" pitchFamily="34" charset="0"/>
+                <a:ea typeface="微软雅黑" panose="020B0503020204020204" pitchFamily="34" charset="-122"/>
+              </a:rPr>
+              <a:t>不可行</a:t>
+            </a:r>
+          </a:p>
+        </p:txBody>
+      </p:sp>
     </p:spTree>
     <p:extLst>
       <p:ext uri="{BB962C8B-B14F-4D97-AF65-F5344CB8AC3E}">
-        <p14:creationId xmlns:p14="http://schemas.microsoft.com/office/powerpoint/2010/main" val="4011387473"/>
+        <p14:creationId xmlns:p14="http://schemas.microsoft.com/office/powerpoint/2010/main" val="1627335961"/>
       </p:ext>
     </p:extLst>
   </p:cSld>
